--- a/reports/Presentation1.pptx
+++ b/reports/Presentation1.pptx
@@ -2,10 +2,17 @@
 <file path=ppt/presentation.xml><?xml version="1.0" encoding="utf-8"?>
 <p:presentation xmlns:a="http://schemas.openxmlformats.org/drawingml/2006/main" xmlns:r="http://schemas.openxmlformats.org/officeDocument/2006/relationships" xmlns:p="http://schemas.openxmlformats.org/presentationml/2006/main" saveSubsetFonts="1" autoCompressPictures="0">
   <p:sldMasterIdLst>
-    <p:sldMasterId id="2147483648" r:id="rId1"/>
+    <p:sldMasterId id="2147483660" r:id="rId1"/>
   </p:sldMasterIdLst>
   <p:sldIdLst>
     <p:sldId id="256" r:id="rId2"/>
+    <p:sldId id="257" r:id="rId3"/>
+    <p:sldId id="258" r:id="rId4"/>
+    <p:sldId id="259" r:id="rId5"/>
+    <p:sldId id="260" r:id="rId6"/>
+    <p:sldId id="261" r:id="rId7"/>
+    <p:sldId id="262" r:id="rId8"/>
+    <p:sldId id="263" r:id="rId9"/>
   </p:sldIdLst>
   <p:sldSz cx="12192000" cy="6858000"/>
   <p:notesSz cx="6858000" cy="9144000"/>
@@ -13,7 +20,7 @@
     <a:defPPr>
       <a:defRPr lang="en-US"/>
     </a:defPPr>
-    <a:lvl1pPr marL="0" algn="l" defTabSz="914400" rtl="0" eaLnBrk="1" latinLnBrk="0" hangingPunct="1">
+    <a:lvl1pPr marL="0" algn="l" defTabSz="457200" rtl="0" eaLnBrk="1" latinLnBrk="0" hangingPunct="1">
       <a:defRPr sz="1800" kern="1200">
         <a:solidFill>
           <a:schemeClr val="tx1"/>
@@ -23,7 +30,7 @@
         <a:cs typeface="+mn-cs"/>
       </a:defRPr>
     </a:lvl1pPr>
-    <a:lvl2pPr marL="457200" algn="l" defTabSz="914400" rtl="0" eaLnBrk="1" latinLnBrk="0" hangingPunct="1">
+    <a:lvl2pPr marL="457200" algn="l" defTabSz="457200" rtl="0" eaLnBrk="1" latinLnBrk="0" hangingPunct="1">
       <a:defRPr sz="1800" kern="1200">
         <a:solidFill>
           <a:schemeClr val="tx1"/>
@@ -33,7 +40,7 @@
         <a:cs typeface="+mn-cs"/>
       </a:defRPr>
     </a:lvl2pPr>
-    <a:lvl3pPr marL="914400" algn="l" defTabSz="914400" rtl="0" eaLnBrk="1" latinLnBrk="0" hangingPunct="1">
+    <a:lvl3pPr marL="914400" algn="l" defTabSz="457200" rtl="0" eaLnBrk="1" latinLnBrk="0" hangingPunct="1">
       <a:defRPr sz="1800" kern="1200">
         <a:solidFill>
           <a:schemeClr val="tx1"/>
@@ -43,7 +50,7 @@
         <a:cs typeface="+mn-cs"/>
       </a:defRPr>
     </a:lvl3pPr>
-    <a:lvl4pPr marL="1371600" algn="l" defTabSz="914400" rtl="0" eaLnBrk="1" latinLnBrk="0" hangingPunct="1">
+    <a:lvl4pPr marL="1371600" algn="l" defTabSz="457200" rtl="0" eaLnBrk="1" latinLnBrk="0" hangingPunct="1">
       <a:defRPr sz="1800" kern="1200">
         <a:solidFill>
           <a:schemeClr val="tx1"/>
@@ -53,7 +60,7 @@
         <a:cs typeface="+mn-cs"/>
       </a:defRPr>
     </a:lvl4pPr>
-    <a:lvl5pPr marL="1828800" algn="l" defTabSz="914400" rtl="0" eaLnBrk="1" latinLnBrk="0" hangingPunct="1">
+    <a:lvl5pPr marL="1828800" algn="l" defTabSz="457200" rtl="0" eaLnBrk="1" latinLnBrk="0" hangingPunct="1">
       <a:defRPr sz="1800" kern="1200">
         <a:solidFill>
           <a:schemeClr val="tx1"/>
@@ -63,7 +70,7 @@
         <a:cs typeface="+mn-cs"/>
       </a:defRPr>
     </a:lvl5pPr>
-    <a:lvl6pPr marL="2286000" algn="l" defTabSz="914400" rtl="0" eaLnBrk="1" latinLnBrk="0" hangingPunct="1">
+    <a:lvl6pPr marL="2286000" algn="l" defTabSz="457200" rtl="0" eaLnBrk="1" latinLnBrk="0" hangingPunct="1">
       <a:defRPr sz="1800" kern="1200">
         <a:solidFill>
           <a:schemeClr val="tx1"/>
@@ -73,7 +80,7 @@
         <a:cs typeface="+mn-cs"/>
       </a:defRPr>
     </a:lvl6pPr>
-    <a:lvl7pPr marL="2743200" algn="l" defTabSz="914400" rtl="0" eaLnBrk="1" latinLnBrk="0" hangingPunct="1">
+    <a:lvl7pPr marL="2743200" algn="l" defTabSz="457200" rtl="0" eaLnBrk="1" latinLnBrk="0" hangingPunct="1">
       <a:defRPr sz="1800" kern="1200">
         <a:solidFill>
           <a:schemeClr val="tx1"/>
@@ -83,7 +90,7 @@
         <a:cs typeface="+mn-cs"/>
       </a:defRPr>
     </a:lvl7pPr>
-    <a:lvl8pPr marL="3200400" algn="l" defTabSz="914400" rtl="0" eaLnBrk="1" latinLnBrk="0" hangingPunct="1">
+    <a:lvl8pPr marL="3200400" algn="l" defTabSz="457200" rtl="0" eaLnBrk="1" latinLnBrk="0" hangingPunct="1">
       <a:defRPr sz="1800" kern="1200">
         <a:solidFill>
           <a:schemeClr val="tx1"/>
@@ -93,7 +100,7 @@
         <a:cs typeface="+mn-cs"/>
       </a:defRPr>
     </a:lvl8pPr>
-    <a:lvl9pPr marL="3657600" algn="l" defTabSz="914400" rtl="0" eaLnBrk="1" latinLnBrk="0" hangingPunct="1">
+    <a:lvl9pPr marL="3657600" algn="l" defTabSz="457200" rtl="0" eaLnBrk="1" latinLnBrk="0" hangingPunct="1">
       <a:defRPr sz="1800" kern="1200">
         <a:solidFill>
           <a:schemeClr val="tx1"/>
@@ -105,6 +112,22 @@
     </a:lvl9pPr>
   </p:defaultTextStyle>
   <p:extLst>
+    <p:ext uri="{521415D9-36F7-43E2-AB2F-B90AF26B5E84}">
+      <p14:sectionLst xmlns:p14="http://schemas.microsoft.com/office/powerpoint/2010/main">
+        <p14:section name="Default Section" id="{906E1F6E-F52C-43B5-BEEE-3B2F6E725B6B}">
+          <p14:sldIdLst>
+            <p14:sldId id="256"/>
+            <p14:sldId id="257"/>
+            <p14:sldId id="258"/>
+            <p14:sldId id="259"/>
+            <p14:sldId id="260"/>
+            <p14:sldId id="261"/>
+            <p14:sldId id="262"/>
+            <p14:sldId id="263"/>
+          </p14:sldIdLst>
+        </p14:section>
+      </p14:sectionLst>
+    </p:ext>
     <p:ext uri="{EFAFB233-063F-42B5-8137-9DF3F51BA10A}">
       <p15:sldGuideLst xmlns:p15="http://schemas.microsoft.com/office/powerpoint/2012/main">
         <p15:guide id="1" orient="horz" pos="2160" userDrawn="1">
@@ -126,6 +149,11 @@
 <file path=ppt/slideLayouts/slideLayout1.xml><?xml version="1.0" encoding="utf-8"?>
 <p:sldLayout xmlns:a="http://schemas.openxmlformats.org/drawingml/2006/main" xmlns:r="http://schemas.openxmlformats.org/officeDocument/2006/relationships" xmlns:p="http://schemas.openxmlformats.org/presentationml/2006/main" type="title" preserve="1">
   <p:cSld name="Title Slide">
+    <p:bg>
+      <p:bgRef idx="1003">
+        <a:schemeClr val="bg2"/>
+      </p:bgRef>
+    </p:bg>
     <p:spTree>
       <p:nvGrpSpPr>
         <p:cNvPr id="1" name=""/>
@@ -140,33 +168,61 @@
           <a:chExt cx="0" cy="0"/>
         </a:xfrm>
       </p:grpSpPr>
-      <p:sp>
-        <p:nvSpPr>
-          <p:cNvPr id="2" name="Title 1">
+      <p:pic>
+        <p:nvPicPr>
+          <p:cNvPr id="7" name="Picture 6" descr="Celestia-R1---OverlayTitleHD.png"/>
+          <p:cNvPicPr>
+            <a:picLocks noChangeAspect="1"/>
+          </p:cNvPicPr>
+          <p:nvPr/>
+        </p:nvPicPr>
+        <p:blipFill>
+          <a:blip r:embed="rId2">
             <a:extLst>
-              <a:ext uri="{FF2B5EF4-FFF2-40B4-BE49-F238E27FC236}">
-                <a16:creationId xmlns:a16="http://schemas.microsoft.com/office/drawing/2014/main" id="{3F87C598-EE24-924D-BA10-5FB0DA449FB6}"/>
+              <a:ext uri="{28A0092B-C50C-407E-A947-70E740481C1C}">
+                <a14:useLocalDpi xmlns:a14="http://schemas.microsoft.com/office/drawing/2010/main" val="0"/>
               </a:ext>
             </a:extLst>
-          </p:cNvPr>
-          <p:cNvSpPr>
-            <a:spLocks noGrp="1"/>
-          </p:cNvSpPr>
-          <p:nvPr>
-            <p:ph type="ctrTitle"/>
-          </p:nvPr>
-        </p:nvSpPr>
+          </a:blip>
+          <a:stretch>
+            <a:fillRect/>
+          </a:stretch>
+        </p:blipFill>
         <p:spPr>
           <a:xfrm>
-            <a:off x="1524000" y="1122363"/>
-            <a:ext cx="9144000" cy="2387600"/>
+            <a:off x="0" y="0"/>
+            <a:ext cx="12188825" cy="6856214"/>
+          </a:xfrm>
+          <a:prstGeom prst="rect">
+            <a:avLst/>
+          </a:prstGeom>
+        </p:spPr>
+      </p:pic>
+      <p:sp>
+        <p:nvSpPr>
+          <p:cNvPr id="2" name="Title 1"/>
+          <p:cNvSpPr>
+            <a:spLocks noGrp="1"/>
+          </p:cNvSpPr>
+          <p:nvPr>
+            <p:ph type="ctrTitle"/>
+          </p:nvPr>
+        </p:nvSpPr>
+        <p:spPr>
+          <a:xfrm>
+            <a:off x="3962399" y="1964267"/>
+            <a:ext cx="7197726" cy="2421464"/>
           </a:xfrm>
         </p:spPr>
         <p:txBody>
-          <a:bodyPr anchor="b"/>
+          <a:bodyPr anchor="b">
+            <a:normAutofit/>
+          </a:bodyPr>
           <a:lstStyle>
-            <a:lvl1pPr algn="ctr">
-              <a:defRPr sz="6000"/>
+            <a:lvl1pPr algn="r">
+              <a:defRPr sz="4800">
+                <a:effectLst/>
+              </a:defRPr>
             </a:lvl1pPr>
           </a:lstStyle>
           <a:p>
@@ -174,18 +230,13 @@
               <a:rPr lang="en-US"/>
               <a:t>Click to edit Master title style</a:t>
             </a:r>
-          </a:p>
-        </p:txBody>
-      </p:sp>
-      <p:sp>
-        <p:nvSpPr>
-          <p:cNvPr id="3" name="Subtitle 2">
-            <a:extLst>
-              <a:ext uri="{FF2B5EF4-FFF2-40B4-BE49-F238E27FC236}">
-                <a16:creationId xmlns:a16="http://schemas.microsoft.com/office/drawing/2014/main" id="{073651FB-5BD7-094E-9DB3-E675F0F6BCBA}"/>
-              </a:ext>
-            </a:extLst>
-          </p:cNvPr>
+            <a:endParaRPr lang="en-US" dirty="0"/>
+          </a:p>
+        </p:txBody>
+      </p:sp>
+      <p:sp>
+        <p:nvSpPr>
+          <p:cNvPr id="3" name="Subtitle 2"/>
           <p:cNvSpPr>
             <a:spLocks noGrp="1"/>
           </p:cNvSpPr>
@@ -195,48 +246,102 @@
         </p:nvSpPr>
         <p:spPr>
           <a:xfrm>
-            <a:off x="1524000" y="3602038"/>
-            <a:ext cx="9144000" cy="1655762"/>
+            <a:off x="3962399" y="4385732"/>
+            <a:ext cx="7197726" cy="1405467"/>
           </a:xfrm>
         </p:spPr>
         <p:txBody>
-          <a:bodyPr/>
+          <a:bodyPr anchor="t">
+            <a:normAutofit/>
+          </a:bodyPr>
           <a:lstStyle>
-            <a:lvl1pPr marL="0" indent="0" algn="ctr">
-              <a:buNone/>
-              <a:defRPr sz="2400"/>
+            <a:lvl1pPr marL="0" indent="0" algn="r">
+              <a:buNone/>
+              <a:defRPr sz="1800" cap="all">
+                <a:solidFill>
+                  <a:schemeClr val="tx1"/>
+                </a:solidFill>
+              </a:defRPr>
             </a:lvl1pPr>
             <a:lvl2pPr marL="457200" indent="0" algn="ctr">
               <a:buNone/>
-              <a:defRPr sz="2000"/>
+              <a:defRPr>
+                <a:solidFill>
+                  <a:schemeClr val="tx1">
+                    <a:tint val="75000"/>
+                  </a:schemeClr>
+                </a:solidFill>
+              </a:defRPr>
             </a:lvl2pPr>
             <a:lvl3pPr marL="914400" indent="0" algn="ctr">
               <a:buNone/>
-              <a:defRPr sz="1800"/>
+              <a:defRPr>
+                <a:solidFill>
+                  <a:schemeClr val="tx1">
+                    <a:tint val="75000"/>
+                  </a:schemeClr>
+                </a:solidFill>
+              </a:defRPr>
             </a:lvl3pPr>
             <a:lvl4pPr marL="1371600" indent="0" algn="ctr">
               <a:buNone/>
-              <a:defRPr sz="1600"/>
+              <a:defRPr>
+                <a:solidFill>
+                  <a:schemeClr val="tx1">
+                    <a:tint val="75000"/>
+                  </a:schemeClr>
+                </a:solidFill>
+              </a:defRPr>
             </a:lvl4pPr>
             <a:lvl5pPr marL="1828800" indent="0" algn="ctr">
               <a:buNone/>
-              <a:defRPr sz="1600"/>
+              <a:defRPr>
+                <a:solidFill>
+                  <a:schemeClr val="tx1">
+                    <a:tint val="75000"/>
+                  </a:schemeClr>
+                </a:solidFill>
+              </a:defRPr>
             </a:lvl5pPr>
             <a:lvl6pPr marL="2286000" indent="0" algn="ctr">
               <a:buNone/>
-              <a:defRPr sz="1600"/>
+              <a:defRPr>
+                <a:solidFill>
+                  <a:schemeClr val="tx1">
+                    <a:tint val="75000"/>
+                  </a:schemeClr>
+                </a:solidFill>
+              </a:defRPr>
             </a:lvl6pPr>
             <a:lvl7pPr marL="2743200" indent="0" algn="ctr">
               <a:buNone/>
-              <a:defRPr sz="1600"/>
+              <a:defRPr>
+                <a:solidFill>
+                  <a:schemeClr val="tx1">
+                    <a:tint val="75000"/>
+                  </a:schemeClr>
+                </a:solidFill>
+              </a:defRPr>
             </a:lvl7pPr>
             <a:lvl8pPr marL="3200400" indent="0" algn="ctr">
               <a:buNone/>
-              <a:defRPr sz="1600"/>
+              <a:defRPr>
+                <a:solidFill>
+                  <a:schemeClr val="tx1">
+                    <a:tint val="75000"/>
+                  </a:schemeClr>
+                </a:solidFill>
+              </a:defRPr>
             </a:lvl8pPr>
             <a:lvl9pPr marL="3657600" indent="0" algn="ctr">
               <a:buNone/>
-              <a:defRPr sz="1600"/>
+              <a:defRPr>
+                <a:solidFill>
+                  <a:schemeClr val="tx1">
+                    <a:tint val="75000"/>
+                  </a:schemeClr>
+                </a:solidFill>
+              </a:defRPr>
             </a:lvl9pPr>
           </a:lstStyle>
           <a:p>
@@ -244,18 +349,13 @@
               <a:rPr lang="en-US"/>
               <a:t>Click to edit Master subtitle style</a:t>
             </a:r>
-          </a:p>
-        </p:txBody>
-      </p:sp>
-      <p:sp>
-        <p:nvSpPr>
-          <p:cNvPr id="4" name="Date Placeholder 3">
-            <a:extLst>
-              <a:ext uri="{FF2B5EF4-FFF2-40B4-BE49-F238E27FC236}">
-                <a16:creationId xmlns:a16="http://schemas.microsoft.com/office/drawing/2014/main" id="{ECAAA5AD-B95C-6A48-A4FA-D12D88C5F828}"/>
-              </a:ext>
-            </a:extLst>
-          </p:cNvPr>
+            <a:endParaRPr lang="en-US" dirty="0"/>
+          </a:p>
+        </p:txBody>
+      </p:sp>
+      <p:sp>
+        <p:nvSpPr>
+          <p:cNvPr id="4" name="Date Placeholder 3"/>
           <p:cNvSpPr>
             <a:spLocks noGrp="1"/>
           </p:cNvSpPr>
@@ -263,14 +363,19 @@
             <p:ph type="dt" sz="half" idx="10"/>
           </p:nvPr>
         </p:nvSpPr>
-        <p:spPr/>
+        <p:spPr>
+          <a:xfrm>
+            <a:off x="8932558" y="5870575"/>
+            <a:ext cx="1600200" cy="377825"/>
+          </a:xfrm>
+        </p:spPr>
         <p:txBody>
           <a:bodyPr/>
           <a:lstStyle/>
           <a:p>
             <a:fld id="{65391DDC-B041-0642-912B-52C778FA5BB0}" type="datetimeFigureOut">
               <a:rPr lang="en-US" smtClean="0"/>
-              <a:t>1/7/19</a:t>
+              <a:t>3/29/2019</a:t>
             </a:fld>
             <a:endParaRPr lang="en-US"/>
           </a:p>
@@ -278,13 +383,7 @@
       </p:sp>
       <p:sp>
         <p:nvSpPr>
-          <p:cNvPr id="5" name="Footer Placeholder 4">
-            <a:extLst>
-              <a:ext uri="{FF2B5EF4-FFF2-40B4-BE49-F238E27FC236}">
-                <a16:creationId xmlns:a16="http://schemas.microsoft.com/office/drawing/2014/main" id="{C5A4EAFF-8C39-9348-A4FF-B95A82ABD918}"/>
-              </a:ext>
-            </a:extLst>
-          </p:cNvPr>
+          <p:cNvPr id="5" name="Footer Placeholder 4"/>
           <p:cNvSpPr>
             <a:spLocks noGrp="1"/>
           </p:cNvSpPr>
@@ -292,7 +391,12 @@
             <p:ph type="ftr" sz="quarter" idx="11"/>
           </p:nvPr>
         </p:nvSpPr>
-        <p:spPr/>
+        <p:spPr>
+          <a:xfrm>
+            <a:off x="3962399" y="5870575"/>
+            <a:ext cx="4893958" cy="377825"/>
+          </a:xfrm>
+        </p:spPr>
         <p:txBody>
           <a:bodyPr/>
           <a:lstStyle/>
@@ -303,13 +407,7 @@
       </p:sp>
       <p:sp>
         <p:nvSpPr>
-          <p:cNvPr id="6" name="Slide Number Placeholder 5">
-            <a:extLst>
-              <a:ext uri="{FF2B5EF4-FFF2-40B4-BE49-F238E27FC236}">
-                <a16:creationId xmlns:a16="http://schemas.microsoft.com/office/drawing/2014/main" id="{750D909A-55A7-1E4A-A7E8-644B9AFD4660}"/>
-              </a:ext>
-            </a:extLst>
-          </p:cNvPr>
+          <p:cNvPr id="6" name="Slide Number Placeholder 5"/>
           <p:cNvSpPr>
             <a:spLocks noGrp="1"/>
           </p:cNvSpPr>
@@ -317,7 +415,12 @@
             <p:ph type="sldNum" sz="quarter" idx="12"/>
           </p:nvPr>
         </p:nvSpPr>
-        <p:spPr/>
+        <p:spPr>
+          <a:xfrm>
+            <a:off x="10608958" y="5870575"/>
+            <a:ext cx="551167" cy="377825"/>
+          </a:xfrm>
+        </p:spPr>
         <p:txBody>
           <a:bodyPr/>
           <a:lstStyle/>
@@ -333,7 +436,331 @@
     </p:spTree>
     <p:extLst>
       <p:ext uri="{BB962C8B-B14F-4D97-AF65-F5344CB8AC3E}">
-        <p14:creationId xmlns:p14="http://schemas.microsoft.com/office/powerpoint/2010/main" val="186674597"/>
+        <p14:creationId xmlns:p14="http://schemas.microsoft.com/office/powerpoint/2010/main" val="4265809641"/>
+      </p:ext>
+    </p:extLst>
+  </p:cSld>
+  <p:clrMapOvr>
+    <a:overrideClrMapping bg1="dk1" tx1="lt1" bg2="dk2" tx2="lt2" accent1="accent1" accent2="accent2" accent3="accent3" accent4="accent4" accent5="accent5" accent6="accent6" hlink="hlink" folHlink="folHlink"/>
+  </p:clrMapOvr>
+</p:sldLayout>
+</file>
+
+<file path=ppt/slideLayouts/slideLayout10.xml><?xml version="1.0" encoding="utf-8"?>
+<p:sldLayout xmlns:a="http://schemas.openxmlformats.org/drawingml/2006/main" xmlns:r="http://schemas.openxmlformats.org/officeDocument/2006/relationships" xmlns:p="http://schemas.openxmlformats.org/presentationml/2006/main" preserve="1">
+  <p:cSld name="Panoramic Picture with Caption">
+    <p:spTree>
+      <p:nvGrpSpPr>
+        <p:cNvPr id="1" name=""/>
+        <p:cNvGrpSpPr/>
+        <p:nvPr/>
+      </p:nvGrpSpPr>
+      <p:grpSpPr>
+        <a:xfrm>
+          <a:off x="0" y="0"/>
+          <a:ext cx="0" cy="0"/>
+          <a:chOff x="0" y="0"/>
+          <a:chExt cx="0" cy="0"/>
+        </a:xfrm>
+      </p:grpSpPr>
+      <p:pic>
+        <p:nvPicPr>
+          <p:cNvPr id="8" name="Picture 7" descr="Celestia-R1---OverlayContentHD.png"/>
+          <p:cNvPicPr>
+            <a:picLocks noChangeAspect="1"/>
+          </p:cNvPicPr>
+          <p:nvPr/>
+        </p:nvPicPr>
+        <p:blipFill>
+          <a:blip r:embed="rId2">
+            <a:extLst>
+              <a:ext uri="{28A0092B-C50C-407E-A947-70E740481C1C}">
+                <a14:useLocalDpi xmlns:a14="http://schemas.microsoft.com/office/drawing/2010/main" val="0"/>
+              </a:ext>
+            </a:extLst>
+          </a:blip>
+          <a:stretch>
+            <a:fillRect/>
+          </a:stretch>
+        </p:blipFill>
+        <p:spPr>
+          <a:xfrm>
+            <a:off x="0" y="0"/>
+            <a:ext cx="12188825" cy="6856214"/>
+          </a:xfrm>
+          <a:prstGeom prst="rect">
+            <a:avLst/>
+          </a:prstGeom>
+        </p:spPr>
+      </p:pic>
+      <p:sp>
+        <p:nvSpPr>
+          <p:cNvPr id="2" name="Title 1"/>
+          <p:cNvSpPr>
+            <a:spLocks noGrp="1"/>
+          </p:cNvSpPr>
+          <p:nvPr>
+            <p:ph type="title"/>
+          </p:nvPr>
+        </p:nvSpPr>
+        <p:spPr>
+          <a:xfrm>
+            <a:off x="685800" y="4732865"/>
+            <a:ext cx="10131427" cy="566738"/>
+          </a:xfrm>
+        </p:spPr>
+        <p:txBody>
+          <a:bodyPr anchor="b">
+            <a:normAutofit/>
+          </a:bodyPr>
+          <a:lstStyle>
+            <a:lvl1pPr algn="l">
+              <a:defRPr sz="2400" b="0"/>
+            </a:lvl1pPr>
+          </a:lstStyle>
+          <a:p>
+            <a:r>
+              <a:rPr lang="en-US"/>
+              <a:t>Click to edit Master title style</a:t>
+            </a:r>
+            <a:endParaRPr lang="en-US" dirty="0"/>
+          </a:p>
+        </p:txBody>
+      </p:sp>
+      <p:sp>
+        <p:nvSpPr>
+          <p:cNvPr id="3" name="Picture Placeholder 2"/>
+          <p:cNvSpPr>
+            <a:spLocks noGrp="1" noChangeAspect="1"/>
+          </p:cNvSpPr>
+          <p:nvPr>
+            <p:ph type="pic" idx="1"/>
+          </p:nvPr>
+        </p:nvSpPr>
+        <p:spPr>
+          <a:xfrm>
+            <a:off x="1371600" y="932112"/>
+            <a:ext cx="8759827" cy="3164976"/>
+          </a:xfrm>
+          <a:prstGeom prst="roundRect">
+            <a:avLst>
+              <a:gd name="adj" fmla="val 4380"/>
+            </a:avLst>
+          </a:prstGeom>
+          <a:ln w="50800" cap="sq" cmpd="dbl">
+            <a:gradFill flip="none" rotWithShape="1">
+              <a:gsLst>
+                <a:gs pos="0">
+                  <a:srgbClr val="FFFFFF"/>
+                </a:gs>
+                <a:gs pos="100000">
+                  <a:schemeClr val="tx1">
+                    <a:alpha val="0"/>
+                  </a:schemeClr>
+                </a:gs>
+              </a:gsLst>
+              <a:path path="circle">
+                <a:fillToRect l="50000" t="50000" r="50000" b="50000"/>
+              </a:path>
+              <a:tileRect/>
+            </a:gradFill>
+            <a:miter lim="800000"/>
+          </a:ln>
+          <a:effectLst>
+            <a:outerShdw blurRad="254000" algn="tl" rotWithShape="0">
+              <a:srgbClr val="000000">
+                <a:alpha val="43000"/>
+              </a:srgbClr>
+            </a:outerShdw>
+          </a:effectLst>
+        </p:spPr>
+        <p:txBody>
+          <a:bodyPr anchor="t">
+            <a:normAutofit/>
+          </a:bodyPr>
+          <a:lstStyle>
+            <a:lvl1pPr marL="0" indent="0" algn="ctr">
+              <a:buNone/>
+              <a:defRPr sz="1600"/>
+            </a:lvl1pPr>
+            <a:lvl2pPr marL="457200" indent="0">
+              <a:buNone/>
+              <a:defRPr sz="1600"/>
+            </a:lvl2pPr>
+            <a:lvl3pPr marL="914400" indent="0">
+              <a:buNone/>
+              <a:defRPr sz="1600"/>
+            </a:lvl3pPr>
+            <a:lvl4pPr marL="1371600" indent="0">
+              <a:buNone/>
+              <a:defRPr sz="1600"/>
+            </a:lvl4pPr>
+            <a:lvl5pPr marL="1828800" indent="0">
+              <a:buNone/>
+              <a:defRPr sz="1600"/>
+            </a:lvl5pPr>
+            <a:lvl6pPr marL="2286000" indent="0">
+              <a:buNone/>
+              <a:defRPr sz="1600"/>
+            </a:lvl6pPr>
+            <a:lvl7pPr marL="2743200" indent="0">
+              <a:buNone/>
+              <a:defRPr sz="1600"/>
+            </a:lvl7pPr>
+            <a:lvl8pPr marL="3200400" indent="0">
+              <a:buNone/>
+              <a:defRPr sz="1600"/>
+            </a:lvl8pPr>
+            <a:lvl9pPr marL="3657600" indent="0">
+              <a:buNone/>
+              <a:defRPr sz="1600"/>
+            </a:lvl9pPr>
+          </a:lstStyle>
+          <a:p>
+            <a:r>
+              <a:rPr lang="en-US"/>
+              <a:t>Click icon to add picture</a:t>
+            </a:r>
+            <a:endParaRPr lang="en-US" dirty="0"/>
+          </a:p>
+        </p:txBody>
+      </p:sp>
+      <p:sp>
+        <p:nvSpPr>
+          <p:cNvPr id="4" name="Text Placeholder 3"/>
+          <p:cNvSpPr>
+            <a:spLocks noGrp="1"/>
+          </p:cNvSpPr>
+          <p:nvPr>
+            <p:ph type="body" sz="half" idx="2"/>
+          </p:nvPr>
+        </p:nvSpPr>
+        <p:spPr>
+          <a:xfrm>
+            <a:off x="685800" y="5299603"/>
+            <a:ext cx="10131427" cy="493712"/>
+          </a:xfrm>
+        </p:spPr>
+        <p:txBody>
+          <a:bodyPr anchor="t">
+            <a:normAutofit/>
+          </a:bodyPr>
+          <a:lstStyle>
+            <a:lvl1pPr marL="0" indent="0">
+              <a:buNone/>
+              <a:defRPr sz="1400"/>
+            </a:lvl1pPr>
+            <a:lvl2pPr marL="457200" indent="0">
+              <a:buNone/>
+              <a:defRPr sz="1200"/>
+            </a:lvl2pPr>
+            <a:lvl3pPr marL="914400" indent="0">
+              <a:buNone/>
+              <a:defRPr sz="1000"/>
+            </a:lvl3pPr>
+            <a:lvl4pPr marL="1371600" indent="0">
+              <a:buNone/>
+              <a:defRPr sz="900"/>
+            </a:lvl4pPr>
+            <a:lvl5pPr marL="1828800" indent="0">
+              <a:buNone/>
+              <a:defRPr sz="900"/>
+            </a:lvl5pPr>
+            <a:lvl6pPr marL="2286000" indent="0">
+              <a:buNone/>
+              <a:defRPr sz="900"/>
+            </a:lvl6pPr>
+            <a:lvl7pPr marL="2743200" indent="0">
+              <a:buNone/>
+              <a:defRPr sz="900"/>
+            </a:lvl7pPr>
+            <a:lvl8pPr marL="3200400" indent="0">
+              <a:buNone/>
+              <a:defRPr sz="900"/>
+            </a:lvl8pPr>
+            <a:lvl9pPr marL="3657600" indent="0">
+              <a:buNone/>
+              <a:defRPr sz="900"/>
+            </a:lvl9pPr>
+          </a:lstStyle>
+          <a:p>
+            <a:pPr lvl="0"/>
+            <a:r>
+              <a:rPr lang="en-US"/>
+              <a:t>Edit Master text styles</a:t>
+            </a:r>
+          </a:p>
+        </p:txBody>
+      </p:sp>
+      <p:sp>
+        <p:nvSpPr>
+          <p:cNvPr id="5" name="Date Placeholder 4"/>
+          <p:cNvSpPr>
+            <a:spLocks noGrp="1"/>
+          </p:cNvSpPr>
+          <p:nvPr>
+            <p:ph type="dt" sz="half" idx="10"/>
+          </p:nvPr>
+        </p:nvSpPr>
+        <p:spPr/>
+        <p:txBody>
+          <a:bodyPr/>
+          <a:lstStyle/>
+          <a:p>
+            <a:fld id="{65391DDC-B041-0642-912B-52C778FA5BB0}" type="datetimeFigureOut">
+              <a:rPr lang="en-US" smtClean="0"/>
+              <a:t>3/29/2019</a:t>
+            </a:fld>
+            <a:endParaRPr lang="en-US"/>
+          </a:p>
+        </p:txBody>
+      </p:sp>
+      <p:sp>
+        <p:nvSpPr>
+          <p:cNvPr id="6" name="Footer Placeholder 5"/>
+          <p:cNvSpPr>
+            <a:spLocks noGrp="1"/>
+          </p:cNvSpPr>
+          <p:nvPr>
+            <p:ph type="ftr" sz="quarter" idx="11"/>
+          </p:nvPr>
+        </p:nvSpPr>
+        <p:spPr/>
+        <p:txBody>
+          <a:bodyPr/>
+          <a:lstStyle/>
+          <a:p>
+            <a:endParaRPr lang="en-US"/>
+          </a:p>
+        </p:txBody>
+      </p:sp>
+      <p:sp>
+        <p:nvSpPr>
+          <p:cNvPr id="7" name="Slide Number Placeholder 6"/>
+          <p:cNvSpPr>
+            <a:spLocks noGrp="1"/>
+          </p:cNvSpPr>
+          <p:nvPr>
+            <p:ph type="sldNum" sz="quarter" idx="12"/>
+          </p:nvPr>
+        </p:nvSpPr>
+        <p:spPr/>
+        <p:txBody>
+          <a:bodyPr/>
+          <a:lstStyle/>
+          <a:p>
+            <a:fld id="{6F6C604D-DF55-E547-BAF9-8BD6E0281D1B}" type="slidenum">
+              <a:rPr lang="en-US" smtClean="0"/>
+              <a:t>‹#›</a:t>
+            </a:fld>
+            <a:endParaRPr lang="en-US"/>
+          </a:p>
+        </p:txBody>
+      </p:sp>
+    </p:spTree>
+    <p:extLst>
+      <p:ext uri="{BB962C8B-B14F-4D97-AF65-F5344CB8AC3E}">
+        <p14:creationId xmlns:p14="http://schemas.microsoft.com/office/powerpoint/2010/main" val="1291604787"/>
       </p:ext>
     </p:extLst>
   </p:cSld>
@@ -343,7 +770,2020 @@
 </p:sldLayout>
 </file>
 
-<file path=ppt/slideLayouts/slideLayout10.xml><?xml version="1.0" encoding="utf-8"?>
+<file path=ppt/slideLayouts/slideLayout11.xml><?xml version="1.0" encoding="utf-8"?>
+<p:sldLayout xmlns:a="http://schemas.openxmlformats.org/drawingml/2006/main" xmlns:r="http://schemas.openxmlformats.org/officeDocument/2006/relationships" xmlns:p="http://schemas.openxmlformats.org/presentationml/2006/main" preserve="1">
+  <p:cSld name="Title and Caption">
+    <p:spTree>
+      <p:nvGrpSpPr>
+        <p:cNvPr id="1" name=""/>
+        <p:cNvGrpSpPr/>
+        <p:nvPr/>
+      </p:nvGrpSpPr>
+      <p:grpSpPr>
+        <a:xfrm>
+          <a:off x="0" y="0"/>
+          <a:ext cx="0" cy="0"/>
+          <a:chOff x="0" y="0"/>
+          <a:chExt cx="0" cy="0"/>
+        </a:xfrm>
+      </p:grpSpPr>
+      <p:pic>
+        <p:nvPicPr>
+          <p:cNvPr id="7" name="Picture 6" descr="Celestia-R1---OverlayContentHD.png"/>
+          <p:cNvPicPr>
+            <a:picLocks noChangeAspect="1"/>
+          </p:cNvPicPr>
+          <p:nvPr/>
+        </p:nvPicPr>
+        <p:blipFill>
+          <a:blip r:embed="rId2">
+            <a:extLst>
+              <a:ext uri="{28A0092B-C50C-407E-A947-70E740481C1C}">
+                <a14:useLocalDpi xmlns:a14="http://schemas.microsoft.com/office/drawing/2010/main" val="0"/>
+              </a:ext>
+            </a:extLst>
+          </a:blip>
+          <a:stretch>
+            <a:fillRect/>
+          </a:stretch>
+        </p:blipFill>
+        <p:spPr>
+          <a:xfrm>
+            <a:off x="0" y="0"/>
+            <a:ext cx="12188825" cy="6856214"/>
+          </a:xfrm>
+          <a:prstGeom prst="rect">
+            <a:avLst/>
+          </a:prstGeom>
+        </p:spPr>
+      </p:pic>
+      <p:sp>
+        <p:nvSpPr>
+          <p:cNvPr id="2" name="Title 1"/>
+          <p:cNvSpPr>
+            <a:spLocks noGrp="1"/>
+          </p:cNvSpPr>
+          <p:nvPr>
+            <p:ph type="title"/>
+          </p:nvPr>
+        </p:nvSpPr>
+        <p:spPr>
+          <a:xfrm>
+            <a:off x="685801" y="609601"/>
+            <a:ext cx="10131427" cy="3124199"/>
+          </a:xfrm>
+        </p:spPr>
+        <p:txBody>
+          <a:bodyPr anchor="ctr">
+            <a:normAutofit/>
+          </a:bodyPr>
+          <a:lstStyle>
+            <a:lvl1pPr algn="l">
+              <a:defRPr sz="3200" b="0" cap="none"/>
+            </a:lvl1pPr>
+          </a:lstStyle>
+          <a:p>
+            <a:r>
+              <a:rPr lang="en-US"/>
+              <a:t>Click to edit Master title style</a:t>
+            </a:r>
+            <a:endParaRPr lang="en-US" dirty="0"/>
+          </a:p>
+        </p:txBody>
+      </p:sp>
+      <p:sp>
+        <p:nvSpPr>
+          <p:cNvPr id="3" name="Text Placeholder 2"/>
+          <p:cNvSpPr>
+            <a:spLocks noGrp="1"/>
+          </p:cNvSpPr>
+          <p:nvPr>
+            <p:ph type="body" idx="1"/>
+          </p:nvPr>
+        </p:nvSpPr>
+        <p:spPr>
+          <a:xfrm>
+            <a:off x="685800" y="4343400"/>
+            <a:ext cx="10131428" cy="1447800"/>
+          </a:xfrm>
+        </p:spPr>
+        <p:txBody>
+          <a:bodyPr anchor="ctr">
+            <a:normAutofit/>
+          </a:bodyPr>
+          <a:lstStyle>
+            <a:lvl1pPr marL="0" indent="0" algn="l">
+              <a:buNone/>
+              <a:defRPr sz="2000">
+                <a:solidFill>
+                  <a:schemeClr val="tx1"/>
+                </a:solidFill>
+              </a:defRPr>
+            </a:lvl1pPr>
+            <a:lvl2pPr marL="457200" indent="0">
+              <a:buNone/>
+              <a:defRPr sz="1800">
+                <a:solidFill>
+                  <a:schemeClr val="tx1">
+                    <a:tint val="75000"/>
+                  </a:schemeClr>
+                </a:solidFill>
+              </a:defRPr>
+            </a:lvl2pPr>
+            <a:lvl3pPr marL="914400" indent="0">
+              <a:buNone/>
+              <a:defRPr sz="1600">
+                <a:solidFill>
+                  <a:schemeClr val="tx1">
+                    <a:tint val="75000"/>
+                  </a:schemeClr>
+                </a:solidFill>
+              </a:defRPr>
+            </a:lvl3pPr>
+            <a:lvl4pPr marL="1371600" indent="0">
+              <a:buNone/>
+              <a:defRPr sz="1400">
+                <a:solidFill>
+                  <a:schemeClr val="tx1">
+                    <a:tint val="75000"/>
+                  </a:schemeClr>
+                </a:solidFill>
+              </a:defRPr>
+            </a:lvl4pPr>
+            <a:lvl5pPr marL="1828800" indent="0">
+              <a:buNone/>
+              <a:defRPr sz="1400">
+                <a:solidFill>
+                  <a:schemeClr val="tx1">
+                    <a:tint val="75000"/>
+                  </a:schemeClr>
+                </a:solidFill>
+              </a:defRPr>
+            </a:lvl5pPr>
+            <a:lvl6pPr marL="2286000" indent="0">
+              <a:buNone/>
+              <a:defRPr sz="1400">
+                <a:solidFill>
+                  <a:schemeClr val="tx1">
+                    <a:tint val="75000"/>
+                  </a:schemeClr>
+                </a:solidFill>
+              </a:defRPr>
+            </a:lvl6pPr>
+            <a:lvl7pPr marL="2743200" indent="0">
+              <a:buNone/>
+              <a:defRPr sz="1400">
+                <a:solidFill>
+                  <a:schemeClr val="tx1">
+                    <a:tint val="75000"/>
+                  </a:schemeClr>
+                </a:solidFill>
+              </a:defRPr>
+            </a:lvl7pPr>
+            <a:lvl8pPr marL="3200400" indent="0">
+              <a:buNone/>
+              <a:defRPr sz="1400">
+                <a:solidFill>
+                  <a:schemeClr val="tx1">
+                    <a:tint val="75000"/>
+                  </a:schemeClr>
+                </a:solidFill>
+              </a:defRPr>
+            </a:lvl8pPr>
+            <a:lvl9pPr marL="3657600" indent="0">
+              <a:buNone/>
+              <a:defRPr sz="1400">
+                <a:solidFill>
+                  <a:schemeClr val="tx1">
+                    <a:tint val="75000"/>
+                  </a:schemeClr>
+                </a:solidFill>
+              </a:defRPr>
+            </a:lvl9pPr>
+          </a:lstStyle>
+          <a:p>
+            <a:pPr lvl="0"/>
+            <a:r>
+              <a:rPr lang="en-US"/>
+              <a:t>Edit Master text styles</a:t>
+            </a:r>
+          </a:p>
+        </p:txBody>
+      </p:sp>
+      <p:sp>
+        <p:nvSpPr>
+          <p:cNvPr id="4" name="Date Placeholder 3"/>
+          <p:cNvSpPr>
+            <a:spLocks noGrp="1"/>
+          </p:cNvSpPr>
+          <p:nvPr>
+            <p:ph type="dt" sz="half" idx="10"/>
+          </p:nvPr>
+        </p:nvSpPr>
+        <p:spPr/>
+        <p:txBody>
+          <a:bodyPr/>
+          <a:lstStyle/>
+          <a:p>
+            <a:fld id="{65391DDC-B041-0642-912B-52C778FA5BB0}" type="datetimeFigureOut">
+              <a:rPr lang="en-US" smtClean="0"/>
+              <a:t>3/29/2019</a:t>
+            </a:fld>
+            <a:endParaRPr lang="en-US"/>
+          </a:p>
+        </p:txBody>
+      </p:sp>
+      <p:sp>
+        <p:nvSpPr>
+          <p:cNvPr id="5" name="Footer Placeholder 4"/>
+          <p:cNvSpPr>
+            <a:spLocks noGrp="1"/>
+          </p:cNvSpPr>
+          <p:nvPr>
+            <p:ph type="ftr" sz="quarter" idx="11"/>
+          </p:nvPr>
+        </p:nvSpPr>
+        <p:spPr/>
+        <p:txBody>
+          <a:bodyPr/>
+          <a:lstStyle/>
+          <a:p>
+            <a:endParaRPr lang="en-US"/>
+          </a:p>
+        </p:txBody>
+      </p:sp>
+      <p:sp>
+        <p:nvSpPr>
+          <p:cNvPr id="6" name="Slide Number Placeholder 5"/>
+          <p:cNvSpPr>
+            <a:spLocks noGrp="1"/>
+          </p:cNvSpPr>
+          <p:nvPr>
+            <p:ph type="sldNum" sz="quarter" idx="12"/>
+          </p:nvPr>
+        </p:nvSpPr>
+        <p:spPr/>
+        <p:txBody>
+          <a:bodyPr/>
+          <a:lstStyle/>
+          <a:p>
+            <a:fld id="{6F6C604D-DF55-E547-BAF9-8BD6E0281D1B}" type="slidenum">
+              <a:rPr lang="en-US" smtClean="0"/>
+              <a:t>‹#›</a:t>
+            </a:fld>
+            <a:endParaRPr lang="en-US"/>
+          </a:p>
+        </p:txBody>
+      </p:sp>
+    </p:spTree>
+    <p:extLst>
+      <p:ext uri="{BB962C8B-B14F-4D97-AF65-F5344CB8AC3E}">
+        <p14:creationId xmlns:p14="http://schemas.microsoft.com/office/powerpoint/2010/main" val="2923239210"/>
+      </p:ext>
+    </p:extLst>
+  </p:cSld>
+  <p:clrMapOvr>
+    <a:masterClrMapping/>
+  </p:clrMapOvr>
+</p:sldLayout>
+</file>
+
+<file path=ppt/slideLayouts/slideLayout12.xml><?xml version="1.0" encoding="utf-8"?>
+<p:sldLayout xmlns:a="http://schemas.openxmlformats.org/drawingml/2006/main" xmlns:r="http://schemas.openxmlformats.org/officeDocument/2006/relationships" xmlns:p="http://schemas.openxmlformats.org/presentationml/2006/main" preserve="1">
+  <p:cSld name="Quote with Caption">
+    <p:spTree>
+      <p:nvGrpSpPr>
+        <p:cNvPr id="1" name=""/>
+        <p:cNvGrpSpPr/>
+        <p:nvPr/>
+      </p:nvGrpSpPr>
+      <p:grpSpPr>
+        <a:xfrm>
+          <a:off x="0" y="0"/>
+          <a:ext cx="0" cy="0"/>
+          <a:chOff x="0" y="0"/>
+          <a:chExt cx="0" cy="0"/>
+        </a:xfrm>
+      </p:grpSpPr>
+      <p:pic>
+        <p:nvPicPr>
+          <p:cNvPr id="16" name="Picture 15" descr="Celestia-R1---OverlayContentHD.png"/>
+          <p:cNvPicPr>
+            <a:picLocks noChangeAspect="1"/>
+          </p:cNvPicPr>
+          <p:nvPr/>
+        </p:nvPicPr>
+        <p:blipFill>
+          <a:blip r:embed="rId2">
+            <a:extLst>
+              <a:ext uri="{28A0092B-C50C-407E-A947-70E740481C1C}">
+                <a14:useLocalDpi xmlns:a14="http://schemas.microsoft.com/office/drawing/2010/main" val="0"/>
+              </a:ext>
+            </a:extLst>
+          </a:blip>
+          <a:stretch>
+            <a:fillRect/>
+          </a:stretch>
+        </p:blipFill>
+        <p:spPr>
+          <a:xfrm>
+            <a:off x="0" y="0"/>
+            <a:ext cx="12188825" cy="6856214"/>
+          </a:xfrm>
+          <a:prstGeom prst="rect">
+            <a:avLst/>
+          </a:prstGeom>
+        </p:spPr>
+      </p:pic>
+      <p:sp>
+        <p:nvSpPr>
+          <p:cNvPr id="15" name="TextBox 14"/>
+          <p:cNvSpPr txBox="1"/>
+          <p:nvPr/>
+        </p:nvSpPr>
+        <p:spPr>
+          <a:xfrm>
+            <a:off x="10237867" y="2743200"/>
+            <a:ext cx="609600" cy="584776"/>
+          </a:xfrm>
+          <a:prstGeom prst="rect">
+            <a:avLst/>
+          </a:prstGeom>
+        </p:spPr>
+        <p:txBody>
+          <a:bodyPr vert="horz" lIns="91440" tIns="45720" rIns="91440" bIns="45720" rtlCol="0" anchor="ctr">
+            <a:noAutofit/>
+          </a:bodyPr>
+          <a:lstStyle>
+            <a:lvl1pPr>
+              <a:spcBef>
+                <a:spcPct val="0"/>
+              </a:spcBef>
+              <a:buNone/>
+              <a:defRPr sz="3200" b="0" cap="all">
+                <a:ln w="3175" cmpd="sng">
+                  <a:noFill/>
+                </a:ln>
+                <a:effectLst>
+                  <a:glow rad="38100">
+                    <a:schemeClr val="bg1">
+                      <a:lumMod val="65000"/>
+                      <a:lumOff val="35000"/>
+                      <a:alpha val="40000"/>
+                    </a:schemeClr>
+                  </a:glow>
+                  <a:outerShdw blurRad="28575" dist="38100" dir="14040000" algn="tl" rotWithShape="0">
+                    <a:srgbClr val="000000">
+                      <a:alpha val="25000"/>
+                    </a:srgbClr>
+                  </a:outerShdw>
+                </a:effectLst>
+              </a:defRPr>
+            </a:lvl1pPr>
+            <a:lvl2pPr>
+              <a:defRPr>
+                <a:solidFill>
+                  <a:schemeClr val="tx2"/>
+                </a:solidFill>
+              </a:defRPr>
+            </a:lvl2pPr>
+            <a:lvl3pPr>
+              <a:defRPr>
+                <a:solidFill>
+                  <a:schemeClr val="tx2"/>
+                </a:solidFill>
+              </a:defRPr>
+            </a:lvl3pPr>
+            <a:lvl4pPr>
+              <a:defRPr>
+                <a:solidFill>
+                  <a:schemeClr val="tx2"/>
+                </a:solidFill>
+              </a:defRPr>
+            </a:lvl4pPr>
+            <a:lvl5pPr>
+              <a:defRPr>
+                <a:solidFill>
+                  <a:schemeClr val="tx2"/>
+                </a:solidFill>
+              </a:defRPr>
+            </a:lvl5pPr>
+            <a:lvl6pPr>
+              <a:defRPr>
+                <a:solidFill>
+                  <a:schemeClr val="tx2"/>
+                </a:solidFill>
+              </a:defRPr>
+            </a:lvl6pPr>
+            <a:lvl7pPr>
+              <a:defRPr>
+                <a:solidFill>
+                  <a:schemeClr val="tx2"/>
+                </a:solidFill>
+              </a:defRPr>
+            </a:lvl7pPr>
+            <a:lvl8pPr>
+              <a:defRPr>
+                <a:solidFill>
+                  <a:schemeClr val="tx2"/>
+                </a:solidFill>
+              </a:defRPr>
+            </a:lvl8pPr>
+            <a:lvl9pPr>
+              <a:defRPr>
+                <a:solidFill>
+                  <a:schemeClr val="tx2"/>
+                </a:solidFill>
+              </a:defRPr>
+            </a:lvl9pPr>
+          </a:lstStyle>
+          <a:p>
+            <a:pPr lvl="0" algn="r"/>
+            <a:r>
+              <a:rPr lang="en-US" sz="8000" dirty="0">
+                <a:solidFill>
+                  <a:schemeClr val="tx1"/>
+                </a:solidFill>
+                <a:effectLst/>
+              </a:rPr>
+              <a:t>”</a:t>
+            </a:r>
+          </a:p>
+        </p:txBody>
+      </p:sp>
+      <p:sp>
+        <p:nvSpPr>
+          <p:cNvPr id="11" name="TextBox 10"/>
+          <p:cNvSpPr txBox="1"/>
+          <p:nvPr/>
+        </p:nvSpPr>
+        <p:spPr>
+          <a:xfrm>
+            <a:off x="488275" y="823337"/>
+            <a:ext cx="609600" cy="584776"/>
+          </a:xfrm>
+          <a:prstGeom prst="rect">
+            <a:avLst/>
+          </a:prstGeom>
+        </p:spPr>
+        <p:txBody>
+          <a:bodyPr vert="horz" lIns="91440" tIns="45720" rIns="91440" bIns="45720" rtlCol="0" anchor="ctr">
+            <a:noAutofit/>
+          </a:bodyPr>
+          <a:lstStyle>
+            <a:lvl1pPr>
+              <a:spcBef>
+                <a:spcPct val="0"/>
+              </a:spcBef>
+              <a:buNone/>
+              <a:defRPr sz="3200" b="0" cap="all">
+                <a:ln w="3175" cmpd="sng">
+                  <a:noFill/>
+                </a:ln>
+                <a:effectLst>
+                  <a:glow rad="38100">
+                    <a:schemeClr val="bg1">
+                      <a:lumMod val="65000"/>
+                      <a:lumOff val="35000"/>
+                      <a:alpha val="40000"/>
+                    </a:schemeClr>
+                  </a:glow>
+                  <a:outerShdw blurRad="28575" dist="38100" dir="14040000" algn="tl" rotWithShape="0">
+                    <a:srgbClr val="000000">
+                      <a:alpha val="25000"/>
+                    </a:srgbClr>
+                  </a:outerShdw>
+                </a:effectLst>
+              </a:defRPr>
+            </a:lvl1pPr>
+            <a:lvl2pPr>
+              <a:defRPr>
+                <a:solidFill>
+                  <a:schemeClr val="tx2"/>
+                </a:solidFill>
+              </a:defRPr>
+            </a:lvl2pPr>
+            <a:lvl3pPr>
+              <a:defRPr>
+                <a:solidFill>
+                  <a:schemeClr val="tx2"/>
+                </a:solidFill>
+              </a:defRPr>
+            </a:lvl3pPr>
+            <a:lvl4pPr>
+              <a:defRPr>
+                <a:solidFill>
+                  <a:schemeClr val="tx2"/>
+                </a:solidFill>
+              </a:defRPr>
+            </a:lvl4pPr>
+            <a:lvl5pPr>
+              <a:defRPr>
+                <a:solidFill>
+                  <a:schemeClr val="tx2"/>
+                </a:solidFill>
+              </a:defRPr>
+            </a:lvl5pPr>
+            <a:lvl6pPr>
+              <a:defRPr>
+                <a:solidFill>
+                  <a:schemeClr val="tx2"/>
+                </a:solidFill>
+              </a:defRPr>
+            </a:lvl6pPr>
+            <a:lvl7pPr>
+              <a:defRPr>
+                <a:solidFill>
+                  <a:schemeClr val="tx2"/>
+                </a:solidFill>
+              </a:defRPr>
+            </a:lvl7pPr>
+            <a:lvl8pPr>
+              <a:defRPr>
+                <a:solidFill>
+                  <a:schemeClr val="tx2"/>
+                </a:solidFill>
+              </a:defRPr>
+            </a:lvl8pPr>
+            <a:lvl9pPr>
+              <a:defRPr>
+                <a:solidFill>
+                  <a:schemeClr val="tx2"/>
+                </a:solidFill>
+              </a:defRPr>
+            </a:lvl9pPr>
+          </a:lstStyle>
+          <a:p>
+            <a:pPr lvl="0" algn="r"/>
+            <a:r>
+              <a:rPr lang="en-US" sz="8000" dirty="0">
+                <a:solidFill>
+                  <a:schemeClr val="tx1"/>
+                </a:solidFill>
+                <a:effectLst/>
+              </a:rPr>
+              <a:t>“</a:t>
+            </a:r>
+          </a:p>
+        </p:txBody>
+      </p:sp>
+      <p:sp>
+        <p:nvSpPr>
+          <p:cNvPr id="2" name="Title 1"/>
+          <p:cNvSpPr>
+            <a:spLocks noGrp="1"/>
+          </p:cNvSpPr>
+          <p:nvPr>
+            <p:ph type="title"/>
+          </p:nvPr>
+        </p:nvSpPr>
+        <p:spPr>
+          <a:xfrm>
+            <a:off x="992267" y="609601"/>
+            <a:ext cx="9550399" cy="2743199"/>
+          </a:xfrm>
+        </p:spPr>
+        <p:txBody>
+          <a:bodyPr anchor="ctr">
+            <a:normAutofit/>
+          </a:bodyPr>
+          <a:lstStyle>
+            <a:lvl1pPr algn="l">
+              <a:defRPr sz="3200" b="0" cap="none">
+                <a:solidFill>
+                  <a:schemeClr val="tx1"/>
+                </a:solidFill>
+              </a:defRPr>
+            </a:lvl1pPr>
+          </a:lstStyle>
+          <a:p>
+            <a:r>
+              <a:rPr lang="en-US"/>
+              <a:t>Click to edit Master title style</a:t>
+            </a:r>
+            <a:endParaRPr lang="en-US" dirty="0"/>
+          </a:p>
+        </p:txBody>
+      </p:sp>
+      <p:sp>
+        <p:nvSpPr>
+          <p:cNvPr id="10" name="Text Placeholder 9"/>
+          <p:cNvSpPr>
+            <a:spLocks noGrp="1"/>
+          </p:cNvSpPr>
+          <p:nvPr>
+            <p:ph type="body" sz="quarter" idx="13"/>
+          </p:nvPr>
+        </p:nvSpPr>
+        <p:spPr>
+          <a:xfrm>
+            <a:off x="1097875" y="3352800"/>
+            <a:ext cx="9339184" cy="381000"/>
+          </a:xfrm>
+        </p:spPr>
+        <p:txBody>
+          <a:bodyPr anchor="ctr"/>
+          <a:lstStyle>
+            <a:lvl1pPr marL="0" indent="0">
+              <a:buFontTx/>
+              <a:buNone/>
+              <a:defRPr/>
+            </a:lvl1pPr>
+            <a:lvl2pPr marL="457200" indent="0">
+              <a:buFontTx/>
+              <a:buNone/>
+              <a:defRPr/>
+            </a:lvl2pPr>
+            <a:lvl3pPr marL="914400" indent="0">
+              <a:buFontTx/>
+              <a:buNone/>
+              <a:defRPr/>
+            </a:lvl3pPr>
+            <a:lvl4pPr marL="1371600" indent="0">
+              <a:buFontTx/>
+              <a:buNone/>
+              <a:defRPr/>
+            </a:lvl4pPr>
+            <a:lvl5pPr marL="1828800" indent="0">
+              <a:buFontTx/>
+              <a:buNone/>
+              <a:defRPr/>
+            </a:lvl5pPr>
+          </a:lstStyle>
+          <a:p>
+            <a:pPr lvl="0"/>
+            <a:r>
+              <a:rPr lang="en-US"/>
+              <a:t>Edit Master text styles</a:t>
+            </a:r>
+          </a:p>
+        </p:txBody>
+      </p:sp>
+      <p:sp>
+        <p:nvSpPr>
+          <p:cNvPr id="3" name="Text Placeholder 2"/>
+          <p:cNvSpPr>
+            <a:spLocks noGrp="1"/>
+          </p:cNvSpPr>
+          <p:nvPr>
+            <p:ph type="body" idx="1"/>
+          </p:nvPr>
+        </p:nvSpPr>
+        <p:spPr>
+          <a:xfrm>
+            <a:off x="687465" y="4343400"/>
+            <a:ext cx="10152367" cy="1447800"/>
+          </a:xfrm>
+        </p:spPr>
+        <p:txBody>
+          <a:bodyPr anchor="ctr">
+            <a:normAutofit/>
+          </a:bodyPr>
+          <a:lstStyle>
+            <a:lvl1pPr marL="0" indent="0" algn="l">
+              <a:buNone/>
+              <a:defRPr sz="2000">
+                <a:solidFill>
+                  <a:schemeClr val="tx1"/>
+                </a:solidFill>
+              </a:defRPr>
+            </a:lvl1pPr>
+            <a:lvl2pPr marL="457200" indent="0">
+              <a:buNone/>
+              <a:defRPr sz="1800">
+                <a:solidFill>
+                  <a:schemeClr val="tx1">
+                    <a:tint val="75000"/>
+                  </a:schemeClr>
+                </a:solidFill>
+              </a:defRPr>
+            </a:lvl2pPr>
+            <a:lvl3pPr marL="914400" indent="0">
+              <a:buNone/>
+              <a:defRPr sz="1600">
+                <a:solidFill>
+                  <a:schemeClr val="tx1">
+                    <a:tint val="75000"/>
+                  </a:schemeClr>
+                </a:solidFill>
+              </a:defRPr>
+            </a:lvl3pPr>
+            <a:lvl4pPr marL="1371600" indent="0">
+              <a:buNone/>
+              <a:defRPr sz="1400">
+                <a:solidFill>
+                  <a:schemeClr val="tx1">
+                    <a:tint val="75000"/>
+                  </a:schemeClr>
+                </a:solidFill>
+              </a:defRPr>
+            </a:lvl4pPr>
+            <a:lvl5pPr marL="1828800" indent="0">
+              <a:buNone/>
+              <a:defRPr sz="1400">
+                <a:solidFill>
+                  <a:schemeClr val="tx1">
+                    <a:tint val="75000"/>
+                  </a:schemeClr>
+                </a:solidFill>
+              </a:defRPr>
+            </a:lvl5pPr>
+            <a:lvl6pPr marL="2286000" indent="0">
+              <a:buNone/>
+              <a:defRPr sz="1400">
+                <a:solidFill>
+                  <a:schemeClr val="tx1">
+                    <a:tint val="75000"/>
+                  </a:schemeClr>
+                </a:solidFill>
+              </a:defRPr>
+            </a:lvl6pPr>
+            <a:lvl7pPr marL="2743200" indent="0">
+              <a:buNone/>
+              <a:defRPr sz="1400">
+                <a:solidFill>
+                  <a:schemeClr val="tx1">
+                    <a:tint val="75000"/>
+                  </a:schemeClr>
+                </a:solidFill>
+              </a:defRPr>
+            </a:lvl7pPr>
+            <a:lvl8pPr marL="3200400" indent="0">
+              <a:buNone/>
+              <a:defRPr sz="1400">
+                <a:solidFill>
+                  <a:schemeClr val="tx1">
+                    <a:tint val="75000"/>
+                  </a:schemeClr>
+                </a:solidFill>
+              </a:defRPr>
+            </a:lvl8pPr>
+            <a:lvl9pPr marL="3657600" indent="0">
+              <a:buNone/>
+              <a:defRPr sz="1400">
+                <a:solidFill>
+                  <a:schemeClr val="tx1">
+                    <a:tint val="75000"/>
+                  </a:schemeClr>
+                </a:solidFill>
+              </a:defRPr>
+            </a:lvl9pPr>
+          </a:lstStyle>
+          <a:p>
+            <a:pPr lvl="0"/>
+            <a:r>
+              <a:rPr lang="en-US"/>
+              <a:t>Edit Master text styles</a:t>
+            </a:r>
+          </a:p>
+        </p:txBody>
+      </p:sp>
+      <p:sp>
+        <p:nvSpPr>
+          <p:cNvPr id="4" name="Date Placeholder 3"/>
+          <p:cNvSpPr>
+            <a:spLocks noGrp="1"/>
+          </p:cNvSpPr>
+          <p:nvPr>
+            <p:ph type="dt" sz="half" idx="10"/>
+          </p:nvPr>
+        </p:nvSpPr>
+        <p:spPr/>
+        <p:txBody>
+          <a:bodyPr/>
+          <a:lstStyle/>
+          <a:p>
+            <a:fld id="{65391DDC-B041-0642-912B-52C778FA5BB0}" type="datetimeFigureOut">
+              <a:rPr lang="en-US" smtClean="0"/>
+              <a:t>3/29/2019</a:t>
+            </a:fld>
+            <a:endParaRPr lang="en-US"/>
+          </a:p>
+        </p:txBody>
+      </p:sp>
+      <p:sp>
+        <p:nvSpPr>
+          <p:cNvPr id="5" name="Footer Placeholder 4"/>
+          <p:cNvSpPr>
+            <a:spLocks noGrp="1"/>
+          </p:cNvSpPr>
+          <p:nvPr>
+            <p:ph type="ftr" sz="quarter" idx="11"/>
+          </p:nvPr>
+        </p:nvSpPr>
+        <p:spPr/>
+        <p:txBody>
+          <a:bodyPr/>
+          <a:lstStyle/>
+          <a:p>
+            <a:endParaRPr lang="en-US"/>
+          </a:p>
+        </p:txBody>
+      </p:sp>
+      <p:sp>
+        <p:nvSpPr>
+          <p:cNvPr id="6" name="Slide Number Placeholder 5"/>
+          <p:cNvSpPr>
+            <a:spLocks noGrp="1"/>
+          </p:cNvSpPr>
+          <p:nvPr>
+            <p:ph type="sldNum" sz="quarter" idx="12"/>
+          </p:nvPr>
+        </p:nvSpPr>
+        <p:spPr/>
+        <p:txBody>
+          <a:bodyPr/>
+          <a:lstStyle/>
+          <a:p>
+            <a:fld id="{6F6C604D-DF55-E547-BAF9-8BD6E0281D1B}" type="slidenum">
+              <a:rPr lang="en-US" smtClean="0"/>
+              <a:t>‹#›</a:t>
+            </a:fld>
+            <a:endParaRPr lang="en-US"/>
+          </a:p>
+        </p:txBody>
+      </p:sp>
+    </p:spTree>
+    <p:extLst>
+      <p:ext uri="{BB962C8B-B14F-4D97-AF65-F5344CB8AC3E}">
+        <p14:creationId xmlns:p14="http://schemas.microsoft.com/office/powerpoint/2010/main" val="1531612012"/>
+      </p:ext>
+    </p:extLst>
+  </p:cSld>
+  <p:clrMapOvr>
+    <a:masterClrMapping/>
+  </p:clrMapOvr>
+</p:sldLayout>
+</file>
+
+<file path=ppt/slideLayouts/slideLayout13.xml><?xml version="1.0" encoding="utf-8"?>
+<p:sldLayout xmlns:a="http://schemas.openxmlformats.org/drawingml/2006/main" xmlns:r="http://schemas.openxmlformats.org/officeDocument/2006/relationships" xmlns:p="http://schemas.openxmlformats.org/presentationml/2006/main" preserve="1">
+  <p:cSld name="Name Card">
+    <p:spTree>
+      <p:nvGrpSpPr>
+        <p:cNvPr id="1" name=""/>
+        <p:cNvGrpSpPr/>
+        <p:nvPr/>
+      </p:nvGrpSpPr>
+      <p:grpSpPr>
+        <a:xfrm>
+          <a:off x="0" y="0"/>
+          <a:ext cx="0" cy="0"/>
+          <a:chOff x="0" y="0"/>
+          <a:chExt cx="0" cy="0"/>
+        </a:xfrm>
+      </p:grpSpPr>
+      <p:pic>
+        <p:nvPicPr>
+          <p:cNvPr id="8" name="Picture 7" descr="Celestia-R1---OverlayContentHD.png"/>
+          <p:cNvPicPr>
+            <a:picLocks noChangeAspect="1"/>
+          </p:cNvPicPr>
+          <p:nvPr/>
+        </p:nvPicPr>
+        <p:blipFill>
+          <a:blip r:embed="rId2">
+            <a:extLst>
+              <a:ext uri="{28A0092B-C50C-407E-A947-70E740481C1C}">
+                <a14:useLocalDpi xmlns:a14="http://schemas.microsoft.com/office/drawing/2010/main" val="0"/>
+              </a:ext>
+            </a:extLst>
+          </a:blip>
+          <a:stretch>
+            <a:fillRect/>
+          </a:stretch>
+        </p:blipFill>
+        <p:spPr>
+          <a:xfrm>
+            <a:off x="0" y="0"/>
+            <a:ext cx="12188825" cy="6856214"/>
+          </a:xfrm>
+          <a:prstGeom prst="rect">
+            <a:avLst/>
+          </a:prstGeom>
+        </p:spPr>
+      </p:pic>
+      <p:sp>
+        <p:nvSpPr>
+          <p:cNvPr id="2" name="Title 1"/>
+          <p:cNvSpPr>
+            <a:spLocks noGrp="1"/>
+          </p:cNvSpPr>
+          <p:nvPr>
+            <p:ph type="title"/>
+          </p:nvPr>
+        </p:nvSpPr>
+        <p:spPr>
+          <a:xfrm>
+            <a:off x="685802" y="3308581"/>
+            <a:ext cx="10131425" cy="1468800"/>
+          </a:xfrm>
+        </p:spPr>
+        <p:txBody>
+          <a:bodyPr anchor="b">
+            <a:normAutofit/>
+          </a:bodyPr>
+          <a:lstStyle>
+            <a:lvl1pPr algn="l">
+              <a:defRPr sz="3200" b="0" cap="none"/>
+            </a:lvl1pPr>
+          </a:lstStyle>
+          <a:p>
+            <a:r>
+              <a:rPr lang="en-US"/>
+              <a:t>Click to edit Master title style</a:t>
+            </a:r>
+            <a:endParaRPr lang="en-US" dirty="0"/>
+          </a:p>
+        </p:txBody>
+      </p:sp>
+      <p:sp>
+        <p:nvSpPr>
+          <p:cNvPr id="3" name="Text Placeholder 2"/>
+          <p:cNvSpPr>
+            <a:spLocks noGrp="1"/>
+          </p:cNvSpPr>
+          <p:nvPr>
+            <p:ph type="body" idx="1"/>
+          </p:nvPr>
+        </p:nvSpPr>
+        <p:spPr>
+          <a:xfrm>
+            <a:off x="685801" y="4777381"/>
+            <a:ext cx="10131426" cy="860400"/>
+          </a:xfrm>
+        </p:spPr>
+        <p:txBody>
+          <a:bodyPr anchor="t">
+            <a:normAutofit/>
+          </a:bodyPr>
+          <a:lstStyle>
+            <a:lvl1pPr marL="0" indent="0" algn="l">
+              <a:buNone/>
+              <a:defRPr sz="2000">
+                <a:solidFill>
+                  <a:schemeClr val="tx1"/>
+                </a:solidFill>
+              </a:defRPr>
+            </a:lvl1pPr>
+            <a:lvl2pPr marL="457200" indent="0">
+              <a:buNone/>
+              <a:defRPr sz="1800">
+                <a:solidFill>
+                  <a:schemeClr val="tx1">
+                    <a:tint val="75000"/>
+                  </a:schemeClr>
+                </a:solidFill>
+              </a:defRPr>
+            </a:lvl2pPr>
+            <a:lvl3pPr marL="914400" indent="0">
+              <a:buNone/>
+              <a:defRPr sz="1600">
+                <a:solidFill>
+                  <a:schemeClr val="tx1">
+                    <a:tint val="75000"/>
+                  </a:schemeClr>
+                </a:solidFill>
+              </a:defRPr>
+            </a:lvl3pPr>
+            <a:lvl4pPr marL="1371600" indent="0">
+              <a:buNone/>
+              <a:defRPr sz="1400">
+                <a:solidFill>
+                  <a:schemeClr val="tx1">
+                    <a:tint val="75000"/>
+                  </a:schemeClr>
+                </a:solidFill>
+              </a:defRPr>
+            </a:lvl4pPr>
+            <a:lvl5pPr marL="1828800" indent="0">
+              <a:buNone/>
+              <a:defRPr sz="1400">
+                <a:solidFill>
+                  <a:schemeClr val="tx1">
+                    <a:tint val="75000"/>
+                  </a:schemeClr>
+                </a:solidFill>
+              </a:defRPr>
+            </a:lvl5pPr>
+            <a:lvl6pPr marL="2286000" indent="0">
+              <a:buNone/>
+              <a:defRPr sz="1400">
+                <a:solidFill>
+                  <a:schemeClr val="tx1">
+                    <a:tint val="75000"/>
+                  </a:schemeClr>
+                </a:solidFill>
+              </a:defRPr>
+            </a:lvl6pPr>
+            <a:lvl7pPr marL="2743200" indent="0">
+              <a:buNone/>
+              <a:defRPr sz="1400">
+                <a:solidFill>
+                  <a:schemeClr val="tx1">
+                    <a:tint val="75000"/>
+                  </a:schemeClr>
+                </a:solidFill>
+              </a:defRPr>
+            </a:lvl7pPr>
+            <a:lvl8pPr marL="3200400" indent="0">
+              <a:buNone/>
+              <a:defRPr sz="1400">
+                <a:solidFill>
+                  <a:schemeClr val="tx1">
+                    <a:tint val="75000"/>
+                  </a:schemeClr>
+                </a:solidFill>
+              </a:defRPr>
+            </a:lvl8pPr>
+            <a:lvl9pPr marL="3657600" indent="0">
+              <a:buNone/>
+              <a:defRPr sz="1400">
+                <a:solidFill>
+                  <a:schemeClr val="tx1">
+                    <a:tint val="75000"/>
+                  </a:schemeClr>
+                </a:solidFill>
+              </a:defRPr>
+            </a:lvl9pPr>
+          </a:lstStyle>
+          <a:p>
+            <a:pPr lvl="0"/>
+            <a:r>
+              <a:rPr lang="en-US"/>
+              <a:t>Edit Master text styles</a:t>
+            </a:r>
+          </a:p>
+        </p:txBody>
+      </p:sp>
+      <p:sp>
+        <p:nvSpPr>
+          <p:cNvPr id="4" name="Date Placeholder 3"/>
+          <p:cNvSpPr>
+            <a:spLocks noGrp="1"/>
+          </p:cNvSpPr>
+          <p:nvPr>
+            <p:ph type="dt" sz="half" idx="10"/>
+          </p:nvPr>
+        </p:nvSpPr>
+        <p:spPr/>
+        <p:txBody>
+          <a:bodyPr/>
+          <a:lstStyle/>
+          <a:p>
+            <a:fld id="{65391DDC-B041-0642-912B-52C778FA5BB0}" type="datetimeFigureOut">
+              <a:rPr lang="en-US" smtClean="0"/>
+              <a:t>3/29/2019</a:t>
+            </a:fld>
+            <a:endParaRPr lang="en-US"/>
+          </a:p>
+        </p:txBody>
+      </p:sp>
+      <p:sp>
+        <p:nvSpPr>
+          <p:cNvPr id="5" name="Footer Placeholder 4"/>
+          <p:cNvSpPr>
+            <a:spLocks noGrp="1"/>
+          </p:cNvSpPr>
+          <p:nvPr>
+            <p:ph type="ftr" sz="quarter" idx="11"/>
+          </p:nvPr>
+        </p:nvSpPr>
+        <p:spPr/>
+        <p:txBody>
+          <a:bodyPr/>
+          <a:lstStyle/>
+          <a:p>
+            <a:endParaRPr lang="en-US"/>
+          </a:p>
+        </p:txBody>
+      </p:sp>
+      <p:sp>
+        <p:nvSpPr>
+          <p:cNvPr id="6" name="Slide Number Placeholder 5"/>
+          <p:cNvSpPr>
+            <a:spLocks noGrp="1"/>
+          </p:cNvSpPr>
+          <p:nvPr>
+            <p:ph type="sldNum" sz="quarter" idx="12"/>
+          </p:nvPr>
+        </p:nvSpPr>
+        <p:spPr/>
+        <p:txBody>
+          <a:bodyPr/>
+          <a:lstStyle/>
+          <a:p>
+            <a:fld id="{6F6C604D-DF55-E547-BAF9-8BD6E0281D1B}" type="slidenum">
+              <a:rPr lang="en-US" smtClean="0"/>
+              <a:t>‹#›</a:t>
+            </a:fld>
+            <a:endParaRPr lang="en-US"/>
+          </a:p>
+        </p:txBody>
+      </p:sp>
+    </p:spTree>
+    <p:extLst>
+      <p:ext uri="{BB962C8B-B14F-4D97-AF65-F5344CB8AC3E}">
+        <p14:creationId xmlns:p14="http://schemas.microsoft.com/office/powerpoint/2010/main" val="2293305000"/>
+      </p:ext>
+    </p:extLst>
+  </p:cSld>
+  <p:clrMapOvr>
+    <a:masterClrMapping/>
+  </p:clrMapOvr>
+</p:sldLayout>
+</file>
+
+<file path=ppt/slideLayouts/slideLayout14.xml><?xml version="1.0" encoding="utf-8"?>
+<p:sldLayout xmlns:a="http://schemas.openxmlformats.org/drawingml/2006/main" xmlns:r="http://schemas.openxmlformats.org/officeDocument/2006/relationships" xmlns:p="http://schemas.openxmlformats.org/presentationml/2006/main" preserve="1">
+  <p:cSld name="Quote Name Card">
+    <p:spTree>
+      <p:nvGrpSpPr>
+        <p:cNvPr id="1" name=""/>
+        <p:cNvGrpSpPr/>
+        <p:nvPr/>
+      </p:nvGrpSpPr>
+      <p:grpSpPr>
+        <a:xfrm>
+          <a:off x="0" y="0"/>
+          <a:ext cx="0" cy="0"/>
+          <a:chOff x="0" y="0"/>
+          <a:chExt cx="0" cy="0"/>
+        </a:xfrm>
+      </p:grpSpPr>
+      <p:pic>
+        <p:nvPicPr>
+          <p:cNvPr id="11" name="Picture 10" descr="Celestia-R1---OverlayContentHD.png"/>
+          <p:cNvPicPr>
+            <a:picLocks noChangeAspect="1"/>
+          </p:cNvPicPr>
+          <p:nvPr/>
+        </p:nvPicPr>
+        <p:blipFill>
+          <a:blip r:embed="rId2">
+            <a:extLst>
+              <a:ext uri="{28A0092B-C50C-407E-A947-70E740481C1C}">
+                <a14:useLocalDpi xmlns:a14="http://schemas.microsoft.com/office/drawing/2010/main" val="0"/>
+              </a:ext>
+            </a:extLst>
+          </a:blip>
+          <a:stretch>
+            <a:fillRect/>
+          </a:stretch>
+        </p:blipFill>
+        <p:spPr>
+          <a:xfrm>
+            <a:off x="0" y="0"/>
+            <a:ext cx="12188825" cy="6856214"/>
+          </a:xfrm>
+          <a:prstGeom prst="rect">
+            <a:avLst/>
+          </a:prstGeom>
+        </p:spPr>
+      </p:pic>
+      <p:sp>
+        <p:nvSpPr>
+          <p:cNvPr id="13" name="TextBox 12"/>
+          <p:cNvSpPr txBox="1"/>
+          <p:nvPr/>
+        </p:nvSpPr>
+        <p:spPr>
+          <a:xfrm>
+            <a:off x="10237867" y="2743200"/>
+            <a:ext cx="609600" cy="584776"/>
+          </a:xfrm>
+          <a:prstGeom prst="rect">
+            <a:avLst/>
+          </a:prstGeom>
+        </p:spPr>
+        <p:txBody>
+          <a:bodyPr vert="horz" lIns="91440" tIns="45720" rIns="91440" bIns="45720" rtlCol="0" anchor="ctr">
+            <a:noAutofit/>
+          </a:bodyPr>
+          <a:lstStyle>
+            <a:lvl1pPr>
+              <a:spcBef>
+                <a:spcPct val="0"/>
+              </a:spcBef>
+              <a:buNone/>
+              <a:defRPr sz="3200" b="0" cap="all">
+                <a:ln w="3175" cmpd="sng">
+                  <a:noFill/>
+                </a:ln>
+                <a:effectLst>
+                  <a:glow rad="38100">
+                    <a:schemeClr val="bg1">
+                      <a:lumMod val="65000"/>
+                      <a:lumOff val="35000"/>
+                      <a:alpha val="40000"/>
+                    </a:schemeClr>
+                  </a:glow>
+                  <a:outerShdw blurRad="28575" dist="38100" dir="14040000" algn="tl" rotWithShape="0">
+                    <a:srgbClr val="000000">
+                      <a:alpha val="25000"/>
+                    </a:srgbClr>
+                  </a:outerShdw>
+                </a:effectLst>
+              </a:defRPr>
+            </a:lvl1pPr>
+            <a:lvl2pPr>
+              <a:defRPr>
+                <a:solidFill>
+                  <a:schemeClr val="tx2"/>
+                </a:solidFill>
+              </a:defRPr>
+            </a:lvl2pPr>
+            <a:lvl3pPr>
+              <a:defRPr>
+                <a:solidFill>
+                  <a:schemeClr val="tx2"/>
+                </a:solidFill>
+              </a:defRPr>
+            </a:lvl3pPr>
+            <a:lvl4pPr>
+              <a:defRPr>
+                <a:solidFill>
+                  <a:schemeClr val="tx2"/>
+                </a:solidFill>
+              </a:defRPr>
+            </a:lvl4pPr>
+            <a:lvl5pPr>
+              <a:defRPr>
+                <a:solidFill>
+                  <a:schemeClr val="tx2"/>
+                </a:solidFill>
+              </a:defRPr>
+            </a:lvl5pPr>
+            <a:lvl6pPr>
+              <a:defRPr>
+                <a:solidFill>
+                  <a:schemeClr val="tx2"/>
+                </a:solidFill>
+              </a:defRPr>
+            </a:lvl6pPr>
+            <a:lvl7pPr>
+              <a:defRPr>
+                <a:solidFill>
+                  <a:schemeClr val="tx2"/>
+                </a:solidFill>
+              </a:defRPr>
+            </a:lvl7pPr>
+            <a:lvl8pPr>
+              <a:defRPr>
+                <a:solidFill>
+                  <a:schemeClr val="tx2"/>
+                </a:solidFill>
+              </a:defRPr>
+            </a:lvl8pPr>
+            <a:lvl9pPr>
+              <a:defRPr>
+                <a:solidFill>
+                  <a:schemeClr val="tx2"/>
+                </a:solidFill>
+              </a:defRPr>
+            </a:lvl9pPr>
+          </a:lstStyle>
+          <a:p>
+            <a:pPr lvl="0" algn="r"/>
+            <a:r>
+              <a:rPr lang="en-US" sz="8000" dirty="0">
+                <a:solidFill>
+                  <a:schemeClr val="tx1"/>
+                </a:solidFill>
+                <a:effectLst/>
+              </a:rPr>
+              <a:t>”</a:t>
+            </a:r>
+          </a:p>
+        </p:txBody>
+      </p:sp>
+      <p:sp>
+        <p:nvSpPr>
+          <p:cNvPr id="14" name="TextBox 13"/>
+          <p:cNvSpPr txBox="1"/>
+          <p:nvPr/>
+        </p:nvSpPr>
+        <p:spPr>
+          <a:xfrm>
+            <a:off x="488275" y="823337"/>
+            <a:ext cx="609600" cy="584776"/>
+          </a:xfrm>
+          <a:prstGeom prst="rect">
+            <a:avLst/>
+          </a:prstGeom>
+        </p:spPr>
+        <p:txBody>
+          <a:bodyPr vert="horz" lIns="91440" tIns="45720" rIns="91440" bIns="45720" rtlCol="0" anchor="ctr">
+            <a:noAutofit/>
+          </a:bodyPr>
+          <a:lstStyle>
+            <a:lvl1pPr>
+              <a:spcBef>
+                <a:spcPct val="0"/>
+              </a:spcBef>
+              <a:buNone/>
+              <a:defRPr sz="3200" b="0" cap="all">
+                <a:ln w="3175" cmpd="sng">
+                  <a:noFill/>
+                </a:ln>
+                <a:effectLst>
+                  <a:glow rad="38100">
+                    <a:schemeClr val="bg1">
+                      <a:lumMod val="65000"/>
+                      <a:lumOff val="35000"/>
+                      <a:alpha val="40000"/>
+                    </a:schemeClr>
+                  </a:glow>
+                  <a:outerShdw blurRad="28575" dist="38100" dir="14040000" algn="tl" rotWithShape="0">
+                    <a:srgbClr val="000000">
+                      <a:alpha val="25000"/>
+                    </a:srgbClr>
+                  </a:outerShdw>
+                </a:effectLst>
+              </a:defRPr>
+            </a:lvl1pPr>
+            <a:lvl2pPr>
+              <a:defRPr>
+                <a:solidFill>
+                  <a:schemeClr val="tx2"/>
+                </a:solidFill>
+              </a:defRPr>
+            </a:lvl2pPr>
+            <a:lvl3pPr>
+              <a:defRPr>
+                <a:solidFill>
+                  <a:schemeClr val="tx2"/>
+                </a:solidFill>
+              </a:defRPr>
+            </a:lvl3pPr>
+            <a:lvl4pPr>
+              <a:defRPr>
+                <a:solidFill>
+                  <a:schemeClr val="tx2"/>
+                </a:solidFill>
+              </a:defRPr>
+            </a:lvl4pPr>
+            <a:lvl5pPr>
+              <a:defRPr>
+                <a:solidFill>
+                  <a:schemeClr val="tx2"/>
+                </a:solidFill>
+              </a:defRPr>
+            </a:lvl5pPr>
+            <a:lvl6pPr>
+              <a:defRPr>
+                <a:solidFill>
+                  <a:schemeClr val="tx2"/>
+                </a:solidFill>
+              </a:defRPr>
+            </a:lvl6pPr>
+            <a:lvl7pPr>
+              <a:defRPr>
+                <a:solidFill>
+                  <a:schemeClr val="tx2"/>
+                </a:solidFill>
+              </a:defRPr>
+            </a:lvl7pPr>
+            <a:lvl8pPr>
+              <a:defRPr>
+                <a:solidFill>
+                  <a:schemeClr val="tx2"/>
+                </a:solidFill>
+              </a:defRPr>
+            </a:lvl8pPr>
+            <a:lvl9pPr>
+              <a:defRPr>
+                <a:solidFill>
+                  <a:schemeClr val="tx2"/>
+                </a:solidFill>
+              </a:defRPr>
+            </a:lvl9pPr>
+          </a:lstStyle>
+          <a:p>
+            <a:pPr lvl="0" algn="r"/>
+            <a:r>
+              <a:rPr lang="en-US" sz="8000" dirty="0">
+                <a:solidFill>
+                  <a:schemeClr val="tx1"/>
+                </a:solidFill>
+                <a:effectLst/>
+              </a:rPr>
+              <a:t>“</a:t>
+            </a:r>
+          </a:p>
+        </p:txBody>
+      </p:sp>
+      <p:sp>
+        <p:nvSpPr>
+          <p:cNvPr id="16" name="Title 1"/>
+          <p:cNvSpPr>
+            <a:spLocks noGrp="1"/>
+          </p:cNvSpPr>
+          <p:nvPr>
+            <p:ph type="title"/>
+          </p:nvPr>
+        </p:nvSpPr>
+        <p:spPr>
+          <a:xfrm>
+            <a:off x="992267" y="609601"/>
+            <a:ext cx="9550399" cy="2743199"/>
+          </a:xfrm>
+        </p:spPr>
+        <p:txBody>
+          <a:bodyPr anchor="ctr">
+            <a:normAutofit/>
+          </a:bodyPr>
+          <a:lstStyle>
+            <a:lvl1pPr algn="l">
+              <a:defRPr sz="3200" b="0" cap="none">
+                <a:solidFill>
+                  <a:schemeClr val="tx1"/>
+                </a:solidFill>
+              </a:defRPr>
+            </a:lvl1pPr>
+          </a:lstStyle>
+          <a:p>
+            <a:r>
+              <a:rPr lang="en-US"/>
+              <a:t>Click to edit Master title style</a:t>
+            </a:r>
+            <a:endParaRPr lang="en-US" dirty="0"/>
+          </a:p>
+        </p:txBody>
+      </p:sp>
+      <p:sp>
+        <p:nvSpPr>
+          <p:cNvPr id="10" name="Text Placeholder 9"/>
+          <p:cNvSpPr>
+            <a:spLocks noGrp="1"/>
+          </p:cNvSpPr>
+          <p:nvPr>
+            <p:ph type="body" sz="quarter" idx="13"/>
+          </p:nvPr>
+        </p:nvSpPr>
+        <p:spPr>
+          <a:xfrm>
+            <a:off x="685800" y="3886200"/>
+            <a:ext cx="10135436" cy="889000"/>
+          </a:xfrm>
+        </p:spPr>
+        <p:txBody>
+          <a:bodyPr vert="horz" lIns="91440" tIns="45720" rIns="91440" bIns="45720" rtlCol="0" anchor="b">
+            <a:normAutofit/>
+          </a:bodyPr>
+          <a:lstStyle>
+            <a:lvl1pPr>
+              <a:buNone/>
+              <a:defRPr lang="en-US" sz="2400" b="0" cap="none" dirty="0">
+                <a:ln w="3175" cmpd="sng">
+                  <a:noFill/>
+                </a:ln>
+                <a:solidFill>
+                  <a:schemeClr val="tx1"/>
+                </a:solidFill>
+                <a:effectLst/>
+              </a:defRPr>
+            </a:lvl1pPr>
+          </a:lstStyle>
+          <a:p>
+            <a:pPr marL="0" lvl="0">
+              <a:spcBef>
+                <a:spcPct val="0"/>
+              </a:spcBef>
+              <a:buNone/>
+            </a:pPr>
+            <a:r>
+              <a:rPr lang="en-US"/>
+              <a:t>Edit Master text styles</a:t>
+            </a:r>
+          </a:p>
+        </p:txBody>
+      </p:sp>
+      <p:sp>
+        <p:nvSpPr>
+          <p:cNvPr id="3" name="Text Placeholder 2"/>
+          <p:cNvSpPr>
+            <a:spLocks noGrp="1"/>
+          </p:cNvSpPr>
+          <p:nvPr>
+            <p:ph type="body" idx="1"/>
+          </p:nvPr>
+        </p:nvSpPr>
+        <p:spPr>
+          <a:xfrm>
+            <a:off x="685799" y="4775200"/>
+            <a:ext cx="10135436" cy="1016000"/>
+          </a:xfrm>
+        </p:spPr>
+        <p:txBody>
+          <a:bodyPr anchor="t">
+            <a:normAutofit/>
+          </a:bodyPr>
+          <a:lstStyle>
+            <a:lvl1pPr marL="0" indent="0" algn="l">
+              <a:buNone/>
+              <a:defRPr sz="1800">
+                <a:solidFill>
+                  <a:schemeClr val="tx1"/>
+                </a:solidFill>
+              </a:defRPr>
+            </a:lvl1pPr>
+            <a:lvl2pPr marL="457200" indent="0">
+              <a:buNone/>
+              <a:defRPr sz="1800">
+                <a:solidFill>
+                  <a:schemeClr val="tx1">
+                    <a:tint val="75000"/>
+                  </a:schemeClr>
+                </a:solidFill>
+              </a:defRPr>
+            </a:lvl2pPr>
+            <a:lvl3pPr marL="914400" indent="0">
+              <a:buNone/>
+              <a:defRPr sz="1600">
+                <a:solidFill>
+                  <a:schemeClr val="tx1">
+                    <a:tint val="75000"/>
+                  </a:schemeClr>
+                </a:solidFill>
+              </a:defRPr>
+            </a:lvl3pPr>
+            <a:lvl4pPr marL="1371600" indent="0">
+              <a:buNone/>
+              <a:defRPr sz="1400">
+                <a:solidFill>
+                  <a:schemeClr val="tx1">
+                    <a:tint val="75000"/>
+                  </a:schemeClr>
+                </a:solidFill>
+              </a:defRPr>
+            </a:lvl4pPr>
+            <a:lvl5pPr marL="1828800" indent="0">
+              <a:buNone/>
+              <a:defRPr sz="1400">
+                <a:solidFill>
+                  <a:schemeClr val="tx1">
+                    <a:tint val="75000"/>
+                  </a:schemeClr>
+                </a:solidFill>
+              </a:defRPr>
+            </a:lvl5pPr>
+            <a:lvl6pPr marL="2286000" indent="0">
+              <a:buNone/>
+              <a:defRPr sz="1400">
+                <a:solidFill>
+                  <a:schemeClr val="tx1">
+                    <a:tint val="75000"/>
+                  </a:schemeClr>
+                </a:solidFill>
+              </a:defRPr>
+            </a:lvl6pPr>
+            <a:lvl7pPr marL="2743200" indent="0">
+              <a:buNone/>
+              <a:defRPr sz="1400">
+                <a:solidFill>
+                  <a:schemeClr val="tx1">
+                    <a:tint val="75000"/>
+                  </a:schemeClr>
+                </a:solidFill>
+              </a:defRPr>
+            </a:lvl7pPr>
+            <a:lvl8pPr marL="3200400" indent="0">
+              <a:buNone/>
+              <a:defRPr sz="1400">
+                <a:solidFill>
+                  <a:schemeClr val="tx1">
+                    <a:tint val="75000"/>
+                  </a:schemeClr>
+                </a:solidFill>
+              </a:defRPr>
+            </a:lvl8pPr>
+            <a:lvl9pPr marL="3657600" indent="0">
+              <a:buNone/>
+              <a:defRPr sz="1400">
+                <a:solidFill>
+                  <a:schemeClr val="tx1">
+                    <a:tint val="75000"/>
+                  </a:schemeClr>
+                </a:solidFill>
+              </a:defRPr>
+            </a:lvl9pPr>
+          </a:lstStyle>
+          <a:p>
+            <a:pPr lvl="0"/>
+            <a:r>
+              <a:rPr lang="en-US"/>
+              <a:t>Edit Master text styles</a:t>
+            </a:r>
+          </a:p>
+        </p:txBody>
+      </p:sp>
+      <p:sp>
+        <p:nvSpPr>
+          <p:cNvPr id="4" name="Date Placeholder 3"/>
+          <p:cNvSpPr>
+            <a:spLocks noGrp="1"/>
+          </p:cNvSpPr>
+          <p:nvPr>
+            <p:ph type="dt" sz="half" idx="10"/>
+          </p:nvPr>
+        </p:nvSpPr>
+        <p:spPr/>
+        <p:txBody>
+          <a:bodyPr/>
+          <a:lstStyle/>
+          <a:p>
+            <a:fld id="{65391DDC-B041-0642-912B-52C778FA5BB0}" type="datetimeFigureOut">
+              <a:rPr lang="en-US" smtClean="0"/>
+              <a:t>3/29/2019</a:t>
+            </a:fld>
+            <a:endParaRPr lang="en-US"/>
+          </a:p>
+        </p:txBody>
+      </p:sp>
+      <p:sp>
+        <p:nvSpPr>
+          <p:cNvPr id="5" name="Footer Placeholder 4"/>
+          <p:cNvSpPr>
+            <a:spLocks noGrp="1"/>
+          </p:cNvSpPr>
+          <p:nvPr>
+            <p:ph type="ftr" sz="quarter" idx="11"/>
+          </p:nvPr>
+        </p:nvSpPr>
+        <p:spPr/>
+        <p:txBody>
+          <a:bodyPr/>
+          <a:lstStyle/>
+          <a:p>
+            <a:endParaRPr lang="en-US"/>
+          </a:p>
+        </p:txBody>
+      </p:sp>
+      <p:sp>
+        <p:nvSpPr>
+          <p:cNvPr id="6" name="Slide Number Placeholder 5"/>
+          <p:cNvSpPr>
+            <a:spLocks noGrp="1"/>
+          </p:cNvSpPr>
+          <p:nvPr>
+            <p:ph type="sldNum" sz="quarter" idx="12"/>
+          </p:nvPr>
+        </p:nvSpPr>
+        <p:spPr/>
+        <p:txBody>
+          <a:bodyPr/>
+          <a:lstStyle/>
+          <a:p>
+            <a:fld id="{6F6C604D-DF55-E547-BAF9-8BD6E0281D1B}" type="slidenum">
+              <a:rPr lang="en-US" smtClean="0"/>
+              <a:t>‹#›</a:t>
+            </a:fld>
+            <a:endParaRPr lang="en-US"/>
+          </a:p>
+        </p:txBody>
+      </p:sp>
+    </p:spTree>
+    <p:extLst>
+      <p:ext uri="{BB962C8B-B14F-4D97-AF65-F5344CB8AC3E}">
+        <p14:creationId xmlns:p14="http://schemas.microsoft.com/office/powerpoint/2010/main" val="2400662742"/>
+      </p:ext>
+    </p:extLst>
+  </p:cSld>
+  <p:clrMapOvr>
+    <a:masterClrMapping/>
+  </p:clrMapOvr>
+</p:sldLayout>
+</file>
+
+<file path=ppt/slideLayouts/slideLayout15.xml><?xml version="1.0" encoding="utf-8"?>
+<p:sldLayout xmlns:a="http://schemas.openxmlformats.org/drawingml/2006/main" xmlns:r="http://schemas.openxmlformats.org/officeDocument/2006/relationships" xmlns:p="http://schemas.openxmlformats.org/presentationml/2006/main" preserve="1">
+  <p:cSld name="True or False">
+    <p:spTree>
+      <p:nvGrpSpPr>
+        <p:cNvPr id="1" name=""/>
+        <p:cNvGrpSpPr/>
+        <p:nvPr/>
+      </p:nvGrpSpPr>
+      <p:grpSpPr>
+        <a:xfrm>
+          <a:off x="0" y="0"/>
+          <a:ext cx="0" cy="0"/>
+          <a:chOff x="0" y="0"/>
+          <a:chExt cx="0" cy="0"/>
+        </a:xfrm>
+      </p:grpSpPr>
+      <p:pic>
+        <p:nvPicPr>
+          <p:cNvPr id="8" name="Picture 7" descr="Celestia-R1---OverlayContentHD.png"/>
+          <p:cNvPicPr>
+            <a:picLocks noChangeAspect="1"/>
+          </p:cNvPicPr>
+          <p:nvPr/>
+        </p:nvPicPr>
+        <p:blipFill>
+          <a:blip r:embed="rId2">
+            <a:extLst>
+              <a:ext uri="{28A0092B-C50C-407E-A947-70E740481C1C}">
+                <a14:useLocalDpi xmlns:a14="http://schemas.microsoft.com/office/drawing/2010/main" val="0"/>
+              </a:ext>
+            </a:extLst>
+          </a:blip>
+          <a:stretch>
+            <a:fillRect/>
+          </a:stretch>
+        </p:blipFill>
+        <p:spPr>
+          <a:xfrm>
+            <a:off x="0" y="0"/>
+            <a:ext cx="12188825" cy="6856214"/>
+          </a:xfrm>
+          <a:prstGeom prst="rect">
+            <a:avLst/>
+          </a:prstGeom>
+        </p:spPr>
+      </p:pic>
+      <p:sp>
+        <p:nvSpPr>
+          <p:cNvPr id="2" name="Title 1"/>
+          <p:cNvSpPr>
+            <a:spLocks noGrp="1"/>
+          </p:cNvSpPr>
+          <p:nvPr>
+            <p:ph type="title"/>
+          </p:nvPr>
+        </p:nvSpPr>
+        <p:spPr>
+          <a:xfrm>
+            <a:off x="685801" y="609601"/>
+            <a:ext cx="10131427" cy="2743199"/>
+          </a:xfrm>
+        </p:spPr>
+        <p:txBody>
+          <a:bodyPr vert="horz" lIns="91440" tIns="45720" rIns="91440" bIns="45720" rtlCol="0" anchor="ctr">
+            <a:normAutofit/>
+          </a:bodyPr>
+          <a:lstStyle>
+            <a:lvl1pPr>
+              <a:defRPr lang="en-US" b="0" dirty="0"/>
+            </a:lvl1pPr>
+          </a:lstStyle>
+          <a:p>
+            <a:pPr marL="0" lvl="0"/>
+            <a:r>
+              <a:rPr lang="en-US"/>
+              <a:t>Click to edit Master title style</a:t>
+            </a:r>
+            <a:endParaRPr lang="en-US" dirty="0"/>
+          </a:p>
+        </p:txBody>
+      </p:sp>
+      <p:sp>
+        <p:nvSpPr>
+          <p:cNvPr id="10" name="Text Placeholder 9"/>
+          <p:cNvSpPr>
+            <a:spLocks noGrp="1"/>
+          </p:cNvSpPr>
+          <p:nvPr>
+            <p:ph type="body" sz="quarter" idx="13"/>
+          </p:nvPr>
+        </p:nvSpPr>
+        <p:spPr>
+          <a:xfrm>
+            <a:off x="685801" y="3505200"/>
+            <a:ext cx="10131428" cy="838200"/>
+          </a:xfrm>
+        </p:spPr>
+        <p:txBody>
+          <a:bodyPr vert="horz" lIns="91440" tIns="45720" rIns="91440" bIns="45720" rtlCol="0" anchor="b">
+            <a:normAutofit/>
+          </a:bodyPr>
+          <a:lstStyle>
+            <a:lvl1pPr>
+              <a:buNone/>
+              <a:defRPr lang="en-US" sz="2800" b="0" cap="none" dirty="0">
+                <a:ln w="3175" cmpd="sng">
+                  <a:noFill/>
+                </a:ln>
+                <a:solidFill>
+                  <a:schemeClr val="tx1"/>
+                </a:solidFill>
+                <a:effectLst/>
+              </a:defRPr>
+            </a:lvl1pPr>
+          </a:lstStyle>
+          <a:p>
+            <a:pPr marL="0" lvl="0">
+              <a:spcBef>
+                <a:spcPct val="0"/>
+              </a:spcBef>
+              <a:buNone/>
+            </a:pPr>
+            <a:r>
+              <a:rPr lang="en-US"/>
+              <a:t>Edit Master text styles</a:t>
+            </a:r>
+          </a:p>
+        </p:txBody>
+      </p:sp>
+      <p:sp>
+        <p:nvSpPr>
+          <p:cNvPr id="3" name="Text Placeholder 2"/>
+          <p:cNvSpPr>
+            <a:spLocks noGrp="1"/>
+          </p:cNvSpPr>
+          <p:nvPr>
+            <p:ph type="body" idx="1"/>
+          </p:nvPr>
+        </p:nvSpPr>
+        <p:spPr>
+          <a:xfrm>
+            <a:off x="685800" y="4343400"/>
+            <a:ext cx="10131428" cy="1447800"/>
+          </a:xfrm>
+        </p:spPr>
+        <p:txBody>
+          <a:bodyPr anchor="t">
+            <a:normAutofit/>
+          </a:bodyPr>
+          <a:lstStyle>
+            <a:lvl1pPr marL="0" indent="0" algn="l">
+              <a:buNone/>
+              <a:defRPr sz="1800">
+                <a:solidFill>
+                  <a:schemeClr val="tx1"/>
+                </a:solidFill>
+              </a:defRPr>
+            </a:lvl1pPr>
+            <a:lvl2pPr marL="457200" indent="0">
+              <a:buNone/>
+              <a:defRPr sz="1800">
+                <a:solidFill>
+                  <a:schemeClr val="tx1">
+                    <a:tint val="75000"/>
+                  </a:schemeClr>
+                </a:solidFill>
+              </a:defRPr>
+            </a:lvl2pPr>
+            <a:lvl3pPr marL="914400" indent="0">
+              <a:buNone/>
+              <a:defRPr sz="1600">
+                <a:solidFill>
+                  <a:schemeClr val="tx1">
+                    <a:tint val="75000"/>
+                  </a:schemeClr>
+                </a:solidFill>
+              </a:defRPr>
+            </a:lvl3pPr>
+            <a:lvl4pPr marL="1371600" indent="0">
+              <a:buNone/>
+              <a:defRPr sz="1400">
+                <a:solidFill>
+                  <a:schemeClr val="tx1">
+                    <a:tint val="75000"/>
+                  </a:schemeClr>
+                </a:solidFill>
+              </a:defRPr>
+            </a:lvl4pPr>
+            <a:lvl5pPr marL="1828800" indent="0">
+              <a:buNone/>
+              <a:defRPr sz="1400">
+                <a:solidFill>
+                  <a:schemeClr val="tx1">
+                    <a:tint val="75000"/>
+                  </a:schemeClr>
+                </a:solidFill>
+              </a:defRPr>
+            </a:lvl5pPr>
+            <a:lvl6pPr marL="2286000" indent="0">
+              <a:buNone/>
+              <a:defRPr sz="1400">
+                <a:solidFill>
+                  <a:schemeClr val="tx1">
+                    <a:tint val="75000"/>
+                  </a:schemeClr>
+                </a:solidFill>
+              </a:defRPr>
+            </a:lvl6pPr>
+            <a:lvl7pPr marL="2743200" indent="0">
+              <a:buNone/>
+              <a:defRPr sz="1400">
+                <a:solidFill>
+                  <a:schemeClr val="tx1">
+                    <a:tint val="75000"/>
+                  </a:schemeClr>
+                </a:solidFill>
+              </a:defRPr>
+            </a:lvl7pPr>
+            <a:lvl8pPr marL="3200400" indent="0">
+              <a:buNone/>
+              <a:defRPr sz="1400">
+                <a:solidFill>
+                  <a:schemeClr val="tx1">
+                    <a:tint val="75000"/>
+                  </a:schemeClr>
+                </a:solidFill>
+              </a:defRPr>
+            </a:lvl8pPr>
+            <a:lvl9pPr marL="3657600" indent="0">
+              <a:buNone/>
+              <a:defRPr sz="1400">
+                <a:solidFill>
+                  <a:schemeClr val="tx1">
+                    <a:tint val="75000"/>
+                  </a:schemeClr>
+                </a:solidFill>
+              </a:defRPr>
+            </a:lvl9pPr>
+          </a:lstStyle>
+          <a:p>
+            <a:pPr lvl="0"/>
+            <a:r>
+              <a:rPr lang="en-US"/>
+              <a:t>Edit Master text styles</a:t>
+            </a:r>
+          </a:p>
+        </p:txBody>
+      </p:sp>
+      <p:sp>
+        <p:nvSpPr>
+          <p:cNvPr id="4" name="Date Placeholder 3"/>
+          <p:cNvSpPr>
+            <a:spLocks noGrp="1"/>
+          </p:cNvSpPr>
+          <p:nvPr>
+            <p:ph type="dt" sz="half" idx="10"/>
+          </p:nvPr>
+        </p:nvSpPr>
+        <p:spPr/>
+        <p:txBody>
+          <a:bodyPr/>
+          <a:lstStyle/>
+          <a:p>
+            <a:fld id="{65391DDC-B041-0642-912B-52C778FA5BB0}" type="datetimeFigureOut">
+              <a:rPr lang="en-US" smtClean="0"/>
+              <a:t>3/29/2019</a:t>
+            </a:fld>
+            <a:endParaRPr lang="en-US"/>
+          </a:p>
+        </p:txBody>
+      </p:sp>
+      <p:sp>
+        <p:nvSpPr>
+          <p:cNvPr id="5" name="Footer Placeholder 4"/>
+          <p:cNvSpPr>
+            <a:spLocks noGrp="1"/>
+          </p:cNvSpPr>
+          <p:nvPr>
+            <p:ph type="ftr" sz="quarter" idx="11"/>
+          </p:nvPr>
+        </p:nvSpPr>
+        <p:spPr/>
+        <p:txBody>
+          <a:bodyPr/>
+          <a:lstStyle/>
+          <a:p>
+            <a:endParaRPr lang="en-US"/>
+          </a:p>
+        </p:txBody>
+      </p:sp>
+      <p:sp>
+        <p:nvSpPr>
+          <p:cNvPr id="6" name="Slide Number Placeholder 5"/>
+          <p:cNvSpPr>
+            <a:spLocks noGrp="1"/>
+          </p:cNvSpPr>
+          <p:nvPr>
+            <p:ph type="sldNum" sz="quarter" idx="12"/>
+          </p:nvPr>
+        </p:nvSpPr>
+        <p:spPr/>
+        <p:txBody>
+          <a:bodyPr/>
+          <a:lstStyle/>
+          <a:p>
+            <a:fld id="{6F6C604D-DF55-E547-BAF9-8BD6E0281D1B}" type="slidenum">
+              <a:rPr lang="en-US" smtClean="0"/>
+              <a:t>‹#›</a:t>
+            </a:fld>
+            <a:endParaRPr lang="en-US"/>
+          </a:p>
+        </p:txBody>
+      </p:sp>
+    </p:spTree>
+    <p:extLst>
+      <p:ext uri="{BB962C8B-B14F-4D97-AF65-F5344CB8AC3E}">
+        <p14:creationId xmlns:p14="http://schemas.microsoft.com/office/powerpoint/2010/main" val="4061383368"/>
+      </p:ext>
+    </p:extLst>
+  </p:cSld>
+  <p:clrMapOvr>
+    <a:masterClrMapping/>
+  </p:clrMapOvr>
+</p:sldLayout>
+</file>
+
+<file path=ppt/slideLayouts/slideLayout16.xml><?xml version="1.0" encoding="utf-8"?>
 <p:sldLayout xmlns:a="http://schemas.openxmlformats.org/drawingml/2006/main" xmlns:r="http://schemas.openxmlformats.org/officeDocument/2006/relationships" xmlns:p="http://schemas.openxmlformats.org/presentationml/2006/main" type="vertTx" preserve="1">
   <p:cSld name="Title and Vertical Text">
     <p:spTree>
@@ -360,53 +2800,49 @@
           <a:chExt cx="0" cy="0"/>
         </a:xfrm>
       </p:grpSpPr>
-      <p:sp>
-        <p:nvSpPr>
-          <p:cNvPr id="2" name="Title 1">
+      <p:pic>
+        <p:nvPicPr>
+          <p:cNvPr id="7" name="Picture 6" descr="Celestia-R1---OverlayContentHD.png"/>
+          <p:cNvPicPr>
+            <a:picLocks noChangeAspect="1"/>
+          </p:cNvPicPr>
+          <p:nvPr/>
+        </p:nvPicPr>
+        <p:blipFill>
+          <a:blip r:embed="rId2">
             <a:extLst>
-              <a:ext uri="{FF2B5EF4-FFF2-40B4-BE49-F238E27FC236}">
-                <a16:creationId xmlns:a16="http://schemas.microsoft.com/office/drawing/2014/main" id="{E35E5BBE-57AD-F848-9961-16A64693C679}"/>
+              <a:ext uri="{28A0092B-C50C-407E-A947-70E740481C1C}">
+                <a14:useLocalDpi xmlns:a14="http://schemas.microsoft.com/office/drawing/2010/main" val="0"/>
               </a:ext>
             </a:extLst>
-          </p:cNvPr>
-          <p:cNvSpPr>
-            <a:spLocks noGrp="1"/>
-          </p:cNvSpPr>
-          <p:nvPr>
-            <p:ph type="title"/>
+          </a:blip>
+          <a:stretch>
+            <a:fillRect/>
+          </a:stretch>
+        </p:blipFill>
+        <p:spPr>
+          <a:xfrm>
+            <a:off x="0" y="0"/>
+            <a:ext cx="12188825" cy="6856214"/>
+          </a:xfrm>
+          <a:prstGeom prst="rect">
+            <a:avLst/>
+          </a:prstGeom>
+        </p:spPr>
+      </p:pic>
+      <p:sp>
+        <p:nvSpPr>
+          <p:cNvPr id="3" name="Vertical Text Placeholder 2"/>
+          <p:cNvSpPr>
+            <a:spLocks noGrp="1"/>
+          </p:cNvSpPr>
+          <p:nvPr>
+            <p:ph type="body" orient="vert" idx="1"/>
           </p:nvPr>
         </p:nvSpPr>
         <p:spPr/>
         <p:txBody>
-          <a:bodyPr/>
-          <a:lstStyle/>
-          <a:p>
-            <a:r>
-              <a:rPr lang="en-US"/>
-              <a:t>Click to edit Master title style</a:t>
-            </a:r>
-          </a:p>
-        </p:txBody>
-      </p:sp>
-      <p:sp>
-        <p:nvSpPr>
-          <p:cNvPr id="3" name="Vertical Text Placeholder 2">
-            <a:extLst>
-              <a:ext uri="{FF2B5EF4-FFF2-40B4-BE49-F238E27FC236}">
-                <a16:creationId xmlns:a16="http://schemas.microsoft.com/office/drawing/2014/main" id="{D7A73E17-8E61-DF4C-91FA-F2632D95F64D}"/>
-              </a:ext>
-            </a:extLst>
-          </p:cNvPr>
-          <p:cNvSpPr>
-            <a:spLocks noGrp="1"/>
-          </p:cNvSpPr>
-          <p:nvPr>
-            <p:ph type="body" orient="vert" idx="1"/>
-          </p:nvPr>
-        </p:nvSpPr>
-        <p:spPr/>
-        <p:txBody>
-          <a:bodyPr vert="eaVert"/>
+          <a:bodyPr vert="eaVert" anchor="t"/>
           <a:lstStyle/>
           <a:p>
             <a:pPr lvl="0"/>
@@ -442,18 +2878,13 @@
               <a:rPr lang="en-US"/>
               <a:t>Fifth level</a:t>
             </a:r>
-          </a:p>
-        </p:txBody>
-      </p:sp>
-      <p:sp>
-        <p:nvSpPr>
-          <p:cNvPr id="4" name="Date Placeholder 3">
-            <a:extLst>
-              <a:ext uri="{FF2B5EF4-FFF2-40B4-BE49-F238E27FC236}">
-                <a16:creationId xmlns:a16="http://schemas.microsoft.com/office/drawing/2014/main" id="{ECCF5194-4F6B-D047-B9D8-9762F8693C7B}"/>
-              </a:ext>
-            </a:extLst>
-          </p:cNvPr>
+            <a:endParaRPr lang="en-US" dirty="0"/>
+          </a:p>
+        </p:txBody>
+      </p:sp>
+      <p:sp>
+        <p:nvSpPr>
+          <p:cNvPr id="4" name="Date Placeholder 3"/>
           <p:cNvSpPr>
             <a:spLocks noGrp="1"/>
           </p:cNvSpPr>
@@ -468,7 +2899,7 @@
           <a:p>
             <a:fld id="{65391DDC-B041-0642-912B-52C778FA5BB0}" type="datetimeFigureOut">
               <a:rPr lang="en-US" smtClean="0"/>
-              <a:t>1/7/19</a:t>
+              <a:t>3/29/2019</a:t>
             </a:fld>
             <a:endParaRPr lang="en-US"/>
           </a:p>
@@ -476,13 +2907,7 @@
       </p:sp>
       <p:sp>
         <p:nvSpPr>
-          <p:cNvPr id="5" name="Footer Placeholder 4">
-            <a:extLst>
-              <a:ext uri="{FF2B5EF4-FFF2-40B4-BE49-F238E27FC236}">
-                <a16:creationId xmlns:a16="http://schemas.microsoft.com/office/drawing/2014/main" id="{D176A6B2-4A19-314E-A4F3-C7BD01E4F70B}"/>
-              </a:ext>
-            </a:extLst>
-          </p:cNvPr>
+          <p:cNvPr id="5" name="Footer Placeholder 4"/>
           <p:cNvSpPr>
             <a:spLocks noGrp="1"/>
           </p:cNvSpPr>
@@ -501,13 +2926,7 @@
       </p:sp>
       <p:sp>
         <p:nvSpPr>
-          <p:cNvPr id="6" name="Slide Number Placeholder 5">
-            <a:extLst>
-              <a:ext uri="{FF2B5EF4-FFF2-40B4-BE49-F238E27FC236}">
-                <a16:creationId xmlns:a16="http://schemas.microsoft.com/office/drawing/2014/main" id="{B8BCBD76-6F83-0348-9E18-F3F240D85C1F}"/>
-              </a:ext>
-            </a:extLst>
-          </p:cNvPr>
+          <p:cNvPr id="6" name="Slide Number Placeholder 5"/>
           <p:cNvSpPr>
             <a:spLocks noGrp="1"/>
           </p:cNvSpPr>
@@ -528,10 +2947,38 @@
           </a:p>
         </p:txBody>
       </p:sp>
+      <p:sp>
+        <p:nvSpPr>
+          <p:cNvPr id="8" name="Title 1"/>
+          <p:cNvSpPr>
+            <a:spLocks noGrp="1"/>
+          </p:cNvSpPr>
+          <p:nvPr>
+            <p:ph type="title"/>
+          </p:nvPr>
+        </p:nvSpPr>
+        <p:spPr>
+          <a:xfrm>
+            <a:off x="685801" y="609600"/>
+            <a:ext cx="10131425" cy="1456267"/>
+          </a:xfrm>
+        </p:spPr>
+        <p:txBody>
+          <a:bodyPr/>
+          <a:lstStyle/>
+          <a:p>
+            <a:r>
+              <a:rPr lang="en-US"/>
+              <a:t>Click to edit Master title style</a:t>
+            </a:r>
+            <a:endParaRPr lang="en-US" dirty="0"/>
+          </a:p>
+        </p:txBody>
+      </p:sp>
     </p:spTree>
     <p:extLst>
       <p:ext uri="{BB962C8B-B14F-4D97-AF65-F5344CB8AC3E}">
-        <p14:creationId xmlns:p14="http://schemas.microsoft.com/office/powerpoint/2010/main" val="2448667436"/>
+        <p14:creationId xmlns:p14="http://schemas.microsoft.com/office/powerpoint/2010/main" val="775478763"/>
       </p:ext>
     </p:extLst>
   </p:cSld>
@@ -541,7 +2988,7 @@
 </p:sldLayout>
 </file>
 
-<file path=ppt/slideLayouts/slideLayout11.xml><?xml version="1.0" encoding="utf-8"?>
+<file path=ppt/slideLayouts/slideLayout17.xml><?xml version="1.0" encoding="utf-8"?>
 <p:sldLayout xmlns:a="http://schemas.openxmlformats.org/drawingml/2006/main" xmlns:r="http://schemas.openxmlformats.org/officeDocument/2006/relationships" xmlns:p="http://schemas.openxmlformats.org/presentationml/2006/main" type="vertTitleAndTx" preserve="1">
   <p:cSld name="Vertical Title and Text">
     <p:spTree>
@@ -558,26 +3005,50 @@
           <a:chExt cx="0" cy="0"/>
         </a:xfrm>
       </p:grpSpPr>
-      <p:sp>
-        <p:nvSpPr>
-          <p:cNvPr id="2" name="Vertical Title 1">
+      <p:pic>
+        <p:nvPicPr>
+          <p:cNvPr id="7" name="Picture 6" descr="Celestia-R1---OverlayContentHD.png"/>
+          <p:cNvPicPr>
+            <a:picLocks noChangeAspect="1"/>
+          </p:cNvPicPr>
+          <p:nvPr/>
+        </p:nvPicPr>
+        <p:blipFill>
+          <a:blip r:embed="rId2">
             <a:extLst>
-              <a:ext uri="{FF2B5EF4-FFF2-40B4-BE49-F238E27FC236}">
-                <a16:creationId xmlns:a16="http://schemas.microsoft.com/office/drawing/2014/main" id="{9BB89245-98DB-7145-901B-A9A4710A6557}"/>
+              <a:ext uri="{28A0092B-C50C-407E-A947-70E740481C1C}">
+                <a14:useLocalDpi xmlns:a14="http://schemas.microsoft.com/office/drawing/2010/main" val="0"/>
               </a:ext>
             </a:extLst>
-          </p:cNvPr>
-          <p:cNvSpPr>
-            <a:spLocks noGrp="1"/>
-          </p:cNvSpPr>
-          <p:nvPr>
-            <p:ph type="title" orient="vert"/>
-          </p:nvPr>
-        </p:nvSpPr>
+          </a:blip>
+          <a:stretch>
+            <a:fillRect/>
+          </a:stretch>
+        </p:blipFill>
         <p:spPr>
           <a:xfrm>
-            <a:off x="8724900" y="365125"/>
-            <a:ext cx="2628900" cy="5811838"/>
+            <a:off x="0" y="0"/>
+            <a:ext cx="12188825" cy="6856214"/>
+          </a:xfrm>
+          <a:prstGeom prst="rect">
+            <a:avLst/>
+          </a:prstGeom>
+        </p:spPr>
+      </p:pic>
+      <p:sp>
+        <p:nvSpPr>
+          <p:cNvPr id="2" name="Vertical Title 1"/>
+          <p:cNvSpPr>
+            <a:spLocks noGrp="1"/>
+          </p:cNvSpPr>
+          <p:nvPr>
+            <p:ph type="title" orient="vert"/>
+          </p:nvPr>
+        </p:nvSpPr>
+        <p:spPr>
+          <a:xfrm>
+            <a:off x="8658675" y="609599"/>
+            <a:ext cx="2158552" cy="5181601"/>
           </a:xfrm>
         </p:spPr>
         <p:txBody>
@@ -588,18 +3059,13 @@
               <a:rPr lang="en-US"/>
               <a:t>Click to edit Master title style</a:t>
             </a:r>
-          </a:p>
-        </p:txBody>
-      </p:sp>
-      <p:sp>
-        <p:nvSpPr>
-          <p:cNvPr id="3" name="Vertical Text Placeholder 2">
-            <a:extLst>
-              <a:ext uri="{FF2B5EF4-FFF2-40B4-BE49-F238E27FC236}">
-                <a16:creationId xmlns:a16="http://schemas.microsoft.com/office/drawing/2014/main" id="{88421BCD-BCFF-5C44-A5DC-55129961B5D4}"/>
-              </a:ext>
-            </a:extLst>
-          </p:cNvPr>
+            <a:endParaRPr lang="en-US" dirty="0"/>
+          </a:p>
+        </p:txBody>
+      </p:sp>
+      <p:sp>
+        <p:nvSpPr>
+          <p:cNvPr id="3" name="Vertical Text Placeholder 2"/>
           <p:cNvSpPr>
             <a:spLocks noGrp="1"/>
           </p:cNvSpPr>
@@ -609,12 +3075,12 @@
         </p:nvSpPr>
         <p:spPr>
           <a:xfrm>
-            <a:off x="838200" y="365125"/>
-            <a:ext cx="7734300" cy="5811838"/>
+            <a:off x="685800" y="609600"/>
+            <a:ext cx="7832116" cy="5181600"/>
           </a:xfrm>
         </p:spPr>
         <p:txBody>
-          <a:bodyPr vert="eaVert"/>
+          <a:bodyPr vert="eaVert" anchor="t"/>
           <a:lstStyle/>
           <a:p>
             <a:pPr lvl="0"/>
@@ -650,18 +3116,13 @@
               <a:rPr lang="en-US"/>
               <a:t>Fifth level</a:t>
             </a:r>
-          </a:p>
-        </p:txBody>
-      </p:sp>
-      <p:sp>
-        <p:nvSpPr>
-          <p:cNvPr id="4" name="Date Placeholder 3">
-            <a:extLst>
-              <a:ext uri="{FF2B5EF4-FFF2-40B4-BE49-F238E27FC236}">
-                <a16:creationId xmlns:a16="http://schemas.microsoft.com/office/drawing/2014/main" id="{736FEB1C-E80E-A54E-AF20-BA245B1A6BE5}"/>
-              </a:ext>
-            </a:extLst>
-          </p:cNvPr>
+            <a:endParaRPr lang="en-US" dirty="0"/>
+          </a:p>
+        </p:txBody>
+      </p:sp>
+      <p:sp>
+        <p:nvSpPr>
+          <p:cNvPr id="4" name="Date Placeholder 3"/>
           <p:cNvSpPr>
             <a:spLocks noGrp="1"/>
           </p:cNvSpPr>
@@ -676,7 +3137,7 @@
           <a:p>
             <a:fld id="{65391DDC-B041-0642-912B-52C778FA5BB0}" type="datetimeFigureOut">
               <a:rPr lang="en-US" smtClean="0"/>
-              <a:t>1/7/19</a:t>
+              <a:t>3/29/2019</a:t>
             </a:fld>
             <a:endParaRPr lang="en-US"/>
           </a:p>
@@ -684,13 +3145,7 @@
       </p:sp>
       <p:sp>
         <p:nvSpPr>
-          <p:cNvPr id="5" name="Footer Placeholder 4">
-            <a:extLst>
-              <a:ext uri="{FF2B5EF4-FFF2-40B4-BE49-F238E27FC236}">
-                <a16:creationId xmlns:a16="http://schemas.microsoft.com/office/drawing/2014/main" id="{8AE2E0AA-0D54-534F-A7DE-AE4803AF9305}"/>
-              </a:ext>
-            </a:extLst>
-          </p:cNvPr>
+          <p:cNvPr id="5" name="Footer Placeholder 4"/>
           <p:cNvSpPr>
             <a:spLocks noGrp="1"/>
           </p:cNvSpPr>
@@ -709,13 +3164,7 @@
       </p:sp>
       <p:sp>
         <p:nvSpPr>
-          <p:cNvPr id="6" name="Slide Number Placeholder 5">
-            <a:extLst>
-              <a:ext uri="{FF2B5EF4-FFF2-40B4-BE49-F238E27FC236}">
-                <a16:creationId xmlns:a16="http://schemas.microsoft.com/office/drawing/2014/main" id="{78C5230B-3B4F-9940-87A7-FC2F67587661}"/>
-              </a:ext>
-            </a:extLst>
-          </p:cNvPr>
+          <p:cNvPr id="6" name="Slide Number Placeholder 5"/>
           <p:cNvSpPr>
             <a:spLocks noGrp="1"/>
           </p:cNvSpPr>
@@ -739,7 +3188,7 @@
     </p:spTree>
     <p:extLst>
       <p:ext uri="{BB962C8B-B14F-4D97-AF65-F5344CB8AC3E}">
-        <p14:creationId xmlns:p14="http://schemas.microsoft.com/office/powerpoint/2010/main" val="2590215164"/>
+        <p14:creationId xmlns:p14="http://schemas.microsoft.com/office/powerpoint/2010/main" val="3444515420"/>
       </p:ext>
     </p:extLst>
   </p:cSld>
@@ -766,15 +3215,39 @@
           <a:chExt cx="0" cy="0"/>
         </a:xfrm>
       </p:grpSpPr>
-      <p:sp>
-        <p:nvSpPr>
-          <p:cNvPr id="2" name="Title 1">
+      <p:pic>
+        <p:nvPicPr>
+          <p:cNvPr id="7" name="Picture 6" descr="Celestia-R1---OverlayContentHD.png"/>
+          <p:cNvPicPr>
+            <a:picLocks noChangeAspect="1"/>
+          </p:cNvPicPr>
+          <p:nvPr/>
+        </p:nvPicPr>
+        <p:blipFill>
+          <a:blip r:embed="rId2">
             <a:extLst>
-              <a:ext uri="{FF2B5EF4-FFF2-40B4-BE49-F238E27FC236}">
-                <a16:creationId xmlns:a16="http://schemas.microsoft.com/office/drawing/2014/main" id="{FDE5377B-04FB-BC49-8696-FEDADA5BB3FB}"/>
+              <a:ext uri="{28A0092B-C50C-407E-A947-70E740481C1C}">
+                <a14:useLocalDpi xmlns:a14="http://schemas.microsoft.com/office/drawing/2010/main" val="0"/>
               </a:ext>
             </a:extLst>
-          </p:cNvPr>
+          </a:blip>
+          <a:stretch>
+            <a:fillRect/>
+          </a:stretch>
+        </p:blipFill>
+        <p:spPr>
+          <a:xfrm>
+            <a:off x="0" y="0"/>
+            <a:ext cx="12188825" cy="6856214"/>
+          </a:xfrm>
+          <a:prstGeom prst="rect">
+            <a:avLst/>
+          </a:prstGeom>
+        </p:spPr>
+      </p:pic>
+      <p:sp>
+        <p:nvSpPr>
+          <p:cNvPr id="2" name="Title 1"/>
           <p:cNvSpPr>
             <a:spLocks noGrp="1"/>
           </p:cNvSpPr>
@@ -791,18 +3264,13 @@
               <a:rPr lang="en-US"/>
               <a:t>Click to edit Master title style</a:t>
             </a:r>
-          </a:p>
-        </p:txBody>
-      </p:sp>
-      <p:sp>
-        <p:nvSpPr>
-          <p:cNvPr id="3" name="Content Placeholder 2">
-            <a:extLst>
-              <a:ext uri="{FF2B5EF4-FFF2-40B4-BE49-F238E27FC236}">
-                <a16:creationId xmlns:a16="http://schemas.microsoft.com/office/drawing/2014/main" id="{94203579-1C70-2B4C-AFCA-95853632DEB9}"/>
-              </a:ext>
-            </a:extLst>
-          </p:cNvPr>
+            <a:endParaRPr lang="en-US" dirty="0"/>
+          </a:p>
+        </p:txBody>
+      </p:sp>
+      <p:sp>
+        <p:nvSpPr>
+          <p:cNvPr id="3" name="Content Placeholder 2"/>
           <p:cNvSpPr>
             <a:spLocks noGrp="1"/>
           </p:cNvSpPr>
@@ -812,7 +3280,7 @@
         </p:nvSpPr>
         <p:spPr/>
         <p:txBody>
-          <a:bodyPr/>
+          <a:bodyPr anchor="ctr"/>
           <a:lstStyle/>
           <a:p>
             <a:pPr lvl="0"/>
@@ -848,18 +3316,13 @@
               <a:rPr lang="en-US"/>
               <a:t>Fifth level</a:t>
             </a:r>
-          </a:p>
-        </p:txBody>
-      </p:sp>
-      <p:sp>
-        <p:nvSpPr>
-          <p:cNvPr id="4" name="Date Placeholder 3">
-            <a:extLst>
-              <a:ext uri="{FF2B5EF4-FFF2-40B4-BE49-F238E27FC236}">
-                <a16:creationId xmlns:a16="http://schemas.microsoft.com/office/drawing/2014/main" id="{503637FF-B99A-8B4D-A081-8484666F25D9}"/>
-              </a:ext>
-            </a:extLst>
-          </p:cNvPr>
+            <a:endParaRPr lang="en-US" dirty="0"/>
+          </a:p>
+        </p:txBody>
+      </p:sp>
+      <p:sp>
+        <p:nvSpPr>
+          <p:cNvPr id="4" name="Date Placeholder 3"/>
           <p:cNvSpPr>
             <a:spLocks noGrp="1"/>
           </p:cNvSpPr>
@@ -874,7 +3337,7 @@
           <a:p>
             <a:fld id="{65391DDC-B041-0642-912B-52C778FA5BB0}" type="datetimeFigureOut">
               <a:rPr lang="en-US" smtClean="0"/>
-              <a:t>1/7/19</a:t>
+              <a:t>3/29/2019</a:t>
             </a:fld>
             <a:endParaRPr lang="en-US"/>
           </a:p>
@@ -882,13 +3345,7 @@
       </p:sp>
       <p:sp>
         <p:nvSpPr>
-          <p:cNvPr id="5" name="Footer Placeholder 4">
-            <a:extLst>
-              <a:ext uri="{FF2B5EF4-FFF2-40B4-BE49-F238E27FC236}">
-                <a16:creationId xmlns:a16="http://schemas.microsoft.com/office/drawing/2014/main" id="{3910CE87-DFCA-534C-80B7-E5F7ACF86832}"/>
-              </a:ext>
-            </a:extLst>
-          </p:cNvPr>
+          <p:cNvPr id="5" name="Footer Placeholder 4"/>
           <p:cNvSpPr>
             <a:spLocks noGrp="1"/>
           </p:cNvSpPr>
@@ -907,13 +3364,7 @@
       </p:sp>
       <p:sp>
         <p:nvSpPr>
-          <p:cNvPr id="6" name="Slide Number Placeholder 5">
-            <a:extLst>
-              <a:ext uri="{FF2B5EF4-FFF2-40B4-BE49-F238E27FC236}">
-                <a16:creationId xmlns:a16="http://schemas.microsoft.com/office/drawing/2014/main" id="{FA921294-609A-444B-B3A0-8D25F174110A}"/>
-              </a:ext>
-            </a:extLst>
-          </p:cNvPr>
+          <p:cNvPr id="6" name="Slide Number Placeholder 5"/>
           <p:cNvSpPr>
             <a:spLocks noGrp="1"/>
           </p:cNvSpPr>
@@ -937,7 +3388,7 @@
     </p:spTree>
     <p:extLst>
       <p:ext uri="{BB962C8B-B14F-4D97-AF65-F5344CB8AC3E}">
-        <p14:creationId xmlns:p14="http://schemas.microsoft.com/office/powerpoint/2010/main" val="2450579576"/>
+        <p14:creationId xmlns:p14="http://schemas.microsoft.com/office/powerpoint/2010/main" val="3267527795"/>
       </p:ext>
     </p:extLst>
   </p:cSld>
@@ -964,33 +3415,57 @@
           <a:chExt cx="0" cy="0"/>
         </a:xfrm>
       </p:grpSpPr>
-      <p:sp>
-        <p:nvSpPr>
-          <p:cNvPr id="2" name="Title 1">
+      <p:pic>
+        <p:nvPicPr>
+          <p:cNvPr id="7" name="Picture 6" descr="Celestia-R1---OverlayContentHD.png"/>
+          <p:cNvPicPr>
+            <a:picLocks noChangeAspect="1"/>
+          </p:cNvPicPr>
+          <p:nvPr/>
+        </p:nvPicPr>
+        <p:blipFill>
+          <a:blip r:embed="rId2">
             <a:extLst>
-              <a:ext uri="{FF2B5EF4-FFF2-40B4-BE49-F238E27FC236}">
-                <a16:creationId xmlns:a16="http://schemas.microsoft.com/office/drawing/2014/main" id="{C88BCC7A-8103-1745-8BEA-B758901CF182}"/>
+              <a:ext uri="{28A0092B-C50C-407E-A947-70E740481C1C}">
+                <a14:useLocalDpi xmlns:a14="http://schemas.microsoft.com/office/drawing/2010/main" val="0"/>
               </a:ext>
             </a:extLst>
-          </p:cNvPr>
-          <p:cNvSpPr>
-            <a:spLocks noGrp="1"/>
-          </p:cNvSpPr>
-          <p:nvPr>
-            <p:ph type="title"/>
-          </p:nvPr>
-        </p:nvSpPr>
+          </a:blip>
+          <a:stretch>
+            <a:fillRect/>
+          </a:stretch>
+        </p:blipFill>
         <p:spPr>
           <a:xfrm>
-            <a:off x="831850" y="1709738"/>
-            <a:ext cx="10515600" cy="2852737"/>
+            <a:off x="0" y="0"/>
+            <a:ext cx="12188825" cy="6856214"/>
+          </a:xfrm>
+          <a:prstGeom prst="rect">
+            <a:avLst/>
+          </a:prstGeom>
+        </p:spPr>
+      </p:pic>
+      <p:sp>
+        <p:nvSpPr>
+          <p:cNvPr id="2" name="Title 1"/>
+          <p:cNvSpPr>
+            <a:spLocks noGrp="1"/>
+          </p:cNvSpPr>
+          <p:nvPr>
+            <p:ph type="title"/>
+          </p:nvPr>
+        </p:nvSpPr>
+        <p:spPr>
+          <a:xfrm>
+            <a:off x="685800" y="3308581"/>
+            <a:ext cx="10131427" cy="1468800"/>
           </a:xfrm>
         </p:spPr>
         <p:txBody>
           <a:bodyPr anchor="b"/>
           <a:lstStyle>
-            <a:lvl1pPr>
-              <a:defRPr sz="6000"/>
+            <a:lvl1pPr algn="l">
+              <a:defRPr sz="4000" b="0" cap="all"/>
             </a:lvl1pPr>
           </a:lstStyle>
           <a:p>
@@ -998,18 +3473,13 @@
               <a:rPr lang="en-US"/>
               <a:t>Click to edit Master title style</a:t>
             </a:r>
-          </a:p>
-        </p:txBody>
-      </p:sp>
-      <p:sp>
-        <p:nvSpPr>
-          <p:cNvPr id="3" name="Text Placeholder 2">
-            <a:extLst>
-              <a:ext uri="{FF2B5EF4-FFF2-40B4-BE49-F238E27FC236}">
-                <a16:creationId xmlns:a16="http://schemas.microsoft.com/office/drawing/2014/main" id="{3E39B2F5-C63D-C148-8F96-F318FD29878A}"/>
-              </a:ext>
-            </a:extLst>
-          </p:cNvPr>
+            <a:endParaRPr lang="en-US" dirty="0"/>
+          </a:p>
+        </p:txBody>
+      </p:sp>
+      <p:sp>
+        <p:nvSpPr>
+          <p:cNvPr id="3" name="Text Placeholder 2"/>
           <p:cNvSpPr>
             <a:spLocks noGrp="1"/>
           </p:cNvSpPr>
@@ -1019,102 +3489,102 @@
         </p:nvSpPr>
         <p:spPr>
           <a:xfrm>
-            <a:off x="831850" y="4589463"/>
-            <a:ext cx="10515600" cy="1500187"/>
+            <a:off x="685799" y="4777381"/>
+            <a:ext cx="10131428" cy="860400"/>
           </a:xfrm>
         </p:spPr>
         <p:txBody>
-          <a:bodyPr/>
+          <a:bodyPr anchor="t">
+            <a:normAutofit/>
+          </a:bodyPr>
           <a:lstStyle>
-            <a:lvl1pPr marL="0" indent="0">
-              <a:buNone/>
-              <a:defRPr sz="2400">
+            <a:lvl1pPr marL="0" indent="0" algn="l">
+              <a:buNone/>
+              <a:defRPr sz="2000" cap="all">
+                <a:solidFill>
+                  <a:schemeClr val="tx1"/>
+                </a:solidFill>
+              </a:defRPr>
+            </a:lvl1pPr>
+            <a:lvl2pPr marL="457200" indent="0">
+              <a:buNone/>
+              <a:defRPr sz="1800">
                 <a:solidFill>
                   <a:schemeClr val="tx1">
                     <a:tint val="75000"/>
                   </a:schemeClr>
                 </a:solidFill>
               </a:defRPr>
-            </a:lvl1pPr>
-            <a:lvl2pPr marL="457200" indent="0">
-              <a:buNone/>
-              <a:defRPr sz="2000">
+            </a:lvl2pPr>
+            <a:lvl3pPr marL="914400" indent="0">
+              <a:buNone/>
+              <a:defRPr sz="1600">
                 <a:solidFill>
                   <a:schemeClr val="tx1">
                     <a:tint val="75000"/>
                   </a:schemeClr>
                 </a:solidFill>
               </a:defRPr>
-            </a:lvl2pPr>
-            <a:lvl3pPr marL="914400" indent="0">
-              <a:buNone/>
-              <a:defRPr sz="1800">
+            </a:lvl3pPr>
+            <a:lvl4pPr marL="1371600" indent="0">
+              <a:buNone/>
+              <a:defRPr sz="1400">
                 <a:solidFill>
                   <a:schemeClr val="tx1">
                     <a:tint val="75000"/>
                   </a:schemeClr>
                 </a:solidFill>
               </a:defRPr>
-            </a:lvl3pPr>
-            <a:lvl4pPr marL="1371600" indent="0">
-              <a:buNone/>
-              <a:defRPr sz="1600">
+            </a:lvl4pPr>
+            <a:lvl5pPr marL="1828800" indent="0">
+              <a:buNone/>
+              <a:defRPr sz="1400">
                 <a:solidFill>
                   <a:schemeClr val="tx1">
                     <a:tint val="75000"/>
                   </a:schemeClr>
                 </a:solidFill>
               </a:defRPr>
-            </a:lvl4pPr>
-            <a:lvl5pPr marL="1828800" indent="0">
-              <a:buNone/>
-              <a:defRPr sz="1600">
+            </a:lvl5pPr>
+            <a:lvl6pPr marL="2286000" indent="0">
+              <a:buNone/>
+              <a:defRPr sz="1400">
                 <a:solidFill>
                   <a:schemeClr val="tx1">
                     <a:tint val="75000"/>
                   </a:schemeClr>
                 </a:solidFill>
               </a:defRPr>
-            </a:lvl5pPr>
-            <a:lvl6pPr marL="2286000" indent="0">
-              <a:buNone/>
-              <a:defRPr sz="1600">
+            </a:lvl6pPr>
+            <a:lvl7pPr marL="2743200" indent="0">
+              <a:buNone/>
+              <a:defRPr sz="1400">
                 <a:solidFill>
                   <a:schemeClr val="tx1">
                     <a:tint val="75000"/>
                   </a:schemeClr>
                 </a:solidFill>
               </a:defRPr>
-            </a:lvl6pPr>
-            <a:lvl7pPr marL="2743200" indent="0">
-              <a:buNone/>
-              <a:defRPr sz="1600">
+            </a:lvl7pPr>
+            <a:lvl8pPr marL="3200400" indent="0">
+              <a:buNone/>
+              <a:defRPr sz="1400">
                 <a:solidFill>
                   <a:schemeClr val="tx1">
                     <a:tint val="75000"/>
                   </a:schemeClr>
                 </a:solidFill>
               </a:defRPr>
-            </a:lvl7pPr>
-            <a:lvl8pPr marL="3200400" indent="0">
-              <a:buNone/>
-              <a:defRPr sz="1600">
+            </a:lvl8pPr>
+            <a:lvl9pPr marL="3657600" indent="0">
+              <a:buNone/>
+              <a:defRPr sz="1400">
                 <a:solidFill>
                   <a:schemeClr val="tx1">
                     <a:tint val="75000"/>
                   </a:schemeClr>
                 </a:solidFill>
               </a:defRPr>
-            </a:lvl8pPr>
-            <a:lvl9pPr marL="3657600" indent="0">
-              <a:buNone/>
-              <a:defRPr sz="1600">
-                <a:solidFill>
-                  <a:schemeClr val="tx1">
-                    <a:tint val="75000"/>
-                  </a:schemeClr>
-                </a:solidFill>
-              </a:defRPr>
             </a:lvl9pPr>
           </a:lstStyle>
           <a:p>
@@ -1128,13 +3598,7 @@
       </p:sp>
       <p:sp>
         <p:nvSpPr>
-          <p:cNvPr id="4" name="Date Placeholder 3">
-            <a:extLst>
-              <a:ext uri="{FF2B5EF4-FFF2-40B4-BE49-F238E27FC236}">
-                <a16:creationId xmlns:a16="http://schemas.microsoft.com/office/drawing/2014/main" id="{F44086D3-4490-AA4D-9B42-DE2E6E7F1625}"/>
-              </a:ext>
-            </a:extLst>
-          </p:cNvPr>
+          <p:cNvPr id="4" name="Date Placeholder 3"/>
           <p:cNvSpPr>
             <a:spLocks noGrp="1"/>
           </p:cNvSpPr>
@@ -1149,7 +3613,7 @@
           <a:p>
             <a:fld id="{65391DDC-B041-0642-912B-52C778FA5BB0}" type="datetimeFigureOut">
               <a:rPr lang="en-US" smtClean="0"/>
-              <a:t>1/7/19</a:t>
+              <a:t>3/29/2019</a:t>
             </a:fld>
             <a:endParaRPr lang="en-US"/>
           </a:p>
@@ -1157,13 +3621,7 @@
       </p:sp>
       <p:sp>
         <p:nvSpPr>
-          <p:cNvPr id="5" name="Footer Placeholder 4">
-            <a:extLst>
-              <a:ext uri="{FF2B5EF4-FFF2-40B4-BE49-F238E27FC236}">
-                <a16:creationId xmlns:a16="http://schemas.microsoft.com/office/drawing/2014/main" id="{3CEC5C18-FC63-8C40-BD05-D7144420E326}"/>
-              </a:ext>
-            </a:extLst>
-          </p:cNvPr>
+          <p:cNvPr id="5" name="Footer Placeholder 4"/>
           <p:cNvSpPr>
             <a:spLocks noGrp="1"/>
           </p:cNvSpPr>
@@ -1182,13 +3640,7 @@
       </p:sp>
       <p:sp>
         <p:nvSpPr>
-          <p:cNvPr id="6" name="Slide Number Placeholder 5">
-            <a:extLst>
-              <a:ext uri="{FF2B5EF4-FFF2-40B4-BE49-F238E27FC236}">
-                <a16:creationId xmlns:a16="http://schemas.microsoft.com/office/drawing/2014/main" id="{D4259A98-5EAE-DC40-9BFE-38699E4D3A6F}"/>
-              </a:ext>
-            </a:extLst>
-          </p:cNvPr>
+          <p:cNvPr id="6" name="Slide Number Placeholder 5"/>
           <p:cNvSpPr>
             <a:spLocks noGrp="1"/>
           </p:cNvSpPr>
@@ -1212,7 +3664,7 @@
     </p:spTree>
     <p:extLst>
       <p:ext uri="{BB962C8B-B14F-4D97-AF65-F5344CB8AC3E}">
-        <p14:creationId xmlns:p14="http://schemas.microsoft.com/office/powerpoint/2010/main" val="437007705"/>
+        <p14:creationId xmlns:p14="http://schemas.microsoft.com/office/powerpoint/2010/main" val="871908424"/>
       </p:ext>
     </p:extLst>
   </p:cSld>
@@ -1239,58 +3691,79 @@
           <a:chExt cx="0" cy="0"/>
         </a:xfrm>
       </p:grpSpPr>
-      <p:sp>
-        <p:nvSpPr>
-          <p:cNvPr id="2" name="Title 1">
+      <p:pic>
+        <p:nvPicPr>
+          <p:cNvPr id="8" name="Picture 7" descr="Celestia-R1---OverlayContentHD.png"/>
+          <p:cNvPicPr>
+            <a:picLocks noChangeAspect="1"/>
+          </p:cNvPicPr>
+          <p:nvPr/>
+        </p:nvPicPr>
+        <p:blipFill>
+          <a:blip r:embed="rId2">
             <a:extLst>
-              <a:ext uri="{FF2B5EF4-FFF2-40B4-BE49-F238E27FC236}">
-                <a16:creationId xmlns:a16="http://schemas.microsoft.com/office/drawing/2014/main" id="{1D648DC4-B02C-7040-A12A-27D59CCD57A6}"/>
+              <a:ext uri="{28A0092B-C50C-407E-A947-70E740481C1C}">
+                <a14:useLocalDpi xmlns:a14="http://schemas.microsoft.com/office/drawing/2010/main" val="0"/>
               </a:ext>
             </a:extLst>
-          </p:cNvPr>
-          <p:cNvSpPr>
-            <a:spLocks noGrp="1"/>
-          </p:cNvSpPr>
-          <p:nvPr>
-            <p:ph type="title"/>
-          </p:nvPr>
-        </p:nvSpPr>
-        <p:spPr/>
-        <p:txBody>
-          <a:bodyPr/>
-          <a:lstStyle/>
-          <a:p>
-            <a:r>
-              <a:rPr lang="en-US"/>
-              <a:t>Click to edit Master title style</a:t>
-            </a:r>
-          </a:p>
-        </p:txBody>
-      </p:sp>
-      <p:sp>
-        <p:nvSpPr>
-          <p:cNvPr id="3" name="Content Placeholder 2">
-            <a:extLst>
-              <a:ext uri="{FF2B5EF4-FFF2-40B4-BE49-F238E27FC236}">
-                <a16:creationId xmlns:a16="http://schemas.microsoft.com/office/drawing/2014/main" id="{2D53B46B-4600-DA46-9815-1C612516B185}"/>
-              </a:ext>
-            </a:extLst>
-          </p:cNvPr>
-          <p:cNvSpPr>
-            <a:spLocks noGrp="1"/>
-          </p:cNvSpPr>
-          <p:nvPr>
-            <p:ph sz="half" idx="1"/>
-          </p:nvPr>
-        </p:nvSpPr>
+          </a:blip>
+          <a:stretch>
+            <a:fillRect/>
+          </a:stretch>
+        </p:blipFill>
         <p:spPr>
           <a:xfrm>
-            <a:off x="838200" y="1825625"/>
-            <a:ext cx="5181600" cy="4351338"/>
+            <a:off x="0" y="0"/>
+            <a:ext cx="12188825" cy="6856214"/>
+          </a:xfrm>
+          <a:prstGeom prst="rect">
+            <a:avLst/>
+          </a:prstGeom>
+        </p:spPr>
+      </p:pic>
+      <p:sp>
+        <p:nvSpPr>
+          <p:cNvPr id="2" name="Title 1"/>
+          <p:cNvSpPr>
+            <a:spLocks noGrp="1"/>
+          </p:cNvSpPr>
+          <p:nvPr>
+            <p:ph type="title"/>
+          </p:nvPr>
+        </p:nvSpPr>
+        <p:spPr/>
+        <p:txBody>
+          <a:bodyPr/>
+          <a:lstStyle/>
+          <a:p>
+            <a:r>
+              <a:rPr lang="en-US"/>
+              <a:t>Click to edit Master title style</a:t>
+            </a:r>
+            <a:endParaRPr lang="en-US" dirty="0"/>
+          </a:p>
+        </p:txBody>
+      </p:sp>
+      <p:sp>
+        <p:nvSpPr>
+          <p:cNvPr id="3" name="Content Placeholder 2"/>
+          <p:cNvSpPr>
+            <a:spLocks noGrp="1"/>
+          </p:cNvSpPr>
+          <p:nvPr>
+            <p:ph sz="half" idx="1"/>
+          </p:nvPr>
+        </p:nvSpPr>
+        <p:spPr>
+          <a:xfrm>
+            <a:off x="685802" y="2142067"/>
+            <a:ext cx="4995334" cy="3649134"/>
           </a:xfrm>
         </p:spPr>
         <p:txBody>
-          <a:bodyPr/>
+          <a:bodyPr>
+            <a:normAutofit/>
+          </a:bodyPr>
           <a:lstStyle/>
           <a:p>
             <a:pPr lvl="0"/>
@@ -1326,18 +3799,13 @@
               <a:rPr lang="en-US"/>
               <a:t>Fifth level</a:t>
             </a:r>
-          </a:p>
-        </p:txBody>
-      </p:sp>
-      <p:sp>
-        <p:nvSpPr>
-          <p:cNvPr id="4" name="Content Placeholder 3">
-            <a:extLst>
-              <a:ext uri="{FF2B5EF4-FFF2-40B4-BE49-F238E27FC236}">
-                <a16:creationId xmlns:a16="http://schemas.microsoft.com/office/drawing/2014/main" id="{8DBAC8F9-43D8-B440-A459-3DE0E456678E}"/>
-              </a:ext>
-            </a:extLst>
-          </p:cNvPr>
+            <a:endParaRPr lang="en-US" dirty="0"/>
+          </a:p>
+        </p:txBody>
+      </p:sp>
+      <p:sp>
+        <p:nvSpPr>
+          <p:cNvPr id="4" name="Content Placeholder 3"/>
           <p:cNvSpPr>
             <a:spLocks noGrp="1"/>
           </p:cNvSpPr>
@@ -1347,12 +3815,14 @@
         </p:nvSpPr>
         <p:spPr>
           <a:xfrm>
-            <a:off x="6172200" y="1825625"/>
-            <a:ext cx="5181600" cy="4351338"/>
+            <a:off x="5821895" y="2142067"/>
+            <a:ext cx="4995332" cy="3649133"/>
           </a:xfrm>
         </p:spPr>
         <p:txBody>
-          <a:bodyPr/>
+          <a:bodyPr>
+            <a:normAutofit/>
+          </a:bodyPr>
           <a:lstStyle/>
           <a:p>
             <a:pPr lvl="0"/>
@@ -1388,18 +3858,13 @@
               <a:rPr lang="en-US"/>
               <a:t>Fifth level</a:t>
             </a:r>
-          </a:p>
-        </p:txBody>
-      </p:sp>
-      <p:sp>
-        <p:nvSpPr>
-          <p:cNvPr id="5" name="Date Placeholder 4">
-            <a:extLst>
-              <a:ext uri="{FF2B5EF4-FFF2-40B4-BE49-F238E27FC236}">
-                <a16:creationId xmlns:a16="http://schemas.microsoft.com/office/drawing/2014/main" id="{6A7DF5F9-7C3C-B749-A2B1-FEE5B5520499}"/>
-              </a:ext>
-            </a:extLst>
-          </p:cNvPr>
+            <a:endParaRPr lang="en-US" dirty="0"/>
+          </a:p>
+        </p:txBody>
+      </p:sp>
+      <p:sp>
+        <p:nvSpPr>
+          <p:cNvPr id="5" name="Date Placeholder 4"/>
           <p:cNvSpPr>
             <a:spLocks noGrp="1"/>
           </p:cNvSpPr>
@@ -1414,7 +3879,7 @@
           <a:p>
             <a:fld id="{65391DDC-B041-0642-912B-52C778FA5BB0}" type="datetimeFigureOut">
               <a:rPr lang="en-US" smtClean="0"/>
-              <a:t>1/7/19</a:t>
+              <a:t>3/29/2019</a:t>
             </a:fld>
             <a:endParaRPr lang="en-US"/>
           </a:p>
@@ -1422,13 +3887,7 @@
       </p:sp>
       <p:sp>
         <p:nvSpPr>
-          <p:cNvPr id="6" name="Footer Placeholder 5">
-            <a:extLst>
-              <a:ext uri="{FF2B5EF4-FFF2-40B4-BE49-F238E27FC236}">
-                <a16:creationId xmlns:a16="http://schemas.microsoft.com/office/drawing/2014/main" id="{C2DBA5B1-851A-E844-8529-FC186ABC0C90}"/>
-              </a:ext>
-            </a:extLst>
-          </p:cNvPr>
+          <p:cNvPr id="6" name="Footer Placeholder 5"/>
           <p:cNvSpPr>
             <a:spLocks noGrp="1"/>
           </p:cNvSpPr>
@@ -1447,13 +3906,7 @@
       </p:sp>
       <p:sp>
         <p:nvSpPr>
-          <p:cNvPr id="7" name="Slide Number Placeholder 6">
-            <a:extLst>
-              <a:ext uri="{FF2B5EF4-FFF2-40B4-BE49-F238E27FC236}">
-                <a16:creationId xmlns:a16="http://schemas.microsoft.com/office/drawing/2014/main" id="{011895F3-EE83-B345-B119-E0C3E5A64C1B}"/>
-              </a:ext>
-            </a:extLst>
-          </p:cNvPr>
+          <p:cNvPr id="7" name="Slide Number Placeholder 6"/>
           <p:cNvSpPr>
             <a:spLocks noGrp="1"/>
           </p:cNvSpPr>
@@ -1477,7 +3930,7 @@
     </p:spTree>
     <p:extLst>
       <p:ext uri="{BB962C8B-B14F-4D97-AF65-F5344CB8AC3E}">
-        <p14:creationId xmlns:p14="http://schemas.microsoft.com/office/powerpoint/2010/main" val="662818712"/>
+        <p14:creationId xmlns:p14="http://schemas.microsoft.com/office/powerpoint/2010/main" val="364500334"/>
       </p:ext>
     </p:extLst>
   </p:cSld>
@@ -1506,65 +3959,55 @@
       </p:grpSpPr>
       <p:sp>
         <p:nvSpPr>
-          <p:cNvPr id="2" name="Title 1">
-            <a:extLst>
-              <a:ext uri="{FF2B5EF4-FFF2-40B4-BE49-F238E27FC236}">
-                <a16:creationId xmlns:a16="http://schemas.microsoft.com/office/drawing/2014/main" id="{CDC7ED67-CA64-A84A-A82B-F986BC5DE97F}"/>
-              </a:ext>
-            </a:extLst>
-          </p:cNvPr>
+          <p:cNvPr id="2" name="Title 1"/>
           <p:cNvSpPr>
             <a:spLocks noGrp="1"/>
           </p:cNvSpPr>
           <p:nvPr>
             <p:ph type="title"/>
+          </p:nvPr>
+        </p:nvSpPr>
+        <p:spPr/>
+        <p:txBody>
+          <a:bodyPr/>
+          <a:lstStyle>
+            <a:lvl1pPr>
+              <a:defRPr/>
+            </a:lvl1pPr>
+          </a:lstStyle>
+          <a:p>
+            <a:r>
+              <a:rPr lang="en-US"/>
+              <a:t>Click to edit Master title style</a:t>
+            </a:r>
+            <a:endParaRPr lang="en-US" dirty="0"/>
+          </a:p>
+        </p:txBody>
+      </p:sp>
+      <p:sp>
+        <p:nvSpPr>
+          <p:cNvPr id="3" name="Text Placeholder 2"/>
+          <p:cNvSpPr>
+            <a:spLocks noGrp="1"/>
+          </p:cNvSpPr>
+          <p:nvPr>
+            <p:ph type="body" idx="1"/>
           </p:nvPr>
         </p:nvSpPr>
         <p:spPr>
           <a:xfrm>
-            <a:off x="839788" y="365125"/>
-            <a:ext cx="10515600" cy="1325563"/>
+            <a:off x="973670" y="2218267"/>
+            <a:ext cx="4709054" cy="576262"/>
           </a:xfrm>
         </p:spPr>
         <p:txBody>
-          <a:bodyPr/>
-          <a:lstStyle/>
-          <a:p>
-            <a:r>
-              <a:rPr lang="en-US"/>
-              <a:t>Click to edit Master title style</a:t>
-            </a:r>
-          </a:p>
-        </p:txBody>
-      </p:sp>
-      <p:sp>
-        <p:nvSpPr>
-          <p:cNvPr id="3" name="Text Placeholder 2">
-            <a:extLst>
-              <a:ext uri="{FF2B5EF4-FFF2-40B4-BE49-F238E27FC236}">
-                <a16:creationId xmlns:a16="http://schemas.microsoft.com/office/drawing/2014/main" id="{9FB68A9C-D50C-AA4A-BC26-CDA14D393B21}"/>
-              </a:ext>
-            </a:extLst>
-          </p:cNvPr>
-          <p:cNvSpPr>
-            <a:spLocks noGrp="1"/>
-          </p:cNvSpPr>
-          <p:nvPr>
-            <p:ph type="body" idx="1"/>
-          </p:nvPr>
-        </p:nvSpPr>
-        <p:spPr>
-          <a:xfrm>
-            <a:off x="839788" y="1681163"/>
-            <a:ext cx="5157787" cy="823912"/>
-          </a:xfrm>
-        </p:spPr>
-        <p:txBody>
-          <a:bodyPr anchor="b"/>
+          <a:bodyPr anchor="b">
+            <a:noAutofit/>
+          </a:bodyPr>
           <a:lstStyle>
             <a:lvl1pPr marL="0" indent="0">
               <a:buNone/>
-              <a:defRPr sz="2400" b="1"/>
+              <a:defRPr sz="2800" b="0"/>
             </a:lvl1pPr>
             <a:lvl2pPr marL="457200" indent="0">
               <a:buNone/>
@@ -1610,13 +4053,7 @@
       </p:sp>
       <p:sp>
         <p:nvSpPr>
-          <p:cNvPr id="4" name="Content Placeholder 3">
-            <a:extLst>
-              <a:ext uri="{FF2B5EF4-FFF2-40B4-BE49-F238E27FC236}">
-                <a16:creationId xmlns:a16="http://schemas.microsoft.com/office/drawing/2014/main" id="{09858340-C817-7740-B921-A6B304596A2A}"/>
-              </a:ext>
-            </a:extLst>
-          </p:cNvPr>
+          <p:cNvPr id="4" name="Content Placeholder 3"/>
           <p:cNvSpPr>
             <a:spLocks noGrp="1"/>
           </p:cNvSpPr>
@@ -1626,12 +4063,14 @@
         </p:nvSpPr>
         <p:spPr>
           <a:xfrm>
-            <a:off x="839788" y="2505075"/>
-            <a:ext cx="5157787" cy="3684588"/>
+            <a:off x="685801" y="2870201"/>
+            <a:ext cx="4996923" cy="2920998"/>
           </a:xfrm>
         </p:spPr>
         <p:txBody>
-          <a:bodyPr/>
+          <a:bodyPr anchor="t">
+            <a:normAutofit/>
+          </a:bodyPr>
           <a:lstStyle/>
           <a:p>
             <a:pPr lvl="0"/>
@@ -1667,18 +4106,13 @@
               <a:rPr lang="en-US"/>
               <a:t>Fifth level</a:t>
             </a:r>
-          </a:p>
-        </p:txBody>
-      </p:sp>
-      <p:sp>
-        <p:nvSpPr>
-          <p:cNvPr id="5" name="Text Placeholder 4">
-            <a:extLst>
-              <a:ext uri="{FF2B5EF4-FFF2-40B4-BE49-F238E27FC236}">
-                <a16:creationId xmlns:a16="http://schemas.microsoft.com/office/drawing/2014/main" id="{AE758F98-F2EF-9C49-865E-8D43F361CC10}"/>
-              </a:ext>
-            </a:extLst>
-          </p:cNvPr>
+            <a:endParaRPr lang="en-US" dirty="0"/>
+          </a:p>
+        </p:txBody>
+      </p:sp>
+      <p:sp>
+        <p:nvSpPr>
+          <p:cNvPr id="5" name="Text Placeholder 4"/>
           <p:cNvSpPr>
             <a:spLocks noGrp="1"/>
           </p:cNvSpPr>
@@ -1688,16 +4122,18 @@
         </p:nvSpPr>
         <p:spPr>
           <a:xfrm>
-            <a:off x="6172200" y="1681163"/>
-            <a:ext cx="5183188" cy="823912"/>
+            <a:off x="6096003" y="2226734"/>
+            <a:ext cx="4722813" cy="576262"/>
           </a:xfrm>
         </p:spPr>
         <p:txBody>
-          <a:bodyPr anchor="b"/>
+          <a:bodyPr anchor="b">
+            <a:noAutofit/>
+          </a:bodyPr>
           <a:lstStyle>
             <a:lvl1pPr marL="0" indent="0">
               <a:buNone/>
-              <a:defRPr sz="2400" b="1"/>
+              <a:defRPr sz="2800" b="0"/>
             </a:lvl1pPr>
             <a:lvl2pPr marL="457200" indent="0">
               <a:buNone/>
@@ -1743,13 +4179,7 @@
       </p:sp>
       <p:sp>
         <p:nvSpPr>
-          <p:cNvPr id="6" name="Content Placeholder 5">
-            <a:extLst>
-              <a:ext uri="{FF2B5EF4-FFF2-40B4-BE49-F238E27FC236}">
-                <a16:creationId xmlns:a16="http://schemas.microsoft.com/office/drawing/2014/main" id="{C895D620-0D66-864B-91A7-630D01A9F8CF}"/>
-              </a:ext>
-            </a:extLst>
-          </p:cNvPr>
+          <p:cNvPr id="6" name="Content Placeholder 5"/>
           <p:cNvSpPr>
             <a:spLocks noGrp="1"/>
           </p:cNvSpPr>
@@ -1759,12 +4189,14 @@
         </p:nvSpPr>
         <p:spPr>
           <a:xfrm>
-            <a:off x="6172200" y="2505075"/>
-            <a:ext cx="5183188" cy="3684588"/>
+            <a:off x="5823483" y="2870201"/>
+            <a:ext cx="4995334" cy="2920998"/>
           </a:xfrm>
         </p:spPr>
         <p:txBody>
-          <a:bodyPr/>
+          <a:bodyPr anchor="t">
+            <a:normAutofit/>
+          </a:bodyPr>
           <a:lstStyle/>
           <a:p>
             <a:pPr lvl="0"/>
@@ -1800,18 +4232,13 @@
               <a:rPr lang="en-US"/>
               <a:t>Fifth level</a:t>
             </a:r>
-          </a:p>
-        </p:txBody>
-      </p:sp>
-      <p:sp>
-        <p:nvSpPr>
-          <p:cNvPr id="7" name="Date Placeholder 6">
-            <a:extLst>
-              <a:ext uri="{FF2B5EF4-FFF2-40B4-BE49-F238E27FC236}">
-                <a16:creationId xmlns:a16="http://schemas.microsoft.com/office/drawing/2014/main" id="{D60ED47E-A18A-7242-A35D-CD6B3A37D8E2}"/>
-              </a:ext>
-            </a:extLst>
-          </p:cNvPr>
+            <a:endParaRPr lang="en-US" dirty="0"/>
+          </a:p>
+        </p:txBody>
+      </p:sp>
+      <p:sp>
+        <p:nvSpPr>
+          <p:cNvPr id="7" name="Date Placeholder 6"/>
           <p:cNvSpPr>
             <a:spLocks noGrp="1"/>
           </p:cNvSpPr>
@@ -1826,7 +4253,7 @@
           <a:p>
             <a:fld id="{65391DDC-B041-0642-912B-52C778FA5BB0}" type="datetimeFigureOut">
               <a:rPr lang="en-US" smtClean="0"/>
-              <a:t>1/7/19</a:t>
+              <a:t>3/29/2019</a:t>
             </a:fld>
             <a:endParaRPr lang="en-US"/>
           </a:p>
@@ -1834,13 +4261,7 @@
       </p:sp>
       <p:sp>
         <p:nvSpPr>
-          <p:cNvPr id="8" name="Footer Placeholder 7">
-            <a:extLst>
-              <a:ext uri="{FF2B5EF4-FFF2-40B4-BE49-F238E27FC236}">
-                <a16:creationId xmlns:a16="http://schemas.microsoft.com/office/drawing/2014/main" id="{A3C41F8C-1A2A-1A4B-81FE-E59B637CEFAC}"/>
-              </a:ext>
-            </a:extLst>
-          </p:cNvPr>
+          <p:cNvPr id="8" name="Footer Placeholder 7"/>
           <p:cNvSpPr>
             <a:spLocks noGrp="1"/>
           </p:cNvSpPr>
@@ -1859,13 +4280,7 @@
       </p:sp>
       <p:sp>
         <p:nvSpPr>
-          <p:cNvPr id="9" name="Slide Number Placeholder 8">
-            <a:extLst>
-              <a:ext uri="{FF2B5EF4-FFF2-40B4-BE49-F238E27FC236}">
-                <a16:creationId xmlns:a16="http://schemas.microsoft.com/office/drawing/2014/main" id="{724E3497-7E19-8341-87F0-42F50DC59181}"/>
-              </a:ext>
-            </a:extLst>
-          </p:cNvPr>
+          <p:cNvPr id="9" name="Slide Number Placeholder 8"/>
           <p:cNvSpPr>
             <a:spLocks noGrp="1"/>
           </p:cNvSpPr>
@@ -1889,7 +4304,7 @@
     </p:spTree>
     <p:extLst>
       <p:ext uri="{BB962C8B-B14F-4D97-AF65-F5344CB8AC3E}">
-        <p14:creationId xmlns:p14="http://schemas.microsoft.com/office/powerpoint/2010/main" val="969794097"/>
+        <p14:creationId xmlns:p14="http://schemas.microsoft.com/office/powerpoint/2010/main" val="2143359462"/>
       </p:ext>
     </p:extLst>
   </p:cSld>
@@ -1916,15 +4331,39 @@
           <a:chExt cx="0" cy="0"/>
         </a:xfrm>
       </p:grpSpPr>
-      <p:sp>
-        <p:nvSpPr>
-          <p:cNvPr id="2" name="Title 1">
+      <p:pic>
+        <p:nvPicPr>
+          <p:cNvPr id="6" name="Picture 5" descr="Celestia-R1---OverlayContentHD.png"/>
+          <p:cNvPicPr>
+            <a:picLocks noChangeAspect="1"/>
+          </p:cNvPicPr>
+          <p:nvPr/>
+        </p:nvPicPr>
+        <p:blipFill>
+          <a:blip r:embed="rId2">
             <a:extLst>
-              <a:ext uri="{FF2B5EF4-FFF2-40B4-BE49-F238E27FC236}">
-                <a16:creationId xmlns:a16="http://schemas.microsoft.com/office/drawing/2014/main" id="{F7BF2277-6925-744A-8248-24439ACBAC42}"/>
+              <a:ext uri="{28A0092B-C50C-407E-A947-70E740481C1C}">
+                <a14:useLocalDpi xmlns:a14="http://schemas.microsoft.com/office/drawing/2010/main" val="0"/>
               </a:ext>
             </a:extLst>
-          </p:cNvPr>
+          </a:blip>
+          <a:stretch>
+            <a:fillRect/>
+          </a:stretch>
+        </p:blipFill>
+        <p:spPr>
+          <a:xfrm>
+            <a:off x="0" y="0"/>
+            <a:ext cx="12188825" cy="6856214"/>
+          </a:xfrm>
+          <a:prstGeom prst="rect">
+            <a:avLst/>
+          </a:prstGeom>
+        </p:spPr>
+      </p:pic>
+      <p:sp>
+        <p:nvSpPr>
+          <p:cNvPr id="2" name="Title 1"/>
           <p:cNvSpPr>
             <a:spLocks noGrp="1"/>
           </p:cNvSpPr>
@@ -1941,18 +4380,13 @@
               <a:rPr lang="en-US"/>
               <a:t>Click to edit Master title style</a:t>
             </a:r>
-          </a:p>
-        </p:txBody>
-      </p:sp>
-      <p:sp>
-        <p:nvSpPr>
-          <p:cNvPr id="3" name="Date Placeholder 2">
-            <a:extLst>
-              <a:ext uri="{FF2B5EF4-FFF2-40B4-BE49-F238E27FC236}">
-                <a16:creationId xmlns:a16="http://schemas.microsoft.com/office/drawing/2014/main" id="{B9770420-EF9E-6A43-90EF-6352DF4BA7E3}"/>
-              </a:ext>
-            </a:extLst>
-          </p:cNvPr>
+            <a:endParaRPr lang="en-US" dirty="0"/>
+          </a:p>
+        </p:txBody>
+      </p:sp>
+      <p:sp>
+        <p:nvSpPr>
+          <p:cNvPr id="3" name="Date Placeholder 2"/>
           <p:cNvSpPr>
             <a:spLocks noGrp="1"/>
           </p:cNvSpPr>
@@ -1967,7 +4401,7 @@
           <a:p>
             <a:fld id="{65391DDC-B041-0642-912B-52C778FA5BB0}" type="datetimeFigureOut">
               <a:rPr lang="en-US" smtClean="0"/>
-              <a:t>1/7/19</a:t>
+              <a:t>3/29/2019</a:t>
             </a:fld>
             <a:endParaRPr lang="en-US"/>
           </a:p>
@@ -1975,13 +4409,7 @@
       </p:sp>
       <p:sp>
         <p:nvSpPr>
-          <p:cNvPr id="4" name="Footer Placeholder 3">
-            <a:extLst>
-              <a:ext uri="{FF2B5EF4-FFF2-40B4-BE49-F238E27FC236}">
-                <a16:creationId xmlns:a16="http://schemas.microsoft.com/office/drawing/2014/main" id="{AF1B9E51-3CE8-4C46-AD14-3F92907E44FA}"/>
-              </a:ext>
-            </a:extLst>
-          </p:cNvPr>
+          <p:cNvPr id="4" name="Footer Placeholder 3"/>
           <p:cNvSpPr>
             <a:spLocks noGrp="1"/>
           </p:cNvSpPr>
@@ -2000,13 +4428,7 @@
       </p:sp>
       <p:sp>
         <p:nvSpPr>
-          <p:cNvPr id="5" name="Slide Number Placeholder 4">
-            <a:extLst>
-              <a:ext uri="{FF2B5EF4-FFF2-40B4-BE49-F238E27FC236}">
-                <a16:creationId xmlns:a16="http://schemas.microsoft.com/office/drawing/2014/main" id="{A7B9C108-1BFF-1F44-8862-96575CA5D226}"/>
-              </a:ext>
-            </a:extLst>
-          </p:cNvPr>
+          <p:cNvPr id="5" name="Slide Number Placeholder 4"/>
           <p:cNvSpPr>
             <a:spLocks noGrp="1"/>
           </p:cNvSpPr>
@@ -2030,7 +4452,7 @@
     </p:spTree>
     <p:extLst>
       <p:ext uri="{BB962C8B-B14F-4D97-AF65-F5344CB8AC3E}">
-        <p14:creationId xmlns:p14="http://schemas.microsoft.com/office/powerpoint/2010/main" val="2300456125"/>
+        <p14:creationId xmlns:p14="http://schemas.microsoft.com/office/powerpoint/2010/main" val="3052561052"/>
       </p:ext>
     </p:extLst>
   </p:cSld>
@@ -2057,15 +4479,39 @@
           <a:chExt cx="0" cy="0"/>
         </a:xfrm>
       </p:grpSpPr>
-      <p:sp>
-        <p:nvSpPr>
-          <p:cNvPr id="2" name="Date Placeholder 1">
+      <p:pic>
+        <p:nvPicPr>
+          <p:cNvPr id="5" name="Picture 4" descr="Celestia-R1---OverlayContentHD.png"/>
+          <p:cNvPicPr>
+            <a:picLocks noChangeAspect="1"/>
+          </p:cNvPicPr>
+          <p:nvPr/>
+        </p:nvPicPr>
+        <p:blipFill>
+          <a:blip r:embed="rId2">
             <a:extLst>
-              <a:ext uri="{FF2B5EF4-FFF2-40B4-BE49-F238E27FC236}">
-                <a16:creationId xmlns:a16="http://schemas.microsoft.com/office/drawing/2014/main" id="{EAC6A9BF-E419-7441-BBC1-BC3B073DD43F}"/>
+              <a:ext uri="{28A0092B-C50C-407E-A947-70E740481C1C}">
+                <a14:useLocalDpi xmlns:a14="http://schemas.microsoft.com/office/drawing/2010/main" val="0"/>
               </a:ext>
             </a:extLst>
-          </p:cNvPr>
+          </a:blip>
+          <a:stretch>
+            <a:fillRect/>
+          </a:stretch>
+        </p:blipFill>
+        <p:spPr>
+          <a:xfrm>
+            <a:off x="0" y="0"/>
+            <a:ext cx="12188825" cy="6856214"/>
+          </a:xfrm>
+          <a:prstGeom prst="rect">
+            <a:avLst/>
+          </a:prstGeom>
+        </p:spPr>
+      </p:pic>
+      <p:sp>
+        <p:nvSpPr>
+          <p:cNvPr id="2" name="Date Placeholder 1"/>
           <p:cNvSpPr>
             <a:spLocks noGrp="1"/>
           </p:cNvSpPr>
@@ -2080,7 +4526,7 @@
           <a:p>
             <a:fld id="{65391DDC-B041-0642-912B-52C778FA5BB0}" type="datetimeFigureOut">
               <a:rPr lang="en-US" smtClean="0"/>
-              <a:t>1/7/19</a:t>
+              <a:t>3/29/2019</a:t>
             </a:fld>
             <a:endParaRPr lang="en-US"/>
           </a:p>
@@ -2088,13 +4534,7 @@
       </p:sp>
       <p:sp>
         <p:nvSpPr>
-          <p:cNvPr id="3" name="Footer Placeholder 2">
-            <a:extLst>
-              <a:ext uri="{FF2B5EF4-FFF2-40B4-BE49-F238E27FC236}">
-                <a16:creationId xmlns:a16="http://schemas.microsoft.com/office/drawing/2014/main" id="{C005AEEA-516C-B243-A8FA-D824C6BE0391}"/>
-              </a:ext>
-            </a:extLst>
-          </p:cNvPr>
+          <p:cNvPr id="3" name="Footer Placeholder 2"/>
           <p:cNvSpPr>
             <a:spLocks noGrp="1"/>
           </p:cNvSpPr>
@@ -2113,13 +4553,7 @@
       </p:sp>
       <p:sp>
         <p:nvSpPr>
-          <p:cNvPr id="4" name="Slide Number Placeholder 3">
-            <a:extLst>
-              <a:ext uri="{FF2B5EF4-FFF2-40B4-BE49-F238E27FC236}">
-                <a16:creationId xmlns:a16="http://schemas.microsoft.com/office/drawing/2014/main" id="{114C12B3-31A1-024C-A27A-3513E5FCDE6B}"/>
-              </a:ext>
-            </a:extLst>
-          </p:cNvPr>
+          <p:cNvPr id="4" name="Slide Number Placeholder 3"/>
           <p:cNvSpPr>
             <a:spLocks noGrp="1"/>
           </p:cNvSpPr>
@@ -2143,7 +4577,7 @@
     </p:spTree>
     <p:extLst>
       <p:ext uri="{BB962C8B-B14F-4D97-AF65-F5344CB8AC3E}">
-        <p14:creationId xmlns:p14="http://schemas.microsoft.com/office/powerpoint/2010/main" val="2459756431"/>
+        <p14:creationId xmlns:p14="http://schemas.microsoft.com/office/powerpoint/2010/main" val="3778820290"/>
       </p:ext>
     </p:extLst>
   </p:cSld>
@@ -2170,33 +4604,59 @@
           <a:chExt cx="0" cy="0"/>
         </a:xfrm>
       </p:grpSpPr>
-      <p:sp>
-        <p:nvSpPr>
-          <p:cNvPr id="2" name="Title 1">
+      <p:pic>
+        <p:nvPicPr>
+          <p:cNvPr id="8" name="Picture 7" descr="Celestia-R1---OverlayContentHD.png"/>
+          <p:cNvPicPr>
+            <a:picLocks noChangeAspect="1"/>
+          </p:cNvPicPr>
+          <p:nvPr/>
+        </p:nvPicPr>
+        <p:blipFill>
+          <a:blip r:embed="rId2">
             <a:extLst>
-              <a:ext uri="{FF2B5EF4-FFF2-40B4-BE49-F238E27FC236}">
-                <a16:creationId xmlns:a16="http://schemas.microsoft.com/office/drawing/2014/main" id="{A18E4733-8A64-4F46-9644-DB36A1D2C830}"/>
+              <a:ext uri="{28A0092B-C50C-407E-A947-70E740481C1C}">
+                <a14:useLocalDpi xmlns:a14="http://schemas.microsoft.com/office/drawing/2010/main" val="0"/>
               </a:ext>
             </a:extLst>
-          </p:cNvPr>
-          <p:cNvSpPr>
-            <a:spLocks noGrp="1"/>
-          </p:cNvSpPr>
-          <p:nvPr>
-            <p:ph type="title"/>
-          </p:nvPr>
-        </p:nvSpPr>
+          </a:blip>
+          <a:stretch>
+            <a:fillRect/>
+          </a:stretch>
+        </p:blipFill>
         <p:spPr>
           <a:xfrm>
-            <a:off x="839788" y="457200"/>
-            <a:ext cx="3932237" cy="1600200"/>
+            <a:off x="0" y="0"/>
+            <a:ext cx="12188825" cy="6856214"/>
+          </a:xfrm>
+          <a:prstGeom prst="rect">
+            <a:avLst/>
+          </a:prstGeom>
+        </p:spPr>
+      </p:pic>
+      <p:sp>
+        <p:nvSpPr>
+          <p:cNvPr id="2" name="Title 1"/>
+          <p:cNvSpPr>
+            <a:spLocks noGrp="1"/>
+          </p:cNvSpPr>
+          <p:nvPr>
+            <p:ph type="title"/>
+          </p:nvPr>
+        </p:nvSpPr>
+        <p:spPr>
+          <a:xfrm>
+            <a:off x="685800" y="2074333"/>
+            <a:ext cx="3680885" cy="1371600"/>
           </a:xfrm>
         </p:spPr>
         <p:txBody>
-          <a:bodyPr anchor="b"/>
+          <a:bodyPr anchor="b">
+            <a:normAutofit/>
+          </a:bodyPr>
           <a:lstStyle>
-            <a:lvl1pPr>
-              <a:defRPr sz="3200"/>
+            <a:lvl1pPr algn="l">
+              <a:defRPr sz="2400" b="0"/>
             </a:lvl1pPr>
           </a:lstStyle>
           <a:p>
@@ -2204,18 +4664,13 @@
               <a:rPr lang="en-US"/>
               <a:t>Click to edit Master title style</a:t>
             </a:r>
-          </a:p>
-        </p:txBody>
-      </p:sp>
-      <p:sp>
-        <p:nvSpPr>
-          <p:cNvPr id="3" name="Content Placeholder 2">
-            <a:extLst>
-              <a:ext uri="{FF2B5EF4-FFF2-40B4-BE49-F238E27FC236}">
-                <a16:creationId xmlns:a16="http://schemas.microsoft.com/office/drawing/2014/main" id="{CE5CB46E-9089-C24A-B308-22806DBF5D4C}"/>
-              </a:ext>
-            </a:extLst>
-          </p:cNvPr>
+            <a:endParaRPr lang="en-US" dirty="0"/>
+          </a:p>
+        </p:txBody>
+      </p:sp>
+      <p:sp>
+        <p:nvSpPr>
+          <p:cNvPr id="3" name="Content Placeholder 2"/>
           <p:cNvSpPr>
             <a:spLocks noGrp="1"/>
           </p:cNvSpPr>
@@ -2225,41 +4680,15 @@
         </p:nvSpPr>
         <p:spPr>
           <a:xfrm>
-            <a:off x="5183188" y="987425"/>
-            <a:ext cx="6172200" cy="4873625"/>
+            <a:off x="4648201" y="609601"/>
+            <a:ext cx="6169026" cy="5181600"/>
           </a:xfrm>
         </p:spPr>
         <p:txBody>
-          <a:bodyPr/>
-          <a:lstStyle>
-            <a:lvl1pPr>
-              <a:defRPr sz="3200"/>
-            </a:lvl1pPr>
-            <a:lvl2pPr>
-              <a:defRPr sz="2800"/>
-            </a:lvl2pPr>
-            <a:lvl3pPr>
-              <a:defRPr sz="2400"/>
-            </a:lvl3pPr>
-            <a:lvl4pPr>
-              <a:defRPr sz="2000"/>
-            </a:lvl4pPr>
-            <a:lvl5pPr>
-              <a:defRPr sz="2000"/>
-            </a:lvl5pPr>
-            <a:lvl6pPr>
-              <a:defRPr sz="2000"/>
-            </a:lvl6pPr>
-            <a:lvl7pPr>
-              <a:defRPr sz="2000"/>
-            </a:lvl7pPr>
-            <a:lvl8pPr>
-              <a:defRPr sz="2000"/>
-            </a:lvl8pPr>
-            <a:lvl9pPr>
-              <a:defRPr sz="2000"/>
-            </a:lvl9pPr>
-          </a:lstStyle>
+          <a:bodyPr anchor="ctr">
+            <a:normAutofit/>
+          </a:bodyPr>
+          <a:lstStyle/>
           <a:p>
             <a:pPr lvl="0"/>
             <a:r>
@@ -2294,18 +4723,13 @@
               <a:rPr lang="en-US"/>
               <a:t>Fifth level</a:t>
             </a:r>
-          </a:p>
-        </p:txBody>
-      </p:sp>
-      <p:sp>
-        <p:nvSpPr>
-          <p:cNvPr id="4" name="Text Placeholder 3">
-            <a:extLst>
-              <a:ext uri="{FF2B5EF4-FFF2-40B4-BE49-F238E27FC236}">
-                <a16:creationId xmlns:a16="http://schemas.microsoft.com/office/drawing/2014/main" id="{103AEBE1-D7FC-9C47-A622-E26AE719E809}"/>
-              </a:ext>
-            </a:extLst>
-          </p:cNvPr>
+            <a:endParaRPr lang="en-US" dirty="0"/>
+          </a:p>
+        </p:txBody>
+      </p:sp>
+      <p:sp>
+        <p:nvSpPr>
+          <p:cNvPr id="4" name="Text Placeholder 3"/>
           <p:cNvSpPr>
             <a:spLocks noGrp="1"/>
           </p:cNvSpPr>
@@ -2315,12 +4739,14 @@
         </p:nvSpPr>
         <p:spPr>
           <a:xfrm>
-            <a:off x="839788" y="2057400"/>
-            <a:ext cx="3932237" cy="3811588"/>
+            <a:off x="685800" y="3445933"/>
+            <a:ext cx="3680885" cy="1828800"/>
           </a:xfrm>
         </p:spPr>
         <p:txBody>
-          <a:bodyPr/>
+          <a:bodyPr anchor="t">
+            <a:normAutofit/>
+          </a:bodyPr>
           <a:lstStyle>
             <a:lvl1pPr marL="0" indent="0">
               <a:buNone/>
@@ -2328,35 +4754,35 @@
             </a:lvl1pPr>
             <a:lvl2pPr marL="457200" indent="0">
               <a:buNone/>
-              <a:defRPr sz="1400"/>
+              <a:defRPr sz="1200"/>
             </a:lvl2pPr>
             <a:lvl3pPr marL="914400" indent="0">
               <a:buNone/>
-              <a:defRPr sz="1200"/>
+              <a:defRPr sz="1000"/>
             </a:lvl3pPr>
             <a:lvl4pPr marL="1371600" indent="0">
               <a:buNone/>
-              <a:defRPr sz="1000"/>
+              <a:defRPr sz="900"/>
             </a:lvl4pPr>
             <a:lvl5pPr marL="1828800" indent="0">
               <a:buNone/>
-              <a:defRPr sz="1000"/>
+              <a:defRPr sz="900"/>
             </a:lvl5pPr>
             <a:lvl6pPr marL="2286000" indent="0">
               <a:buNone/>
-              <a:defRPr sz="1000"/>
+              <a:defRPr sz="900"/>
             </a:lvl6pPr>
             <a:lvl7pPr marL="2743200" indent="0">
               <a:buNone/>
-              <a:defRPr sz="1000"/>
+              <a:defRPr sz="900"/>
             </a:lvl7pPr>
             <a:lvl8pPr marL="3200400" indent="0">
               <a:buNone/>
-              <a:defRPr sz="1000"/>
+              <a:defRPr sz="900"/>
             </a:lvl8pPr>
             <a:lvl9pPr marL="3657600" indent="0">
               <a:buNone/>
-              <a:defRPr sz="1000"/>
+              <a:defRPr sz="900"/>
             </a:lvl9pPr>
           </a:lstStyle>
           <a:p>
@@ -2370,13 +4796,7 @@
       </p:sp>
       <p:sp>
         <p:nvSpPr>
-          <p:cNvPr id="5" name="Date Placeholder 4">
-            <a:extLst>
-              <a:ext uri="{FF2B5EF4-FFF2-40B4-BE49-F238E27FC236}">
-                <a16:creationId xmlns:a16="http://schemas.microsoft.com/office/drawing/2014/main" id="{D6625D57-78A8-6941-B70C-4059191E6763}"/>
-              </a:ext>
-            </a:extLst>
-          </p:cNvPr>
+          <p:cNvPr id="5" name="Date Placeholder 4"/>
           <p:cNvSpPr>
             <a:spLocks noGrp="1"/>
           </p:cNvSpPr>
@@ -2391,7 +4811,7 @@
           <a:p>
             <a:fld id="{65391DDC-B041-0642-912B-52C778FA5BB0}" type="datetimeFigureOut">
               <a:rPr lang="en-US" smtClean="0"/>
-              <a:t>1/7/19</a:t>
+              <a:t>3/29/2019</a:t>
             </a:fld>
             <a:endParaRPr lang="en-US"/>
           </a:p>
@@ -2399,13 +4819,7 @@
       </p:sp>
       <p:sp>
         <p:nvSpPr>
-          <p:cNvPr id="6" name="Footer Placeholder 5">
-            <a:extLst>
-              <a:ext uri="{FF2B5EF4-FFF2-40B4-BE49-F238E27FC236}">
-                <a16:creationId xmlns:a16="http://schemas.microsoft.com/office/drawing/2014/main" id="{9261CCC3-F999-BB44-AF80-80A9F46B27AA}"/>
-              </a:ext>
-            </a:extLst>
-          </p:cNvPr>
+          <p:cNvPr id="6" name="Footer Placeholder 5"/>
           <p:cNvSpPr>
             <a:spLocks noGrp="1"/>
           </p:cNvSpPr>
@@ -2424,13 +4838,7 @@
       </p:sp>
       <p:sp>
         <p:nvSpPr>
-          <p:cNvPr id="7" name="Slide Number Placeholder 6">
-            <a:extLst>
-              <a:ext uri="{FF2B5EF4-FFF2-40B4-BE49-F238E27FC236}">
-                <a16:creationId xmlns:a16="http://schemas.microsoft.com/office/drawing/2014/main" id="{B7656C20-AD9A-B742-8950-5EB29D491FC8}"/>
-              </a:ext>
-            </a:extLst>
-          </p:cNvPr>
+          <p:cNvPr id="7" name="Slide Number Placeholder 6"/>
           <p:cNvSpPr>
             <a:spLocks noGrp="1"/>
           </p:cNvSpPr>
@@ -2454,7 +4862,7 @@
     </p:spTree>
     <p:extLst>
       <p:ext uri="{BB962C8B-B14F-4D97-AF65-F5344CB8AC3E}">
-        <p14:creationId xmlns:p14="http://schemas.microsoft.com/office/powerpoint/2010/main" val="692679650"/>
+        <p14:creationId xmlns:p14="http://schemas.microsoft.com/office/powerpoint/2010/main" val="3948207738"/>
       </p:ext>
     </p:extLst>
   </p:cSld>
@@ -2481,33 +4889,59 @@
           <a:chExt cx="0" cy="0"/>
         </a:xfrm>
       </p:grpSpPr>
-      <p:sp>
-        <p:nvSpPr>
-          <p:cNvPr id="2" name="Title 1">
+      <p:pic>
+        <p:nvPicPr>
+          <p:cNvPr id="8" name="Picture 7" descr="Celestia-R1---OverlayContentHD.png"/>
+          <p:cNvPicPr>
+            <a:picLocks noChangeAspect="1"/>
+          </p:cNvPicPr>
+          <p:nvPr/>
+        </p:nvPicPr>
+        <p:blipFill>
+          <a:blip r:embed="rId2">
             <a:extLst>
-              <a:ext uri="{FF2B5EF4-FFF2-40B4-BE49-F238E27FC236}">
-                <a16:creationId xmlns:a16="http://schemas.microsoft.com/office/drawing/2014/main" id="{0D522CAB-2759-6440-9871-EFE9A4A4C344}"/>
+              <a:ext uri="{28A0092B-C50C-407E-A947-70E740481C1C}">
+                <a14:useLocalDpi xmlns:a14="http://schemas.microsoft.com/office/drawing/2010/main" val="0"/>
               </a:ext>
             </a:extLst>
-          </p:cNvPr>
-          <p:cNvSpPr>
-            <a:spLocks noGrp="1"/>
-          </p:cNvSpPr>
-          <p:nvPr>
-            <p:ph type="title"/>
-          </p:nvPr>
-        </p:nvSpPr>
+          </a:blip>
+          <a:stretch>
+            <a:fillRect/>
+          </a:stretch>
+        </p:blipFill>
         <p:spPr>
           <a:xfrm>
-            <a:off x="839788" y="457200"/>
-            <a:ext cx="3932237" cy="1600200"/>
+            <a:off x="0" y="0"/>
+            <a:ext cx="12188825" cy="6856214"/>
+          </a:xfrm>
+          <a:prstGeom prst="rect">
+            <a:avLst/>
+          </a:prstGeom>
+        </p:spPr>
+      </p:pic>
+      <p:sp>
+        <p:nvSpPr>
+          <p:cNvPr id="2" name="Title 1"/>
+          <p:cNvSpPr>
+            <a:spLocks noGrp="1"/>
+          </p:cNvSpPr>
+          <p:nvPr>
+            <p:ph type="title"/>
+          </p:nvPr>
+        </p:nvSpPr>
+        <p:spPr>
+          <a:xfrm>
+            <a:off x="685800" y="1600200"/>
+            <a:ext cx="6164653" cy="1371600"/>
           </a:xfrm>
         </p:spPr>
         <p:txBody>
-          <a:bodyPr anchor="b"/>
+          <a:bodyPr anchor="b">
+            <a:normAutofit/>
+          </a:bodyPr>
           <a:lstStyle>
-            <a:lvl1pPr>
-              <a:defRPr sz="3200"/>
+            <a:lvl1pPr algn="l">
+              <a:defRPr sz="2800" b="0"/>
             </a:lvl1pPr>
           </a:lstStyle>
           <a:p>
@@ -2515,20 +4949,15 @@
               <a:rPr lang="en-US"/>
               <a:t>Click to edit Master title style</a:t>
             </a:r>
-          </a:p>
-        </p:txBody>
-      </p:sp>
-      <p:sp>
-        <p:nvSpPr>
-          <p:cNvPr id="3" name="Picture Placeholder 2">
-            <a:extLst>
-              <a:ext uri="{FF2B5EF4-FFF2-40B4-BE49-F238E27FC236}">
-                <a16:creationId xmlns:a16="http://schemas.microsoft.com/office/drawing/2014/main" id="{1B945A6A-728E-3B46-A173-CB2EFF7A7E4B}"/>
-              </a:ext>
-            </a:extLst>
-          </p:cNvPr>
-          <p:cNvSpPr>
-            <a:spLocks noGrp="1"/>
+            <a:endParaRPr lang="en-US" dirty="0"/>
+          </a:p>
+        </p:txBody>
+      </p:sp>
+      <p:sp>
+        <p:nvSpPr>
+          <p:cNvPr id="14" name="Picture Placeholder 2"/>
+          <p:cNvSpPr>
+            <a:spLocks noGrp="1" noChangeAspect="1"/>
           </p:cNvSpPr>
           <p:nvPr>
             <p:ph type="pic" idx="1"/>
@@ -2536,118 +4965,151 @@
         </p:nvSpPr>
         <p:spPr>
           <a:xfrm>
-            <a:off x="5183188" y="987425"/>
-            <a:ext cx="6172200" cy="4873625"/>
+            <a:off x="7536253" y="914400"/>
+            <a:ext cx="3280974" cy="4572000"/>
           </a:xfrm>
+          <a:prstGeom prst="roundRect">
+            <a:avLst>
+              <a:gd name="adj" fmla="val 4280"/>
+            </a:avLst>
+          </a:prstGeom>
+          <a:ln w="50800" cap="sq" cmpd="dbl">
+            <a:gradFill flip="none" rotWithShape="1">
+              <a:gsLst>
+                <a:gs pos="0">
+                  <a:srgbClr val="FFFFFF"/>
+                </a:gs>
+                <a:gs pos="100000">
+                  <a:schemeClr val="tx1">
+                    <a:alpha val="0"/>
+                  </a:schemeClr>
+                </a:gs>
+              </a:gsLst>
+              <a:path path="circle">
+                <a:fillToRect l="50000" t="50000" r="50000" b="50000"/>
+              </a:path>
+              <a:tileRect/>
+            </a:gradFill>
+            <a:miter lim="800000"/>
+          </a:ln>
+          <a:effectLst>
+            <a:outerShdw blurRad="254000" algn="tl" rotWithShape="0">
+              <a:srgbClr val="000000">
+                <a:alpha val="43000"/>
+              </a:srgbClr>
+            </a:outerShdw>
+          </a:effectLst>
         </p:spPr>
         <p:txBody>
-          <a:bodyPr/>
+          <a:bodyPr anchor="t">
+            <a:normAutofit/>
+          </a:bodyPr>
           <a:lstStyle>
-            <a:lvl1pPr marL="0" indent="0">
-              <a:buNone/>
-              <a:defRPr sz="3200"/>
-            </a:lvl1pPr>
-            <a:lvl2pPr marL="457200" indent="0">
-              <a:buNone/>
-              <a:defRPr sz="2800"/>
-            </a:lvl2pPr>
-            <a:lvl3pPr marL="914400" indent="0">
-              <a:buNone/>
-              <a:defRPr sz="2400"/>
-            </a:lvl3pPr>
-            <a:lvl4pPr marL="1371600" indent="0">
-              <a:buNone/>
-              <a:defRPr sz="2000"/>
-            </a:lvl4pPr>
-            <a:lvl5pPr marL="1828800" indent="0">
-              <a:buNone/>
-              <a:defRPr sz="2000"/>
-            </a:lvl5pPr>
-            <a:lvl6pPr marL="2286000" indent="0">
-              <a:buNone/>
-              <a:defRPr sz="2000"/>
-            </a:lvl6pPr>
-            <a:lvl7pPr marL="2743200" indent="0">
-              <a:buNone/>
-              <a:defRPr sz="2000"/>
-            </a:lvl7pPr>
-            <a:lvl8pPr marL="3200400" indent="0">
-              <a:buNone/>
-              <a:defRPr sz="2000"/>
-            </a:lvl8pPr>
-            <a:lvl9pPr marL="3657600" indent="0">
-              <a:buNone/>
-              <a:defRPr sz="2000"/>
-            </a:lvl9pPr>
-          </a:lstStyle>
-          <a:p>
-            <a:endParaRPr lang="en-US"/>
-          </a:p>
-        </p:txBody>
-      </p:sp>
-      <p:sp>
-        <p:nvSpPr>
-          <p:cNvPr id="4" name="Text Placeholder 3">
-            <a:extLst>
-              <a:ext uri="{FF2B5EF4-FFF2-40B4-BE49-F238E27FC236}">
-                <a16:creationId xmlns:a16="http://schemas.microsoft.com/office/drawing/2014/main" id="{CC479D0E-6542-624E-886E-BB32D6F3BBEA}"/>
-              </a:ext>
-            </a:extLst>
-          </p:cNvPr>
-          <p:cNvSpPr>
-            <a:spLocks noGrp="1"/>
-          </p:cNvSpPr>
-          <p:nvPr>
-            <p:ph type="body" sz="half" idx="2"/>
-          </p:nvPr>
-        </p:nvSpPr>
-        <p:spPr>
-          <a:xfrm>
-            <a:off x="839788" y="2057400"/>
-            <a:ext cx="3932237" cy="3811588"/>
-          </a:xfrm>
-        </p:spPr>
-        <p:txBody>
-          <a:bodyPr/>
-          <a:lstStyle>
-            <a:lvl1pPr marL="0" indent="0">
+            <a:lvl1pPr marL="0" indent="0" algn="ctr">
               <a:buNone/>
               <a:defRPr sz="1600"/>
             </a:lvl1pPr>
             <a:lvl2pPr marL="457200" indent="0">
               <a:buNone/>
-              <a:defRPr sz="1400"/>
+              <a:defRPr sz="1600"/>
             </a:lvl2pPr>
             <a:lvl3pPr marL="914400" indent="0">
               <a:buNone/>
-              <a:defRPr sz="1200"/>
+              <a:defRPr sz="1600"/>
             </a:lvl3pPr>
             <a:lvl4pPr marL="1371600" indent="0">
               <a:buNone/>
-              <a:defRPr sz="1000"/>
+              <a:defRPr sz="1600"/>
             </a:lvl4pPr>
             <a:lvl5pPr marL="1828800" indent="0">
               <a:buNone/>
-              <a:defRPr sz="1000"/>
+              <a:defRPr sz="1600"/>
             </a:lvl5pPr>
             <a:lvl6pPr marL="2286000" indent="0">
               <a:buNone/>
-              <a:defRPr sz="1000"/>
+              <a:defRPr sz="1600"/>
             </a:lvl6pPr>
             <a:lvl7pPr marL="2743200" indent="0">
               <a:buNone/>
-              <a:defRPr sz="1000"/>
+              <a:defRPr sz="1600"/>
             </a:lvl7pPr>
             <a:lvl8pPr marL="3200400" indent="0">
               <a:buNone/>
-              <a:defRPr sz="1000"/>
+              <a:defRPr sz="1600"/>
             </a:lvl8pPr>
             <a:lvl9pPr marL="3657600" indent="0">
               <a:buNone/>
-              <a:defRPr sz="1000"/>
+              <a:defRPr sz="1600"/>
             </a:lvl9pPr>
           </a:lstStyle>
           <a:p>
+            <a:r>
+              <a:rPr lang="en-US"/>
+              <a:t>Click icon to add picture</a:t>
+            </a:r>
+            <a:endParaRPr lang="en-US" dirty="0"/>
+          </a:p>
+        </p:txBody>
+      </p:sp>
+      <p:sp>
+        <p:nvSpPr>
+          <p:cNvPr id="4" name="Text Placeholder 3"/>
+          <p:cNvSpPr>
+            <a:spLocks noGrp="1"/>
+          </p:cNvSpPr>
+          <p:nvPr>
+            <p:ph type="body" sz="half" idx="2"/>
+          </p:nvPr>
+        </p:nvSpPr>
+        <p:spPr>
+          <a:xfrm>
+            <a:off x="685800" y="2971800"/>
+            <a:ext cx="6164653" cy="1828800"/>
+          </a:xfrm>
+        </p:spPr>
+        <p:txBody>
+          <a:bodyPr anchor="t">
+            <a:normAutofit/>
+          </a:bodyPr>
+          <a:lstStyle>
+            <a:lvl1pPr marL="0" indent="0">
+              <a:buNone/>
+              <a:defRPr sz="1800"/>
+            </a:lvl1pPr>
+            <a:lvl2pPr marL="457200" indent="0">
+              <a:buNone/>
+              <a:defRPr sz="1200"/>
+            </a:lvl2pPr>
+            <a:lvl3pPr marL="914400" indent="0">
+              <a:buNone/>
+              <a:defRPr sz="1000"/>
+            </a:lvl3pPr>
+            <a:lvl4pPr marL="1371600" indent="0">
+              <a:buNone/>
+              <a:defRPr sz="900"/>
+            </a:lvl4pPr>
+            <a:lvl5pPr marL="1828800" indent="0">
+              <a:buNone/>
+              <a:defRPr sz="900"/>
+            </a:lvl5pPr>
+            <a:lvl6pPr marL="2286000" indent="0">
+              <a:buNone/>
+              <a:defRPr sz="900"/>
+            </a:lvl6pPr>
+            <a:lvl7pPr marL="2743200" indent="0">
+              <a:buNone/>
+              <a:defRPr sz="900"/>
+            </a:lvl7pPr>
+            <a:lvl8pPr marL="3200400" indent="0">
+              <a:buNone/>
+              <a:defRPr sz="900"/>
+            </a:lvl8pPr>
+            <a:lvl9pPr marL="3657600" indent="0">
+              <a:buNone/>
+              <a:defRPr sz="900"/>
+            </a:lvl9pPr>
+          </a:lstStyle>
+          <a:p>
             <a:pPr lvl="0"/>
             <a:r>
               <a:rPr lang="en-US"/>
@@ -2658,13 +5120,7 @@
       </p:sp>
       <p:sp>
         <p:nvSpPr>
-          <p:cNvPr id="5" name="Date Placeholder 4">
-            <a:extLst>
-              <a:ext uri="{FF2B5EF4-FFF2-40B4-BE49-F238E27FC236}">
-                <a16:creationId xmlns:a16="http://schemas.microsoft.com/office/drawing/2014/main" id="{4A9DAFAB-7B8D-CC48-9B50-94D00DFF79D7}"/>
-              </a:ext>
-            </a:extLst>
-          </p:cNvPr>
+          <p:cNvPr id="5" name="Date Placeholder 4"/>
           <p:cNvSpPr>
             <a:spLocks noGrp="1"/>
           </p:cNvSpPr>
@@ -2679,7 +5135,7 @@
           <a:p>
             <a:fld id="{65391DDC-B041-0642-912B-52C778FA5BB0}" type="datetimeFigureOut">
               <a:rPr lang="en-US" smtClean="0"/>
-              <a:t>1/7/19</a:t>
+              <a:t>3/29/2019</a:t>
             </a:fld>
             <a:endParaRPr lang="en-US"/>
           </a:p>
@@ -2687,13 +5143,7 @@
       </p:sp>
       <p:sp>
         <p:nvSpPr>
-          <p:cNvPr id="6" name="Footer Placeholder 5">
-            <a:extLst>
-              <a:ext uri="{FF2B5EF4-FFF2-40B4-BE49-F238E27FC236}">
-                <a16:creationId xmlns:a16="http://schemas.microsoft.com/office/drawing/2014/main" id="{3E31B585-92BE-B549-8C44-403FE0F6208E}"/>
-              </a:ext>
-            </a:extLst>
-          </p:cNvPr>
+          <p:cNvPr id="6" name="Footer Placeholder 5"/>
           <p:cNvSpPr>
             <a:spLocks noGrp="1"/>
           </p:cNvSpPr>
@@ -2712,13 +5162,7 @@
       </p:sp>
       <p:sp>
         <p:nvSpPr>
-          <p:cNvPr id="7" name="Slide Number Placeholder 6">
-            <a:extLst>
-              <a:ext uri="{FF2B5EF4-FFF2-40B4-BE49-F238E27FC236}">
-                <a16:creationId xmlns:a16="http://schemas.microsoft.com/office/drawing/2014/main" id="{E8DB85AF-C344-B548-BC76-0CB69D23982F}"/>
-              </a:ext>
-            </a:extLst>
-          </p:cNvPr>
+          <p:cNvPr id="7" name="Slide Number Placeholder 6"/>
           <p:cNvSpPr>
             <a:spLocks noGrp="1"/>
           </p:cNvSpPr>
@@ -2742,7 +5186,7 @@
     </p:spTree>
     <p:extLst>
       <p:ext uri="{BB962C8B-B14F-4D97-AF65-F5344CB8AC3E}">
-        <p14:creationId xmlns:p14="http://schemas.microsoft.com/office/powerpoint/2010/main" val="866000069"/>
+        <p14:creationId xmlns:p14="http://schemas.microsoft.com/office/powerpoint/2010/main" val="29990927"/>
       </p:ext>
     </p:extLst>
   </p:cSld>
@@ -2756,8 +5200,8 @@
 <p:sldMaster xmlns:a="http://schemas.openxmlformats.org/drawingml/2006/main" xmlns:r="http://schemas.openxmlformats.org/officeDocument/2006/relationships" xmlns:p="http://schemas.openxmlformats.org/presentationml/2006/main">
   <p:cSld>
     <p:bg>
-      <p:bgRef idx="1001">
-        <a:schemeClr val="bg1"/>
+      <p:bgRef idx="1003">
+        <a:schemeClr val="bg2"/>
       </p:bgRef>
     </p:bg>
     <p:spTree>
@@ -2776,13 +5220,7 @@
       </p:grpSpPr>
       <p:sp>
         <p:nvSpPr>
-          <p:cNvPr id="2" name="Title Placeholder 1">
-            <a:extLst>
-              <a:ext uri="{FF2B5EF4-FFF2-40B4-BE49-F238E27FC236}">
-                <a16:creationId xmlns:a16="http://schemas.microsoft.com/office/drawing/2014/main" id="{7CBA18EE-BF26-1D4A-A076-E9D87CB45B5E}"/>
-              </a:ext>
-            </a:extLst>
-          </p:cNvPr>
+          <p:cNvPr id="2" name="Title Placeholder 1"/>
           <p:cNvSpPr>
             <a:spLocks noGrp="1"/>
           </p:cNvSpPr>
@@ -2792,8 +5230,42 @@
         </p:nvSpPr>
         <p:spPr>
           <a:xfrm>
-            <a:off x="838200" y="365125"/>
-            <a:ext cx="10515600" cy="1325563"/>
+            <a:off x="685801" y="609600"/>
+            <a:ext cx="10131425" cy="1456267"/>
+          </a:xfrm>
+          <a:prstGeom prst="rect">
+            <a:avLst/>
+          </a:prstGeom>
+          <a:effectLst/>
+        </p:spPr>
+        <p:txBody>
+          <a:bodyPr vert="horz" lIns="91440" tIns="45720" rIns="91440" bIns="45720" rtlCol="0" anchor="ctr">
+            <a:normAutofit/>
+          </a:bodyPr>
+          <a:lstStyle/>
+          <a:p>
+            <a:r>
+              <a:rPr lang="en-US"/>
+              <a:t>Click to edit Master title style</a:t>
+            </a:r>
+            <a:endParaRPr lang="en-US" dirty="0"/>
+          </a:p>
+        </p:txBody>
+      </p:sp>
+      <p:sp>
+        <p:nvSpPr>
+          <p:cNvPr id="3" name="Text Placeholder 2"/>
+          <p:cNvSpPr>
+            <a:spLocks noGrp="1"/>
+          </p:cNvSpPr>
+          <p:nvPr>
+            <p:ph type="body" idx="1"/>
+          </p:nvPr>
+        </p:nvSpPr>
+        <p:spPr>
+          <a:xfrm>
+            <a:off x="685801" y="2142067"/>
+            <a:ext cx="10131425" cy="3649133"/>
           </a:xfrm>
           <a:prstGeom prst="rect">
             <a:avLst/>
@@ -2805,100 +5277,98 @@
           </a:bodyPr>
           <a:lstStyle/>
           <a:p>
-            <a:r>
-              <a:rPr lang="en-US"/>
-              <a:t>Click to edit Master title style</a:t>
-            </a:r>
-          </a:p>
-        </p:txBody>
-      </p:sp>
-      <p:sp>
-        <p:nvSpPr>
-          <p:cNvPr id="3" name="Text Placeholder 2">
-            <a:extLst>
-              <a:ext uri="{FF2B5EF4-FFF2-40B4-BE49-F238E27FC236}">
-                <a16:creationId xmlns:a16="http://schemas.microsoft.com/office/drawing/2014/main" id="{93E62400-B9D6-9348-8D07-6AB2AB097063}"/>
-              </a:ext>
-            </a:extLst>
-          </p:cNvPr>
-          <p:cNvSpPr>
-            <a:spLocks noGrp="1"/>
-          </p:cNvSpPr>
-          <p:nvPr>
-            <p:ph type="body" idx="1"/>
+            <a:pPr lvl="0"/>
+            <a:r>
+              <a:rPr lang="en-US"/>
+              <a:t>Edit Master text styles</a:t>
+            </a:r>
+          </a:p>
+          <a:p>
+            <a:pPr lvl="1"/>
+            <a:r>
+              <a:rPr lang="en-US"/>
+              <a:t>Second level</a:t>
+            </a:r>
+          </a:p>
+          <a:p>
+            <a:pPr lvl="2"/>
+            <a:r>
+              <a:rPr lang="en-US"/>
+              <a:t>Third level</a:t>
+            </a:r>
+          </a:p>
+          <a:p>
+            <a:pPr lvl="3"/>
+            <a:r>
+              <a:rPr lang="en-US"/>
+              <a:t>Fourth level</a:t>
+            </a:r>
+          </a:p>
+          <a:p>
+            <a:pPr lvl="4"/>
+            <a:r>
+              <a:rPr lang="en-US"/>
+              <a:t>Fifth level</a:t>
+            </a:r>
+            <a:endParaRPr lang="en-US" dirty="0"/>
+          </a:p>
+        </p:txBody>
+      </p:sp>
+      <p:sp>
+        <p:nvSpPr>
+          <p:cNvPr id="4" name="Date Placeholder 3"/>
+          <p:cNvSpPr>
+            <a:spLocks noGrp="1"/>
+          </p:cNvSpPr>
+          <p:nvPr>
+            <p:ph type="dt" sz="half" idx="2"/>
           </p:nvPr>
         </p:nvSpPr>
         <p:spPr>
           <a:xfrm>
-            <a:off x="838200" y="1825625"/>
-            <a:ext cx="10515600" cy="4351338"/>
+            <a:off x="8589660" y="5870575"/>
+            <a:ext cx="1600200" cy="377825"/>
           </a:xfrm>
           <a:prstGeom prst="rect">
             <a:avLst/>
           </a:prstGeom>
         </p:spPr>
         <p:txBody>
-          <a:bodyPr vert="horz" lIns="91440" tIns="45720" rIns="91440" bIns="45720" rtlCol="0">
-            <a:normAutofit/>
-          </a:bodyPr>
-          <a:lstStyle/>
-          <a:p>
-            <a:pPr lvl="0"/>
-            <a:r>
-              <a:rPr lang="en-US"/>
-              <a:t>Edit Master text styles</a:t>
-            </a:r>
-          </a:p>
-          <a:p>
-            <a:pPr lvl="1"/>
-            <a:r>
-              <a:rPr lang="en-US"/>
-              <a:t>Second level</a:t>
-            </a:r>
-          </a:p>
-          <a:p>
-            <a:pPr lvl="2"/>
-            <a:r>
-              <a:rPr lang="en-US"/>
-              <a:t>Third level</a:t>
-            </a:r>
-          </a:p>
-          <a:p>
-            <a:pPr lvl="3"/>
-            <a:r>
-              <a:rPr lang="en-US"/>
-              <a:t>Fourth level</a:t>
-            </a:r>
-          </a:p>
-          <a:p>
-            <a:pPr lvl="4"/>
-            <a:r>
-              <a:rPr lang="en-US"/>
-              <a:t>Fifth level</a:t>
-            </a:r>
-          </a:p>
-        </p:txBody>
-      </p:sp>
-      <p:sp>
-        <p:nvSpPr>
-          <p:cNvPr id="4" name="Date Placeholder 3">
-            <a:extLst>
-              <a:ext uri="{FF2B5EF4-FFF2-40B4-BE49-F238E27FC236}">
-                <a16:creationId xmlns:a16="http://schemas.microsoft.com/office/drawing/2014/main" id="{4EDB4A7C-9732-D347-B369-E89F25919401}"/>
-              </a:ext>
-            </a:extLst>
-          </p:cNvPr>
-          <p:cNvSpPr>
-            <a:spLocks noGrp="1"/>
-          </p:cNvSpPr>
-          <p:nvPr>
-            <p:ph type="dt" sz="half" idx="2"/>
+          <a:bodyPr vert="horz" lIns="91440" tIns="45720" rIns="91440" bIns="45720" rtlCol="0" anchor="ctr"/>
+          <a:lstStyle>
+            <a:lvl1pPr algn="r">
+              <a:defRPr sz="1000" b="0" i="0">
+                <a:solidFill>
+                  <a:schemeClr val="tx1"/>
+                </a:solidFill>
+                <a:effectLst/>
+                <a:latin typeface="+mn-lt"/>
+              </a:defRPr>
+            </a:lvl1pPr>
+          </a:lstStyle>
+          <a:p>
+            <a:fld id="{65391DDC-B041-0642-912B-52C778FA5BB0}" type="datetimeFigureOut">
+              <a:rPr lang="en-US" smtClean="0"/>
+              <a:t>3/29/2019</a:t>
+            </a:fld>
+            <a:endParaRPr lang="en-US"/>
+          </a:p>
+        </p:txBody>
+      </p:sp>
+      <p:sp>
+        <p:nvSpPr>
+          <p:cNvPr id="5" name="Footer Placeholder 4"/>
+          <p:cNvSpPr>
+            <a:spLocks noGrp="1"/>
+          </p:cNvSpPr>
+          <p:nvPr>
+            <p:ph type="ftr" sz="quarter" idx="3"/>
           </p:nvPr>
         </p:nvSpPr>
         <p:spPr>
           <a:xfrm>
-            <a:off x="838200" y="6356350"/>
-            <a:ext cx="2743200" cy="365125"/>
+            <a:off x="685800" y="5870575"/>
+            <a:ext cx="7827659" cy="377825"/>
           </a:xfrm>
           <a:prstGeom prst="rect">
             <a:avLst/>
@@ -2908,44 +5378,34 @@
           <a:bodyPr vert="horz" lIns="91440" tIns="45720" rIns="91440" bIns="45720" rtlCol="0" anchor="ctr"/>
           <a:lstStyle>
             <a:lvl1pPr algn="l">
-              <a:defRPr sz="1200">
-                <a:solidFill>
-                  <a:schemeClr val="tx1">
-                    <a:tint val="75000"/>
-                  </a:schemeClr>
-                </a:solidFill>
+              <a:defRPr sz="1000" b="0" i="0">
+                <a:solidFill>
+                  <a:schemeClr val="tx1"/>
+                </a:solidFill>
+                <a:effectLst/>
+                <a:latin typeface="+mn-lt"/>
               </a:defRPr>
             </a:lvl1pPr>
           </a:lstStyle>
           <a:p>
-            <a:fld id="{65391DDC-B041-0642-912B-52C778FA5BB0}" type="datetimeFigureOut">
-              <a:rPr lang="en-US" smtClean="0"/>
-              <a:t>1/7/19</a:t>
-            </a:fld>
             <a:endParaRPr lang="en-US"/>
           </a:p>
         </p:txBody>
       </p:sp>
       <p:sp>
         <p:nvSpPr>
-          <p:cNvPr id="5" name="Footer Placeholder 4">
-            <a:extLst>
-              <a:ext uri="{FF2B5EF4-FFF2-40B4-BE49-F238E27FC236}">
-                <a16:creationId xmlns:a16="http://schemas.microsoft.com/office/drawing/2014/main" id="{D76DAD2E-8E2D-114A-B0E9-ECE5851D8124}"/>
-              </a:ext>
-            </a:extLst>
-          </p:cNvPr>
-          <p:cNvSpPr>
-            <a:spLocks noGrp="1"/>
-          </p:cNvSpPr>
-          <p:nvPr>
-            <p:ph type="ftr" sz="quarter" idx="3"/>
+          <p:cNvPr id="6" name="Slide Number Placeholder 5"/>
+          <p:cNvSpPr>
+            <a:spLocks noGrp="1"/>
+          </p:cNvSpPr>
+          <p:nvPr>
+            <p:ph type="sldNum" sz="quarter" idx="4"/>
           </p:nvPr>
         </p:nvSpPr>
         <p:spPr>
           <a:xfrm>
-            <a:off x="4038600" y="6356350"/>
-            <a:ext cx="4114800" cy="365125"/>
+            <a:off x="10266060" y="5870575"/>
+            <a:ext cx="551167" cy="377825"/>
           </a:xfrm>
           <a:prstGeom prst="rect">
             <a:avLst/>
@@ -2954,56 +5414,13 @@
         <p:txBody>
           <a:bodyPr vert="horz" lIns="91440" tIns="45720" rIns="91440" bIns="45720" rtlCol="0" anchor="ctr"/>
           <a:lstStyle>
-            <a:lvl1pPr algn="ctr">
-              <a:defRPr sz="1200">
-                <a:solidFill>
-                  <a:schemeClr val="tx1">
-                    <a:tint val="75000"/>
-                  </a:schemeClr>
-                </a:solidFill>
-              </a:defRPr>
-            </a:lvl1pPr>
-          </a:lstStyle>
-          <a:p>
-            <a:endParaRPr lang="en-US"/>
-          </a:p>
-        </p:txBody>
-      </p:sp>
-      <p:sp>
-        <p:nvSpPr>
-          <p:cNvPr id="6" name="Slide Number Placeholder 5">
-            <a:extLst>
-              <a:ext uri="{FF2B5EF4-FFF2-40B4-BE49-F238E27FC236}">
-                <a16:creationId xmlns:a16="http://schemas.microsoft.com/office/drawing/2014/main" id="{1F473760-A139-6945-90B4-BB317F1FF344}"/>
-              </a:ext>
-            </a:extLst>
-          </p:cNvPr>
-          <p:cNvSpPr>
-            <a:spLocks noGrp="1"/>
-          </p:cNvSpPr>
-          <p:nvPr>
-            <p:ph type="sldNum" sz="quarter" idx="4"/>
-          </p:nvPr>
-        </p:nvSpPr>
-        <p:spPr>
-          <a:xfrm>
-            <a:off x="8610600" y="6356350"/>
-            <a:ext cx="2743200" cy="365125"/>
-          </a:xfrm>
-          <a:prstGeom prst="rect">
-            <a:avLst/>
-          </a:prstGeom>
-        </p:spPr>
-        <p:txBody>
-          <a:bodyPr vert="horz" lIns="91440" tIns="45720" rIns="91440" bIns="45720" rtlCol="0" anchor="ctr"/>
-          <a:lstStyle>
             <a:lvl1pPr algn="r">
-              <a:defRPr sz="1200">
-                <a:solidFill>
-                  <a:schemeClr val="tx1">
-                    <a:tint val="75000"/>
-                  </a:schemeClr>
-                </a:solidFill>
+              <a:defRPr sz="1000" b="0" i="0">
+                <a:solidFill>
+                  <a:schemeClr val="tx1"/>
+                </a:solidFill>
+                <a:effectLst/>
+                <a:latin typeface="+mn-lt"/>
               </a:defRPr>
             </a:lvl1pPr>
           </a:lstStyle>
@@ -3019,202 +5436,310 @@
     </p:spTree>
     <p:extLst>
       <p:ext uri="{BB962C8B-B14F-4D97-AF65-F5344CB8AC3E}">
-        <p14:creationId xmlns:p14="http://schemas.microsoft.com/office/powerpoint/2010/main" val="3112821563"/>
+        <p14:creationId xmlns:p14="http://schemas.microsoft.com/office/powerpoint/2010/main" val="4090987109"/>
       </p:ext>
     </p:extLst>
   </p:cSld>
-  <p:clrMap bg1="lt1" tx1="dk1" bg2="lt2" tx2="dk2" accent1="accent1" accent2="accent2" accent3="accent3" accent4="accent4" accent5="accent5" accent6="accent6" hlink="hlink" folHlink="folHlink"/>
+  <p:clrMap bg1="dk1" tx1="lt1" bg2="dk2" tx2="lt2" accent1="accent1" accent2="accent2" accent3="accent3" accent4="accent4" accent5="accent5" accent6="accent6" hlink="hlink" folHlink="folHlink"/>
   <p:sldLayoutIdLst>
-    <p:sldLayoutId id="2147483649" r:id="rId1"/>
-    <p:sldLayoutId id="2147483650" r:id="rId2"/>
-    <p:sldLayoutId id="2147483651" r:id="rId3"/>
-    <p:sldLayoutId id="2147483652" r:id="rId4"/>
-    <p:sldLayoutId id="2147483653" r:id="rId5"/>
-    <p:sldLayoutId id="2147483654" r:id="rId6"/>
-    <p:sldLayoutId id="2147483655" r:id="rId7"/>
-    <p:sldLayoutId id="2147483656" r:id="rId8"/>
-    <p:sldLayoutId id="2147483657" r:id="rId9"/>
-    <p:sldLayoutId id="2147483658" r:id="rId10"/>
-    <p:sldLayoutId id="2147483659" r:id="rId11"/>
+    <p:sldLayoutId id="2147483661" r:id="rId1"/>
+    <p:sldLayoutId id="2147483662" r:id="rId2"/>
+    <p:sldLayoutId id="2147483663" r:id="rId3"/>
+    <p:sldLayoutId id="2147483664" r:id="rId4"/>
+    <p:sldLayoutId id="2147483665" r:id="rId5"/>
+    <p:sldLayoutId id="2147483666" r:id="rId6"/>
+    <p:sldLayoutId id="2147483667" r:id="rId7"/>
+    <p:sldLayoutId id="2147483668" r:id="rId8"/>
+    <p:sldLayoutId id="2147483669" r:id="rId9"/>
+    <p:sldLayoutId id="2147483670" r:id="rId10"/>
+    <p:sldLayoutId id="2147483671" r:id="rId11"/>
+    <p:sldLayoutId id="2147483672" r:id="rId12"/>
+    <p:sldLayoutId id="2147483673" r:id="rId13"/>
+    <p:sldLayoutId id="2147483674" r:id="rId14"/>
+    <p:sldLayoutId id="2147483675" r:id="rId15"/>
+    <p:sldLayoutId id="2147483676" r:id="rId16"/>
+    <p:sldLayoutId id="2147483677" r:id="rId17"/>
   </p:sldLayoutIdLst>
   <p:txStyles>
     <p:titleStyle>
-      <a:lvl1pPr algn="l" defTabSz="914400" rtl="0" eaLnBrk="1" latinLnBrk="0" hangingPunct="1">
-        <a:lnSpc>
-          <a:spcPct val="90000"/>
-        </a:lnSpc>
+      <a:lvl1pPr algn="l" defTabSz="457200" rtl="0" eaLnBrk="1" latinLnBrk="0" hangingPunct="1">
         <a:spcBef>
           <a:spcPct val="0"/>
         </a:spcBef>
         <a:buNone/>
-        <a:defRPr sz="4400" kern="1200">
+        <a:defRPr sz="3600" kern="1200" cap="all">
+          <a:ln w="3175" cmpd="sng">
+            <a:noFill/>
+          </a:ln>
           <a:solidFill>
             <a:schemeClr val="tx1"/>
           </a:solidFill>
+          <a:effectLst/>
           <a:latin typeface="+mj-lt"/>
           <a:ea typeface="+mj-ea"/>
           <a:cs typeface="+mj-cs"/>
         </a:defRPr>
       </a:lvl1pPr>
+      <a:lvl2pPr eaLnBrk="1" hangingPunct="1">
+        <a:defRPr>
+          <a:solidFill>
+            <a:schemeClr val="tx2"/>
+          </a:solidFill>
+        </a:defRPr>
+      </a:lvl2pPr>
+      <a:lvl3pPr eaLnBrk="1" hangingPunct="1">
+        <a:defRPr>
+          <a:solidFill>
+            <a:schemeClr val="tx2"/>
+          </a:solidFill>
+        </a:defRPr>
+      </a:lvl3pPr>
+      <a:lvl4pPr eaLnBrk="1" hangingPunct="1">
+        <a:defRPr>
+          <a:solidFill>
+            <a:schemeClr val="tx2"/>
+          </a:solidFill>
+        </a:defRPr>
+      </a:lvl4pPr>
+      <a:lvl5pPr eaLnBrk="1" hangingPunct="1">
+        <a:defRPr>
+          <a:solidFill>
+            <a:schemeClr val="tx2"/>
+          </a:solidFill>
+        </a:defRPr>
+      </a:lvl5pPr>
+      <a:lvl6pPr eaLnBrk="1" hangingPunct="1">
+        <a:defRPr>
+          <a:solidFill>
+            <a:schemeClr val="tx2"/>
+          </a:solidFill>
+        </a:defRPr>
+      </a:lvl6pPr>
+      <a:lvl7pPr eaLnBrk="1" hangingPunct="1">
+        <a:defRPr>
+          <a:solidFill>
+            <a:schemeClr val="tx2"/>
+          </a:solidFill>
+        </a:defRPr>
+      </a:lvl7pPr>
+      <a:lvl8pPr eaLnBrk="1" hangingPunct="1">
+        <a:defRPr>
+          <a:solidFill>
+            <a:schemeClr val="tx2"/>
+          </a:solidFill>
+        </a:defRPr>
+      </a:lvl8pPr>
+      <a:lvl9pPr eaLnBrk="1" hangingPunct="1">
+        <a:defRPr>
+          <a:solidFill>
+            <a:schemeClr val="tx2"/>
+          </a:solidFill>
+        </a:defRPr>
+      </a:lvl9pPr>
     </p:titleStyle>
     <p:bodyStyle>
-      <a:lvl1pPr marL="228600" indent="-228600" algn="l" defTabSz="914400" rtl="0" eaLnBrk="1" latinLnBrk="0" hangingPunct="1">
-        <a:lnSpc>
-          <a:spcPct val="90000"/>
-        </a:lnSpc>
+      <a:lvl1pPr marL="285750" indent="-285750" algn="l" defTabSz="457200" rtl="0" eaLnBrk="1" latinLnBrk="0" hangingPunct="1">
         <a:spcBef>
+          <a:spcPts val="0"/>
+        </a:spcBef>
+        <a:spcAft>
           <a:spcPts val="1000"/>
-        </a:spcBef>
-        <a:buFont typeface="Arial" panose="020B0604020202020204" pitchFamily="34" charset="0"/>
+        </a:spcAft>
+        <a:buClr>
+          <a:schemeClr val="tx1"/>
+        </a:buClr>
+        <a:buSzPct val="100000"/>
+        <a:buFont typeface="Arial"/>
         <a:buChar char="•"/>
-        <a:defRPr sz="2800" kern="1200">
+        <a:defRPr sz="1800" kern="1200" cap="none">
           <a:solidFill>
             <a:schemeClr val="tx1"/>
           </a:solidFill>
+          <a:effectLst/>
           <a:latin typeface="+mn-lt"/>
           <a:ea typeface="+mn-ea"/>
           <a:cs typeface="+mn-cs"/>
         </a:defRPr>
       </a:lvl1pPr>
-      <a:lvl2pPr marL="685800" indent="-228600" algn="l" defTabSz="914400" rtl="0" eaLnBrk="1" latinLnBrk="0" hangingPunct="1">
-        <a:lnSpc>
-          <a:spcPct val="90000"/>
-        </a:lnSpc>
+      <a:lvl2pPr marL="742950" indent="-285750" algn="l" defTabSz="457200" rtl="0" eaLnBrk="1" latinLnBrk="0" hangingPunct="1">
         <a:spcBef>
-          <a:spcPts val="500"/>
+          <a:spcPts val="0"/>
         </a:spcBef>
-        <a:buFont typeface="Arial" panose="020B0604020202020204" pitchFamily="34" charset="0"/>
+        <a:spcAft>
+          <a:spcPts val="1000"/>
+        </a:spcAft>
+        <a:buClr>
+          <a:schemeClr val="tx1"/>
+        </a:buClr>
+        <a:buSzPct val="100000"/>
+        <a:buFont typeface="Arial"/>
         <a:buChar char="•"/>
-        <a:defRPr sz="2400" kern="1200">
+        <a:defRPr sz="1600" kern="1200" cap="none">
           <a:solidFill>
             <a:schemeClr val="tx1"/>
           </a:solidFill>
+          <a:effectLst/>
           <a:latin typeface="+mn-lt"/>
           <a:ea typeface="+mn-ea"/>
           <a:cs typeface="+mn-cs"/>
         </a:defRPr>
       </a:lvl2pPr>
-      <a:lvl3pPr marL="1143000" indent="-228600" algn="l" defTabSz="914400" rtl="0" eaLnBrk="1" latinLnBrk="0" hangingPunct="1">
-        <a:lnSpc>
-          <a:spcPct val="90000"/>
-        </a:lnSpc>
+      <a:lvl3pPr marL="1200150" indent="-285750" algn="l" defTabSz="457200" rtl="0" eaLnBrk="1" latinLnBrk="0" hangingPunct="1">
         <a:spcBef>
-          <a:spcPts val="500"/>
+          <a:spcPts val="0"/>
         </a:spcBef>
-        <a:buFont typeface="Arial" panose="020B0604020202020204" pitchFamily="34" charset="0"/>
+        <a:spcAft>
+          <a:spcPts val="1000"/>
+        </a:spcAft>
+        <a:buClr>
+          <a:schemeClr val="tx1"/>
+        </a:buClr>
+        <a:buSzPct val="100000"/>
+        <a:buFont typeface="Arial"/>
         <a:buChar char="•"/>
-        <a:defRPr sz="2000" kern="1200">
+        <a:defRPr sz="1400" kern="1200" cap="none">
           <a:solidFill>
             <a:schemeClr val="tx1"/>
           </a:solidFill>
+          <a:effectLst/>
           <a:latin typeface="+mn-lt"/>
           <a:ea typeface="+mn-ea"/>
           <a:cs typeface="+mn-cs"/>
         </a:defRPr>
       </a:lvl3pPr>
-      <a:lvl4pPr marL="1600200" indent="-228600" algn="l" defTabSz="914400" rtl="0" eaLnBrk="1" latinLnBrk="0" hangingPunct="1">
-        <a:lnSpc>
-          <a:spcPct val="90000"/>
-        </a:lnSpc>
+      <a:lvl4pPr marL="1543050" indent="-171450" algn="l" defTabSz="457200" rtl="0" eaLnBrk="1" latinLnBrk="0" hangingPunct="1">
         <a:spcBef>
-          <a:spcPts val="500"/>
+          <a:spcPts val="0"/>
         </a:spcBef>
-        <a:buFont typeface="Arial" panose="020B0604020202020204" pitchFamily="34" charset="0"/>
+        <a:spcAft>
+          <a:spcPts val="1000"/>
+        </a:spcAft>
+        <a:buClr>
+          <a:schemeClr val="tx1"/>
+        </a:buClr>
+        <a:buSzPct val="100000"/>
+        <a:buFont typeface="Arial"/>
         <a:buChar char="•"/>
-        <a:defRPr sz="1800" kern="1200">
+        <a:defRPr sz="1200" kern="1200" cap="none">
           <a:solidFill>
             <a:schemeClr val="tx1"/>
           </a:solidFill>
+          <a:effectLst/>
           <a:latin typeface="+mn-lt"/>
           <a:ea typeface="+mn-ea"/>
           <a:cs typeface="+mn-cs"/>
         </a:defRPr>
       </a:lvl4pPr>
-      <a:lvl5pPr marL="2057400" indent="-228600" algn="l" defTabSz="914400" rtl="0" eaLnBrk="1" latinLnBrk="0" hangingPunct="1">
-        <a:lnSpc>
-          <a:spcPct val="90000"/>
-        </a:lnSpc>
+      <a:lvl5pPr marL="2000250" indent="-171450" algn="l" defTabSz="457200" rtl="0" eaLnBrk="1" latinLnBrk="0" hangingPunct="1">
         <a:spcBef>
-          <a:spcPts val="500"/>
+          <a:spcPts val="0"/>
         </a:spcBef>
-        <a:buFont typeface="Arial" panose="020B0604020202020204" pitchFamily="34" charset="0"/>
+        <a:spcAft>
+          <a:spcPts val="1000"/>
+        </a:spcAft>
+        <a:buClr>
+          <a:schemeClr val="tx1"/>
+        </a:buClr>
+        <a:buSzPct val="100000"/>
+        <a:buFont typeface="Arial"/>
         <a:buChar char="•"/>
-        <a:defRPr sz="1800" kern="1200">
+        <a:defRPr sz="1200" kern="1200" cap="none">
           <a:solidFill>
             <a:schemeClr val="tx1"/>
           </a:solidFill>
+          <a:effectLst/>
           <a:latin typeface="+mn-lt"/>
           <a:ea typeface="+mn-ea"/>
           <a:cs typeface="+mn-cs"/>
         </a:defRPr>
       </a:lvl5pPr>
-      <a:lvl6pPr marL="2514600" indent="-228600" algn="l" defTabSz="914400" rtl="0" eaLnBrk="1" latinLnBrk="0" hangingPunct="1">
-        <a:lnSpc>
-          <a:spcPct val="90000"/>
-        </a:lnSpc>
+      <a:lvl6pPr marL="2514600" indent="-228600" algn="l" defTabSz="457200" rtl="0" eaLnBrk="1" latinLnBrk="0" hangingPunct="1">
         <a:spcBef>
-          <a:spcPts val="500"/>
+          <a:spcPts val="0"/>
         </a:spcBef>
-        <a:buFont typeface="Arial" panose="020B0604020202020204" pitchFamily="34" charset="0"/>
+        <a:spcAft>
+          <a:spcPts val="1000"/>
+        </a:spcAft>
+        <a:buClr>
+          <a:schemeClr val="tx1"/>
+        </a:buClr>
+        <a:buSzPct val="100000"/>
+        <a:buFont typeface="Arial"/>
         <a:buChar char="•"/>
-        <a:defRPr sz="1800" kern="1200">
+        <a:defRPr sz="1200" kern="1200" cap="none">
           <a:solidFill>
             <a:schemeClr val="tx1"/>
           </a:solidFill>
+          <a:effectLst/>
           <a:latin typeface="+mn-lt"/>
           <a:ea typeface="+mn-ea"/>
           <a:cs typeface="+mn-cs"/>
         </a:defRPr>
       </a:lvl6pPr>
-      <a:lvl7pPr marL="2971800" indent="-228600" algn="l" defTabSz="914400" rtl="0" eaLnBrk="1" latinLnBrk="0" hangingPunct="1">
-        <a:lnSpc>
-          <a:spcPct val="90000"/>
-        </a:lnSpc>
+      <a:lvl7pPr marL="2971800" indent="-228600" algn="l" defTabSz="457200" rtl="0" eaLnBrk="1" latinLnBrk="0" hangingPunct="1">
         <a:spcBef>
-          <a:spcPts val="500"/>
+          <a:spcPts val="0"/>
         </a:spcBef>
-        <a:buFont typeface="Arial" panose="020B0604020202020204" pitchFamily="34" charset="0"/>
+        <a:spcAft>
+          <a:spcPts val="1000"/>
+        </a:spcAft>
+        <a:buClr>
+          <a:schemeClr val="tx1"/>
+        </a:buClr>
+        <a:buSzPct val="100000"/>
+        <a:buFont typeface="Arial"/>
         <a:buChar char="•"/>
-        <a:defRPr sz="1800" kern="1200">
+        <a:defRPr sz="1200" kern="1200" cap="none">
           <a:solidFill>
             <a:schemeClr val="tx1"/>
           </a:solidFill>
+          <a:effectLst/>
           <a:latin typeface="+mn-lt"/>
           <a:ea typeface="+mn-ea"/>
           <a:cs typeface="+mn-cs"/>
         </a:defRPr>
       </a:lvl7pPr>
-      <a:lvl8pPr marL="3429000" indent="-228600" algn="l" defTabSz="914400" rtl="0" eaLnBrk="1" latinLnBrk="0" hangingPunct="1">
-        <a:lnSpc>
-          <a:spcPct val="90000"/>
-        </a:lnSpc>
+      <a:lvl8pPr marL="3429000" indent="-228600" algn="l" defTabSz="457200" rtl="0" eaLnBrk="1" latinLnBrk="0" hangingPunct="1">
         <a:spcBef>
-          <a:spcPts val="500"/>
+          <a:spcPts val="0"/>
         </a:spcBef>
-        <a:buFont typeface="Arial" panose="020B0604020202020204" pitchFamily="34" charset="0"/>
+        <a:spcAft>
+          <a:spcPts val="1000"/>
+        </a:spcAft>
+        <a:buClr>
+          <a:schemeClr val="tx1"/>
+        </a:buClr>
+        <a:buSzPct val="100000"/>
+        <a:buFont typeface="Arial"/>
         <a:buChar char="•"/>
-        <a:defRPr sz="1800" kern="1200">
+        <a:defRPr sz="1200" kern="1200" cap="none">
           <a:solidFill>
             <a:schemeClr val="tx1"/>
           </a:solidFill>
+          <a:effectLst/>
           <a:latin typeface="+mn-lt"/>
           <a:ea typeface="+mn-ea"/>
           <a:cs typeface="+mn-cs"/>
         </a:defRPr>
       </a:lvl8pPr>
-      <a:lvl9pPr marL="3886200" indent="-228600" algn="l" defTabSz="914400" rtl="0" eaLnBrk="1" latinLnBrk="0" hangingPunct="1">
-        <a:lnSpc>
-          <a:spcPct val="90000"/>
-        </a:lnSpc>
+      <a:lvl9pPr marL="3886200" indent="-228600" algn="l" defTabSz="457200" rtl="0" eaLnBrk="1" latinLnBrk="0" hangingPunct="1">
         <a:spcBef>
-          <a:spcPts val="500"/>
+          <a:spcPts val="0"/>
         </a:spcBef>
-        <a:buFont typeface="Arial" panose="020B0604020202020204" pitchFamily="34" charset="0"/>
+        <a:spcAft>
+          <a:spcPts val="1000"/>
+        </a:spcAft>
+        <a:buClr>
+          <a:schemeClr val="tx1"/>
+        </a:buClr>
+        <a:buSzPct val="100000"/>
+        <a:buFont typeface="Arial"/>
         <a:buChar char="•"/>
-        <a:defRPr sz="1800" kern="1200">
+        <a:defRPr sz="1200" kern="1200" cap="none">
           <a:solidFill>
             <a:schemeClr val="tx1"/>
           </a:solidFill>
+          <a:effectLst/>
           <a:latin typeface="+mn-lt"/>
           <a:ea typeface="+mn-ea"/>
           <a:cs typeface="+mn-cs"/>
@@ -3225,7 +5750,7 @@
       <a:defPPr>
         <a:defRPr lang="en-US"/>
       </a:defPPr>
-      <a:lvl1pPr marL="0" algn="l" defTabSz="914400" rtl="0" eaLnBrk="1" latinLnBrk="0" hangingPunct="1">
+      <a:lvl1pPr marL="0" algn="l" defTabSz="457200" rtl="0" eaLnBrk="1" latinLnBrk="0" hangingPunct="1">
         <a:defRPr sz="1800" kern="1200">
           <a:solidFill>
             <a:schemeClr val="tx1"/>
@@ -3235,7 +5760,7 @@
           <a:cs typeface="+mn-cs"/>
         </a:defRPr>
       </a:lvl1pPr>
-      <a:lvl2pPr marL="457200" algn="l" defTabSz="914400" rtl="0" eaLnBrk="1" latinLnBrk="0" hangingPunct="1">
+      <a:lvl2pPr marL="457200" algn="l" defTabSz="457200" rtl="0" eaLnBrk="1" latinLnBrk="0" hangingPunct="1">
         <a:defRPr sz="1800" kern="1200">
           <a:solidFill>
             <a:schemeClr val="tx1"/>
@@ -3245,7 +5770,7 @@
           <a:cs typeface="+mn-cs"/>
         </a:defRPr>
       </a:lvl2pPr>
-      <a:lvl3pPr marL="914400" algn="l" defTabSz="914400" rtl="0" eaLnBrk="1" latinLnBrk="0" hangingPunct="1">
+      <a:lvl3pPr marL="914400" algn="l" defTabSz="457200" rtl="0" eaLnBrk="1" latinLnBrk="0" hangingPunct="1">
         <a:defRPr sz="1800" kern="1200">
           <a:solidFill>
             <a:schemeClr val="tx1"/>
@@ -3255,7 +5780,7 @@
           <a:cs typeface="+mn-cs"/>
         </a:defRPr>
       </a:lvl3pPr>
-      <a:lvl4pPr marL="1371600" algn="l" defTabSz="914400" rtl="0" eaLnBrk="1" latinLnBrk="0" hangingPunct="1">
+      <a:lvl4pPr marL="1371600" algn="l" defTabSz="457200" rtl="0" eaLnBrk="1" latinLnBrk="0" hangingPunct="1">
         <a:defRPr sz="1800" kern="1200">
           <a:solidFill>
             <a:schemeClr val="tx1"/>
@@ -3265,7 +5790,7 @@
           <a:cs typeface="+mn-cs"/>
         </a:defRPr>
       </a:lvl4pPr>
-      <a:lvl5pPr marL="1828800" algn="l" defTabSz="914400" rtl="0" eaLnBrk="1" latinLnBrk="0" hangingPunct="1">
+      <a:lvl5pPr marL="1828800" algn="l" defTabSz="457200" rtl="0" eaLnBrk="1" latinLnBrk="0" hangingPunct="1">
         <a:defRPr sz="1800" kern="1200">
           <a:solidFill>
             <a:schemeClr val="tx1"/>
@@ -3275,7 +5800,7 @@
           <a:cs typeface="+mn-cs"/>
         </a:defRPr>
       </a:lvl5pPr>
-      <a:lvl6pPr marL="2286000" algn="l" defTabSz="914400" rtl="0" eaLnBrk="1" latinLnBrk="0" hangingPunct="1">
+      <a:lvl6pPr marL="2286000" algn="l" defTabSz="457200" rtl="0" eaLnBrk="1" latinLnBrk="0" hangingPunct="1">
         <a:defRPr sz="1800" kern="1200">
           <a:solidFill>
             <a:schemeClr val="tx1"/>
@@ -3285,7 +5810,7 @@
           <a:cs typeface="+mn-cs"/>
         </a:defRPr>
       </a:lvl6pPr>
-      <a:lvl7pPr marL="2743200" algn="l" defTabSz="914400" rtl="0" eaLnBrk="1" latinLnBrk="0" hangingPunct="1">
+      <a:lvl7pPr marL="2743200" algn="l" defTabSz="457200" rtl="0" eaLnBrk="1" latinLnBrk="0" hangingPunct="1">
         <a:defRPr sz="1800" kern="1200">
           <a:solidFill>
             <a:schemeClr val="tx1"/>
@@ -3295,7 +5820,7 @@
           <a:cs typeface="+mn-cs"/>
         </a:defRPr>
       </a:lvl7pPr>
-      <a:lvl8pPr marL="3200400" algn="l" defTabSz="914400" rtl="0" eaLnBrk="1" latinLnBrk="0" hangingPunct="1">
+      <a:lvl8pPr marL="3200400" algn="l" defTabSz="457200" rtl="0" eaLnBrk="1" latinLnBrk="0" hangingPunct="1">
         <a:defRPr sz="1800" kern="1200">
           <a:solidFill>
             <a:schemeClr val="tx1"/>
@@ -3305,7 +5830,7 @@
           <a:cs typeface="+mn-cs"/>
         </a:defRPr>
       </a:lvl8pPr>
-      <a:lvl9pPr marL="3657600" algn="l" defTabSz="914400" rtl="0" eaLnBrk="1" latinLnBrk="0" hangingPunct="1">
+      <a:lvl9pPr marL="3657600" algn="l" defTabSz="457200" rtl="0" eaLnBrk="1" latinLnBrk="0" hangingPunct="1">
         <a:defRPr sz="1800" kern="1200">
           <a:solidFill>
             <a:schemeClr val="tx1"/>
@@ -3353,12 +5878,20 @@
             <p:ph type="ctrTitle"/>
           </p:nvPr>
         </p:nvSpPr>
-        <p:spPr/>
-        <p:txBody>
-          <a:bodyPr/>
-          <a:lstStyle/>
-          <a:p>
-            <a:endParaRPr lang="en-US"/>
+        <p:spPr>
+          <a:xfrm>
+            <a:off x="2497137" y="1487189"/>
+            <a:ext cx="7197726" cy="2421464"/>
+          </a:xfrm>
+        </p:spPr>
+        <p:txBody>
+          <a:bodyPr/>
+          <a:lstStyle/>
+          <a:p>
+            <a:r>
+              <a:rPr lang="en-US" dirty="0"/>
+              <a:t>NYC collisions vs the Weather</a:t>
+            </a:r>
           </a:p>
         </p:txBody>
       </p:sp>
@@ -3378,12 +5911,64 @@
             <p:ph type="subTitle" idx="1"/>
           </p:nvPr>
         </p:nvSpPr>
-        <p:spPr/>
-        <p:txBody>
-          <a:bodyPr/>
-          <a:lstStyle/>
-          <a:p>
-            <a:endParaRPr lang="en-US"/>
+        <p:spPr>
+          <a:xfrm>
+            <a:off x="2497137" y="3977859"/>
+            <a:ext cx="7197726" cy="1405467"/>
+          </a:xfrm>
+        </p:spPr>
+        <p:txBody>
+          <a:bodyPr>
+            <a:normAutofit fontScale="85000" lnSpcReduction="20000"/>
+          </a:bodyPr>
+          <a:lstStyle/>
+          <a:p>
+            <a:r>
+              <a:rPr lang="en-US" dirty="0">
+                <a:hlinkClick r:id="rId2" tooltip="GitHub"/>
+              </a:rPr>
+              <a:t>Ibrahim Abdulrahmon</a:t>
+            </a:r>
+            <a:endParaRPr lang="en-US" dirty="0"/>
+          </a:p>
+          <a:p>
+            <a:r>
+              <a:rPr lang="en-US" dirty="0">
+                <a:hlinkClick r:id="rId3" tooltip="Github"/>
+              </a:rPr>
+              <a:t>Chris Hart</a:t>
+            </a:r>
+            <a:endParaRPr lang="en-US" dirty="0"/>
+          </a:p>
+          <a:p>
+            <a:r>
+              <a:rPr lang="en-US" dirty="0">
+                <a:hlinkClick r:id="rId4" tooltip="GitHub"/>
+              </a:rPr>
+              <a:t>Ugochi Akaluso</a:t>
+            </a:r>
+            <a:endParaRPr lang="en-US" dirty="0"/>
+          </a:p>
+          <a:p>
+            <a:r>
+              <a:rPr lang="en-US" dirty="0">
+                <a:hlinkClick r:id="rId5" tooltip="GitHub"/>
+              </a:rPr>
+              <a:t>Hunter Cash</a:t>
+            </a:r>
+            <a:endParaRPr lang="en-US" dirty="0"/>
+          </a:p>
+          <a:p>
+            <a:endParaRPr lang="en-US" dirty="0"/>
+          </a:p>
+          <a:p>
+            <a:endParaRPr lang="en-US" dirty="0"/>
+          </a:p>
+          <a:p>
+            <a:endParaRPr lang="en-US" dirty="0"/>
+          </a:p>
+          <a:p>
+            <a:endParaRPr lang="en-US" dirty="0"/>
           </a:p>
         </p:txBody>
       </p:sp>
@@ -3400,10 +5985,697 @@
 </p:sld>
 </file>
 
+<file path=ppt/slides/slide2.xml><?xml version="1.0" encoding="utf-8"?>
+<p:sld xmlns:a="http://schemas.openxmlformats.org/drawingml/2006/main" xmlns:r="http://schemas.openxmlformats.org/officeDocument/2006/relationships" xmlns:p="http://schemas.openxmlformats.org/presentationml/2006/main">
+  <p:cSld>
+    <p:spTree>
+      <p:nvGrpSpPr>
+        <p:cNvPr id="1" name=""/>
+        <p:cNvGrpSpPr/>
+        <p:nvPr/>
+      </p:nvGrpSpPr>
+      <p:grpSpPr>
+        <a:xfrm>
+          <a:off x="0" y="0"/>
+          <a:ext cx="0" cy="0"/>
+          <a:chOff x="0" y="0"/>
+          <a:chExt cx="0" cy="0"/>
+        </a:xfrm>
+      </p:grpSpPr>
+      <p:sp>
+        <p:nvSpPr>
+          <p:cNvPr id="2" name="Title 1">
+            <a:extLst>
+              <a:ext uri="{FF2B5EF4-FFF2-40B4-BE49-F238E27FC236}">
+                <a16:creationId xmlns:a16="http://schemas.microsoft.com/office/drawing/2014/main" id="{D342906F-996B-4A66-BEB4-13C4A5D51C9A}"/>
+              </a:ext>
+            </a:extLst>
+          </p:cNvPr>
+          <p:cNvSpPr>
+            <a:spLocks noGrp="1"/>
+          </p:cNvSpPr>
+          <p:nvPr>
+            <p:ph type="title"/>
+          </p:nvPr>
+        </p:nvSpPr>
+        <p:spPr/>
+        <p:txBody>
+          <a:bodyPr/>
+          <a:lstStyle/>
+          <a:p>
+            <a:r>
+              <a:rPr lang="en-US" dirty="0"/>
+              <a:t>Motivation &amp; hypothesis </a:t>
+            </a:r>
+          </a:p>
+        </p:txBody>
+      </p:sp>
+      <p:sp>
+        <p:nvSpPr>
+          <p:cNvPr id="3" name="Content Placeholder 2">
+            <a:extLst>
+              <a:ext uri="{FF2B5EF4-FFF2-40B4-BE49-F238E27FC236}">
+                <a16:creationId xmlns:a16="http://schemas.microsoft.com/office/drawing/2014/main" id="{B2BD0169-7FD4-44CC-9DCF-20BEC492881F}"/>
+              </a:ext>
+            </a:extLst>
+          </p:cNvPr>
+          <p:cNvSpPr>
+            <a:spLocks noGrp="1"/>
+          </p:cNvSpPr>
+          <p:nvPr>
+            <p:ph idx="1"/>
+          </p:nvPr>
+        </p:nvSpPr>
+        <p:spPr/>
+        <p:txBody>
+          <a:bodyPr/>
+          <a:lstStyle/>
+          <a:p>
+            <a:r>
+              <a:rPr lang="en-US" dirty="0"/>
+              <a:t>There is no statistical significance between the weather and the amount of collisions, and collision related injuries, and deaths. </a:t>
+            </a:r>
+          </a:p>
+          <a:p>
+            <a:r>
+              <a:rPr lang="en-US" dirty="0"/>
+              <a:t>We were able to find a correlation between weather and accidents </a:t>
+            </a:r>
+          </a:p>
+          <a:p>
+            <a:endParaRPr lang="en-US" dirty="0"/>
+          </a:p>
+        </p:txBody>
+      </p:sp>
+    </p:spTree>
+    <p:extLst>
+      <p:ext uri="{BB962C8B-B14F-4D97-AF65-F5344CB8AC3E}">
+        <p14:creationId xmlns:p14="http://schemas.microsoft.com/office/powerpoint/2010/main" val="1153779451"/>
+      </p:ext>
+    </p:extLst>
+  </p:cSld>
+  <p:clrMapOvr>
+    <a:masterClrMapping/>
+  </p:clrMapOvr>
+</p:sld>
+</file>
+
+<file path=ppt/slides/slide3.xml><?xml version="1.0" encoding="utf-8"?>
+<p:sld xmlns:a="http://schemas.openxmlformats.org/drawingml/2006/main" xmlns:r="http://schemas.openxmlformats.org/officeDocument/2006/relationships" xmlns:p="http://schemas.openxmlformats.org/presentationml/2006/main">
+  <p:cSld>
+    <p:spTree>
+      <p:nvGrpSpPr>
+        <p:cNvPr id="1" name=""/>
+        <p:cNvGrpSpPr/>
+        <p:nvPr/>
+      </p:nvGrpSpPr>
+      <p:grpSpPr>
+        <a:xfrm>
+          <a:off x="0" y="0"/>
+          <a:ext cx="0" cy="0"/>
+          <a:chOff x="0" y="0"/>
+          <a:chExt cx="0" cy="0"/>
+        </a:xfrm>
+      </p:grpSpPr>
+      <p:sp>
+        <p:nvSpPr>
+          <p:cNvPr id="2" name="Title 1">
+            <a:extLst>
+              <a:ext uri="{FF2B5EF4-FFF2-40B4-BE49-F238E27FC236}">
+                <a16:creationId xmlns:a16="http://schemas.microsoft.com/office/drawing/2014/main" id="{3F944E5D-74C5-4D5B-82CF-2E7207B6111C}"/>
+              </a:ext>
+            </a:extLst>
+          </p:cNvPr>
+          <p:cNvSpPr>
+            <a:spLocks noGrp="1"/>
+          </p:cNvSpPr>
+          <p:nvPr>
+            <p:ph type="title"/>
+          </p:nvPr>
+        </p:nvSpPr>
+        <p:spPr/>
+        <p:txBody>
+          <a:bodyPr/>
+          <a:lstStyle/>
+          <a:p>
+            <a:r>
+              <a:rPr lang="en-US" dirty="0"/>
+              <a:t>Questions &amp; Data</a:t>
+            </a:r>
+          </a:p>
+        </p:txBody>
+      </p:sp>
+      <p:sp>
+        <p:nvSpPr>
+          <p:cNvPr id="3" name="Content Placeholder 2">
+            <a:extLst>
+              <a:ext uri="{FF2B5EF4-FFF2-40B4-BE49-F238E27FC236}">
+                <a16:creationId xmlns:a16="http://schemas.microsoft.com/office/drawing/2014/main" id="{30A1A713-E431-4A6E-A04B-6CC1A7747713}"/>
+              </a:ext>
+            </a:extLst>
+          </p:cNvPr>
+          <p:cNvSpPr>
+            <a:spLocks noGrp="1"/>
+          </p:cNvSpPr>
+          <p:nvPr>
+            <p:ph idx="1"/>
+          </p:nvPr>
+        </p:nvSpPr>
+        <p:spPr/>
+        <p:txBody>
+          <a:bodyPr/>
+          <a:lstStyle/>
+          <a:p>
+            <a:r>
+              <a:rPr lang="en-US" dirty="0"/>
+              <a:t>How did we answer the questions?</a:t>
+            </a:r>
+          </a:p>
+          <a:p>
+            <a:r>
+              <a:rPr lang="en-US" dirty="0"/>
+              <a:t>describing what kinds of data you needed to answer them</a:t>
+            </a:r>
+          </a:p>
+          <a:p>
+            <a:r>
+              <a:rPr lang="en-US" dirty="0"/>
+              <a:t>Where we found the data</a:t>
+            </a:r>
+          </a:p>
+        </p:txBody>
+      </p:sp>
+    </p:spTree>
+    <p:extLst>
+      <p:ext uri="{BB962C8B-B14F-4D97-AF65-F5344CB8AC3E}">
+        <p14:creationId xmlns:p14="http://schemas.microsoft.com/office/powerpoint/2010/main" val="1889206669"/>
+      </p:ext>
+    </p:extLst>
+  </p:cSld>
+  <p:clrMapOvr>
+    <a:masterClrMapping/>
+  </p:clrMapOvr>
+</p:sld>
+</file>
+
+<file path=ppt/slides/slide4.xml><?xml version="1.0" encoding="utf-8"?>
+<p:sld xmlns:a="http://schemas.openxmlformats.org/drawingml/2006/main" xmlns:r="http://schemas.openxmlformats.org/officeDocument/2006/relationships" xmlns:p="http://schemas.openxmlformats.org/presentationml/2006/main">
+  <p:cSld>
+    <p:spTree>
+      <p:nvGrpSpPr>
+        <p:cNvPr id="1" name=""/>
+        <p:cNvGrpSpPr/>
+        <p:nvPr/>
+      </p:nvGrpSpPr>
+      <p:grpSpPr>
+        <a:xfrm>
+          <a:off x="0" y="0"/>
+          <a:ext cx="0" cy="0"/>
+          <a:chOff x="0" y="0"/>
+          <a:chExt cx="0" cy="0"/>
+        </a:xfrm>
+      </p:grpSpPr>
+      <p:sp>
+        <p:nvSpPr>
+          <p:cNvPr id="2" name="Title 1">
+            <a:extLst>
+              <a:ext uri="{FF2B5EF4-FFF2-40B4-BE49-F238E27FC236}">
+                <a16:creationId xmlns:a16="http://schemas.microsoft.com/office/drawing/2014/main" id="{E4B974D2-5883-43A9-B4F6-67C710FAC5D3}"/>
+              </a:ext>
+            </a:extLst>
+          </p:cNvPr>
+          <p:cNvSpPr>
+            <a:spLocks noGrp="1"/>
+          </p:cNvSpPr>
+          <p:nvPr>
+            <p:ph type="title"/>
+          </p:nvPr>
+        </p:nvSpPr>
+        <p:spPr/>
+        <p:txBody>
+          <a:bodyPr/>
+          <a:lstStyle/>
+          <a:p>
+            <a:r>
+              <a:rPr lang="en-US" dirty="0"/>
+              <a:t>Data Cleanup &amp; exploration</a:t>
+            </a:r>
+          </a:p>
+        </p:txBody>
+      </p:sp>
+      <p:sp>
+        <p:nvSpPr>
+          <p:cNvPr id="3" name="Content Placeholder 2">
+            <a:extLst>
+              <a:ext uri="{FF2B5EF4-FFF2-40B4-BE49-F238E27FC236}">
+                <a16:creationId xmlns:a16="http://schemas.microsoft.com/office/drawing/2014/main" id="{C8E0085E-18F2-4752-BD2E-C6B0ACC328DF}"/>
+              </a:ext>
+            </a:extLst>
+          </p:cNvPr>
+          <p:cNvSpPr>
+            <a:spLocks noGrp="1"/>
+          </p:cNvSpPr>
+          <p:nvPr>
+            <p:ph idx="1"/>
+          </p:nvPr>
+        </p:nvSpPr>
+        <p:spPr/>
+        <p:txBody>
+          <a:bodyPr/>
+          <a:lstStyle/>
+          <a:p>
+            <a:r>
+              <a:rPr lang="en-US" dirty="0"/>
+              <a:t>Describe the exploration and cleanup process</a:t>
+            </a:r>
+          </a:p>
+          <a:p>
+            <a:r>
+              <a:rPr lang="en-US" dirty="0"/>
+              <a:t>Discuss insights you had while exploring the data that you didn't anticipate</a:t>
+            </a:r>
+          </a:p>
+          <a:p>
+            <a:r>
+              <a:rPr lang="en-US" dirty="0"/>
+              <a:t>Discuss any problems that arose after exploring the data, and how you resolved them</a:t>
+            </a:r>
+          </a:p>
+          <a:p>
+            <a:r>
+              <a:rPr lang="en-US" dirty="0"/>
+              <a:t>Present and discuss interesting figures developed during exploration, ideally with the help of </a:t>
+            </a:r>
+            <a:r>
+              <a:rPr lang="en-US" dirty="0" err="1"/>
+              <a:t>Jupyter</a:t>
+            </a:r>
+            <a:r>
+              <a:rPr lang="en-US" dirty="0"/>
+              <a:t> Notebook</a:t>
+            </a:r>
+          </a:p>
+        </p:txBody>
+      </p:sp>
+    </p:spTree>
+    <p:extLst>
+      <p:ext uri="{BB962C8B-B14F-4D97-AF65-F5344CB8AC3E}">
+        <p14:creationId xmlns:p14="http://schemas.microsoft.com/office/powerpoint/2010/main" val="464998534"/>
+      </p:ext>
+    </p:extLst>
+  </p:cSld>
+  <p:clrMapOvr>
+    <a:masterClrMapping/>
+  </p:clrMapOvr>
+</p:sld>
+</file>
+
+<file path=ppt/slides/slide5.xml><?xml version="1.0" encoding="utf-8"?>
+<p:sld xmlns:a="http://schemas.openxmlformats.org/drawingml/2006/main" xmlns:r="http://schemas.openxmlformats.org/officeDocument/2006/relationships" xmlns:p="http://schemas.openxmlformats.org/presentationml/2006/main">
+  <p:cSld>
+    <p:spTree>
+      <p:nvGrpSpPr>
+        <p:cNvPr id="1" name=""/>
+        <p:cNvGrpSpPr/>
+        <p:nvPr/>
+      </p:nvGrpSpPr>
+      <p:grpSpPr>
+        <a:xfrm>
+          <a:off x="0" y="0"/>
+          <a:ext cx="0" cy="0"/>
+          <a:chOff x="0" y="0"/>
+          <a:chExt cx="0" cy="0"/>
+        </a:xfrm>
+      </p:grpSpPr>
+      <p:sp>
+        <p:nvSpPr>
+          <p:cNvPr id="2" name="Title 1">
+            <a:extLst>
+              <a:ext uri="{FF2B5EF4-FFF2-40B4-BE49-F238E27FC236}">
+                <a16:creationId xmlns:a16="http://schemas.microsoft.com/office/drawing/2014/main" id="{D5DDA148-DFCE-4891-9EAA-B72040FAB27E}"/>
+              </a:ext>
+            </a:extLst>
+          </p:cNvPr>
+          <p:cNvSpPr>
+            <a:spLocks noGrp="1"/>
+          </p:cNvSpPr>
+          <p:nvPr>
+            <p:ph type="title"/>
+          </p:nvPr>
+        </p:nvSpPr>
+        <p:spPr/>
+        <p:txBody>
+          <a:bodyPr/>
+          <a:lstStyle/>
+          <a:p>
+            <a:r>
+              <a:rPr lang="en-US" dirty="0"/>
+              <a:t>Data Analysis</a:t>
+            </a:r>
+          </a:p>
+        </p:txBody>
+      </p:sp>
+      <p:sp>
+        <p:nvSpPr>
+          <p:cNvPr id="3" name="Content Placeholder 2">
+            <a:extLst>
+              <a:ext uri="{FF2B5EF4-FFF2-40B4-BE49-F238E27FC236}">
+                <a16:creationId xmlns:a16="http://schemas.microsoft.com/office/drawing/2014/main" id="{371A938B-966C-446B-9F69-1A264008208F}"/>
+              </a:ext>
+            </a:extLst>
+          </p:cNvPr>
+          <p:cNvSpPr>
+            <a:spLocks noGrp="1"/>
+          </p:cNvSpPr>
+          <p:nvPr>
+            <p:ph idx="1"/>
+          </p:nvPr>
+        </p:nvSpPr>
+        <p:spPr/>
+        <p:txBody>
+          <a:bodyPr/>
+          <a:lstStyle/>
+          <a:p>
+            <a:r>
+              <a:rPr lang="en-US" dirty="0"/>
+              <a:t>Discuss the steps you took to analyze the data and answer each question you asked in your proposal</a:t>
+            </a:r>
+          </a:p>
+          <a:p>
+            <a:r>
+              <a:rPr lang="en-US" dirty="0"/>
+              <a:t>Present and discuss interesting figures developed during analysis, ideally with the help of </a:t>
+            </a:r>
+            <a:r>
+              <a:rPr lang="en-US" dirty="0" err="1"/>
+              <a:t>Jupyter</a:t>
+            </a:r>
+            <a:r>
+              <a:rPr lang="en-US" dirty="0"/>
+              <a:t> Notebook</a:t>
+            </a:r>
+          </a:p>
+        </p:txBody>
+      </p:sp>
+    </p:spTree>
+    <p:extLst>
+      <p:ext uri="{BB962C8B-B14F-4D97-AF65-F5344CB8AC3E}">
+        <p14:creationId xmlns:p14="http://schemas.microsoft.com/office/powerpoint/2010/main" val="65714276"/>
+      </p:ext>
+    </p:extLst>
+  </p:cSld>
+  <p:clrMapOvr>
+    <a:masterClrMapping/>
+  </p:clrMapOvr>
+</p:sld>
+</file>
+
+<file path=ppt/slides/slide6.xml><?xml version="1.0" encoding="utf-8"?>
+<p:sld xmlns:a="http://schemas.openxmlformats.org/drawingml/2006/main" xmlns:r="http://schemas.openxmlformats.org/officeDocument/2006/relationships" xmlns:p="http://schemas.openxmlformats.org/presentationml/2006/main">
+  <p:cSld>
+    <p:spTree>
+      <p:nvGrpSpPr>
+        <p:cNvPr id="1" name=""/>
+        <p:cNvGrpSpPr/>
+        <p:nvPr/>
+      </p:nvGrpSpPr>
+      <p:grpSpPr>
+        <a:xfrm>
+          <a:off x="0" y="0"/>
+          <a:ext cx="0" cy="0"/>
+          <a:chOff x="0" y="0"/>
+          <a:chExt cx="0" cy="0"/>
+        </a:xfrm>
+      </p:grpSpPr>
+      <p:sp>
+        <p:nvSpPr>
+          <p:cNvPr id="2" name="Title 1">
+            <a:extLst>
+              <a:ext uri="{FF2B5EF4-FFF2-40B4-BE49-F238E27FC236}">
+                <a16:creationId xmlns:a16="http://schemas.microsoft.com/office/drawing/2014/main" id="{DAF04FBD-68E8-4194-BAD4-0E2591D576AA}"/>
+              </a:ext>
+            </a:extLst>
+          </p:cNvPr>
+          <p:cNvSpPr>
+            <a:spLocks noGrp="1"/>
+          </p:cNvSpPr>
+          <p:nvPr>
+            <p:ph type="title"/>
+          </p:nvPr>
+        </p:nvSpPr>
+        <p:spPr/>
+        <p:txBody>
+          <a:bodyPr/>
+          <a:lstStyle/>
+          <a:p>
+            <a:r>
+              <a:rPr lang="en-US" dirty="0"/>
+              <a:t>discussion</a:t>
+            </a:r>
+          </a:p>
+        </p:txBody>
+      </p:sp>
+      <p:sp>
+        <p:nvSpPr>
+          <p:cNvPr id="3" name="Content Placeholder 2">
+            <a:extLst>
+              <a:ext uri="{FF2B5EF4-FFF2-40B4-BE49-F238E27FC236}">
+                <a16:creationId xmlns:a16="http://schemas.microsoft.com/office/drawing/2014/main" id="{8C5F47FE-8208-4CFF-A7C5-DA4BA3139A5A}"/>
+              </a:ext>
+            </a:extLst>
+          </p:cNvPr>
+          <p:cNvSpPr>
+            <a:spLocks noGrp="1"/>
+          </p:cNvSpPr>
+          <p:nvPr>
+            <p:ph idx="1"/>
+          </p:nvPr>
+        </p:nvSpPr>
+        <p:spPr/>
+        <p:txBody>
+          <a:bodyPr/>
+          <a:lstStyle/>
+          <a:p>
+            <a:r>
+              <a:rPr lang="en-US" dirty="0"/>
+              <a:t> Discuss your findings.</a:t>
+            </a:r>
+          </a:p>
+          <a:p>
+            <a:r>
+              <a:rPr lang="en-US" dirty="0"/>
+              <a:t>Did you find what you expected to find?</a:t>
+            </a:r>
+          </a:p>
+          <a:p>
+            <a:r>
+              <a:rPr lang="en-US" dirty="0"/>
+              <a:t>If not, why not? </a:t>
+            </a:r>
+          </a:p>
+          <a:p>
+            <a:r>
+              <a:rPr lang="en-US" dirty="0"/>
+              <a:t>What inferences or general conclusions can you draw from your analysis?</a:t>
+            </a:r>
+          </a:p>
+        </p:txBody>
+      </p:sp>
+    </p:spTree>
+    <p:extLst>
+      <p:ext uri="{BB962C8B-B14F-4D97-AF65-F5344CB8AC3E}">
+        <p14:creationId xmlns:p14="http://schemas.microsoft.com/office/powerpoint/2010/main" val="965116165"/>
+      </p:ext>
+    </p:extLst>
+  </p:cSld>
+  <p:clrMapOvr>
+    <a:masterClrMapping/>
+  </p:clrMapOvr>
+</p:sld>
+</file>
+
+<file path=ppt/slides/slide7.xml><?xml version="1.0" encoding="utf-8"?>
+<p:sld xmlns:a="http://schemas.openxmlformats.org/drawingml/2006/main" xmlns:r="http://schemas.openxmlformats.org/officeDocument/2006/relationships" xmlns:p="http://schemas.openxmlformats.org/presentationml/2006/main">
+  <p:cSld>
+    <p:spTree>
+      <p:nvGrpSpPr>
+        <p:cNvPr id="1" name=""/>
+        <p:cNvGrpSpPr/>
+        <p:nvPr/>
+      </p:nvGrpSpPr>
+      <p:grpSpPr>
+        <a:xfrm>
+          <a:off x="0" y="0"/>
+          <a:ext cx="0" cy="0"/>
+          <a:chOff x="0" y="0"/>
+          <a:chExt cx="0" cy="0"/>
+        </a:xfrm>
+      </p:grpSpPr>
+      <p:sp>
+        <p:nvSpPr>
+          <p:cNvPr id="2" name="Title 1">
+            <a:extLst>
+              <a:ext uri="{FF2B5EF4-FFF2-40B4-BE49-F238E27FC236}">
+                <a16:creationId xmlns:a16="http://schemas.microsoft.com/office/drawing/2014/main" id="{1949735F-C251-4344-A617-E3F1D232E9E8}"/>
+              </a:ext>
+            </a:extLst>
+          </p:cNvPr>
+          <p:cNvSpPr>
+            <a:spLocks noGrp="1"/>
+          </p:cNvSpPr>
+          <p:nvPr>
+            <p:ph type="title"/>
+          </p:nvPr>
+        </p:nvSpPr>
+        <p:spPr/>
+        <p:txBody>
+          <a:bodyPr/>
+          <a:lstStyle/>
+          <a:p>
+            <a:r>
+              <a:rPr lang="en-US" dirty="0"/>
+              <a:t>Further exploration &amp; difficulties</a:t>
+            </a:r>
+          </a:p>
+        </p:txBody>
+      </p:sp>
+      <p:sp>
+        <p:nvSpPr>
+          <p:cNvPr id="3" name="Content Placeholder 2">
+            <a:extLst>
+              <a:ext uri="{FF2B5EF4-FFF2-40B4-BE49-F238E27FC236}">
+                <a16:creationId xmlns:a16="http://schemas.microsoft.com/office/drawing/2014/main" id="{860137B6-5479-46C4-9CE5-93126F1FFC02}"/>
+              </a:ext>
+            </a:extLst>
+          </p:cNvPr>
+          <p:cNvSpPr>
+            <a:spLocks noGrp="1"/>
+          </p:cNvSpPr>
+          <p:nvPr>
+            <p:ph idx="1"/>
+          </p:nvPr>
+        </p:nvSpPr>
+        <p:spPr/>
+        <p:txBody>
+          <a:bodyPr/>
+          <a:lstStyle/>
+          <a:p>
+            <a:r>
+              <a:rPr lang="en-US" dirty="0"/>
+              <a:t>Discuss any difficulties that arose, and how you dealt with them</a:t>
+            </a:r>
+          </a:p>
+          <a:p>
+            <a:r>
+              <a:rPr lang="en-US" dirty="0"/>
+              <a:t>Discuss any additional questions that came up, but which you didn't have time to answer: What would you research next, if you had two more weeks?</a:t>
+            </a:r>
+          </a:p>
+        </p:txBody>
+      </p:sp>
+    </p:spTree>
+    <p:extLst>
+      <p:ext uri="{BB962C8B-B14F-4D97-AF65-F5344CB8AC3E}">
+        <p14:creationId xmlns:p14="http://schemas.microsoft.com/office/powerpoint/2010/main" val="968980772"/>
+      </p:ext>
+    </p:extLst>
+  </p:cSld>
+  <p:clrMapOvr>
+    <a:masterClrMapping/>
+  </p:clrMapOvr>
+</p:sld>
+</file>
+
+<file path=ppt/slides/slide8.xml><?xml version="1.0" encoding="utf-8"?>
+<p:sld xmlns:a="http://schemas.openxmlformats.org/drawingml/2006/main" xmlns:r="http://schemas.openxmlformats.org/officeDocument/2006/relationships" xmlns:p="http://schemas.openxmlformats.org/presentationml/2006/main">
+  <p:cSld>
+    <p:spTree>
+      <p:nvGrpSpPr>
+        <p:cNvPr id="1" name=""/>
+        <p:cNvGrpSpPr/>
+        <p:nvPr/>
+      </p:nvGrpSpPr>
+      <p:grpSpPr>
+        <a:xfrm>
+          <a:off x="0" y="0"/>
+          <a:ext cx="0" cy="0"/>
+          <a:chOff x="0" y="0"/>
+          <a:chExt cx="0" cy="0"/>
+        </a:xfrm>
+      </p:grpSpPr>
+      <p:sp>
+        <p:nvSpPr>
+          <p:cNvPr id="2" name="Title 1">
+            <a:extLst>
+              <a:ext uri="{FF2B5EF4-FFF2-40B4-BE49-F238E27FC236}">
+                <a16:creationId xmlns:a16="http://schemas.microsoft.com/office/drawing/2014/main" id="{E92A2105-2D73-4E24-B721-D796B790C1AC}"/>
+              </a:ext>
+            </a:extLst>
+          </p:cNvPr>
+          <p:cNvSpPr>
+            <a:spLocks noGrp="1"/>
+          </p:cNvSpPr>
+          <p:nvPr>
+            <p:ph type="title"/>
+          </p:nvPr>
+        </p:nvSpPr>
+        <p:spPr/>
+        <p:txBody>
+          <a:bodyPr/>
+          <a:lstStyle/>
+          <a:p>
+            <a:r>
+              <a:rPr lang="en-US" dirty="0"/>
+              <a:t>questions</a:t>
+            </a:r>
+          </a:p>
+        </p:txBody>
+      </p:sp>
+      <p:sp>
+        <p:nvSpPr>
+          <p:cNvPr id="3" name="Content Placeholder 2">
+            <a:extLst>
+              <a:ext uri="{FF2B5EF4-FFF2-40B4-BE49-F238E27FC236}">
+                <a16:creationId xmlns:a16="http://schemas.microsoft.com/office/drawing/2014/main" id="{C89E16CA-E7C2-43BA-B746-A817BEFC115B}"/>
+              </a:ext>
+            </a:extLst>
+          </p:cNvPr>
+          <p:cNvSpPr>
+            <a:spLocks noGrp="1"/>
+          </p:cNvSpPr>
+          <p:nvPr>
+            <p:ph idx="1"/>
+          </p:nvPr>
+        </p:nvSpPr>
+        <p:spPr/>
+        <p:txBody>
+          <a:bodyPr/>
+          <a:lstStyle/>
+          <a:p>
+            <a:r>
+              <a:rPr lang="en-US" dirty="0"/>
+              <a:t>Discuss any additional questions that came up, but which you didn't have time to answer: What would you research next, if you had two more weeks?</a:t>
+            </a:r>
+          </a:p>
+        </p:txBody>
+      </p:sp>
+    </p:spTree>
+    <p:extLst>
+      <p:ext uri="{BB962C8B-B14F-4D97-AF65-F5344CB8AC3E}">
+        <p14:creationId xmlns:p14="http://schemas.microsoft.com/office/powerpoint/2010/main" val="3798023118"/>
+      </p:ext>
+    </p:extLst>
+  </p:cSld>
+  <p:clrMapOvr>
+    <a:masterClrMapping/>
+  </p:clrMapOvr>
+</p:sld>
+</file>
+
 <file path=ppt/theme/theme1.xml><?xml version="1.0" encoding="utf-8"?>
-<a:theme xmlns:a="http://schemas.openxmlformats.org/drawingml/2006/main" name="Office Theme">
+<a:theme xmlns:a="http://schemas.openxmlformats.org/drawingml/2006/main" name="Celestial">
   <a:themeElements>
-    <a:clrScheme name="Office">
+    <a:clrScheme name="Celestial">
       <a:dk1>
         <a:sysClr val="windowText" lastClr="000000"/>
       </a:dk1>
@@ -3411,44 +6683,44 @@
         <a:sysClr val="window" lastClr="FFFFFF"/>
       </a:lt1>
       <a:dk2>
-        <a:srgbClr val="44546A"/>
+        <a:srgbClr val="18276C"/>
       </a:dk2>
       <a:lt2>
-        <a:srgbClr val="E7E6E6"/>
+        <a:srgbClr val="EBEBEB"/>
       </a:lt2>
       <a:accent1>
-        <a:srgbClr val="4472C4"/>
+        <a:srgbClr val="AC3EC1"/>
       </a:accent1>
       <a:accent2>
-        <a:srgbClr val="ED7D31"/>
+        <a:srgbClr val="477BD1"/>
       </a:accent2>
       <a:accent3>
-        <a:srgbClr val="A5A5A5"/>
+        <a:srgbClr val="46B298"/>
       </a:accent3>
       <a:accent4>
-        <a:srgbClr val="FFC000"/>
+        <a:srgbClr val="90BA4C"/>
       </a:accent4>
       <a:accent5>
-        <a:srgbClr val="5B9BD5"/>
+        <a:srgbClr val="DD9D31"/>
       </a:accent5>
       <a:accent6>
-        <a:srgbClr val="70AD47"/>
+        <a:srgbClr val="E25247"/>
       </a:accent6>
       <a:hlink>
-        <a:srgbClr val="0563C1"/>
+        <a:srgbClr val="C573D2"/>
       </a:hlink>
       <a:folHlink>
-        <a:srgbClr val="954F72"/>
+        <a:srgbClr val="CCAEE8"/>
       </a:folHlink>
     </a:clrScheme>
-    <a:fontScheme name="Office">
+    <a:fontScheme name="Celestial">
       <a:majorFont>
         <a:latin typeface="Calibri Light" panose="020F0302020204030204"/>
         <a:ea typeface=""/>
         <a:cs typeface=""/>
-        <a:font script="Jpan" typeface="游ゴシック Light"/>
+        <a:font script="Jpan" typeface="ＭＳ Ｐゴシック"/>
         <a:font script="Hang" typeface="맑은 고딕"/>
-        <a:font script="Hans" typeface="等线 Light"/>
+        <a:font script="Hans" typeface="宋体"/>
         <a:font script="Hant" typeface="新細明體"/>
         <a:font script="Arab" typeface="Times New Roman"/>
         <a:font script="Hebr" typeface="Times New Roman"/>
@@ -3476,31 +6748,14 @@
         <a:font script="Viet" typeface="Times New Roman"/>
         <a:font script="Uigh" typeface="Microsoft Uighur"/>
         <a:font script="Geor" typeface="Sylfaen"/>
-        <a:font script="Armn" typeface="Arial"/>
-        <a:font script="Bugi" typeface="Leelawadee UI"/>
-        <a:font script="Bopo" typeface="Microsoft JhengHei"/>
-        <a:font script="Java" typeface="Javanese Text"/>
-        <a:font script="Lisu" typeface="Segoe UI"/>
-        <a:font script="Mymr" typeface="Myanmar Text"/>
-        <a:font script="Nkoo" typeface="Ebrima"/>
-        <a:font script="Olck" typeface="Nirmala UI"/>
-        <a:font script="Osma" typeface="Ebrima"/>
-        <a:font script="Phag" typeface="Phagspa"/>
-        <a:font script="Syrn" typeface="Estrangelo Edessa"/>
-        <a:font script="Syrj" typeface="Estrangelo Edessa"/>
-        <a:font script="Syre" typeface="Estrangelo Edessa"/>
-        <a:font script="Sora" typeface="Nirmala UI"/>
-        <a:font script="Tale" typeface="Microsoft Tai Le"/>
-        <a:font script="Talu" typeface="Microsoft New Tai Lue"/>
-        <a:font script="Tfng" typeface="Ebrima"/>
       </a:majorFont>
       <a:minorFont>
         <a:latin typeface="Calibri" panose="020F0502020204030204"/>
         <a:ea typeface=""/>
         <a:cs typeface=""/>
-        <a:font script="Jpan" typeface="游ゴシック"/>
+        <a:font script="Jpan" typeface="ＭＳ Ｐゴシック"/>
         <a:font script="Hang" typeface="맑은 고딕"/>
-        <a:font script="Hans" typeface="等线"/>
+        <a:font script="Hans" typeface="宋体"/>
         <a:font script="Hant" typeface="新細明體"/>
         <a:font script="Arab" typeface="Arial"/>
         <a:font script="Hebr" typeface="Arial"/>
@@ -3528,26 +6783,9 @@
         <a:font script="Viet" typeface="Arial"/>
         <a:font script="Uigh" typeface="Microsoft Uighur"/>
         <a:font script="Geor" typeface="Sylfaen"/>
-        <a:font script="Armn" typeface="Arial"/>
-        <a:font script="Bugi" typeface="Leelawadee UI"/>
-        <a:font script="Bopo" typeface="Microsoft JhengHei"/>
-        <a:font script="Java" typeface="Javanese Text"/>
-        <a:font script="Lisu" typeface="Segoe UI"/>
-        <a:font script="Mymr" typeface="Myanmar Text"/>
-        <a:font script="Nkoo" typeface="Ebrima"/>
-        <a:font script="Olck" typeface="Nirmala UI"/>
-        <a:font script="Osma" typeface="Ebrima"/>
-        <a:font script="Phag" typeface="Phagspa"/>
-        <a:font script="Syrn" typeface="Estrangelo Edessa"/>
-        <a:font script="Syrj" typeface="Estrangelo Edessa"/>
-        <a:font script="Syre" typeface="Estrangelo Edessa"/>
-        <a:font script="Sora" typeface="Nirmala UI"/>
-        <a:font script="Tale" typeface="Microsoft Tai Le"/>
-        <a:font script="Talu" typeface="Microsoft New Tai Lue"/>
-        <a:font script="Tfng" typeface="Ebrima"/>
       </a:minorFont>
     </a:fontScheme>
-    <a:fmtScheme name="Office">
+    <a:fmtScheme name="Celestial">
       <a:fillStyleLst>
         <a:solidFill>
           <a:schemeClr val="phClr"/>
@@ -3556,23 +6794,14 @@
           <a:gsLst>
             <a:gs pos="0">
               <a:schemeClr val="phClr">
+                <a:tint val="70000"/>
                 <a:lumMod val="110000"/>
-                <a:satMod val="105000"/>
-                <a:tint val="67000"/>
-              </a:schemeClr>
-            </a:gs>
-            <a:gs pos="50000">
-              <a:schemeClr val="phClr">
-                <a:lumMod val="105000"/>
-                <a:satMod val="103000"/>
-                <a:tint val="73000"/>
               </a:schemeClr>
             </a:gs>
             <a:gs pos="100000">
               <a:schemeClr val="phClr">
-                <a:lumMod val="105000"/>
-                <a:satMod val="109000"/>
-                <a:tint val="81000"/>
+                <a:tint val="82000"/>
+                <a:alpha val="74000"/>
               </a:schemeClr>
             </a:gs>
           </a:gsLst>
@@ -3582,50 +6811,38 @@
           <a:gsLst>
             <a:gs pos="0">
               <a:schemeClr val="phClr">
-                <a:satMod val="103000"/>
-                <a:lumMod val="102000"/>
-                <a:tint val="94000"/>
-              </a:schemeClr>
-            </a:gs>
-            <a:gs pos="50000">
-              <a:schemeClr val="phClr">
-                <a:satMod val="110000"/>
+                <a:tint val="98000"/>
                 <a:lumMod val="100000"/>
-                <a:shade val="100000"/>
               </a:schemeClr>
             </a:gs>
             <a:gs pos="100000">
               <a:schemeClr val="phClr">
-                <a:lumMod val="99000"/>
-                <a:satMod val="120000"/>
-                <a:shade val="78000"/>
+                <a:shade val="88000"/>
+                <a:lumMod val="88000"/>
               </a:schemeClr>
             </a:gs>
           </a:gsLst>
-          <a:lin ang="5400000" scaled="0"/>
+          <a:lin ang="5400000" scaled="1"/>
         </a:gradFill>
       </a:fillStyleLst>
       <a:lnStyleLst>
-        <a:ln w="6350" cap="flat" cmpd="sng" algn="ctr">
+        <a:ln w="9525" cap="rnd" cmpd="sng" algn="ctr">
           <a:solidFill>
             <a:schemeClr val="phClr"/>
           </a:solidFill>
           <a:prstDash val="solid"/>
-          <a:miter lim="800000"/>
         </a:ln>
-        <a:ln w="12700" cap="flat" cmpd="sng" algn="ctr">
+        <a:ln w="19050" cap="rnd" cmpd="sng" algn="ctr">
           <a:solidFill>
             <a:schemeClr val="phClr"/>
           </a:solidFill>
           <a:prstDash val="solid"/>
-          <a:miter lim="800000"/>
         </a:ln>
-        <a:ln w="19050" cap="flat" cmpd="sng" algn="ctr">
+        <a:ln w="25400" cap="rnd" cmpd="sng" algn="ctr">
           <a:solidFill>
             <a:schemeClr val="phClr"/>
           </a:solidFill>
           <a:prstDash val="solid"/>
-          <a:miter lim="800000"/>
         </a:ln>
       </a:lnStyleLst>
       <a:effectStyleLst>
@@ -3633,55 +6850,64 @@
           <a:effectLst/>
         </a:effectStyle>
         <a:effectStyle>
-          <a:effectLst/>
+          <a:effectLst>
+            <a:outerShdw blurRad="50800" dist="38100" dir="5400000" rotWithShape="0">
+              <a:srgbClr val="000000">
+                <a:alpha val="35000"/>
+              </a:srgbClr>
+            </a:outerShdw>
+          </a:effectLst>
         </a:effectStyle>
         <a:effectStyle>
           <a:effectLst>
-            <a:outerShdw blurRad="57150" dist="19050" dir="5400000" algn="ctr" rotWithShape="0">
+            <a:outerShdw blurRad="63500" dist="38100" dir="5400000" rotWithShape="0">
               <a:srgbClr val="000000">
-                <a:alpha val="63000"/>
+                <a:alpha val="65000"/>
               </a:srgbClr>
             </a:outerShdw>
           </a:effectLst>
+          <a:scene3d>
+            <a:camera prst="orthographicFront">
+              <a:rot lat="0" lon="0" rev="0"/>
+            </a:camera>
+            <a:lightRig rig="threePt" dir="tl">
+              <a:rot lat="0" lon="0" rev="1200000"/>
+            </a:lightRig>
+          </a:scene3d>
+          <a:sp3d>
+            <a:bevelT w="38100" h="12700"/>
+          </a:sp3d>
         </a:effectStyle>
       </a:effectStyleLst>
       <a:bgFillStyleLst>
         <a:solidFill>
           <a:schemeClr val="phClr"/>
         </a:solidFill>
-        <a:solidFill>
-          <a:schemeClr val="phClr">
-            <a:tint val="95000"/>
-            <a:satMod val="170000"/>
-          </a:schemeClr>
-        </a:solidFill>
         <a:gradFill rotWithShape="1">
           <a:gsLst>
             <a:gs pos="0">
               <a:schemeClr val="phClr">
-                <a:tint val="93000"/>
-                <a:satMod val="150000"/>
-                <a:shade val="98000"/>
-                <a:lumMod val="102000"/>
-              </a:schemeClr>
-            </a:gs>
-            <a:gs pos="50000">
-              <a:schemeClr val="phClr">
-                <a:tint val="98000"/>
-                <a:satMod val="130000"/>
-                <a:shade val="90000"/>
-                <a:lumMod val="103000"/>
+                <a:tint val="90000"/>
+                <a:shade val="96000"/>
+                <a:hueMod val="100000"/>
+                <a:satMod val="180000"/>
+                <a:lumMod val="110000"/>
               </a:schemeClr>
             </a:gs>
             <a:gs pos="100000">
               <a:schemeClr val="phClr">
-                <a:shade val="63000"/>
-                <a:satMod val="120000"/>
+                <a:shade val="96000"/>
+                <a:satMod val="160000"/>
+                <a:lumMod val="100000"/>
               </a:schemeClr>
             </a:gs>
           </a:gsLst>
-          <a:lin ang="5400000" scaled="0"/>
+          <a:lin ang="4740000" scaled="1"/>
         </a:gradFill>
+        <a:blipFill>
+          <a:blip xmlns:r="http://schemas.openxmlformats.org/officeDocument/2006/relationships" r:embed="rId1"/>
+          <a:stretch/>
+        </a:blipFill>
       </a:bgFillStyleLst>
     </a:fmtScheme>
   </a:themeElements>
@@ -3689,7 +6915,7 @@
   <a:extraClrSchemeLst/>
   <a:extLst>
     <a:ext uri="{05A4C25C-085E-4340-85A3-A5531E510DB2}">
-      <thm15:themeFamily xmlns:thm15="http://schemas.microsoft.com/office/thememl/2012/main" name="Office Theme" id="{62F939B6-93AF-4DB8-9C6B-D6C7DFDC589F}" vid="{4A3C46E8-61CC-4603-A589-7422A47A8E4A}"/>
+      <thm15:themeFamily xmlns:thm15="http://schemas.microsoft.com/office/thememl/2012/main" name="Celestial" id="{C4BB2A3D-0E93-4C5F-B0D2-9D3FCE089CC5}" vid="{42E5908D-19A2-46FD-89FA-638B126129EF}"/>
     </a:ext>
   </a:extLst>
 </a:theme>

--- a/reports/Presentation1.pptx
+++ b/reports/Presentation1.pptx
@@ -4,15 +4,32 @@
   <p:sldMasterIdLst>
     <p:sldMasterId id="2147483660" r:id="rId1"/>
   </p:sldMasterIdLst>
+  <p:notesMasterIdLst>
+    <p:notesMasterId r:id="rId24"/>
+  </p:notesMasterIdLst>
   <p:sldIdLst>
     <p:sldId id="256" r:id="rId2"/>
     <p:sldId id="257" r:id="rId3"/>
-    <p:sldId id="258" r:id="rId4"/>
-    <p:sldId id="259" r:id="rId5"/>
-    <p:sldId id="260" r:id="rId6"/>
-    <p:sldId id="261" r:id="rId7"/>
-    <p:sldId id="262" r:id="rId8"/>
-    <p:sldId id="263" r:id="rId9"/>
+    <p:sldId id="287" r:id="rId4"/>
+    <p:sldId id="258" r:id="rId5"/>
+    <p:sldId id="273" r:id="rId6"/>
+    <p:sldId id="274" r:id="rId7"/>
+    <p:sldId id="272" r:id="rId8"/>
+    <p:sldId id="284" r:id="rId9"/>
+    <p:sldId id="260" r:id="rId10"/>
+    <p:sldId id="275" r:id="rId11"/>
+    <p:sldId id="268" r:id="rId12"/>
+    <p:sldId id="282" r:id="rId13"/>
+    <p:sldId id="276" r:id="rId14"/>
+    <p:sldId id="283" r:id="rId15"/>
+    <p:sldId id="279" r:id="rId16"/>
+    <p:sldId id="264" r:id="rId17"/>
+    <p:sldId id="289" r:id="rId18"/>
+    <p:sldId id="267" r:id="rId19"/>
+    <p:sldId id="261" r:id="rId20"/>
+    <p:sldId id="285" r:id="rId21"/>
+    <p:sldId id="286" r:id="rId22"/>
+    <p:sldId id="263" r:id="rId23"/>
   </p:sldIdLst>
   <p:sldSz cx="12192000" cy="6858000"/>
   <p:notesSz cx="6858000" cy="9144000"/>
@@ -118,11 +135,25 @@
           <p14:sldIdLst>
             <p14:sldId id="256"/>
             <p14:sldId id="257"/>
+            <p14:sldId id="287"/>
             <p14:sldId id="258"/>
-            <p14:sldId id="259"/>
+            <p14:sldId id="273"/>
+            <p14:sldId id="274"/>
+            <p14:sldId id="272"/>
+            <p14:sldId id="284"/>
             <p14:sldId id="260"/>
+            <p14:sldId id="275"/>
+            <p14:sldId id="268"/>
+            <p14:sldId id="282"/>
+            <p14:sldId id="276"/>
+            <p14:sldId id="283"/>
+            <p14:sldId id="279"/>
+            <p14:sldId id="264"/>
+            <p14:sldId id="289"/>
+            <p14:sldId id="267"/>
             <p14:sldId id="261"/>
-            <p14:sldId id="262"/>
+            <p14:sldId id="285"/>
+            <p14:sldId id="286"/>
             <p14:sldId id="263"/>
           </p14:sldIdLst>
         </p14:section>
@@ -144,6 +175,440 @@
     </p:ext>
   </p:extLst>
 </p:presentation>
+</file>
+
+<file path=ppt/notesMasters/notesMaster1.xml><?xml version="1.0" encoding="utf-8"?>
+<p:notesMaster xmlns:a="http://schemas.openxmlformats.org/drawingml/2006/main" xmlns:r="http://schemas.openxmlformats.org/officeDocument/2006/relationships" xmlns:p="http://schemas.openxmlformats.org/presentationml/2006/main">
+  <p:cSld>
+    <p:bg>
+      <p:bgRef idx="1001">
+        <a:schemeClr val="bg1"/>
+      </p:bgRef>
+    </p:bg>
+    <p:spTree>
+      <p:nvGrpSpPr>
+        <p:cNvPr id="1" name=""/>
+        <p:cNvGrpSpPr/>
+        <p:nvPr/>
+      </p:nvGrpSpPr>
+      <p:grpSpPr>
+        <a:xfrm>
+          <a:off x="0" y="0"/>
+          <a:ext cx="0" cy="0"/>
+          <a:chOff x="0" y="0"/>
+          <a:chExt cx="0" cy="0"/>
+        </a:xfrm>
+      </p:grpSpPr>
+      <p:sp>
+        <p:nvSpPr>
+          <p:cNvPr id="2" name="Header Placeholder 1"/>
+          <p:cNvSpPr>
+            <a:spLocks noGrp="1"/>
+          </p:cNvSpPr>
+          <p:nvPr>
+            <p:ph type="hdr" sz="quarter"/>
+          </p:nvPr>
+        </p:nvSpPr>
+        <p:spPr>
+          <a:xfrm>
+            <a:off x="0" y="0"/>
+            <a:ext cx="2971800" cy="458788"/>
+          </a:xfrm>
+          <a:prstGeom prst="rect">
+            <a:avLst/>
+          </a:prstGeom>
+        </p:spPr>
+        <p:txBody>
+          <a:bodyPr vert="horz" lIns="91440" tIns="45720" rIns="91440" bIns="45720" rtlCol="0"/>
+          <a:lstStyle>
+            <a:lvl1pPr algn="l">
+              <a:defRPr sz="1200"/>
+            </a:lvl1pPr>
+          </a:lstStyle>
+          <a:p>
+            <a:endParaRPr lang="en-US"/>
+          </a:p>
+        </p:txBody>
+      </p:sp>
+      <p:sp>
+        <p:nvSpPr>
+          <p:cNvPr id="3" name="Date Placeholder 2"/>
+          <p:cNvSpPr>
+            <a:spLocks noGrp="1"/>
+          </p:cNvSpPr>
+          <p:nvPr>
+            <p:ph type="dt" idx="1"/>
+          </p:nvPr>
+        </p:nvSpPr>
+        <p:spPr>
+          <a:xfrm>
+            <a:off x="3884613" y="0"/>
+            <a:ext cx="2971800" cy="458788"/>
+          </a:xfrm>
+          <a:prstGeom prst="rect">
+            <a:avLst/>
+          </a:prstGeom>
+        </p:spPr>
+        <p:txBody>
+          <a:bodyPr vert="horz" lIns="91440" tIns="45720" rIns="91440" bIns="45720" rtlCol="0"/>
+          <a:lstStyle>
+            <a:lvl1pPr algn="r">
+              <a:defRPr sz="1200"/>
+            </a:lvl1pPr>
+          </a:lstStyle>
+          <a:p>
+            <a:fld id="{D12F0E26-5067-F642-94A3-740695EB8FF5}" type="datetimeFigureOut">
+              <a:rPr lang="en-US" smtClean="0"/>
+              <a:t>3/29/19</a:t>
+            </a:fld>
+            <a:endParaRPr lang="en-US"/>
+          </a:p>
+        </p:txBody>
+      </p:sp>
+      <p:sp>
+        <p:nvSpPr>
+          <p:cNvPr id="4" name="Slide Image Placeholder 3"/>
+          <p:cNvSpPr>
+            <a:spLocks noGrp="1" noRot="1" noChangeAspect="1"/>
+          </p:cNvSpPr>
+          <p:nvPr>
+            <p:ph type="sldImg" idx="2"/>
+          </p:nvPr>
+        </p:nvSpPr>
+        <p:spPr>
+          <a:xfrm>
+            <a:off x="685800" y="1143000"/>
+            <a:ext cx="5486400" cy="3086100"/>
+          </a:xfrm>
+          <a:prstGeom prst="rect">
+            <a:avLst/>
+          </a:prstGeom>
+          <a:noFill/>
+          <a:ln w="12700">
+            <a:solidFill>
+              <a:prstClr val="black"/>
+            </a:solidFill>
+          </a:ln>
+        </p:spPr>
+        <p:txBody>
+          <a:bodyPr vert="horz" lIns="91440" tIns="45720" rIns="91440" bIns="45720" rtlCol="0" anchor="ctr"/>
+          <a:lstStyle/>
+          <a:p>
+            <a:endParaRPr lang="en-US"/>
+          </a:p>
+        </p:txBody>
+      </p:sp>
+      <p:sp>
+        <p:nvSpPr>
+          <p:cNvPr id="5" name="Notes Placeholder 4"/>
+          <p:cNvSpPr>
+            <a:spLocks noGrp="1"/>
+          </p:cNvSpPr>
+          <p:nvPr>
+            <p:ph type="body" sz="quarter" idx="3"/>
+          </p:nvPr>
+        </p:nvSpPr>
+        <p:spPr>
+          <a:xfrm>
+            <a:off x="685800" y="4400550"/>
+            <a:ext cx="5486400" cy="3600450"/>
+          </a:xfrm>
+          <a:prstGeom prst="rect">
+            <a:avLst/>
+          </a:prstGeom>
+        </p:spPr>
+        <p:txBody>
+          <a:bodyPr vert="horz" lIns="91440" tIns="45720" rIns="91440" bIns="45720" rtlCol="0"/>
+          <a:lstStyle/>
+          <a:p>
+            <a:pPr lvl="0"/>
+            <a:r>
+              <a:rPr lang="en-US" smtClean="0"/>
+              <a:t>Click to edit Master text styles</a:t>
+            </a:r>
+          </a:p>
+          <a:p>
+            <a:pPr lvl="1"/>
+            <a:r>
+              <a:rPr lang="en-US" smtClean="0"/>
+              <a:t>Second level</a:t>
+            </a:r>
+          </a:p>
+          <a:p>
+            <a:pPr lvl="2"/>
+            <a:r>
+              <a:rPr lang="en-US" smtClean="0"/>
+              <a:t>Third level</a:t>
+            </a:r>
+          </a:p>
+          <a:p>
+            <a:pPr lvl="3"/>
+            <a:r>
+              <a:rPr lang="en-US" smtClean="0"/>
+              <a:t>Fourth level</a:t>
+            </a:r>
+          </a:p>
+          <a:p>
+            <a:pPr lvl="4"/>
+            <a:r>
+              <a:rPr lang="en-US" smtClean="0"/>
+              <a:t>Fifth level</a:t>
+            </a:r>
+            <a:endParaRPr lang="en-US"/>
+          </a:p>
+        </p:txBody>
+      </p:sp>
+      <p:sp>
+        <p:nvSpPr>
+          <p:cNvPr id="6" name="Footer Placeholder 5"/>
+          <p:cNvSpPr>
+            <a:spLocks noGrp="1"/>
+          </p:cNvSpPr>
+          <p:nvPr>
+            <p:ph type="ftr" sz="quarter" idx="4"/>
+          </p:nvPr>
+        </p:nvSpPr>
+        <p:spPr>
+          <a:xfrm>
+            <a:off x="0" y="8685213"/>
+            <a:ext cx="2971800" cy="458787"/>
+          </a:xfrm>
+          <a:prstGeom prst="rect">
+            <a:avLst/>
+          </a:prstGeom>
+        </p:spPr>
+        <p:txBody>
+          <a:bodyPr vert="horz" lIns="91440" tIns="45720" rIns="91440" bIns="45720" rtlCol="0" anchor="b"/>
+          <a:lstStyle>
+            <a:lvl1pPr algn="l">
+              <a:defRPr sz="1200"/>
+            </a:lvl1pPr>
+          </a:lstStyle>
+          <a:p>
+            <a:endParaRPr lang="en-US"/>
+          </a:p>
+        </p:txBody>
+      </p:sp>
+      <p:sp>
+        <p:nvSpPr>
+          <p:cNvPr id="7" name="Slide Number Placeholder 6"/>
+          <p:cNvSpPr>
+            <a:spLocks noGrp="1"/>
+          </p:cNvSpPr>
+          <p:nvPr>
+            <p:ph type="sldNum" sz="quarter" idx="5"/>
+          </p:nvPr>
+        </p:nvSpPr>
+        <p:spPr>
+          <a:xfrm>
+            <a:off x="3884613" y="8685213"/>
+            <a:ext cx="2971800" cy="458787"/>
+          </a:xfrm>
+          <a:prstGeom prst="rect">
+            <a:avLst/>
+          </a:prstGeom>
+        </p:spPr>
+        <p:txBody>
+          <a:bodyPr vert="horz" lIns="91440" tIns="45720" rIns="91440" bIns="45720" rtlCol="0" anchor="b"/>
+          <a:lstStyle>
+            <a:lvl1pPr algn="r">
+              <a:defRPr sz="1200"/>
+            </a:lvl1pPr>
+          </a:lstStyle>
+          <a:p>
+            <a:fld id="{393312CB-3BCA-9047-8DE9-79636BB0534A}" type="slidenum">
+              <a:rPr lang="en-US" smtClean="0"/>
+              <a:t>‹#›</a:t>
+            </a:fld>
+            <a:endParaRPr lang="en-US"/>
+          </a:p>
+        </p:txBody>
+      </p:sp>
+    </p:spTree>
+    <p:extLst>
+      <p:ext uri="{BB962C8B-B14F-4D97-AF65-F5344CB8AC3E}">
+        <p14:creationId xmlns:p14="http://schemas.microsoft.com/office/powerpoint/2010/main" val="636883376"/>
+      </p:ext>
+    </p:extLst>
+  </p:cSld>
+  <p:clrMap bg1="lt1" tx1="dk1" bg2="lt2" tx2="dk2" accent1="accent1" accent2="accent2" accent3="accent3" accent4="accent4" accent5="accent5" accent6="accent6" hlink="hlink" folHlink="folHlink"/>
+  <p:notesStyle>
+    <a:lvl1pPr marL="0" algn="l" defTabSz="914400" rtl="0" eaLnBrk="1" latinLnBrk="0" hangingPunct="1">
+      <a:defRPr sz="1200" kern="1200">
+        <a:solidFill>
+          <a:schemeClr val="tx1"/>
+        </a:solidFill>
+        <a:latin typeface="+mn-lt"/>
+        <a:ea typeface="+mn-ea"/>
+        <a:cs typeface="+mn-cs"/>
+      </a:defRPr>
+    </a:lvl1pPr>
+    <a:lvl2pPr marL="457200" algn="l" defTabSz="914400" rtl="0" eaLnBrk="1" latinLnBrk="0" hangingPunct="1">
+      <a:defRPr sz="1200" kern="1200">
+        <a:solidFill>
+          <a:schemeClr val="tx1"/>
+        </a:solidFill>
+        <a:latin typeface="+mn-lt"/>
+        <a:ea typeface="+mn-ea"/>
+        <a:cs typeface="+mn-cs"/>
+      </a:defRPr>
+    </a:lvl2pPr>
+    <a:lvl3pPr marL="914400" algn="l" defTabSz="914400" rtl="0" eaLnBrk="1" latinLnBrk="0" hangingPunct="1">
+      <a:defRPr sz="1200" kern="1200">
+        <a:solidFill>
+          <a:schemeClr val="tx1"/>
+        </a:solidFill>
+        <a:latin typeface="+mn-lt"/>
+        <a:ea typeface="+mn-ea"/>
+        <a:cs typeface="+mn-cs"/>
+      </a:defRPr>
+    </a:lvl3pPr>
+    <a:lvl4pPr marL="1371600" algn="l" defTabSz="914400" rtl="0" eaLnBrk="1" latinLnBrk="0" hangingPunct="1">
+      <a:defRPr sz="1200" kern="1200">
+        <a:solidFill>
+          <a:schemeClr val="tx1"/>
+        </a:solidFill>
+        <a:latin typeface="+mn-lt"/>
+        <a:ea typeface="+mn-ea"/>
+        <a:cs typeface="+mn-cs"/>
+      </a:defRPr>
+    </a:lvl4pPr>
+    <a:lvl5pPr marL="1828800" algn="l" defTabSz="914400" rtl="0" eaLnBrk="1" latinLnBrk="0" hangingPunct="1">
+      <a:defRPr sz="1200" kern="1200">
+        <a:solidFill>
+          <a:schemeClr val="tx1"/>
+        </a:solidFill>
+        <a:latin typeface="+mn-lt"/>
+        <a:ea typeface="+mn-ea"/>
+        <a:cs typeface="+mn-cs"/>
+      </a:defRPr>
+    </a:lvl5pPr>
+    <a:lvl6pPr marL="2286000" algn="l" defTabSz="914400" rtl="0" eaLnBrk="1" latinLnBrk="0" hangingPunct="1">
+      <a:defRPr sz="1200" kern="1200">
+        <a:solidFill>
+          <a:schemeClr val="tx1"/>
+        </a:solidFill>
+        <a:latin typeface="+mn-lt"/>
+        <a:ea typeface="+mn-ea"/>
+        <a:cs typeface="+mn-cs"/>
+      </a:defRPr>
+    </a:lvl6pPr>
+    <a:lvl7pPr marL="2743200" algn="l" defTabSz="914400" rtl="0" eaLnBrk="1" latinLnBrk="0" hangingPunct="1">
+      <a:defRPr sz="1200" kern="1200">
+        <a:solidFill>
+          <a:schemeClr val="tx1"/>
+        </a:solidFill>
+        <a:latin typeface="+mn-lt"/>
+        <a:ea typeface="+mn-ea"/>
+        <a:cs typeface="+mn-cs"/>
+      </a:defRPr>
+    </a:lvl7pPr>
+    <a:lvl8pPr marL="3200400" algn="l" defTabSz="914400" rtl="0" eaLnBrk="1" latinLnBrk="0" hangingPunct="1">
+      <a:defRPr sz="1200" kern="1200">
+        <a:solidFill>
+          <a:schemeClr val="tx1"/>
+        </a:solidFill>
+        <a:latin typeface="+mn-lt"/>
+        <a:ea typeface="+mn-ea"/>
+        <a:cs typeface="+mn-cs"/>
+      </a:defRPr>
+    </a:lvl8pPr>
+    <a:lvl9pPr marL="3657600" algn="l" defTabSz="914400" rtl="0" eaLnBrk="1" latinLnBrk="0" hangingPunct="1">
+      <a:defRPr sz="1200" kern="1200">
+        <a:solidFill>
+          <a:schemeClr val="tx1"/>
+        </a:solidFill>
+        <a:latin typeface="+mn-lt"/>
+        <a:ea typeface="+mn-ea"/>
+        <a:cs typeface="+mn-cs"/>
+      </a:defRPr>
+    </a:lvl9pPr>
+  </p:notesStyle>
+</p:notesMaster>
+</file>
+
+<file path=ppt/notesSlides/notesSlide1.xml><?xml version="1.0" encoding="utf-8"?>
+<p:notes xmlns:a="http://schemas.openxmlformats.org/drawingml/2006/main" xmlns:r="http://schemas.openxmlformats.org/officeDocument/2006/relationships" xmlns:p="http://schemas.openxmlformats.org/presentationml/2006/main">
+  <p:cSld>
+    <p:spTree>
+      <p:nvGrpSpPr>
+        <p:cNvPr id="1" name=""/>
+        <p:cNvGrpSpPr/>
+        <p:nvPr/>
+      </p:nvGrpSpPr>
+      <p:grpSpPr>
+        <a:xfrm>
+          <a:off x="0" y="0"/>
+          <a:ext cx="0" cy="0"/>
+          <a:chOff x="0" y="0"/>
+          <a:chExt cx="0" cy="0"/>
+        </a:xfrm>
+      </p:grpSpPr>
+      <p:sp>
+        <p:nvSpPr>
+          <p:cNvPr id="2" name="Slide Image Placeholder 1"/>
+          <p:cNvSpPr>
+            <a:spLocks noGrp="1" noRot="1" noChangeAspect="1"/>
+          </p:cNvSpPr>
+          <p:nvPr>
+            <p:ph type="sldImg"/>
+          </p:nvPr>
+        </p:nvSpPr>
+        <p:spPr/>
+      </p:sp>
+      <p:sp>
+        <p:nvSpPr>
+          <p:cNvPr id="3" name="Notes Placeholder 2"/>
+          <p:cNvSpPr>
+            <a:spLocks noGrp="1"/>
+          </p:cNvSpPr>
+          <p:nvPr>
+            <p:ph type="body" idx="1"/>
+          </p:nvPr>
+        </p:nvSpPr>
+        <p:spPr/>
+        <p:txBody>
+          <a:bodyPr/>
+          <a:lstStyle/>
+          <a:p>
+            <a:endParaRPr lang="en-US" dirty="0"/>
+          </a:p>
+        </p:txBody>
+      </p:sp>
+      <p:sp>
+        <p:nvSpPr>
+          <p:cNvPr id="4" name="Slide Number Placeholder 3"/>
+          <p:cNvSpPr>
+            <a:spLocks noGrp="1"/>
+          </p:cNvSpPr>
+          <p:nvPr>
+            <p:ph type="sldNum" sz="quarter" idx="10"/>
+          </p:nvPr>
+        </p:nvSpPr>
+        <p:spPr/>
+        <p:txBody>
+          <a:bodyPr/>
+          <a:lstStyle/>
+          <a:p>
+            <a:fld id="{393312CB-3BCA-9047-8DE9-79636BB0534A}" type="slidenum">
+              <a:rPr lang="en-US" smtClean="0"/>
+              <a:t>3</a:t>
+            </a:fld>
+            <a:endParaRPr lang="en-US"/>
+          </a:p>
+        </p:txBody>
+      </p:sp>
+    </p:spTree>
+    <p:extLst>
+      <p:ext uri="{BB962C8B-B14F-4D97-AF65-F5344CB8AC3E}">
+        <p14:creationId xmlns:p14="http://schemas.microsoft.com/office/powerpoint/2010/main" val="1970687472"/>
+      </p:ext>
+    </p:extLst>
+  </p:cSld>
+  <p:clrMapOvr>
+    <a:masterClrMapping/>
+  </p:clrMapOvr>
+</p:notes>
 </file>
 
 <file path=ppt/slideLayouts/slideLayout1.xml><?xml version="1.0" encoding="utf-8"?>
@@ -375,7 +840,7 @@
           <a:p>
             <a:fld id="{65391DDC-B041-0642-912B-52C778FA5BB0}" type="datetimeFigureOut">
               <a:rPr lang="en-US" smtClean="0"/>
-              <a:t>3/29/2019</a:t>
+              <a:t>3/29/19</a:t>
             </a:fld>
             <a:endParaRPr lang="en-US"/>
           </a:p>
@@ -709,7 +1174,7 @@
           <a:p>
             <a:fld id="{65391DDC-B041-0642-912B-52C778FA5BB0}" type="datetimeFigureOut">
               <a:rPr lang="en-US" smtClean="0"/>
-              <a:t>3/29/2019</a:t>
+              <a:t>3/29/19</a:t>
             </a:fld>
             <a:endParaRPr lang="en-US"/>
           </a:p>
@@ -987,7 +1452,7 @@
           <a:p>
             <a:fld id="{65391DDC-B041-0642-912B-52C778FA5BB0}" type="datetimeFigureOut">
               <a:rPr lang="en-US" smtClean="0"/>
-              <a:t>3/29/2019</a:t>
+              <a:t>3/29/19</a:t>
             </a:fld>
             <a:endParaRPr lang="en-US"/>
           </a:p>
@@ -1555,7 +2020,7 @@
           <a:p>
             <a:fld id="{65391DDC-B041-0642-912B-52C778FA5BB0}" type="datetimeFigureOut">
               <a:rPr lang="en-US" smtClean="0"/>
-              <a:t>3/29/2019</a:t>
+              <a:t>3/29/19</a:t>
             </a:fld>
             <a:endParaRPr lang="en-US"/>
           </a:p>
@@ -1833,7 +2298,7 @@
           <a:p>
             <a:fld id="{65391DDC-B041-0642-912B-52C778FA5BB0}" type="datetimeFigureOut">
               <a:rPr lang="en-US" smtClean="0"/>
-              <a:t>3/29/2019</a:t>
+              <a:t>3/29/19</a:t>
             </a:fld>
             <a:endParaRPr lang="en-US"/>
           </a:p>
@@ -2395,7 +2860,7 @@
           <a:p>
             <a:fld id="{65391DDC-B041-0642-912B-52C778FA5BB0}" type="datetimeFigureOut">
               <a:rPr lang="en-US" smtClean="0"/>
-              <a:t>3/29/2019</a:t>
+              <a:t>3/29/19</a:t>
             </a:fld>
             <a:endParaRPr lang="en-US"/>
           </a:p>
@@ -2722,7 +3187,7 @@
           <a:p>
             <a:fld id="{65391DDC-B041-0642-912B-52C778FA5BB0}" type="datetimeFigureOut">
               <a:rPr lang="en-US" smtClean="0"/>
-              <a:t>3/29/2019</a:t>
+              <a:t>3/29/19</a:t>
             </a:fld>
             <a:endParaRPr lang="en-US"/>
           </a:p>
@@ -2899,7 +3364,7 @@
           <a:p>
             <a:fld id="{65391DDC-B041-0642-912B-52C778FA5BB0}" type="datetimeFigureOut">
               <a:rPr lang="en-US" smtClean="0"/>
-              <a:t>3/29/2019</a:t>
+              <a:t>3/29/19</a:t>
             </a:fld>
             <a:endParaRPr lang="en-US"/>
           </a:p>
@@ -3137,7 +3602,7 @@
           <a:p>
             <a:fld id="{65391DDC-B041-0642-912B-52C778FA5BB0}" type="datetimeFigureOut">
               <a:rPr lang="en-US" smtClean="0"/>
-              <a:t>3/29/2019</a:t>
+              <a:t>3/29/19</a:t>
             </a:fld>
             <a:endParaRPr lang="en-US"/>
           </a:p>
@@ -3337,7 +3802,7 @@
           <a:p>
             <a:fld id="{65391DDC-B041-0642-912B-52C778FA5BB0}" type="datetimeFigureOut">
               <a:rPr lang="en-US" smtClean="0"/>
-              <a:t>3/29/2019</a:t>
+              <a:t>3/29/19</a:t>
             </a:fld>
             <a:endParaRPr lang="en-US"/>
           </a:p>
@@ -3613,7 +4078,7 @@
           <a:p>
             <a:fld id="{65391DDC-B041-0642-912B-52C778FA5BB0}" type="datetimeFigureOut">
               <a:rPr lang="en-US" smtClean="0"/>
-              <a:t>3/29/2019</a:t>
+              <a:t>3/29/19</a:t>
             </a:fld>
             <a:endParaRPr lang="en-US"/>
           </a:p>
@@ -3879,7 +4344,7 @@
           <a:p>
             <a:fld id="{65391DDC-B041-0642-912B-52C778FA5BB0}" type="datetimeFigureOut">
               <a:rPr lang="en-US" smtClean="0"/>
-              <a:t>3/29/2019</a:t>
+              <a:t>3/29/19</a:t>
             </a:fld>
             <a:endParaRPr lang="en-US"/>
           </a:p>
@@ -4253,7 +4718,7 @@
           <a:p>
             <a:fld id="{65391DDC-B041-0642-912B-52C778FA5BB0}" type="datetimeFigureOut">
               <a:rPr lang="en-US" smtClean="0"/>
-              <a:t>3/29/2019</a:t>
+              <a:t>3/29/19</a:t>
             </a:fld>
             <a:endParaRPr lang="en-US"/>
           </a:p>
@@ -4401,7 +4866,7 @@
           <a:p>
             <a:fld id="{65391DDC-B041-0642-912B-52C778FA5BB0}" type="datetimeFigureOut">
               <a:rPr lang="en-US" smtClean="0"/>
-              <a:t>3/29/2019</a:t>
+              <a:t>3/29/19</a:t>
             </a:fld>
             <a:endParaRPr lang="en-US"/>
           </a:p>
@@ -4526,7 +4991,7 @@
           <a:p>
             <a:fld id="{65391DDC-B041-0642-912B-52C778FA5BB0}" type="datetimeFigureOut">
               <a:rPr lang="en-US" smtClean="0"/>
-              <a:t>3/29/2019</a:t>
+              <a:t>3/29/19</a:t>
             </a:fld>
             <a:endParaRPr lang="en-US"/>
           </a:p>
@@ -4811,7 +5276,7 @@
           <a:p>
             <a:fld id="{65391DDC-B041-0642-912B-52C778FA5BB0}" type="datetimeFigureOut">
               <a:rPr lang="en-US" smtClean="0"/>
-              <a:t>3/29/2019</a:t>
+              <a:t>3/29/19</a:t>
             </a:fld>
             <a:endParaRPr lang="en-US"/>
           </a:p>
@@ -5135,7 +5600,7 @@
           <a:p>
             <a:fld id="{65391DDC-B041-0642-912B-52C778FA5BB0}" type="datetimeFigureOut">
               <a:rPr lang="en-US" smtClean="0"/>
-              <a:t>3/29/2019</a:t>
+              <a:t>3/29/19</a:t>
             </a:fld>
             <a:endParaRPr lang="en-US"/>
           </a:p>
@@ -5349,7 +5814,7 @@
           <a:p>
             <a:fld id="{65391DDC-B041-0642-912B-52C778FA5BB0}" type="datetimeFigureOut">
               <a:rPr lang="en-US" smtClean="0"/>
-              <a:t>3/29/2019</a:t>
+              <a:t>3/29/19</a:t>
             </a:fld>
             <a:endParaRPr lang="en-US"/>
           </a:p>
@@ -5430,6 +5895,54 @@
               <a:t>‹#›</a:t>
             </a:fld>
             <a:endParaRPr lang="en-US"/>
+          </a:p>
+        </p:txBody>
+      </p:sp>
+      <p:sp>
+        <p:nvSpPr>
+          <p:cNvPr id="7" name="MSIPCMContentMarking" descr="{&quot;HashCode&quot;:1831732991,&quot;Placement&quot;:&quot;Footer&quot;}">
+            <a:extLst>
+              <a:ext uri="{FF2B5EF4-FFF2-40B4-BE49-F238E27FC236}">
+                <a16:creationId xmlns:a16="http://schemas.microsoft.com/office/drawing/2014/main" xmlns="" id="{14452350-0B14-4700-8C7F-6552A2CACA03}"/>
+              </a:ext>
+            </a:extLst>
+          </p:cNvPr>
+          <p:cNvSpPr txBox="1"/>
+          <p:nvPr userDrawn="1"/>
+        </p:nvSpPr>
+        <p:spPr>
+          <a:xfrm>
+            <a:off x="5389152" y="6595656"/>
+            <a:ext cx="1413695" cy="262344"/>
+          </a:xfrm>
+          <a:prstGeom prst="rect">
+            <a:avLst/>
+          </a:prstGeom>
+          <a:noFill/>
+        </p:spPr>
+        <p:txBody>
+          <a:bodyPr vert="horz" wrap="square" lIns="0" tIns="0" rIns="0" bIns="0" rtlCol="0" anchor="ctr" anchorCtr="1">
+            <a:spAutoFit/>
+          </a:bodyPr>
+          <a:lstStyle/>
+          <a:p>
+            <a:pPr algn="ctr">
+              <a:spcBef>
+                <a:spcPts val="0"/>
+              </a:spcBef>
+              <a:spcAft>
+                <a:spcPts val="0"/>
+              </a:spcAft>
+            </a:pPr>
+            <a:r>
+              <a:rPr lang="en-US" sz="1000">
+                <a:solidFill>
+                  <a:srgbClr val="000000"/>
+                </a:solidFill>
+                <a:latin typeface="Calibri" panose="020F0502020204030204" pitchFamily="34" charset="0"/>
+              </a:rPr>
+              <a:t>Schlumberger-Private</a:t>
+            </a:r>
           </a:p>
         </p:txBody>
       </p:sp>
@@ -5867,7 +6380,7 @@
           <p:cNvPr id="2" name="Title 1">
             <a:extLst>
               <a:ext uri="{FF2B5EF4-FFF2-40B4-BE49-F238E27FC236}">
-                <a16:creationId xmlns:a16="http://schemas.microsoft.com/office/drawing/2014/main" id="{099CA25A-E5BA-A54C-A788-9C6A8959DC58}"/>
+                <a16:creationId xmlns:a16="http://schemas.microsoft.com/office/drawing/2014/main" xmlns="" id="{099CA25A-E5BA-A54C-A788-9C6A8959DC58}"/>
               </a:ext>
             </a:extLst>
           </p:cNvPr>
@@ -5900,7 +6413,7 @@
           <p:cNvPr id="3" name="Subtitle 2">
             <a:extLst>
               <a:ext uri="{FF2B5EF4-FFF2-40B4-BE49-F238E27FC236}">
-                <a16:creationId xmlns:a16="http://schemas.microsoft.com/office/drawing/2014/main" id="{55DB8E11-A9B5-A447-996D-062EAB71E2F0}"/>
+                <a16:creationId xmlns:a16="http://schemas.microsoft.com/office/drawing/2014/main" xmlns="" id="{55DB8E11-A9B5-A447-996D-062EAB71E2F0}"/>
               </a:ext>
             </a:extLst>
           </p:cNvPr>
@@ -5913,7 +6426,7 @@
         </p:nvSpPr>
         <p:spPr>
           <a:xfrm>
-            <a:off x="2497137" y="3977859"/>
+            <a:off x="2497137" y="4247490"/>
             <a:ext cx="7197726" cy="1405467"/>
           </a:xfrm>
         </p:spPr>
@@ -5976,6 +6489,2395 @@
     <p:extLst>
       <p:ext uri="{BB962C8B-B14F-4D97-AF65-F5344CB8AC3E}">
         <p14:creationId xmlns:p14="http://schemas.microsoft.com/office/powerpoint/2010/main" val="4160607529"/>
+      </p:ext>
+    </p:extLst>
+  </p:cSld>
+  <p:clrMapOvr>
+    <a:masterClrMapping/>
+  </p:clrMapOvr>
+</p:sld>
+</file>
+
+<file path=ppt/slides/slide10.xml><?xml version="1.0" encoding="utf-8"?>
+<p:sld xmlns:a="http://schemas.openxmlformats.org/drawingml/2006/main" xmlns:r="http://schemas.openxmlformats.org/officeDocument/2006/relationships" xmlns:p="http://schemas.openxmlformats.org/presentationml/2006/main">
+  <p:cSld>
+    <p:spTree>
+      <p:nvGrpSpPr>
+        <p:cNvPr id="1" name=""/>
+        <p:cNvGrpSpPr/>
+        <p:nvPr/>
+      </p:nvGrpSpPr>
+      <p:grpSpPr>
+        <a:xfrm>
+          <a:off x="0" y="0"/>
+          <a:ext cx="0" cy="0"/>
+          <a:chOff x="0" y="0"/>
+          <a:chExt cx="0" cy="0"/>
+        </a:xfrm>
+      </p:grpSpPr>
+      <p:sp>
+        <p:nvSpPr>
+          <p:cNvPr id="2" name="Title 1">
+            <a:extLst>
+              <a:ext uri="{FF2B5EF4-FFF2-40B4-BE49-F238E27FC236}">
+                <a16:creationId xmlns:a16="http://schemas.microsoft.com/office/drawing/2014/main" xmlns="" id="{6110E4C8-860A-40AA-95EF-F9A2C1DD71F9}"/>
+              </a:ext>
+            </a:extLst>
+          </p:cNvPr>
+          <p:cNvSpPr>
+            <a:spLocks noGrp="1"/>
+          </p:cNvSpPr>
+          <p:nvPr>
+            <p:ph type="title"/>
+          </p:nvPr>
+        </p:nvSpPr>
+        <p:spPr>
+          <a:xfrm>
+            <a:off x="685801" y="609601"/>
+            <a:ext cx="10131425" cy="1266334"/>
+          </a:xfrm>
+        </p:spPr>
+        <p:txBody>
+          <a:bodyPr>
+            <a:normAutofit/>
+          </a:bodyPr>
+          <a:lstStyle/>
+          <a:p>
+            <a:r>
+              <a:rPr lang="en-US" sz="2400" b="1" dirty="0"/>
+              <a:t>Highest injuries by weather type</a:t>
+            </a:r>
+            <a:r>
+              <a:rPr lang="en-US" dirty="0"/>
+              <a:t/>
+            </a:r>
+            <a:br>
+              <a:rPr lang="en-US" dirty="0"/>
+            </a:br>
+            <a:endParaRPr lang="en-US" dirty="0"/>
+          </a:p>
+        </p:txBody>
+      </p:sp>
+      <p:pic>
+        <p:nvPicPr>
+          <p:cNvPr id="3" name="Content Placeholder 2"/>
+          <p:cNvPicPr>
+            <a:picLocks noGrp="1" noChangeAspect="1"/>
+          </p:cNvPicPr>
+          <p:nvPr>
+            <p:ph idx="1"/>
+          </p:nvPr>
+        </p:nvPicPr>
+        <p:blipFill>
+          <a:blip r:embed="rId2">
+            <a:extLst>
+              <a:ext uri="{28A0092B-C50C-407E-A947-70E740481C1C}">
+                <a14:useLocalDpi xmlns:a14="http://schemas.microsoft.com/office/drawing/2010/main" val="0"/>
+              </a:ext>
+            </a:extLst>
+          </a:blip>
+          <a:stretch>
+            <a:fillRect/>
+          </a:stretch>
+        </p:blipFill>
+        <p:spPr>
+          <a:xfrm>
+            <a:off x="1633837" y="1656627"/>
+            <a:ext cx="8723301" cy="4328537"/>
+          </a:xfrm>
+        </p:spPr>
+      </p:pic>
+    </p:spTree>
+    <p:extLst>
+      <p:ext uri="{BB962C8B-B14F-4D97-AF65-F5344CB8AC3E}">
+        <p14:creationId xmlns:p14="http://schemas.microsoft.com/office/powerpoint/2010/main" val="2527205018"/>
+      </p:ext>
+    </p:extLst>
+  </p:cSld>
+  <p:clrMapOvr>
+    <a:masterClrMapping/>
+  </p:clrMapOvr>
+</p:sld>
+</file>
+
+<file path=ppt/slides/slide11.xml><?xml version="1.0" encoding="utf-8"?>
+<p:sld xmlns:a="http://schemas.openxmlformats.org/drawingml/2006/main" xmlns:r="http://schemas.openxmlformats.org/officeDocument/2006/relationships" xmlns:p="http://schemas.openxmlformats.org/presentationml/2006/main">
+  <p:cSld>
+    <p:spTree>
+      <p:nvGrpSpPr>
+        <p:cNvPr id="1" name=""/>
+        <p:cNvGrpSpPr/>
+        <p:nvPr/>
+      </p:nvGrpSpPr>
+      <p:grpSpPr>
+        <a:xfrm>
+          <a:off x="0" y="0"/>
+          <a:ext cx="0" cy="0"/>
+          <a:chOff x="0" y="0"/>
+          <a:chExt cx="0" cy="0"/>
+        </a:xfrm>
+      </p:grpSpPr>
+      <p:sp>
+        <p:nvSpPr>
+          <p:cNvPr id="2" name="Title 1">
+            <a:extLst>
+              <a:ext uri="{FF2B5EF4-FFF2-40B4-BE49-F238E27FC236}">
+                <a16:creationId xmlns:a16="http://schemas.microsoft.com/office/drawing/2014/main" xmlns="" id="{BF90F1CA-9661-4FB5-8CA1-1996FE646CDC}"/>
+              </a:ext>
+            </a:extLst>
+          </p:cNvPr>
+          <p:cNvSpPr>
+            <a:spLocks noGrp="1"/>
+          </p:cNvSpPr>
+          <p:nvPr>
+            <p:ph type="title"/>
+          </p:nvPr>
+        </p:nvSpPr>
+        <p:spPr>
+          <a:xfrm>
+            <a:off x="685801" y="609600"/>
+            <a:ext cx="10131425" cy="766713"/>
+          </a:xfrm>
+        </p:spPr>
+        <p:txBody>
+          <a:bodyPr>
+            <a:noAutofit/>
+          </a:bodyPr>
+          <a:lstStyle/>
+          <a:p>
+            <a:r>
+              <a:rPr lang="en-US" sz="2400" dirty="0"/>
+              <a:t>Does the </a:t>
+            </a:r>
+            <a:r>
+              <a:rPr lang="en-US" sz="2400" b="1" dirty="0"/>
+              <a:t>cloudiness</a:t>
+            </a:r>
+            <a:r>
+              <a:rPr lang="en-US" sz="2400" dirty="0"/>
+              <a:t> have a significant effect on the number of Collisions or Injuries?</a:t>
+            </a:r>
+          </a:p>
+        </p:txBody>
+      </p:sp>
+      <p:graphicFrame>
+        <p:nvGraphicFramePr>
+          <p:cNvPr id="8" name="Table 7">
+            <a:extLst>
+              <a:ext uri="{FF2B5EF4-FFF2-40B4-BE49-F238E27FC236}">
+                <a16:creationId xmlns:a16="http://schemas.microsoft.com/office/drawing/2014/main" xmlns="" id="{B8A5C032-3C69-4843-A0C3-DD5DECE64026}"/>
+              </a:ext>
+            </a:extLst>
+          </p:cNvPr>
+          <p:cNvGraphicFramePr>
+            <a:graphicFrameLocks noGrp="1"/>
+          </p:cNvGraphicFramePr>
+          <p:nvPr>
+            <p:extLst>
+              <p:ext uri="{D42A27DB-BD31-4B8C-83A1-F6EECF244321}">
+                <p14:modId xmlns:p14="http://schemas.microsoft.com/office/powerpoint/2010/main" val="974131948"/>
+              </p:ext>
+            </p:extLst>
+          </p:nvPr>
+        </p:nvGraphicFramePr>
+        <p:xfrm>
+          <a:off x="763571" y="5497480"/>
+          <a:ext cx="10118480" cy="741680"/>
+        </p:xfrm>
+        <a:graphic>
+          <a:graphicData uri="http://schemas.openxmlformats.org/drawingml/2006/table">
+            <a:tbl>
+              <a:tblPr firstRow="1" bandRow="1">
+                <a:tableStyleId>{5C22544A-7EE6-4342-B048-85BDC9FD1C3A}</a:tableStyleId>
+              </a:tblPr>
+              <a:tblGrid>
+                <a:gridCol w="2529620">
+                  <a:extLst>
+                    <a:ext uri="{9D8B030D-6E8A-4147-A177-3AD203B41FA5}">
+                      <a16:colId xmlns:a16="http://schemas.microsoft.com/office/drawing/2014/main" xmlns="" val="2670550747"/>
+                    </a:ext>
+                  </a:extLst>
+                </a:gridCol>
+                <a:gridCol w="2529620">
+                  <a:extLst>
+                    <a:ext uri="{9D8B030D-6E8A-4147-A177-3AD203B41FA5}">
+                      <a16:colId xmlns:a16="http://schemas.microsoft.com/office/drawing/2014/main" xmlns="" val="1946152109"/>
+                    </a:ext>
+                  </a:extLst>
+                </a:gridCol>
+                <a:gridCol w="2529620">
+                  <a:extLst>
+                    <a:ext uri="{9D8B030D-6E8A-4147-A177-3AD203B41FA5}">
+                      <a16:colId xmlns:a16="http://schemas.microsoft.com/office/drawing/2014/main" xmlns="" val="1126911897"/>
+                    </a:ext>
+                  </a:extLst>
+                </a:gridCol>
+                <a:gridCol w="2529620">
+                  <a:extLst>
+                    <a:ext uri="{9D8B030D-6E8A-4147-A177-3AD203B41FA5}">
+                      <a16:colId xmlns:a16="http://schemas.microsoft.com/office/drawing/2014/main" xmlns="" val="4138073322"/>
+                    </a:ext>
+                  </a:extLst>
+                </a:gridCol>
+              </a:tblGrid>
+              <a:tr h="370840">
+                <a:tc>
+                  <a:txBody>
+                    <a:bodyPr/>
+                    <a:lstStyle/>
+                    <a:p>
+                      <a:r>
+                        <a:rPr lang="en-US" sz="1400" dirty="0"/>
+                        <a:t>WEATHER FACTOR</a:t>
+                      </a:r>
+                    </a:p>
+                  </a:txBody>
+                  <a:tcPr/>
+                </a:tc>
+                <a:tc>
+                  <a:txBody>
+                    <a:bodyPr/>
+                    <a:lstStyle/>
+                    <a:p>
+                      <a:r>
+                        <a:rPr lang="en-US" sz="1400" dirty="0"/>
+                        <a:t>R-SQURED</a:t>
+                      </a:r>
+                    </a:p>
+                  </a:txBody>
+                  <a:tcPr/>
+                </a:tc>
+                <a:tc>
+                  <a:txBody>
+                    <a:bodyPr/>
+                    <a:lstStyle/>
+                    <a:p>
+                      <a:r>
+                        <a:rPr lang="en-US" sz="1400" dirty="0"/>
+                        <a:t>P-VALUE</a:t>
+                      </a:r>
+                    </a:p>
+                  </a:txBody>
+                  <a:tcPr/>
+                </a:tc>
+                <a:tc>
+                  <a:txBody>
+                    <a:bodyPr/>
+                    <a:lstStyle/>
+                    <a:p>
+                      <a:r>
+                        <a:rPr lang="en-US" sz="1400" dirty="0"/>
+                        <a:t>STANDARD ERROR</a:t>
+                      </a:r>
+                    </a:p>
+                  </a:txBody>
+                  <a:tcPr/>
+                </a:tc>
+                <a:extLst>
+                  <a:ext uri="{0D108BD9-81ED-4DB2-BD59-A6C34878D82A}">
+                    <a16:rowId xmlns:a16="http://schemas.microsoft.com/office/drawing/2014/main" xmlns="" val="791889607"/>
+                  </a:ext>
+                </a:extLst>
+              </a:tr>
+              <a:tr h="370840">
+                <a:tc>
+                  <a:txBody>
+                    <a:bodyPr/>
+                    <a:lstStyle/>
+                    <a:p>
+                      <a:r>
+                        <a:rPr lang="en-US" sz="1400" dirty="0"/>
+                        <a:t>Cloud Cover</a:t>
+                      </a:r>
+                    </a:p>
+                  </a:txBody>
+                  <a:tcPr/>
+                </a:tc>
+                <a:tc>
+                  <a:txBody>
+                    <a:bodyPr/>
+                    <a:lstStyle/>
+                    <a:p>
+                      <a:r>
+                        <a:rPr lang="en-US" sz="1400" dirty="0"/>
+                        <a:t>0.027</a:t>
+                      </a:r>
+                    </a:p>
+                  </a:txBody>
+                  <a:tcPr/>
+                </a:tc>
+                <a:tc>
+                  <a:txBody>
+                    <a:bodyPr/>
+                    <a:lstStyle/>
+                    <a:p>
+                      <a:r>
+                        <a:rPr lang="en-US" sz="1400" dirty="0"/>
+                        <a:t>0.01</a:t>
+                      </a:r>
+                    </a:p>
+                  </a:txBody>
+                  <a:tcPr/>
+                </a:tc>
+                <a:tc>
+                  <a:txBody>
+                    <a:bodyPr/>
+                    <a:lstStyle/>
+                    <a:p>
+                      <a:r>
+                        <a:rPr lang="en-US" sz="1400" dirty="0"/>
+                        <a:t>73.47</a:t>
+                      </a:r>
+                    </a:p>
+                  </a:txBody>
+                  <a:tcPr/>
+                </a:tc>
+                <a:extLst>
+                  <a:ext uri="{0D108BD9-81ED-4DB2-BD59-A6C34878D82A}">
+                    <a16:rowId xmlns:a16="http://schemas.microsoft.com/office/drawing/2014/main" xmlns="" val="2004164706"/>
+                  </a:ext>
+                </a:extLst>
+              </a:tr>
+            </a:tbl>
+          </a:graphicData>
+        </a:graphic>
+      </p:graphicFrame>
+      <p:pic>
+        <p:nvPicPr>
+          <p:cNvPr id="16" name="Content Placeholder 15">
+            <a:extLst>
+              <a:ext uri="{FF2B5EF4-FFF2-40B4-BE49-F238E27FC236}">
+                <a16:creationId xmlns:a16="http://schemas.microsoft.com/office/drawing/2014/main" xmlns="" id="{E35E92D4-D576-45D9-8378-35D2C97B5C8F}"/>
+              </a:ext>
+            </a:extLst>
+          </p:cNvPr>
+          <p:cNvPicPr>
+            <a:picLocks noGrp="1" noChangeAspect="1"/>
+          </p:cNvPicPr>
+          <p:nvPr>
+            <p:ph idx="1"/>
+          </p:nvPr>
+        </p:nvPicPr>
+        <p:blipFill>
+          <a:blip r:embed="rId2"/>
+          <a:stretch>
+            <a:fillRect/>
+          </a:stretch>
+        </p:blipFill>
+        <p:spPr>
+          <a:xfrm>
+            <a:off x="1943182" y="1604962"/>
+            <a:ext cx="7296149" cy="3648075"/>
+          </a:xfrm>
+        </p:spPr>
+      </p:pic>
+    </p:spTree>
+    <p:extLst>
+      <p:ext uri="{BB962C8B-B14F-4D97-AF65-F5344CB8AC3E}">
+        <p14:creationId xmlns:p14="http://schemas.microsoft.com/office/powerpoint/2010/main" val="2740770192"/>
+      </p:ext>
+    </p:extLst>
+  </p:cSld>
+  <p:clrMapOvr>
+    <a:masterClrMapping/>
+  </p:clrMapOvr>
+</p:sld>
+</file>
+
+<file path=ppt/slides/slide12.xml><?xml version="1.0" encoding="utf-8"?>
+<p:sld xmlns:a="http://schemas.openxmlformats.org/drawingml/2006/main" xmlns:r="http://schemas.openxmlformats.org/officeDocument/2006/relationships" xmlns:p="http://schemas.openxmlformats.org/presentationml/2006/main">
+  <p:cSld>
+    <p:spTree>
+      <p:nvGrpSpPr>
+        <p:cNvPr id="1" name=""/>
+        <p:cNvGrpSpPr/>
+        <p:nvPr/>
+      </p:nvGrpSpPr>
+      <p:grpSpPr>
+        <a:xfrm>
+          <a:off x="0" y="0"/>
+          <a:ext cx="0" cy="0"/>
+          <a:chOff x="0" y="0"/>
+          <a:chExt cx="0" cy="0"/>
+        </a:xfrm>
+      </p:grpSpPr>
+      <p:sp>
+        <p:nvSpPr>
+          <p:cNvPr id="2" name="Title 1">
+            <a:extLst>
+              <a:ext uri="{FF2B5EF4-FFF2-40B4-BE49-F238E27FC236}">
+                <a16:creationId xmlns:a16="http://schemas.microsoft.com/office/drawing/2014/main" xmlns="" id="{BF90F1CA-9661-4FB5-8CA1-1996FE646CDC}"/>
+              </a:ext>
+            </a:extLst>
+          </p:cNvPr>
+          <p:cNvSpPr>
+            <a:spLocks noGrp="1"/>
+          </p:cNvSpPr>
+          <p:nvPr>
+            <p:ph type="title"/>
+          </p:nvPr>
+        </p:nvSpPr>
+        <p:spPr>
+          <a:xfrm>
+            <a:off x="685801" y="609600"/>
+            <a:ext cx="10131425" cy="766713"/>
+          </a:xfrm>
+        </p:spPr>
+        <p:txBody>
+          <a:bodyPr>
+            <a:noAutofit/>
+          </a:bodyPr>
+          <a:lstStyle/>
+          <a:p>
+            <a:r>
+              <a:rPr lang="en-US" sz="2400" dirty="0"/>
+              <a:t>Does the </a:t>
+            </a:r>
+            <a:r>
+              <a:rPr lang="en-US" sz="2400" b="1" dirty="0"/>
+              <a:t>cloudiness</a:t>
+            </a:r>
+            <a:r>
+              <a:rPr lang="en-US" sz="2400" dirty="0"/>
+              <a:t> have a significant effect on the number of Collisions or Injuries?</a:t>
+            </a:r>
+          </a:p>
+        </p:txBody>
+      </p:sp>
+      <p:graphicFrame>
+        <p:nvGraphicFramePr>
+          <p:cNvPr id="8" name="Table 7">
+            <a:extLst>
+              <a:ext uri="{FF2B5EF4-FFF2-40B4-BE49-F238E27FC236}">
+                <a16:creationId xmlns:a16="http://schemas.microsoft.com/office/drawing/2014/main" xmlns="" id="{B8A5C032-3C69-4843-A0C3-DD5DECE64026}"/>
+              </a:ext>
+            </a:extLst>
+          </p:cNvPr>
+          <p:cNvGraphicFramePr>
+            <a:graphicFrameLocks noGrp="1"/>
+          </p:cNvGraphicFramePr>
+          <p:nvPr>
+            <p:extLst>
+              <p:ext uri="{D42A27DB-BD31-4B8C-83A1-F6EECF244321}">
+                <p14:modId xmlns:p14="http://schemas.microsoft.com/office/powerpoint/2010/main" val="413420006"/>
+              </p:ext>
+            </p:extLst>
+          </p:nvPr>
+        </p:nvGraphicFramePr>
+        <p:xfrm>
+          <a:off x="763571" y="5497480"/>
+          <a:ext cx="10118480" cy="741680"/>
+        </p:xfrm>
+        <a:graphic>
+          <a:graphicData uri="http://schemas.openxmlformats.org/drawingml/2006/table">
+            <a:tbl>
+              <a:tblPr firstRow="1" bandRow="1">
+                <a:tableStyleId>{5C22544A-7EE6-4342-B048-85BDC9FD1C3A}</a:tableStyleId>
+              </a:tblPr>
+              <a:tblGrid>
+                <a:gridCol w="2529620">
+                  <a:extLst>
+                    <a:ext uri="{9D8B030D-6E8A-4147-A177-3AD203B41FA5}">
+                      <a16:colId xmlns:a16="http://schemas.microsoft.com/office/drawing/2014/main" xmlns="" val="2670550747"/>
+                    </a:ext>
+                  </a:extLst>
+                </a:gridCol>
+                <a:gridCol w="2529620">
+                  <a:extLst>
+                    <a:ext uri="{9D8B030D-6E8A-4147-A177-3AD203B41FA5}">
+                      <a16:colId xmlns:a16="http://schemas.microsoft.com/office/drawing/2014/main" xmlns="" val="1946152109"/>
+                    </a:ext>
+                  </a:extLst>
+                </a:gridCol>
+                <a:gridCol w="2529620">
+                  <a:extLst>
+                    <a:ext uri="{9D8B030D-6E8A-4147-A177-3AD203B41FA5}">
+                      <a16:colId xmlns:a16="http://schemas.microsoft.com/office/drawing/2014/main" xmlns="" val="1126911897"/>
+                    </a:ext>
+                  </a:extLst>
+                </a:gridCol>
+                <a:gridCol w="2529620">
+                  <a:extLst>
+                    <a:ext uri="{9D8B030D-6E8A-4147-A177-3AD203B41FA5}">
+                      <a16:colId xmlns:a16="http://schemas.microsoft.com/office/drawing/2014/main" xmlns="" val="4138073322"/>
+                    </a:ext>
+                  </a:extLst>
+                </a:gridCol>
+              </a:tblGrid>
+              <a:tr h="370840">
+                <a:tc>
+                  <a:txBody>
+                    <a:bodyPr/>
+                    <a:lstStyle/>
+                    <a:p>
+                      <a:r>
+                        <a:rPr lang="en-US" sz="1400" dirty="0"/>
+                        <a:t>WEATHER FACTOR</a:t>
+                      </a:r>
+                    </a:p>
+                  </a:txBody>
+                  <a:tcPr/>
+                </a:tc>
+                <a:tc>
+                  <a:txBody>
+                    <a:bodyPr/>
+                    <a:lstStyle/>
+                    <a:p>
+                      <a:r>
+                        <a:rPr lang="en-US" sz="1400" dirty="0"/>
+                        <a:t>R-SQURED</a:t>
+                      </a:r>
+                    </a:p>
+                  </a:txBody>
+                  <a:tcPr/>
+                </a:tc>
+                <a:tc>
+                  <a:txBody>
+                    <a:bodyPr/>
+                    <a:lstStyle/>
+                    <a:p>
+                      <a:r>
+                        <a:rPr lang="en-US" sz="1400" dirty="0"/>
+                        <a:t>P-VALUE</a:t>
+                      </a:r>
+                    </a:p>
+                  </a:txBody>
+                  <a:tcPr/>
+                </a:tc>
+                <a:tc>
+                  <a:txBody>
+                    <a:bodyPr/>
+                    <a:lstStyle/>
+                    <a:p>
+                      <a:r>
+                        <a:rPr lang="en-US" sz="1400" dirty="0"/>
+                        <a:t>STANDARD ERROR</a:t>
+                      </a:r>
+                    </a:p>
+                  </a:txBody>
+                  <a:tcPr/>
+                </a:tc>
+                <a:extLst>
+                  <a:ext uri="{0D108BD9-81ED-4DB2-BD59-A6C34878D82A}">
+                    <a16:rowId xmlns:a16="http://schemas.microsoft.com/office/drawing/2014/main" xmlns="" val="791889607"/>
+                  </a:ext>
+                </a:extLst>
+              </a:tr>
+              <a:tr h="370840">
+                <a:tc>
+                  <a:txBody>
+                    <a:bodyPr/>
+                    <a:lstStyle/>
+                    <a:p>
+                      <a:r>
+                        <a:rPr lang="en-US" sz="1400" dirty="0"/>
+                        <a:t>Cloud Cover</a:t>
+                      </a:r>
+                    </a:p>
+                  </a:txBody>
+                  <a:tcPr/>
+                </a:tc>
+                <a:tc>
+                  <a:txBody>
+                    <a:bodyPr/>
+                    <a:lstStyle/>
+                    <a:p>
+                      <a:r>
+                        <a:rPr lang="en-US" sz="1400" dirty="0"/>
+                        <a:t>0.026</a:t>
+                      </a:r>
+                    </a:p>
+                  </a:txBody>
+                  <a:tcPr/>
+                </a:tc>
+                <a:tc>
+                  <a:txBody>
+                    <a:bodyPr/>
+                    <a:lstStyle/>
+                    <a:p>
+                      <a:r>
+                        <a:rPr lang="en-US" sz="1400" dirty="0"/>
+                        <a:t>0.01</a:t>
+                      </a:r>
+                    </a:p>
+                  </a:txBody>
+                  <a:tcPr/>
+                </a:tc>
+                <a:tc>
+                  <a:txBody>
+                    <a:bodyPr/>
+                    <a:lstStyle/>
+                    <a:p>
+                      <a:r>
+                        <a:rPr lang="en-US" sz="1400" dirty="0"/>
+                        <a:t>203.88</a:t>
+                      </a:r>
+                    </a:p>
+                  </a:txBody>
+                  <a:tcPr/>
+                </a:tc>
+                <a:extLst>
+                  <a:ext uri="{0D108BD9-81ED-4DB2-BD59-A6C34878D82A}">
+                    <a16:rowId xmlns:a16="http://schemas.microsoft.com/office/drawing/2014/main" xmlns="" val="2004164706"/>
+                  </a:ext>
+                </a:extLst>
+              </a:tr>
+            </a:tbl>
+          </a:graphicData>
+        </a:graphic>
+      </p:graphicFrame>
+      <p:pic>
+        <p:nvPicPr>
+          <p:cNvPr id="11" name="Content Placeholder 10">
+            <a:extLst>
+              <a:ext uri="{FF2B5EF4-FFF2-40B4-BE49-F238E27FC236}">
+                <a16:creationId xmlns:a16="http://schemas.microsoft.com/office/drawing/2014/main" xmlns="" id="{BCB305E1-BBEB-4530-91CA-E0669AE1A1A9}"/>
+              </a:ext>
+            </a:extLst>
+          </p:cNvPr>
+          <p:cNvPicPr>
+            <a:picLocks noGrp="1" noChangeAspect="1"/>
+          </p:cNvPicPr>
+          <p:nvPr>
+            <p:ph idx="1"/>
+          </p:nvPr>
+        </p:nvPicPr>
+        <p:blipFill>
+          <a:blip r:embed="rId2"/>
+          <a:stretch>
+            <a:fillRect/>
+          </a:stretch>
+        </p:blipFill>
+        <p:spPr>
+          <a:xfrm>
+            <a:off x="1941596" y="1612065"/>
+            <a:ext cx="7299323" cy="3649662"/>
+          </a:xfrm>
+        </p:spPr>
+      </p:pic>
+    </p:spTree>
+    <p:extLst>
+      <p:ext uri="{BB962C8B-B14F-4D97-AF65-F5344CB8AC3E}">
+        <p14:creationId xmlns:p14="http://schemas.microsoft.com/office/powerpoint/2010/main" val="56846905"/>
+      </p:ext>
+    </p:extLst>
+  </p:cSld>
+  <p:clrMapOvr>
+    <a:masterClrMapping/>
+  </p:clrMapOvr>
+</p:sld>
+</file>
+
+<file path=ppt/slides/slide13.xml><?xml version="1.0" encoding="utf-8"?>
+<p:sld xmlns:a="http://schemas.openxmlformats.org/drawingml/2006/main" xmlns:r="http://schemas.openxmlformats.org/officeDocument/2006/relationships" xmlns:p="http://schemas.openxmlformats.org/presentationml/2006/main">
+  <p:cSld>
+    <p:spTree>
+      <p:nvGrpSpPr>
+        <p:cNvPr id="1" name=""/>
+        <p:cNvGrpSpPr/>
+        <p:nvPr/>
+      </p:nvGrpSpPr>
+      <p:grpSpPr>
+        <a:xfrm>
+          <a:off x="0" y="0"/>
+          <a:ext cx="0" cy="0"/>
+          <a:chOff x="0" y="0"/>
+          <a:chExt cx="0" cy="0"/>
+        </a:xfrm>
+      </p:grpSpPr>
+      <p:sp>
+        <p:nvSpPr>
+          <p:cNvPr id="2" name="Title 1">
+            <a:extLst>
+              <a:ext uri="{FF2B5EF4-FFF2-40B4-BE49-F238E27FC236}">
+                <a16:creationId xmlns:a16="http://schemas.microsoft.com/office/drawing/2014/main" xmlns="" id="{8BD559CB-3793-4533-8A7E-67DC3F83F020}"/>
+              </a:ext>
+            </a:extLst>
+          </p:cNvPr>
+          <p:cNvSpPr>
+            <a:spLocks noGrp="1"/>
+          </p:cNvSpPr>
+          <p:nvPr>
+            <p:ph type="title"/>
+          </p:nvPr>
+        </p:nvSpPr>
+        <p:spPr>
+          <a:xfrm>
+            <a:off x="1030287" y="377074"/>
+            <a:ext cx="10131425" cy="1649690"/>
+          </a:xfrm>
+        </p:spPr>
+        <p:txBody>
+          <a:bodyPr>
+            <a:normAutofit fontScale="90000"/>
+          </a:bodyPr>
+          <a:lstStyle/>
+          <a:p>
+            <a:r>
+              <a:rPr lang="en-US" sz="2400" dirty="0"/>
+              <a:t>Does the </a:t>
+            </a:r>
+            <a:r>
+              <a:rPr lang="en-US" sz="2400" b="1" dirty="0"/>
+              <a:t>minimum temperature </a:t>
+            </a:r>
+            <a:r>
+              <a:rPr lang="en-US" sz="2400" dirty="0"/>
+              <a:t>have a significant effect on the number of Collisions or injuries?</a:t>
+            </a:r>
+            <a:r>
+              <a:rPr lang="en-US" dirty="0"/>
+              <a:t/>
+            </a:r>
+            <a:br>
+              <a:rPr lang="en-US" dirty="0"/>
+            </a:br>
+            <a:r>
+              <a:rPr lang="en-US" dirty="0"/>
+              <a:t/>
+            </a:r>
+            <a:br>
+              <a:rPr lang="en-US" dirty="0"/>
+            </a:br>
+            <a:endParaRPr lang="en-US" dirty="0"/>
+          </a:p>
+        </p:txBody>
+      </p:sp>
+      <p:pic>
+        <p:nvPicPr>
+          <p:cNvPr id="4" name="Picture 3">
+            <a:extLst>
+              <a:ext uri="{FF2B5EF4-FFF2-40B4-BE49-F238E27FC236}">
+                <a16:creationId xmlns:a16="http://schemas.microsoft.com/office/drawing/2014/main" xmlns="" id="{86CE72FC-88A5-483D-88D8-ABBF23618905}"/>
+              </a:ext>
+            </a:extLst>
+          </p:cNvPr>
+          <p:cNvPicPr>
+            <a:picLocks noChangeAspect="1"/>
+          </p:cNvPicPr>
+          <p:nvPr/>
+        </p:nvPicPr>
+        <p:blipFill>
+          <a:blip r:embed="rId2"/>
+          <a:stretch>
+            <a:fillRect/>
+          </a:stretch>
+        </p:blipFill>
+        <p:spPr>
+          <a:xfrm>
+            <a:off x="1941920" y="1396738"/>
+            <a:ext cx="8129047" cy="4064524"/>
+          </a:xfrm>
+          <a:prstGeom prst="rect">
+            <a:avLst/>
+          </a:prstGeom>
+        </p:spPr>
+      </p:pic>
+      <p:graphicFrame>
+        <p:nvGraphicFramePr>
+          <p:cNvPr id="5" name="Table 4">
+            <a:extLst>
+              <a:ext uri="{FF2B5EF4-FFF2-40B4-BE49-F238E27FC236}">
+                <a16:creationId xmlns:a16="http://schemas.microsoft.com/office/drawing/2014/main" xmlns="" id="{F990865B-24C7-4CCE-8FB2-D719C4627037}"/>
+              </a:ext>
+            </a:extLst>
+          </p:cNvPr>
+          <p:cNvGraphicFramePr>
+            <a:graphicFrameLocks noGrp="1"/>
+          </p:cNvGraphicFramePr>
+          <p:nvPr>
+            <p:extLst>
+              <p:ext uri="{D42A27DB-BD31-4B8C-83A1-F6EECF244321}">
+                <p14:modId xmlns:p14="http://schemas.microsoft.com/office/powerpoint/2010/main" val="826434928"/>
+              </p:ext>
+            </p:extLst>
+          </p:nvPr>
+        </p:nvGraphicFramePr>
+        <p:xfrm>
+          <a:off x="1180738" y="5739246"/>
+          <a:ext cx="10131424" cy="741680"/>
+        </p:xfrm>
+        <a:graphic>
+          <a:graphicData uri="http://schemas.openxmlformats.org/drawingml/2006/table">
+            <a:tbl>
+              <a:tblPr firstRow="1" bandRow="1">
+                <a:tableStyleId>{5C22544A-7EE6-4342-B048-85BDC9FD1C3A}</a:tableStyleId>
+              </a:tblPr>
+              <a:tblGrid>
+                <a:gridCol w="2532856">
+                  <a:extLst>
+                    <a:ext uri="{9D8B030D-6E8A-4147-A177-3AD203B41FA5}">
+                      <a16:colId xmlns:a16="http://schemas.microsoft.com/office/drawing/2014/main" xmlns="" val="2670550747"/>
+                    </a:ext>
+                  </a:extLst>
+                </a:gridCol>
+                <a:gridCol w="2532856">
+                  <a:extLst>
+                    <a:ext uri="{9D8B030D-6E8A-4147-A177-3AD203B41FA5}">
+                      <a16:colId xmlns:a16="http://schemas.microsoft.com/office/drawing/2014/main" xmlns="" val="1946152109"/>
+                    </a:ext>
+                  </a:extLst>
+                </a:gridCol>
+                <a:gridCol w="2532856">
+                  <a:extLst>
+                    <a:ext uri="{9D8B030D-6E8A-4147-A177-3AD203B41FA5}">
+                      <a16:colId xmlns:a16="http://schemas.microsoft.com/office/drawing/2014/main" xmlns="" val="1126911897"/>
+                    </a:ext>
+                  </a:extLst>
+                </a:gridCol>
+                <a:gridCol w="2532856">
+                  <a:extLst>
+                    <a:ext uri="{9D8B030D-6E8A-4147-A177-3AD203B41FA5}">
+                      <a16:colId xmlns:a16="http://schemas.microsoft.com/office/drawing/2014/main" xmlns="" val="4138073322"/>
+                    </a:ext>
+                  </a:extLst>
+                </a:gridCol>
+              </a:tblGrid>
+              <a:tr h="370840">
+                <a:tc>
+                  <a:txBody>
+                    <a:bodyPr/>
+                    <a:lstStyle/>
+                    <a:p>
+                      <a:r>
+                        <a:rPr lang="en-US" sz="1400" dirty="0"/>
+                        <a:t>WEATHER FACTOR</a:t>
+                      </a:r>
+                    </a:p>
+                  </a:txBody>
+                  <a:tcPr/>
+                </a:tc>
+                <a:tc>
+                  <a:txBody>
+                    <a:bodyPr/>
+                    <a:lstStyle/>
+                    <a:p>
+                      <a:r>
+                        <a:rPr lang="en-US" sz="1400" dirty="0"/>
+                        <a:t>R-SQURED</a:t>
+                      </a:r>
+                    </a:p>
+                  </a:txBody>
+                  <a:tcPr/>
+                </a:tc>
+                <a:tc>
+                  <a:txBody>
+                    <a:bodyPr/>
+                    <a:lstStyle/>
+                    <a:p>
+                      <a:r>
+                        <a:rPr lang="en-US" sz="1400" dirty="0"/>
+                        <a:t>P-VALUE</a:t>
+                      </a:r>
+                    </a:p>
+                  </a:txBody>
+                  <a:tcPr/>
+                </a:tc>
+                <a:tc>
+                  <a:txBody>
+                    <a:bodyPr/>
+                    <a:lstStyle/>
+                    <a:p>
+                      <a:r>
+                        <a:rPr lang="en-US" sz="1400" dirty="0"/>
+                        <a:t>STANDARD ERROR</a:t>
+                      </a:r>
+                    </a:p>
+                  </a:txBody>
+                  <a:tcPr/>
+                </a:tc>
+                <a:extLst>
+                  <a:ext uri="{0D108BD9-81ED-4DB2-BD59-A6C34878D82A}">
+                    <a16:rowId xmlns:a16="http://schemas.microsoft.com/office/drawing/2014/main" xmlns="" val="791889607"/>
+                  </a:ext>
+                </a:extLst>
+              </a:tr>
+              <a:tr h="370840">
+                <a:tc>
+                  <a:txBody>
+                    <a:bodyPr/>
+                    <a:lstStyle/>
+                    <a:p>
+                      <a:r>
+                        <a:rPr lang="en-US" sz="1400" dirty="0"/>
+                        <a:t>Avg. Min Temperature</a:t>
+                      </a:r>
+                    </a:p>
+                  </a:txBody>
+                  <a:tcPr/>
+                </a:tc>
+                <a:tc>
+                  <a:txBody>
+                    <a:bodyPr/>
+                    <a:lstStyle/>
+                    <a:p>
+                      <a:r>
+                        <a:rPr lang="en-US" sz="1400" dirty="0"/>
+                        <a:t>0.35</a:t>
+                      </a:r>
+                    </a:p>
+                  </a:txBody>
+                  <a:tcPr/>
+                </a:tc>
+                <a:tc>
+                  <a:txBody>
+                    <a:bodyPr/>
+                    <a:lstStyle/>
+                    <a:p>
+                      <a:r>
+                        <a:rPr lang="en-US" sz="1400" dirty="0"/>
+                        <a:t>1.02e-25</a:t>
+                      </a:r>
+                    </a:p>
+                  </a:txBody>
+                  <a:tcPr/>
+                </a:tc>
+                <a:tc>
+                  <a:txBody>
+                    <a:bodyPr/>
+                    <a:lstStyle/>
+                    <a:p>
+                      <a:r>
+                        <a:rPr lang="en-US" sz="1400" dirty="0"/>
+                        <a:t>0.56</a:t>
+                      </a:r>
+                    </a:p>
+                  </a:txBody>
+                  <a:tcPr/>
+                </a:tc>
+                <a:extLst>
+                  <a:ext uri="{0D108BD9-81ED-4DB2-BD59-A6C34878D82A}">
+                    <a16:rowId xmlns:a16="http://schemas.microsoft.com/office/drawing/2014/main" xmlns="" val="3687011868"/>
+                  </a:ext>
+                </a:extLst>
+              </a:tr>
+            </a:tbl>
+          </a:graphicData>
+        </a:graphic>
+      </p:graphicFrame>
+    </p:spTree>
+    <p:extLst>
+      <p:ext uri="{BB962C8B-B14F-4D97-AF65-F5344CB8AC3E}">
+        <p14:creationId xmlns:p14="http://schemas.microsoft.com/office/powerpoint/2010/main" val="3764069096"/>
+      </p:ext>
+    </p:extLst>
+  </p:cSld>
+  <p:clrMapOvr>
+    <a:masterClrMapping/>
+  </p:clrMapOvr>
+</p:sld>
+</file>
+
+<file path=ppt/slides/slide14.xml><?xml version="1.0" encoding="utf-8"?>
+<p:sld xmlns:a="http://schemas.openxmlformats.org/drawingml/2006/main" xmlns:r="http://schemas.openxmlformats.org/officeDocument/2006/relationships" xmlns:p="http://schemas.openxmlformats.org/presentationml/2006/main">
+  <p:cSld>
+    <p:spTree>
+      <p:nvGrpSpPr>
+        <p:cNvPr id="1" name=""/>
+        <p:cNvGrpSpPr/>
+        <p:nvPr/>
+      </p:nvGrpSpPr>
+      <p:grpSpPr>
+        <a:xfrm>
+          <a:off x="0" y="0"/>
+          <a:ext cx="0" cy="0"/>
+          <a:chOff x="0" y="0"/>
+          <a:chExt cx="0" cy="0"/>
+        </a:xfrm>
+      </p:grpSpPr>
+      <p:sp>
+        <p:nvSpPr>
+          <p:cNvPr id="2" name="Title 1">
+            <a:extLst>
+              <a:ext uri="{FF2B5EF4-FFF2-40B4-BE49-F238E27FC236}">
+                <a16:creationId xmlns:a16="http://schemas.microsoft.com/office/drawing/2014/main" xmlns="" id="{8BD559CB-3793-4533-8A7E-67DC3F83F020}"/>
+              </a:ext>
+            </a:extLst>
+          </p:cNvPr>
+          <p:cNvSpPr>
+            <a:spLocks noGrp="1"/>
+          </p:cNvSpPr>
+          <p:nvPr>
+            <p:ph type="title"/>
+          </p:nvPr>
+        </p:nvSpPr>
+        <p:spPr>
+          <a:xfrm>
+            <a:off x="1030287" y="377074"/>
+            <a:ext cx="10131425" cy="1649690"/>
+          </a:xfrm>
+        </p:spPr>
+        <p:txBody>
+          <a:bodyPr>
+            <a:normAutofit fontScale="90000"/>
+          </a:bodyPr>
+          <a:lstStyle/>
+          <a:p>
+            <a:r>
+              <a:rPr lang="en-US" sz="2400" dirty="0"/>
+              <a:t>Does the </a:t>
+            </a:r>
+            <a:r>
+              <a:rPr lang="en-US" sz="2400" b="1" dirty="0"/>
+              <a:t>minimum temperature </a:t>
+            </a:r>
+            <a:r>
+              <a:rPr lang="en-US" sz="2400" dirty="0"/>
+              <a:t>have a significant effect on the number of collisions or injuries?</a:t>
+            </a:r>
+            <a:r>
+              <a:rPr lang="en-US" dirty="0"/>
+              <a:t/>
+            </a:r>
+            <a:br>
+              <a:rPr lang="en-US" dirty="0"/>
+            </a:br>
+            <a:r>
+              <a:rPr lang="en-US" dirty="0"/>
+              <a:t/>
+            </a:r>
+            <a:br>
+              <a:rPr lang="en-US" dirty="0"/>
+            </a:br>
+            <a:endParaRPr lang="en-US" dirty="0"/>
+          </a:p>
+        </p:txBody>
+      </p:sp>
+      <p:graphicFrame>
+        <p:nvGraphicFramePr>
+          <p:cNvPr id="5" name="Table 4">
+            <a:extLst>
+              <a:ext uri="{FF2B5EF4-FFF2-40B4-BE49-F238E27FC236}">
+                <a16:creationId xmlns:a16="http://schemas.microsoft.com/office/drawing/2014/main" xmlns="" id="{F990865B-24C7-4CCE-8FB2-D719C4627037}"/>
+              </a:ext>
+            </a:extLst>
+          </p:cNvPr>
+          <p:cNvGraphicFramePr>
+            <a:graphicFrameLocks noGrp="1"/>
+          </p:cNvGraphicFramePr>
+          <p:nvPr>
+            <p:extLst>
+              <p:ext uri="{D42A27DB-BD31-4B8C-83A1-F6EECF244321}">
+                <p14:modId xmlns:p14="http://schemas.microsoft.com/office/powerpoint/2010/main" val="3071615330"/>
+              </p:ext>
+            </p:extLst>
+          </p:nvPr>
+        </p:nvGraphicFramePr>
+        <p:xfrm>
+          <a:off x="1180738" y="5739246"/>
+          <a:ext cx="10131424" cy="741680"/>
+        </p:xfrm>
+        <a:graphic>
+          <a:graphicData uri="http://schemas.openxmlformats.org/drawingml/2006/table">
+            <a:tbl>
+              <a:tblPr firstRow="1" bandRow="1">
+                <a:tableStyleId>{5C22544A-7EE6-4342-B048-85BDC9FD1C3A}</a:tableStyleId>
+              </a:tblPr>
+              <a:tblGrid>
+                <a:gridCol w="2532856">
+                  <a:extLst>
+                    <a:ext uri="{9D8B030D-6E8A-4147-A177-3AD203B41FA5}">
+                      <a16:colId xmlns:a16="http://schemas.microsoft.com/office/drawing/2014/main" xmlns="" val="2670550747"/>
+                    </a:ext>
+                  </a:extLst>
+                </a:gridCol>
+                <a:gridCol w="2532856">
+                  <a:extLst>
+                    <a:ext uri="{9D8B030D-6E8A-4147-A177-3AD203B41FA5}">
+                      <a16:colId xmlns:a16="http://schemas.microsoft.com/office/drawing/2014/main" xmlns="" val="1946152109"/>
+                    </a:ext>
+                  </a:extLst>
+                </a:gridCol>
+                <a:gridCol w="2532856">
+                  <a:extLst>
+                    <a:ext uri="{9D8B030D-6E8A-4147-A177-3AD203B41FA5}">
+                      <a16:colId xmlns:a16="http://schemas.microsoft.com/office/drawing/2014/main" xmlns="" val="1126911897"/>
+                    </a:ext>
+                  </a:extLst>
+                </a:gridCol>
+                <a:gridCol w="2532856">
+                  <a:extLst>
+                    <a:ext uri="{9D8B030D-6E8A-4147-A177-3AD203B41FA5}">
+                      <a16:colId xmlns:a16="http://schemas.microsoft.com/office/drawing/2014/main" xmlns="" val="4138073322"/>
+                    </a:ext>
+                  </a:extLst>
+                </a:gridCol>
+              </a:tblGrid>
+              <a:tr h="370840">
+                <a:tc>
+                  <a:txBody>
+                    <a:bodyPr/>
+                    <a:lstStyle/>
+                    <a:p>
+                      <a:r>
+                        <a:rPr lang="en-US" sz="1400" dirty="0"/>
+                        <a:t>WEATHER FACTOR</a:t>
+                      </a:r>
+                    </a:p>
+                  </a:txBody>
+                  <a:tcPr/>
+                </a:tc>
+                <a:tc>
+                  <a:txBody>
+                    <a:bodyPr/>
+                    <a:lstStyle/>
+                    <a:p>
+                      <a:r>
+                        <a:rPr lang="en-US" sz="1400" dirty="0"/>
+                        <a:t>R-SQURED</a:t>
+                      </a:r>
+                    </a:p>
+                  </a:txBody>
+                  <a:tcPr/>
+                </a:tc>
+                <a:tc>
+                  <a:txBody>
+                    <a:bodyPr/>
+                    <a:lstStyle/>
+                    <a:p>
+                      <a:r>
+                        <a:rPr lang="en-US" sz="1400" dirty="0"/>
+                        <a:t>P-VALUE</a:t>
+                      </a:r>
+                    </a:p>
+                  </a:txBody>
+                  <a:tcPr/>
+                </a:tc>
+                <a:tc>
+                  <a:txBody>
+                    <a:bodyPr/>
+                    <a:lstStyle/>
+                    <a:p>
+                      <a:r>
+                        <a:rPr lang="en-US" sz="1400" dirty="0"/>
+                        <a:t>STANDARD ERROR</a:t>
+                      </a:r>
+                    </a:p>
+                  </a:txBody>
+                  <a:tcPr/>
+                </a:tc>
+                <a:extLst>
+                  <a:ext uri="{0D108BD9-81ED-4DB2-BD59-A6C34878D82A}">
+                    <a16:rowId xmlns:a16="http://schemas.microsoft.com/office/drawing/2014/main" xmlns="" val="791889607"/>
+                  </a:ext>
+                </a:extLst>
+              </a:tr>
+              <a:tr h="370840">
+                <a:tc>
+                  <a:txBody>
+                    <a:bodyPr/>
+                    <a:lstStyle/>
+                    <a:p>
+                      <a:r>
+                        <a:rPr lang="en-US" sz="1400" dirty="0"/>
+                        <a:t>Avg. Min Temperature</a:t>
+                      </a:r>
+                    </a:p>
+                  </a:txBody>
+                  <a:tcPr/>
+                </a:tc>
+                <a:tc>
+                  <a:txBody>
+                    <a:bodyPr/>
+                    <a:lstStyle/>
+                    <a:p>
+                      <a:r>
+                        <a:rPr lang="en-US" sz="1400" dirty="0"/>
+                        <a:t>0.1</a:t>
+                      </a:r>
+                    </a:p>
+                  </a:txBody>
+                  <a:tcPr/>
+                </a:tc>
+                <a:tc>
+                  <a:txBody>
+                    <a:bodyPr/>
+                    <a:lstStyle/>
+                    <a:p>
+                      <a:r>
+                        <a:rPr lang="en-US" sz="1400" dirty="0"/>
+                        <a:t>2.09e-7</a:t>
+                      </a:r>
+                    </a:p>
+                  </a:txBody>
+                  <a:tcPr/>
+                </a:tc>
+                <a:tc>
+                  <a:txBody>
+                    <a:bodyPr/>
+                    <a:lstStyle/>
+                    <a:p>
+                      <a:r>
+                        <a:rPr lang="en-US" sz="1400" dirty="0"/>
+                        <a:t>1.82</a:t>
+                      </a:r>
+                    </a:p>
+                  </a:txBody>
+                  <a:tcPr/>
+                </a:tc>
+                <a:extLst>
+                  <a:ext uri="{0D108BD9-81ED-4DB2-BD59-A6C34878D82A}">
+                    <a16:rowId xmlns:a16="http://schemas.microsoft.com/office/drawing/2014/main" xmlns="" val="3687011868"/>
+                  </a:ext>
+                </a:extLst>
+              </a:tr>
+            </a:tbl>
+          </a:graphicData>
+        </a:graphic>
+      </p:graphicFrame>
+      <p:pic>
+        <p:nvPicPr>
+          <p:cNvPr id="6" name="Picture 5">
+            <a:extLst>
+              <a:ext uri="{FF2B5EF4-FFF2-40B4-BE49-F238E27FC236}">
+                <a16:creationId xmlns:a16="http://schemas.microsoft.com/office/drawing/2014/main" xmlns="" id="{DDB10848-2223-467B-BED6-410C5E3A0799}"/>
+              </a:ext>
+            </a:extLst>
+          </p:cNvPr>
+          <p:cNvPicPr>
+            <a:picLocks noChangeAspect="1"/>
+          </p:cNvPicPr>
+          <p:nvPr/>
+        </p:nvPicPr>
+        <p:blipFill>
+          <a:blip r:embed="rId2"/>
+          <a:stretch>
+            <a:fillRect/>
+          </a:stretch>
+        </p:blipFill>
+        <p:spPr>
+          <a:xfrm>
+            <a:off x="1847654" y="1304827"/>
+            <a:ext cx="8496692" cy="4248346"/>
+          </a:xfrm>
+          <a:prstGeom prst="rect">
+            <a:avLst/>
+          </a:prstGeom>
+        </p:spPr>
+      </p:pic>
+    </p:spTree>
+    <p:extLst>
+      <p:ext uri="{BB962C8B-B14F-4D97-AF65-F5344CB8AC3E}">
+        <p14:creationId xmlns:p14="http://schemas.microsoft.com/office/powerpoint/2010/main" val="995087776"/>
+      </p:ext>
+    </p:extLst>
+  </p:cSld>
+  <p:clrMapOvr>
+    <a:masterClrMapping/>
+  </p:clrMapOvr>
+</p:sld>
+</file>
+
+<file path=ppt/slides/slide15.xml><?xml version="1.0" encoding="utf-8"?>
+<p:sld xmlns:a="http://schemas.openxmlformats.org/drawingml/2006/main" xmlns:r="http://schemas.openxmlformats.org/officeDocument/2006/relationships" xmlns:p="http://schemas.openxmlformats.org/presentationml/2006/main">
+  <p:cSld>
+    <p:spTree>
+      <p:nvGrpSpPr>
+        <p:cNvPr id="1" name=""/>
+        <p:cNvGrpSpPr/>
+        <p:nvPr/>
+      </p:nvGrpSpPr>
+      <p:grpSpPr>
+        <a:xfrm>
+          <a:off x="0" y="0"/>
+          <a:ext cx="0" cy="0"/>
+          <a:chOff x="0" y="0"/>
+          <a:chExt cx="0" cy="0"/>
+        </a:xfrm>
+      </p:grpSpPr>
+      <p:sp>
+        <p:nvSpPr>
+          <p:cNvPr id="2" name="Title 1">
+            <a:extLst>
+              <a:ext uri="{FF2B5EF4-FFF2-40B4-BE49-F238E27FC236}">
+                <a16:creationId xmlns:a16="http://schemas.microsoft.com/office/drawing/2014/main" xmlns="" id="{BEAC9E21-9D52-409D-A249-CC61323D5992}"/>
+              </a:ext>
+            </a:extLst>
+          </p:cNvPr>
+          <p:cNvSpPr>
+            <a:spLocks noGrp="1"/>
+          </p:cNvSpPr>
+          <p:nvPr>
+            <p:ph type="title"/>
+          </p:nvPr>
+        </p:nvSpPr>
+        <p:spPr>
+          <a:xfrm>
+            <a:off x="685801" y="609601"/>
+            <a:ext cx="10131425" cy="700726"/>
+          </a:xfrm>
+        </p:spPr>
+        <p:txBody>
+          <a:bodyPr>
+            <a:normAutofit/>
+          </a:bodyPr>
+          <a:lstStyle/>
+          <a:p>
+            <a:r>
+              <a:rPr lang="en-US" sz="2800" dirty="0"/>
+              <a:t>Total INJURIES vs. Avg Min Temperature</a:t>
+            </a:r>
+          </a:p>
+        </p:txBody>
+      </p:sp>
+      <p:pic>
+        <p:nvPicPr>
+          <p:cNvPr id="6" name="Content Placeholder 5">
+            <a:extLst>
+              <a:ext uri="{FF2B5EF4-FFF2-40B4-BE49-F238E27FC236}">
+                <a16:creationId xmlns:a16="http://schemas.microsoft.com/office/drawing/2014/main" xmlns="" id="{90B29DA3-DBAD-466D-A2D6-059486FAC0B7}"/>
+              </a:ext>
+            </a:extLst>
+          </p:cNvPr>
+          <p:cNvPicPr>
+            <a:picLocks noGrp="1" noChangeAspect="1"/>
+          </p:cNvPicPr>
+          <p:nvPr>
+            <p:ph sz="half" idx="1"/>
+          </p:nvPr>
+        </p:nvPicPr>
+        <p:blipFill>
+          <a:blip r:embed="rId2"/>
+          <a:stretch>
+            <a:fillRect/>
+          </a:stretch>
+        </p:blipFill>
+        <p:spPr>
+          <a:xfrm>
+            <a:off x="1058318" y="1639040"/>
+            <a:ext cx="9386390" cy="4693196"/>
+          </a:xfrm>
+        </p:spPr>
+      </p:pic>
+    </p:spTree>
+    <p:extLst>
+      <p:ext uri="{BB962C8B-B14F-4D97-AF65-F5344CB8AC3E}">
+        <p14:creationId xmlns:p14="http://schemas.microsoft.com/office/powerpoint/2010/main" val="981097307"/>
+      </p:ext>
+    </p:extLst>
+  </p:cSld>
+  <p:clrMapOvr>
+    <a:masterClrMapping/>
+  </p:clrMapOvr>
+</p:sld>
+</file>
+
+<file path=ppt/slides/slide16.xml><?xml version="1.0" encoding="utf-8"?>
+<p:sld xmlns:a="http://schemas.openxmlformats.org/drawingml/2006/main" xmlns:r="http://schemas.openxmlformats.org/officeDocument/2006/relationships" xmlns:p="http://schemas.openxmlformats.org/presentationml/2006/main">
+  <p:cSld>
+    <p:spTree>
+      <p:nvGrpSpPr>
+        <p:cNvPr id="1" name=""/>
+        <p:cNvGrpSpPr/>
+        <p:nvPr/>
+      </p:nvGrpSpPr>
+      <p:grpSpPr>
+        <a:xfrm>
+          <a:off x="0" y="0"/>
+          <a:ext cx="0" cy="0"/>
+          <a:chOff x="0" y="0"/>
+          <a:chExt cx="0" cy="0"/>
+        </a:xfrm>
+      </p:grpSpPr>
+      <p:sp>
+        <p:nvSpPr>
+          <p:cNvPr id="2" name="Title 1">
+            <a:extLst>
+              <a:ext uri="{FF2B5EF4-FFF2-40B4-BE49-F238E27FC236}">
+                <a16:creationId xmlns:a16="http://schemas.microsoft.com/office/drawing/2014/main" xmlns="" id="{DF055AE4-0690-4177-8815-403D74E29442}"/>
+              </a:ext>
+            </a:extLst>
+          </p:cNvPr>
+          <p:cNvSpPr>
+            <a:spLocks noGrp="1"/>
+          </p:cNvSpPr>
+          <p:nvPr>
+            <p:ph type="title"/>
+          </p:nvPr>
+        </p:nvSpPr>
+        <p:spPr/>
+        <p:txBody>
+          <a:bodyPr/>
+          <a:lstStyle/>
+          <a:p>
+            <a:r>
+              <a:rPr lang="en-US" dirty="0"/>
+              <a:t>Input variables</a:t>
+            </a:r>
+          </a:p>
+        </p:txBody>
+      </p:sp>
+      <p:pic>
+        <p:nvPicPr>
+          <p:cNvPr id="5" name="Content Placeholder 4">
+            <a:extLst>
+              <a:ext uri="{FF2B5EF4-FFF2-40B4-BE49-F238E27FC236}">
+                <a16:creationId xmlns:a16="http://schemas.microsoft.com/office/drawing/2014/main" xmlns="" id="{39D2510D-176A-45DE-8B7C-A525905EC0BB}"/>
+              </a:ext>
+            </a:extLst>
+          </p:cNvPr>
+          <p:cNvPicPr>
+            <a:picLocks noGrp="1" noChangeAspect="1"/>
+          </p:cNvPicPr>
+          <p:nvPr>
+            <p:ph idx="1"/>
+          </p:nvPr>
+        </p:nvPicPr>
+        <p:blipFill>
+          <a:blip r:embed="rId2"/>
+          <a:stretch>
+            <a:fillRect/>
+          </a:stretch>
+        </p:blipFill>
+        <p:spPr>
+          <a:xfrm>
+            <a:off x="2101851" y="2141538"/>
+            <a:ext cx="7299323" cy="3649662"/>
+          </a:xfrm>
+        </p:spPr>
+      </p:pic>
+    </p:spTree>
+    <p:extLst>
+      <p:ext uri="{BB962C8B-B14F-4D97-AF65-F5344CB8AC3E}">
+        <p14:creationId xmlns:p14="http://schemas.microsoft.com/office/powerpoint/2010/main" val="2272472203"/>
+      </p:ext>
+    </p:extLst>
+  </p:cSld>
+  <p:clrMapOvr>
+    <a:masterClrMapping/>
+  </p:clrMapOvr>
+</p:sld>
+</file>
+
+<file path=ppt/slides/slide17.xml><?xml version="1.0" encoding="utf-8"?>
+<p:sld xmlns:a="http://schemas.openxmlformats.org/drawingml/2006/main" xmlns:r="http://schemas.openxmlformats.org/officeDocument/2006/relationships" xmlns:p="http://schemas.openxmlformats.org/presentationml/2006/main">
+  <p:cSld>
+    <p:spTree>
+      <p:nvGrpSpPr>
+        <p:cNvPr id="1" name=""/>
+        <p:cNvGrpSpPr/>
+        <p:nvPr/>
+      </p:nvGrpSpPr>
+      <p:grpSpPr>
+        <a:xfrm>
+          <a:off x="0" y="0"/>
+          <a:ext cx="0" cy="0"/>
+          <a:chOff x="0" y="0"/>
+          <a:chExt cx="0" cy="0"/>
+        </a:xfrm>
+      </p:grpSpPr>
+      <p:sp>
+        <p:nvSpPr>
+          <p:cNvPr id="2" name="Title 1"/>
+          <p:cNvSpPr>
+            <a:spLocks noGrp="1"/>
+          </p:cNvSpPr>
+          <p:nvPr>
+            <p:ph type="title"/>
+          </p:nvPr>
+        </p:nvSpPr>
+        <p:spPr/>
+        <p:txBody>
+          <a:bodyPr/>
+          <a:lstStyle/>
+          <a:p>
+            <a:r>
+              <a:rPr lang="en-US" dirty="0"/>
+              <a:t>Table of injury &amp; collision regression results</a:t>
+            </a:r>
+          </a:p>
+        </p:txBody>
+      </p:sp>
+      <p:sp>
+        <p:nvSpPr>
+          <p:cNvPr id="3" name="Text Placeholder 2"/>
+          <p:cNvSpPr>
+            <a:spLocks noGrp="1"/>
+          </p:cNvSpPr>
+          <p:nvPr>
+            <p:ph type="body" idx="1"/>
+          </p:nvPr>
+        </p:nvSpPr>
+        <p:spPr/>
+        <p:txBody>
+          <a:bodyPr/>
+          <a:lstStyle/>
+          <a:p>
+            <a:pPr algn="ctr"/>
+            <a:r>
+              <a:rPr lang="en-US" dirty="0" smtClean="0"/>
+              <a:t>INJURY</a:t>
+            </a:r>
+            <a:endParaRPr lang="en-US" dirty="0"/>
+          </a:p>
+        </p:txBody>
+      </p:sp>
+      <p:graphicFrame>
+        <p:nvGraphicFramePr>
+          <p:cNvPr id="7" name="Content Placeholder 6"/>
+          <p:cNvGraphicFramePr>
+            <a:graphicFrameLocks noGrp="1"/>
+          </p:cNvGraphicFramePr>
+          <p:nvPr>
+            <p:ph sz="half" idx="2"/>
+            <p:extLst>
+              <p:ext uri="{D42A27DB-BD31-4B8C-83A1-F6EECF244321}">
+                <p14:modId xmlns:p14="http://schemas.microsoft.com/office/powerpoint/2010/main" val="1026413178"/>
+              </p:ext>
+            </p:extLst>
+          </p:nvPr>
+        </p:nvGraphicFramePr>
+        <p:xfrm>
+          <a:off x="685800" y="2870200"/>
+          <a:ext cx="4997452" cy="2148840"/>
+        </p:xfrm>
+        <a:graphic>
+          <a:graphicData uri="http://schemas.openxmlformats.org/drawingml/2006/table">
+            <a:tbl>
+              <a:tblPr firstRow="1" bandRow="1">
+                <a:tableStyleId>{5C22544A-7EE6-4342-B048-85BDC9FD1C3A}</a:tableStyleId>
+              </a:tblPr>
+              <a:tblGrid>
+                <a:gridCol w="1249363"/>
+                <a:gridCol w="1249363"/>
+                <a:gridCol w="1249363"/>
+                <a:gridCol w="1249363"/>
+              </a:tblGrid>
+              <a:tr h="370840">
+                <a:tc>
+                  <a:txBody>
+                    <a:bodyPr/>
+                    <a:lstStyle/>
+                    <a:p>
+                      <a:r>
+                        <a:rPr lang="en-US" sz="1400" dirty="0"/>
+                        <a:t>WEATHER FACTOR</a:t>
+                      </a:r>
+                    </a:p>
+                  </a:txBody>
+                  <a:tcPr/>
+                </a:tc>
+                <a:tc>
+                  <a:txBody>
+                    <a:bodyPr/>
+                    <a:lstStyle/>
+                    <a:p>
+                      <a:r>
+                        <a:rPr lang="en-US" sz="1400" dirty="0" smtClean="0"/>
+                        <a:t>R-SQUARED</a:t>
+                      </a:r>
+                      <a:endParaRPr lang="en-US" sz="1400" dirty="0"/>
+                    </a:p>
+                  </a:txBody>
+                  <a:tcPr/>
+                </a:tc>
+                <a:tc>
+                  <a:txBody>
+                    <a:bodyPr/>
+                    <a:lstStyle/>
+                    <a:p>
+                      <a:r>
+                        <a:rPr lang="en-US" sz="1400" dirty="0"/>
+                        <a:t>P-VALUE</a:t>
+                      </a:r>
+                    </a:p>
+                  </a:txBody>
+                  <a:tcPr/>
+                </a:tc>
+                <a:tc>
+                  <a:txBody>
+                    <a:bodyPr/>
+                    <a:lstStyle/>
+                    <a:p>
+                      <a:r>
+                        <a:rPr lang="en-US" sz="1400" dirty="0"/>
+                        <a:t>STANDARD ERROR</a:t>
+                      </a:r>
+                    </a:p>
+                  </a:txBody>
+                  <a:tcPr/>
+                </a:tc>
+              </a:tr>
+              <a:tr h="370840">
+                <a:tc>
+                  <a:txBody>
+                    <a:bodyPr/>
+                    <a:lstStyle/>
+                    <a:p>
+                      <a:r>
+                        <a:rPr lang="en-US" sz="1400" dirty="0"/>
+                        <a:t>Avg. Min Temperature</a:t>
+                      </a:r>
+                    </a:p>
+                  </a:txBody>
+                  <a:tcPr/>
+                </a:tc>
+                <a:tc>
+                  <a:txBody>
+                    <a:bodyPr/>
+                    <a:lstStyle/>
+                    <a:p>
+                      <a:r>
+                        <a:rPr lang="en-US" sz="1400" dirty="0"/>
+                        <a:t>0.35</a:t>
+                      </a:r>
+                    </a:p>
+                  </a:txBody>
+                  <a:tcPr/>
+                </a:tc>
+                <a:tc>
+                  <a:txBody>
+                    <a:bodyPr/>
+                    <a:lstStyle/>
+                    <a:p>
+                      <a:r>
+                        <a:rPr lang="en-US" sz="1400" dirty="0"/>
+                        <a:t>1.02e-25</a:t>
+                      </a:r>
+                    </a:p>
+                  </a:txBody>
+                  <a:tcPr/>
+                </a:tc>
+                <a:tc>
+                  <a:txBody>
+                    <a:bodyPr/>
+                    <a:lstStyle/>
+                    <a:p>
+                      <a:r>
+                        <a:rPr lang="en-US" sz="1400" dirty="0"/>
+                        <a:t>0.56</a:t>
+                      </a:r>
+                    </a:p>
+                  </a:txBody>
+                  <a:tcPr/>
+                </a:tc>
+              </a:tr>
+              <a:tr h="370840">
+                <a:tc>
+                  <a:txBody>
+                    <a:bodyPr/>
+                    <a:lstStyle/>
+                    <a:p>
+                      <a:r>
+                        <a:rPr lang="en-US" sz="1400" dirty="0"/>
+                        <a:t>Cloud Cover</a:t>
+                      </a:r>
+                    </a:p>
+                  </a:txBody>
+                  <a:tcPr/>
+                </a:tc>
+                <a:tc>
+                  <a:txBody>
+                    <a:bodyPr/>
+                    <a:lstStyle/>
+                    <a:p>
+                      <a:r>
+                        <a:rPr lang="en-US" sz="1400" dirty="0"/>
+                        <a:t>0.027</a:t>
+                      </a:r>
+                    </a:p>
+                  </a:txBody>
+                  <a:tcPr/>
+                </a:tc>
+                <a:tc>
+                  <a:txBody>
+                    <a:bodyPr/>
+                    <a:lstStyle/>
+                    <a:p>
+                      <a:r>
+                        <a:rPr lang="en-US" sz="1400" dirty="0"/>
+                        <a:t>0.01</a:t>
+                      </a:r>
+                    </a:p>
+                  </a:txBody>
+                  <a:tcPr/>
+                </a:tc>
+                <a:tc>
+                  <a:txBody>
+                    <a:bodyPr/>
+                    <a:lstStyle/>
+                    <a:p>
+                      <a:r>
+                        <a:rPr lang="en-US" sz="1400" dirty="0"/>
+                        <a:t>73.47</a:t>
+                      </a:r>
+                    </a:p>
+                  </a:txBody>
+                  <a:tcPr/>
+                </a:tc>
+              </a:tr>
+              <a:tr h="370840">
+                <a:tc>
+                  <a:txBody>
+                    <a:bodyPr/>
+                    <a:lstStyle/>
+                    <a:p>
+                      <a:pPr marL="0" marR="0" lvl="0" indent="0" algn="l" defTabSz="457200" rtl="0" eaLnBrk="1" fontAlgn="auto" latinLnBrk="0" hangingPunct="1">
+                        <a:lnSpc>
+                          <a:spcPct val="100000"/>
+                        </a:lnSpc>
+                        <a:spcBef>
+                          <a:spcPts val="0"/>
+                        </a:spcBef>
+                        <a:spcAft>
+                          <a:spcPts val="0"/>
+                        </a:spcAft>
+                        <a:buClrTx/>
+                        <a:buSzTx/>
+                        <a:buFontTx/>
+                        <a:buNone/>
+                        <a:tabLst/>
+                        <a:defRPr/>
+                      </a:pPr>
+                      <a:r>
+                        <a:rPr lang="en-US" sz="1400" dirty="0"/>
+                        <a:t>Visibility</a:t>
+                      </a:r>
+                    </a:p>
+                  </a:txBody>
+                  <a:tcPr/>
+                </a:tc>
+                <a:tc>
+                  <a:txBody>
+                    <a:bodyPr/>
+                    <a:lstStyle/>
+                    <a:p>
+                      <a:r>
+                        <a:rPr lang="en-US" sz="1400" dirty="0"/>
+                        <a:t>0.09</a:t>
+                      </a:r>
+                    </a:p>
+                  </a:txBody>
+                  <a:tcPr/>
+                </a:tc>
+                <a:tc>
+                  <a:txBody>
+                    <a:bodyPr/>
+                    <a:lstStyle/>
+                    <a:p>
+                      <a:r>
+                        <a:rPr lang="en-US" sz="1400" dirty="0"/>
+                        <a:t>4.38e-07</a:t>
+                      </a:r>
+                    </a:p>
+                  </a:txBody>
+                  <a:tcPr/>
+                </a:tc>
+                <a:tc>
+                  <a:txBody>
+                    <a:bodyPr/>
+                    <a:lstStyle/>
+                    <a:p>
+                      <a:r>
+                        <a:rPr lang="en-US" sz="1400" dirty="0"/>
+                        <a:t>16.39</a:t>
+                      </a:r>
+                    </a:p>
+                  </a:txBody>
+                  <a:tcPr/>
+                </a:tc>
+              </a:tr>
+              <a:tr h="370840">
+                <a:tc>
+                  <a:txBody>
+                    <a:bodyPr/>
+                    <a:lstStyle/>
+                    <a:p>
+                      <a:r>
+                        <a:rPr lang="en-US" sz="1400" dirty="0"/>
+                        <a:t>Wind</a:t>
+                      </a:r>
+                    </a:p>
+                  </a:txBody>
+                  <a:tcPr/>
+                </a:tc>
+                <a:tc>
+                  <a:txBody>
+                    <a:bodyPr/>
+                    <a:lstStyle/>
+                    <a:p>
+                      <a:endParaRPr lang="en-US" sz="1400" dirty="0"/>
+                    </a:p>
+                  </a:txBody>
+                  <a:tcPr/>
+                </a:tc>
+                <a:tc>
+                  <a:txBody>
+                    <a:bodyPr/>
+                    <a:lstStyle/>
+                    <a:p>
+                      <a:endParaRPr lang="en-US" sz="1400" dirty="0"/>
+                    </a:p>
+                  </a:txBody>
+                  <a:tcPr/>
+                </a:tc>
+                <a:tc>
+                  <a:txBody>
+                    <a:bodyPr/>
+                    <a:lstStyle/>
+                    <a:p>
+                      <a:endParaRPr lang="en-US" sz="1400" dirty="0"/>
+                    </a:p>
+                  </a:txBody>
+                  <a:tcPr/>
+                </a:tc>
+              </a:tr>
+            </a:tbl>
+          </a:graphicData>
+        </a:graphic>
+      </p:graphicFrame>
+      <p:sp>
+        <p:nvSpPr>
+          <p:cNvPr id="5" name="Text Placeholder 4"/>
+          <p:cNvSpPr>
+            <a:spLocks noGrp="1"/>
+          </p:cNvSpPr>
+          <p:nvPr>
+            <p:ph type="body" sz="quarter" idx="3"/>
+          </p:nvPr>
+        </p:nvSpPr>
+        <p:spPr/>
+        <p:txBody>
+          <a:bodyPr/>
+          <a:lstStyle/>
+          <a:p>
+            <a:pPr algn="ctr"/>
+            <a:r>
+              <a:rPr lang="en-US" dirty="0" smtClean="0"/>
+              <a:t>COLLISONS</a:t>
+            </a:r>
+            <a:endParaRPr lang="en-US" dirty="0"/>
+          </a:p>
+        </p:txBody>
+      </p:sp>
+      <p:graphicFrame>
+        <p:nvGraphicFramePr>
+          <p:cNvPr id="8" name="Content Placeholder 7"/>
+          <p:cNvGraphicFramePr>
+            <a:graphicFrameLocks noGrp="1"/>
+          </p:cNvGraphicFramePr>
+          <p:nvPr>
+            <p:ph sz="quarter" idx="4"/>
+            <p:extLst>
+              <p:ext uri="{D42A27DB-BD31-4B8C-83A1-F6EECF244321}">
+                <p14:modId xmlns:p14="http://schemas.microsoft.com/office/powerpoint/2010/main" val="1543471340"/>
+              </p:ext>
+            </p:extLst>
+          </p:nvPr>
+        </p:nvGraphicFramePr>
+        <p:xfrm>
+          <a:off x="5822950" y="2870200"/>
+          <a:ext cx="4995864" cy="2148840"/>
+        </p:xfrm>
+        <a:graphic>
+          <a:graphicData uri="http://schemas.openxmlformats.org/drawingml/2006/table">
+            <a:tbl>
+              <a:tblPr firstRow="1" bandRow="1">
+                <a:tableStyleId>{5C22544A-7EE6-4342-B048-85BDC9FD1C3A}</a:tableStyleId>
+              </a:tblPr>
+              <a:tblGrid>
+                <a:gridCol w="1248966"/>
+                <a:gridCol w="1248966"/>
+                <a:gridCol w="1248966"/>
+                <a:gridCol w="1248966"/>
+              </a:tblGrid>
+              <a:tr h="370840">
+                <a:tc>
+                  <a:txBody>
+                    <a:bodyPr/>
+                    <a:lstStyle/>
+                    <a:p>
+                      <a:r>
+                        <a:rPr lang="en-US" sz="1400" dirty="0"/>
+                        <a:t>WEATHER FACTOR</a:t>
+                      </a:r>
+                    </a:p>
+                  </a:txBody>
+                  <a:tcPr/>
+                </a:tc>
+                <a:tc>
+                  <a:txBody>
+                    <a:bodyPr/>
+                    <a:lstStyle/>
+                    <a:p>
+                      <a:r>
+                        <a:rPr lang="en-US" sz="1400" dirty="0" smtClean="0"/>
+                        <a:t>R-SQUARED</a:t>
+                      </a:r>
+                      <a:endParaRPr lang="en-US" sz="1400" dirty="0"/>
+                    </a:p>
+                  </a:txBody>
+                  <a:tcPr/>
+                </a:tc>
+                <a:tc>
+                  <a:txBody>
+                    <a:bodyPr/>
+                    <a:lstStyle/>
+                    <a:p>
+                      <a:r>
+                        <a:rPr lang="en-US" sz="1400" dirty="0"/>
+                        <a:t>P-VALUE</a:t>
+                      </a:r>
+                    </a:p>
+                  </a:txBody>
+                  <a:tcPr/>
+                </a:tc>
+                <a:tc>
+                  <a:txBody>
+                    <a:bodyPr/>
+                    <a:lstStyle/>
+                    <a:p>
+                      <a:r>
+                        <a:rPr lang="en-US" sz="1400" dirty="0"/>
+                        <a:t>STANDARD ERROR</a:t>
+                      </a:r>
+                    </a:p>
+                  </a:txBody>
+                  <a:tcPr/>
+                </a:tc>
+              </a:tr>
+              <a:tr h="370840">
+                <a:tc>
+                  <a:txBody>
+                    <a:bodyPr/>
+                    <a:lstStyle/>
+                    <a:p>
+                      <a:r>
+                        <a:rPr lang="en-US" sz="1400" dirty="0"/>
+                        <a:t>Avg. Min Temperature</a:t>
+                      </a:r>
+                    </a:p>
+                  </a:txBody>
+                  <a:tcPr/>
+                </a:tc>
+                <a:tc>
+                  <a:txBody>
+                    <a:bodyPr/>
+                    <a:lstStyle/>
+                    <a:p>
+                      <a:r>
+                        <a:rPr lang="en-US" sz="1400" dirty="0"/>
+                        <a:t>0.35</a:t>
+                      </a:r>
+                    </a:p>
+                  </a:txBody>
+                  <a:tcPr/>
+                </a:tc>
+                <a:tc>
+                  <a:txBody>
+                    <a:bodyPr/>
+                    <a:lstStyle/>
+                    <a:p>
+                      <a:r>
+                        <a:rPr lang="en-US" sz="1400" dirty="0"/>
+                        <a:t>1.02e-25</a:t>
+                      </a:r>
+                    </a:p>
+                  </a:txBody>
+                  <a:tcPr/>
+                </a:tc>
+                <a:tc>
+                  <a:txBody>
+                    <a:bodyPr/>
+                    <a:lstStyle/>
+                    <a:p>
+                      <a:r>
+                        <a:rPr lang="en-US" sz="1400" dirty="0"/>
+                        <a:t>0.56</a:t>
+                      </a:r>
+                    </a:p>
+                  </a:txBody>
+                  <a:tcPr/>
+                </a:tc>
+              </a:tr>
+              <a:tr h="370840">
+                <a:tc>
+                  <a:txBody>
+                    <a:bodyPr/>
+                    <a:lstStyle/>
+                    <a:p>
+                      <a:r>
+                        <a:rPr lang="en-US" sz="1400" dirty="0"/>
+                        <a:t>Cloud Cover</a:t>
+                      </a:r>
+                    </a:p>
+                  </a:txBody>
+                  <a:tcPr/>
+                </a:tc>
+                <a:tc>
+                  <a:txBody>
+                    <a:bodyPr/>
+                    <a:lstStyle/>
+                    <a:p>
+                      <a:r>
+                        <a:rPr lang="en-US" sz="1400" dirty="0"/>
+                        <a:t>0.027</a:t>
+                      </a:r>
+                    </a:p>
+                  </a:txBody>
+                  <a:tcPr/>
+                </a:tc>
+                <a:tc>
+                  <a:txBody>
+                    <a:bodyPr/>
+                    <a:lstStyle/>
+                    <a:p>
+                      <a:r>
+                        <a:rPr lang="en-US" sz="1400" dirty="0"/>
+                        <a:t>0.01</a:t>
+                      </a:r>
+                    </a:p>
+                  </a:txBody>
+                  <a:tcPr/>
+                </a:tc>
+                <a:tc>
+                  <a:txBody>
+                    <a:bodyPr/>
+                    <a:lstStyle/>
+                    <a:p>
+                      <a:r>
+                        <a:rPr lang="en-US" sz="1400" dirty="0"/>
+                        <a:t>73.47</a:t>
+                      </a:r>
+                    </a:p>
+                  </a:txBody>
+                  <a:tcPr/>
+                </a:tc>
+              </a:tr>
+              <a:tr h="370840">
+                <a:tc>
+                  <a:txBody>
+                    <a:bodyPr/>
+                    <a:lstStyle/>
+                    <a:p>
+                      <a:pPr marL="0" marR="0" lvl="0" indent="0" algn="l" defTabSz="457200" rtl="0" eaLnBrk="1" fontAlgn="auto" latinLnBrk="0" hangingPunct="1">
+                        <a:lnSpc>
+                          <a:spcPct val="100000"/>
+                        </a:lnSpc>
+                        <a:spcBef>
+                          <a:spcPts val="0"/>
+                        </a:spcBef>
+                        <a:spcAft>
+                          <a:spcPts val="0"/>
+                        </a:spcAft>
+                        <a:buClrTx/>
+                        <a:buSzTx/>
+                        <a:buFontTx/>
+                        <a:buNone/>
+                        <a:tabLst/>
+                        <a:defRPr/>
+                      </a:pPr>
+                      <a:r>
+                        <a:rPr lang="en-US" sz="1400" dirty="0"/>
+                        <a:t>Visibility</a:t>
+                      </a:r>
+                    </a:p>
+                  </a:txBody>
+                  <a:tcPr/>
+                </a:tc>
+                <a:tc>
+                  <a:txBody>
+                    <a:bodyPr/>
+                    <a:lstStyle/>
+                    <a:p>
+                      <a:r>
+                        <a:rPr lang="en-US" sz="1400" dirty="0"/>
+                        <a:t>0.09</a:t>
+                      </a:r>
+                    </a:p>
+                  </a:txBody>
+                  <a:tcPr/>
+                </a:tc>
+                <a:tc>
+                  <a:txBody>
+                    <a:bodyPr/>
+                    <a:lstStyle/>
+                    <a:p>
+                      <a:r>
+                        <a:rPr lang="en-US" sz="1400" dirty="0"/>
+                        <a:t>4.38e-07</a:t>
+                      </a:r>
+                    </a:p>
+                  </a:txBody>
+                  <a:tcPr/>
+                </a:tc>
+                <a:tc>
+                  <a:txBody>
+                    <a:bodyPr/>
+                    <a:lstStyle/>
+                    <a:p>
+                      <a:r>
+                        <a:rPr lang="en-US" sz="1400" dirty="0"/>
+                        <a:t>16.39</a:t>
+                      </a:r>
+                    </a:p>
+                  </a:txBody>
+                  <a:tcPr/>
+                </a:tc>
+              </a:tr>
+              <a:tr h="370840">
+                <a:tc>
+                  <a:txBody>
+                    <a:bodyPr/>
+                    <a:lstStyle/>
+                    <a:p>
+                      <a:r>
+                        <a:rPr lang="en-US" sz="1400" dirty="0"/>
+                        <a:t>Wind</a:t>
+                      </a:r>
+                    </a:p>
+                  </a:txBody>
+                  <a:tcPr/>
+                </a:tc>
+                <a:tc>
+                  <a:txBody>
+                    <a:bodyPr/>
+                    <a:lstStyle/>
+                    <a:p>
+                      <a:endParaRPr lang="en-US" sz="1400" dirty="0"/>
+                    </a:p>
+                  </a:txBody>
+                  <a:tcPr/>
+                </a:tc>
+                <a:tc>
+                  <a:txBody>
+                    <a:bodyPr/>
+                    <a:lstStyle/>
+                    <a:p>
+                      <a:endParaRPr lang="en-US" sz="1400" dirty="0"/>
+                    </a:p>
+                  </a:txBody>
+                  <a:tcPr/>
+                </a:tc>
+                <a:tc>
+                  <a:txBody>
+                    <a:bodyPr/>
+                    <a:lstStyle/>
+                    <a:p>
+                      <a:endParaRPr lang="en-US" sz="1400" dirty="0"/>
+                    </a:p>
+                  </a:txBody>
+                  <a:tcPr/>
+                </a:tc>
+              </a:tr>
+            </a:tbl>
+          </a:graphicData>
+        </a:graphic>
+      </p:graphicFrame>
+    </p:spTree>
+    <p:extLst>
+      <p:ext uri="{BB962C8B-B14F-4D97-AF65-F5344CB8AC3E}">
+        <p14:creationId xmlns:p14="http://schemas.microsoft.com/office/powerpoint/2010/main" val="506534143"/>
+      </p:ext>
+    </p:extLst>
+  </p:cSld>
+  <p:clrMapOvr>
+    <a:masterClrMapping/>
+  </p:clrMapOvr>
+</p:sld>
+</file>
+
+<file path=ppt/slides/slide18.xml><?xml version="1.0" encoding="utf-8"?>
+<p:sld xmlns:a="http://schemas.openxmlformats.org/drawingml/2006/main" xmlns:r="http://schemas.openxmlformats.org/officeDocument/2006/relationships" xmlns:p="http://schemas.openxmlformats.org/presentationml/2006/main" show="0">
+  <p:cSld>
+    <p:spTree>
+      <p:nvGrpSpPr>
+        <p:cNvPr id="1" name=""/>
+        <p:cNvGrpSpPr/>
+        <p:nvPr/>
+      </p:nvGrpSpPr>
+      <p:grpSpPr>
+        <a:xfrm>
+          <a:off x="0" y="0"/>
+          <a:ext cx="0" cy="0"/>
+          <a:chOff x="0" y="0"/>
+          <a:chExt cx="0" cy="0"/>
+        </a:xfrm>
+      </p:grpSpPr>
+      <p:sp>
+        <p:nvSpPr>
+          <p:cNvPr id="2" name="Title 1">
+            <a:extLst>
+              <a:ext uri="{FF2B5EF4-FFF2-40B4-BE49-F238E27FC236}">
+                <a16:creationId xmlns:a16="http://schemas.microsoft.com/office/drawing/2014/main" xmlns="" id="{D9F5893C-2899-492A-B6EB-CFF94DF228FA}"/>
+              </a:ext>
+            </a:extLst>
+          </p:cNvPr>
+          <p:cNvSpPr>
+            <a:spLocks noGrp="1"/>
+          </p:cNvSpPr>
+          <p:nvPr>
+            <p:ph type="title"/>
+          </p:nvPr>
+        </p:nvSpPr>
+        <p:spPr/>
+        <p:txBody>
+          <a:bodyPr/>
+          <a:lstStyle/>
+          <a:p>
+            <a:r>
+              <a:rPr lang="en-US" dirty="0"/>
+              <a:t>Collisions vs min avg temp</a:t>
+            </a:r>
+          </a:p>
+        </p:txBody>
+      </p:sp>
+      <p:pic>
+        <p:nvPicPr>
+          <p:cNvPr id="5" name="Content Placeholder 4">
+            <a:extLst>
+              <a:ext uri="{FF2B5EF4-FFF2-40B4-BE49-F238E27FC236}">
+                <a16:creationId xmlns:a16="http://schemas.microsoft.com/office/drawing/2014/main" xmlns="" id="{09861172-75D0-466C-8907-E5AE2403FA48}"/>
+              </a:ext>
+            </a:extLst>
+          </p:cNvPr>
+          <p:cNvPicPr>
+            <a:picLocks noGrp="1" noChangeAspect="1"/>
+          </p:cNvPicPr>
+          <p:nvPr>
+            <p:ph idx="1"/>
+          </p:nvPr>
+        </p:nvPicPr>
+        <p:blipFill>
+          <a:blip r:embed="rId2"/>
+          <a:stretch>
+            <a:fillRect/>
+          </a:stretch>
+        </p:blipFill>
+        <p:spPr>
+          <a:xfrm>
+            <a:off x="2101851" y="2141538"/>
+            <a:ext cx="7299323" cy="3649662"/>
+          </a:xfrm>
+        </p:spPr>
+      </p:pic>
+    </p:spTree>
+    <p:extLst>
+      <p:ext uri="{BB962C8B-B14F-4D97-AF65-F5344CB8AC3E}">
+        <p14:creationId xmlns:p14="http://schemas.microsoft.com/office/powerpoint/2010/main" val="3350803208"/>
+      </p:ext>
+    </p:extLst>
+  </p:cSld>
+  <p:clrMapOvr>
+    <a:masterClrMapping/>
+  </p:clrMapOvr>
+  <mc:AlternateContent xmlns:mc="http://schemas.openxmlformats.org/markup-compatibility/2006">
+    <mc:Choice xmlns:p14="http://schemas.microsoft.com/office/powerpoint/2010/main" Requires="p14">
+      <p:transition spd="slow" p14:dur="2000"/>
+    </mc:Choice>
+    <mc:Fallback>
+      <p:transition spd="slow"/>
+    </mc:Fallback>
+  </mc:AlternateContent>
+</p:sld>
+</file>
+
+<file path=ppt/slides/slide19.xml><?xml version="1.0" encoding="utf-8"?>
+<p:sld xmlns:a="http://schemas.openxmlformats.org/drawingml/2006/main" xmlns:r="http://schemas.openxmlformats.org/officeDocument/2006/relationships" xmlns:p="http://schemas.openxmlformats.org/presentationml/2006/main">
+  <p:cSld>
+    <p:spTree>
+      <p:nvGrpSpPr>
+        <p:cNvPr id="1" name=""/>
+        <p:cNvGrpSpPr/>
+        <p:nvPr/>
+      </p:nvGrpSpPr>
+      <p:grpSpPr>
+        <a:xfrm>
+          <a:off x="0" y="0"/>
+          <a:ext cx="0" cy="0"/>
+          <a:chOff x="0" y="0"/>
+          <a:chExt cx="0" cy="0"/>
+        </a:xfrm>
+      </p:grpSpPr>
+      <p:sp>
+        <p:nvSpPr>
+          <p:cNvPr id="2" name="Title 1">
+            <a:extLst>
+              <a:ext uri="{FF2B5EF4-FFF2-40B4-BE49-F238E27FC236}">
+                <a16:creationId xmlns:a16="http://schemas.microsoft.com/office/drawing/2014/main" xmlns="" id="{DAF04FBD-68E8-4194-BAD4-0E2591D576AA}"/>
+              </a:ext>
+            </a:extLst>
+          </p:cNvPr>
+          <p:cNvSpPr>
+            <a:spLocks noGrp="1"/>
+          </p:cNvSpPr>
+          <p:nvPr>
+            <p:ph type="title"/>
+          </p:nvPr>
+        </p:nvSpPr>
+        <p:spPr/>
+        <p:txBody>
+          <a:bodyPr/>
+          <a:lstStyle/>
+          <a:p>
+            <a:r>
+              <a:rPr lang="en-US" dirty="0" smtClean="0"/>
+              <a:t>Conclusion</a:t>
+            </a:r>
+            <a:endParaRPr lang="en-US" dirty="0"/>
+          </a:p>
+        </p:txBody>
+      </p:sp>
+      <p:sp>
+        <p:nvSpPr>
+          <p:cNvPr id="3" name="Content Placeholder 2">
+            <a:extLst>
+              <a:ext uri="{FF2B5EF4-FFF2-40B4-BE49-F238E27FC236}">
+                <a16:creationId xmlns:a16="http://schemas.microsoft.com/office/drawing/2014/main" xmlns="" id="{8C5F47FE-8208-4CFF-A7C5-DA4BA3139A5A}"/>
+              </a:ext>
+            </a:extLst>
+          </p:cNvPr>
+          <p:cNvSpPr>
+            <a:spLocks noGrp="1"/>
+          </p:cNvSpPr>
+          <p:nvPr>
+            <p:ph idx="1"/>
+          </p:nvPr>
+        </p:nvSpPr>
+        <p:spPr/>
+        <p:txBody>
+          <a:bodyPr/>
+          <a:lstStyle/>
+          <a:p>
+            <a:r>
+              <a:rPr lang="en-US" dirty="0"/>
+              <a:t> There is no statistical significance between the weather and the amount of collisions, and collision related injuries, and deaths. </a:t>
+            </a:r>
+            <a:endParaRPr lang="en-US" dirty="0" smtClean="0"/>
+          </a:p>
+          <a:p>
+            <a:pPr lvl="1"/>
+            <a:r>
+              <a:rPr lang="en-US" dirty="0" smtClean="0"/>
+              <a:t>We refute the null hypothesis based on temperature </a:t>
+            </a:r>
+          </a:p>
+          <a:p>
+            <a:pPr lvl="1"/>
+            <a:r>
+              <a:rPr lang="en-US" dirty="0" smtClean="0"/>
+              <a:t>We accept the null hypothesis on all other weather conditions</a:t>
+            </a:r>
+            <a:endParaRPr lang="en-US" dirty="0"/>
+          </a:p>
+          <a:p>
+            <a:endParaRPr lang="en-US" dirty="0" smtClean="0"/>
+          </a:p>
+          <a:p>
+            <a:endParaRPr lang="en-US" dirty="0"/>
+          </a:p>
+          <a:p>
+            <a:pPr marL="0" indent="0">
+              <a:buNone/>
+            </a:pPr>
+            <a:endParaRPr lang="en-US" dirty="0"/>
+          </a:p>
+        </p:txBody>
+      </p:sp>
+    </p:spTree>
+    <p:extLst>
+      <p:ext uri="{BB962C8B-B14F-4D97-AF65-F5344CB8AC3E}">
+        <p14:creationId xmlns:p14="http://schemas.microsoft.com/office/powerpoint/2010/main" val="965116165"/>
       </p:ext>
     </p:extLst>
   </p:cSld>
@@ -6007,7 +8909,7 @@
           <p:cNvPr id="2" name="Title 1">
             <a:extLst>
               <a:ext uri="{FF2B5EF4-FFF2-40B4-BE49-F238E27FC236}">
-                <a16:creationId xmlns:a16="http://schemas.microsoft.com/office/drawing/2014/main" id="{D342906F-996B-4A66-BEB4-13C4A5D51C9A}"/>
+                <a16:creationId xmlns:a16="http://schemas.microsoft.com/office/drawing/2014/main" xmlns="" id="{D342906F-996B-4A66-BEB4-13C4A5D51C9A}"/>
               </a:ext>
             </a:extLst>
           </p:cNvPr>
@@ -6035,7 +8937,7 @@
           <p:cNvPr id="3" name="Content Placeholder 2">
             <a:extLst>
               <a:ext uri="{FF2B5EF4-FFF2-40B4-BE49-F238E27FC236}">
-                <a16:creationId xmlns:a16="http://schemas.microsoft.com/office/drawing/2014/main" id="{B2BD0169-7FD4-44CC-9DCF-20BEC492881F}"/>
+                <a16:creationId xmlns:a16="http://schemas.microsoft.com/office/drawing/2014/main" xmlns="" id="{B2BD0169-7FD4-44CC-9DCF-20BEC492881F}"/>
               </a:ext>
             </a:extLst>
           </p:cNvPr>
@@ -6046,20 +8948,75 @@
             <p:ph idx="1"/>
           </p:nvPr>
         </p:nvSpPr>
-        <p:spPr/>
-        <p:txBody>
-          <a:bodyPr/>
+        <p:spPr>
+          <a:xfrm>
+            <a:off x="685800" y="1983806"/>
+            <a:ext cx="10131425" cy="3649133"/>
+          </a:xfrm>
+        </p:spPr>
+        <p:txBody>
+          <a:bodyPr>
+            <a:normAutofit fontScale="92500"/>
+          </a:bodyPr>
           <a:lstStyle/>
           <a:p>
+            <a:endParaRPr lang="en-US" dirty="0" smtClean="0"/>
+          </a:p>
+          <a:p>
+            <a:r>
+              <a:rPr lang="en-US" dirty="0" smtClean="0"/>
+              <a:t>Approximately </a:t>
+            </a:r>
             <a:r>
               <a:rPr lang="en-US" dirty="0"/>
-              <a:t>There is no statistical significance between the weather and the amount of collisions, and collision related injuries, and deaths. </a:t>
-            </a:r>
-          </a:p>
-          <a:p>
+              <a:t>40,000 people killed by traffic collisions and hundreds of thousands more injured every year. </a:t>
+            </a:r>
+            <a:endParaRPr lang="en-US" dirty="0" smtClean="0"/>
+          </a:p>
+          <a:p>
+            <a:r>
+              <a:rPr lang="en-US" dirty="0" smtClean="0"/>
+              <a:t>In a effort to eliminate traffic related deaths, Vision Zero aims to create safe, healthy equitable mobility by studying trends in traffic collisions</a:t>
+            </a:r>
+          </a:p>
+          <a:p>
+            <a:pPr marL="0" indent="0">
+              <a:buNone/>
+            </a:pPr>
+            <a:endParaRPr lang="en-US" dirty="0" smtClean="0"/>
+          </a:p>
+          <a:p>
+            <a:r>
+              <a:rPr lang="en-US" dirty="0" smtClean="0"/>
+              <a:t>Does the weather conditions affect the amount of collisions and collision related injuries? </a:t>
+            </a:r>
+          </a:p>
+          <a:p>
+            <a:pPr lvl="1"/>
+            <a:r>
+              <a:rPr lang="en-US" dirty="0" smtClean="0"/>
+              <a:t>There </a:t>
+            </a:r>
             <a:r>
               <a:rPr lang="en-US" dirty="0"/>
-              <a:t>We were able to find a correlation between weather and accidents </a:t>
+              <a:t>is no statistical significance between the weather and the amount of collisions, and collision related injuries, and deaths. </a:t>
+            </a:r>
+          </a:p>
+          <a:p>
+            <a:endParaRPr lang="en-US" dirty="0"/>
+          </a:p>
+          <a:p>
+            <a:r>
+              <a:rPr lang="en-US" dirty="0"/>
+              <a:t>We were able to find a correlation between </a:t>
+            </a:r>
+            <a:r>
+              <a:rPr lang="en-US" dirty="0" smtClean="0"/>
+              <a:t>temperature </a:t>
+            </a:r>
+            <a:r>
+              <a:rPr lang="en-US" dirty="0"/>
+              <a:t>and accidents </a:t>
             </a:r>
           </a:p>
           <a:p>
@@ -6071,6 +9028,371 @@
     <p:extLst>
       <p:ext uri="{BB962C8B-B14F-4D97-AF65-F5344CB8AC3E}">
         <p14:creationId xmlns:p14="http://schemas.microsoft.com/office/powerpoint/2010/main" val="1153779451"/>
+      </p:ext>
+    </p:extLst>
+  </p:cSld>
+  <p:clrMapOvr>
+    <a:masterClrMapping/>
+  </p:clrMapOvr>
+</p:sld>
+</file>
+
+<file path=ppt/slides/slide20.xml><?xml version="1.0" encoding="utf-8"?>
+<p:sld xmlns:a="http://schemas.openxmlformats.org/drawingml/2006/main" xmlns:r="http://schemas.openxmlformats.org/officeDocument/2006/relationships" xmlns:p="http://schemas.openxmlformats.org/presentationml/2006/main">
+  <p:cSld>
+    <p:spTree>
+      <p:nvGrpSpPr>
+        <p:cNvPr id="1" name=""/>
+        <p:cNvGrpSpPr/>
+        <p:nvPr/>
+      </p:nvGrpSpPr>
+      <p:grpSpPr>
+        <a:xfrm>
+          <a:off x="0" y="0"/>
+          <a:ext cx="0" cy="0"/>
+          <a:chOff x="0" y="0"/>
+          <a:chExt cx="0" cy="0"/>
+        </a:xfrm>
+      </p:grpSpPr>
+      <p:sp>
+        <p:nvSpPr>
+          <p:cNvPr id="2" name="Title 1"/>
+          <p:cNvSpPr>
+            <a:spLocks noGrp="1"/>
+          </p:cNvSpPr>
+          <p:nvPr>
+            <p:ph type="title"/>
+          </p:nvPr>
+        </p:nvSpPr>
+        <p:spPr/>
+        <p:txBody>
+          <a:bodyPr/>
+          <a:lstStyle/>
+          <a:p>
+            <a:r>
+              <a:rPr lang="en-US" dirty="0" smtClean="0"/>
+              <a:t>Conclusions </a:t>
+            </a:r>
+            <a:endParaRPr lang="en-US" dirty="0"/>
+          </a:p>
+        </p:txBody>
+      </p:sp>
+      <p:sp>
+        <p:nvSpPr>
+          <p:cNvPr id="3" name="Content Placeholder 2"/>
+          <p:cNvSpPr>
+            <a:spLocks noGrp="1"/>
+          </p:cNvSpPr>
+          <p:nvPr>
+            <p:ph idx="1"/>
+          </p:nvPr>
+        </p:nvSpPr>
+        <p:spPr>
+          <a:xfrm>
+            <a:off x="606669" y="2280140"/>
+            <a:ext cx="10289688" cy="3909646"/>
+          </a:xfrm>
+        </p:spPr>
+        <p:txBody>
+          <a:bodyPr/>
+          <a:lstStyle/>
+          <a:p>
+            <a:pPr marL="0" indent="0">
+              <a:buNone/>
+            </a:pPr>
+            <a:r>
+              <a:rPr lang="en-US" dirty="0" smtClean="0"/>
+              <a:t>Expected Results</a:t>
+            </a:r>
+            <a:endParaRPr lang="en-US" dirty="0"/>
+          </a:p>
+          <a:p>
+            <a:pPr lvl="1"/>
+            <a:r>
+              <a:rPr lang="en-US" dirty="0" smtClean="0"/>
+              <a:t>We expected higher traffic collisions during adverse weather conditions </a:t>
+            </a:r>
+          </a:p>
+          <a:p>
+            <a:pPr marL="457200" lvl="1" indent="0">
+              <a:buNone/>
+            </a:pPr>
+            <a:endParaRPr lang="en-US" dirty="0"/>
+          </a:p>
+          <a:p>
+            <a:pPr marL="0" indent="0">
+              <a:buNone/>
+            </a:pPr>
+            <a:r>
+              <a:rPr lang="en-US" dirty="0" smtClean="0"/>
+              <a:t>Inferences</a:t>
+            </a:r>
+          </a:p>
+          <a:p>
+            <a:pPr lvl="1"/>
+            <a:r>
+              <a:rPr lang="en-US" dirty="0" smtClean="0"/>
+              <a:t>The higher amounts of traffic collisions in the summer may be due to other factors such as: </a:t>
+            </a:r>
+          </a:p>
+          <a:p>
+            <a:pPr lvl="2"/>
+            <a:r>
+              <a:rPr lang="en-US" dirty="0" smtClean="0"/>
+              <a:t>Increase in total miles driven per person </a:t>
+            </a:r>
+          </a:p>
+          <a:p>
+            <a:pPr lvl="2"/>
+            <a:r>
+              <a:rPr lang="en-US" dirty="0" smtClean="0"/>
+              <a:t>Increased tourism  </a:t>
+            </a:r>
+          </a:p>
+          <a:p>
+            <a:pPr lvl="2"/>
+            <a:r>
+              <a:rPr lang="en-US" dirty="0" smtClean="0"/>
+              <a:t>Increase in night time activities </a:t>
+            </a:r>
+          </a:p>
+          <a:p>
+            <a:pPr lvl="2"/>
+            <a:endParaRPr lang="en-US" dirty="0" smtClean="0"/>
+          </a:p>
+          <a:p>
+            <a:pPr lvl="1"/>
+            <a:endParaRPr lang="en-US" dirty="0"/>
+          </a:p>
+          <a:p>
+            <a:endParaRPr lang="en-US" dirty="0"/>
+          </a:p>
+        </p:txBody>
+      </p:sp>
+    </p:spTree>
+    <p:extLst>
+      <p:ext uri="{BB962C8B-B14F-4D97-AF65-F5344CB8AC3E}">
+        <p14:creationId xmlns:p14="http://schemas.microsoft.com/office/powerpoint/2010/main" val="173081127"/>
+      </p:ext>
+    </p:extLst>
+  </p:cSld>
+  <p:clrMapOvr>
+    <a:masterClrMapping/>
+  </p:clrMapOvr>
+</p:sld>
+</file>
+
+<file path=ppt/slides/slide21.xml><?xml version="1.0" encoding="utf-8"?>
+<p:sld xmlns:a="http://schemas.openxmlformats.org/drawingml/2006/main" xmlns:r="http://schemas.openxmlformats.org/officeDocument/2006/relationships" xmlns:p="http://schemas.openxmlformats.org/presentationml/2006/main">
+  <p:cSld>
+    <p:spTree>
+      <p:nvGrpSpPr>
+        <p:cNvPr id="1" name=""/>
+        <p:cNvGrpSpPr/>
+        <p:nvPr/>
+      </p:nvGrpSpPr>
+      <p:grpSpPr>
+        <a:xfrm>
+          <a:off x="0" y="0"/>
+          <a:ext cx="0" cy="0"/>
+          <a:chOff x="0" y="0"/>
+          <a:chExt cx="0" cy="0"/>
+        </a:xfrm>
+      </p:grpSpPr>
+      <p:sp>
+        <p:nvSpPr>
+          <p:cNvPr id="2" name="Title 1"/>
+          <p:cNvSpPr>
+            <a:spLocks noGrp="1"/>
+          </p:cNvSpPr>
+          <p:nvPr>
+            <p:ph type="title"/>
+          </p:nvPr>
+        </p:nvSpPr>
+        <p:spPr/>
+        <p:txBody>
+          <a:bodyPr/>
+          <a:lstStyle/>
+          <a:p>
+            <a:r>
+              <a:rPr lang="en-US" dirty="0"/>
+              <a:t>Further exploration &amp; difficulties</a:t>
+            </a:r>
+          </a:p>
+        </p:txBody>
+      </p:sp>
+      <p:sp>
+        <p:nvSpPr>
+          <p:cNvPr id="3" name="Content Placeholder 2"/>
+          <p:cNvSpPr>
+            <a:spLocks noGrp="1"/>
+          </p:cNvSpPr>
+          <p:nvPr>
+            <p:ph sz="half" idx="1"/>
+          </p:nvPr>
+        </p:nvSpPr>
+        <p:spPr>
+          <a:xfrm>
+            <a:off x="3030418" y="2018974"/>
+            <a:ext cx="4995334" cy="3649134"/>
+          </a:xfrm>
+        </p:spPr>
+        <p:txBody>
+          <a:bodyPr/>
+          <a:lstStyle/>
+          <a:p>
+            <a:pPr marL="0" indent="0">
+              <a:buNone/>
+            </a:pPr>
+            <a:r>
+              <a:rPr lang="en-US" dirty="0"/>
+              <a:t>Difficulties:</a:t>
+            </a:r>
+          </a:p>
+          <a:p>
+            <a:r>
+              <a:rPr lang="en-US" dirty="0"/>
+              <a:t>API limits</a:t>
+            </a:r>
+          </a:p>
+          <a:p>
+            <a:r>
+              <a:rPr lang="en-US" dirty="0" err="1"/>
+              <a:t>Git</a:t>
+            </a:r>
+            <a:r>
+              <a:rPr lang="en-US" dirty="0"/>
+              <a:t> LFS</a:t>
+            </a:r>
+          </a:p>
+          <a:p>
+            <a:r>
+              <a:rPr lang="en-US" dirty="0"/>
+              <a:t>Correcting weeks and years at year boundaries</a:t>
+            </a:r>
+          </a:p>
+          <a:p>
+            <a:endParaRPr lang="en-US" dirty="0"/>
+          </a:p>
+        </p:txBody>
+      </p:sp>
+    </p:spTree>
+    <p:extLst>
+      <p:ext uri="{BB962C8B-B14F-4D97-AF65-F5344CB8AC3E}">
+        <p14:creationId xmlns:p14="http://schemas.microsoft.com/office/powerpoint/2010/main" val="1254543814"/>
+      </p:ext>
+    </p:extLst>
+  </p:cSld>
+  <p:clrMapOvr>
+    <a:masterClrMapping/>
+  </p:clrMapOvr>
+</p:sld>
+</file>
+
+<file path=ppt/slides/slide22.xml><?xml version="1.0" encoding="utf-8"?>
+<p:sld xmlns:a="http://schemas.openxmlformats.org/drawingml/2006/main" xmlns:r="http://schemas.openxmlformats.org/officeDocument/2006/relationships" xmlns:p="http://schemas.openxmlformats.org/presentationml/2006/main">
+  <p:cSld>
+    <p:spTree>
+      <p:nvGrpSpPr>
+        <p:cNvPr id="1" name=""/>
+        <p:cNvGrpSpPr/>
+        <p:nvPr/>
+      </p:nvGrpSpPr>
+      <p:grpSpPr>
+        <a:xfrm>
+          <a:off x="0" y="0"/>
+          <a:ext cx="0" cy="0"/>
+          <a:chOff x="0" y="0"/>
+          <a:chExt cx="0" cy="0"/>
+        </a:xfrm>
+      </p:grpSpPr>
+      <p:sp>
+        <p:nvSpPr>
+          <p:cNvPr id="2" name="Title 1">
+            <a:extLst>
+              <a:ext uri="{FF2B5EF4-FFF2-40B4-BE49-F238E27FC236}">
+                <a16:creationId xmlns:a16="http://schemas.microsoft.com/office/drawing/2014/main" xmlns="" id="{E92A2105-2D73-4E24-B721-D796B790C1AC}"/>
+              </a:ext>
+            </a:extLst>
+          </p:cNvPr>
+          <p:cNvSpPr>
+            <a:spLocks noGrp="1"/>
+          </p:cNvSpPr>
+          <p:nvPr>
+            <p:ph type="title"/>
+          </p:nvPr>
+        </p:nvSpPr>
+        <p:spPr/>
+        <p:txBody>
+          <a:bodyPr/>
+          <a:lstStyle/>
+          <a:p>
+            <a:r>
+              <a:rPr lang="en-US" dirty="0" err="1" smtClean="0"/>
+              <a:t>FurThe</a:t>
+            </a:r>
+            <a:r>
+              <a:rPr lang="en-US" dirty="0" err="1" smtClean="0"/>
+              <a:t>r</a:t>
+            </a:r>
+            <a:r>
+              <a:rPr lang="en-US" dirty="0" smtClean="0"/>
+              <a:t> </a:t>
+            </a:r>
+            <a:r>
+              <a:rPr lang="en-US" dirty="0" err="1" smtClean="0"/>
+              <a:t>RESearch</a:t>
+            </a:r>
+            <a:r>
+              <a:rPr lang="en-US" dirty="0" smtClean="0"/>
+              <a:t>/ </a:t>
+            </a:r>
+            <a:r>
+              <a:rPr lang="en-US" dirty="0" smtClean="0"/>
+              <a:t>questions</a:t>
+            </a:r>
+            <a:endParaRPr lang="en-US" dirty="0"/>
+          </a:p>
+        </p:txBody>
+      </p:sp>
+      <p:sp>
+        <p:nvSpPr>
+          <p:cNvPr id="3" name="Content Placeholder 2">
+            <a:extLst>
+              <a:ext uri="{FF2B5EF4-FFF2-40B4-BE49-F238E27FC236}">
+                <a16:creationId xmlns:a16="http://schemas.microsoft.com/office/drawing/2014/main" xmlns="" id="{C89E16CA-E7C2-43BA-B746-A817BEFC115B}"/>
+              </a:ext>
+            </a:extLst>
+          </p:cNvPr>
+          <p:cNvSpPr>
+            <a:spLocks noGrp="1"/>
+          </p:cNvSpPr>
+          <p:nvPr>
+            <p:ph idx="1"/>
+          </p:nvPr>
+        </p:nvSpPr>
+        <p:spPr/>
+        <p:txBody>
+          <a:bodyPr/>
+          <a:lstStyle/>
+          <a:p>
+            <a:pPr lvl="1"/>
+            <a:r>
+              <a:rPr lang="en-US" smtClean="0"/>
+              <a:t>Does </a:t>
+            </a:r>
+            <a:r>
+              <a:rPr lang="en-US" dirty="0" smtClean="0"/>
+              <a:t>the temperature affect the number of Pedestrians killed or injured?</a:t>
+            </a:r>
+            <a:endParaRPr lang="en-US" dirty="0"/>
+          </a:p>
+        </p:txBody>
+      </p:sp>
+    </p:spTree>
+    <p:extLst>
+      <p:ext uri="{BB962C8B-B14F-4D97-AF65-F5344CB8AC3E}">
+        <p14:creationId xmlns:p14="http://schemas.microsoft.com/office/powerpoint/2010/main" val="3798023118"/>
       </p:ext>
     </p:extLst>
   </p:cSld>
@@ -6099,13 +9421,7 @@
       </p:grpSpPr>
       <p:sp>
         <p:nvSpPr>
-          <p:cNvPr id="2" name="Title 1">
-            <a:extLst>
-              <a:ext uri="{FF2B5EF4-FFF2-40B4-BE49-F238E27FC236}">
-                <a16:creationId xmlns:a16="http://schemas.microsoft.com/office/drawing/2014/main" id="{3F944E5D-74C5-4D5B-82CF-2E7207B6111C}"/>
-              </a:ext>
-            </a:extLst>
-          </p:cNvPr>
+          <p:cNvPr id="2" name="Title 1"/>
           <p:cNvSpPr>
             <a:spLocks noGrp="1"/>
           </p:cNvSpPr>
@@ -6119,56 +9435,83 @@
           <a:lstStyle/>
           <a:p>
             <a:r>
-              <a:rPr lang="en-US" dirty="0"/>
-              <a:t>Questions &amp; Data</a:t>
-            </a:r>
-          </a:p>
-        </p:txBody>
-      </p:sp>
-      <p:sp>
-        <p:nvSpPr>
-          <p:cNvPr id="3" name="Content Placeholder 2">
-            <a:extLst>
-              <a:ext uri="{FF2B5EF4-FFF2-40B4-BE49-F238E27FC236}">
-                <a16:creationId xmlns:a16="http://schemas.microsoft.com/office/drawing/2014/main" id="{30A1A713-E431-4A6E-A04B-6CC1A7747713}"/>
-              </a:ext>
-            </a:extLst>
-          </p:cNvPr>
-          <p:cNvSpPr>
-            <a:spLocks noGrp="1"/>
-          </p:cNvSpPr>
-          <p:nvPr>
-            <p:ph idx="1"/>
-          </p:nvPr>
-        </p:nvSpPr>
-        <p:spPr/>
-        <p:txBody>
-          <a:bodyPr/>
+              <a:rPr lang="en-US" dirty="0" smtClean="0"/>
+              <a:t>Questions</a:t>
+            </a:r>
+            <a:endParaRPr lang="en-US" dirty="0"/>
+          </a:p>
+        </p:txBody>
+      </p:sp>
+      <p:sp>
+        <p:nvSpPr>
+          <p:cNvPr id="3" name="TextBox 2"/>
+          <p:cNvSpPr txBox="1"/>
+          <p:nvPr/>
+        </p:nvSpPr>
+        <p:spPr>
+          <a:xfrm>
+            <a:off x="1430215" y="3065585"/>
+            <a:ext cx="9513502" cy="1754326"/>
+          </a:xfrm>
+          <a:prstGeom prst="rect">
+            <a:avLst/>
+          </a:prstGeom>
+          <a:noFill/>
+        </p:spPr>
+        <p:txBody>
+          <a:bodyPr wrap="none" rtlCol="0">
+            <a:spAutoFit/>
+          </a:bodyPr>
           <a:lstStyle/>
           <a:p>
-            <a:r>
-              <a:rPr lang="en-US" dirty="0"/>
-              <a:t>How did we answer the questions?</a:t>
-            </a:r>
-          </a:p>
-          <a:p>
-            <a:r>
-              <a:rPr lang="en-US" dirty="0"/>
-              <a:t>describing what kinds of data you needed to answer them</a:t>
-            </a:r>
-          </a:p>
-          <a:p>
-            <a:r>
-              <a:rPr lang="en-US" dirty="0"/>
-              <a:t>Where we found the data</a:t>
-            </a:r>
+            <a:pPr marL="285750" indent="-285750">
+              <a:buFont typeface="Arial" charset="0"/>
+              <a:buChar char="•"/>
+            </a:pPr>
+            <a:r>
+              <a:rPr lang="en-US" dirty="0" smtClean="0"/>
+              <a:t>Which weather type has the highest occurrence of collisions?</a:t>
+            </a:r>
+          </a:p>
+          <a:p>
+            <a:endParaRPr lang="en-US" dirty="0" smtClean="0"/>
+          </a:p>
+          <a:p>
+            <a:pPr marL="285750" indent="-285750">
+              <a:buFont typeface="Arial" charset="0"/>
+              <a:buChar char="•"/>
+            </a:pPr>
+            <a:r>
+              <a:rPr lang="en-US" dirty="0" smtClean="0"/>
+              <a:t>Does cloudiness have a significant effect on the number of Collisions or Injuries?</a:t>
+            </a:r>
+          </a:p>
+          <a:p>
+            <a:endParaRPr lang="en-US" dirty="0" smtClean="0"/>
+          </a:p>
+          <a:p>
+            <a:pPr marL="285750" indent="-285750">
+              <a:buFont typeface="Arial" charset="0"/>
+              <a:buChar char="•"/>
+            </a:pPr>
+            <a:r>
+              <a:rPr lang="en-US" dirty="0" smtClean="0"/>
+              <a:t>Does the minimum temperature have a significant effect on the number of Collisions or Injuries?</a:t>
+            </a:r>
+          </a:p>
+          <a:p>
+            <a:pPr marL="285750" indent="-285750">
+              <a:buFont typeface="Arial" charset="0"/>
+              <a:buChar char="•"/>
+            </a:pPr>
+            <a:endParaRPr lang="en-US" dirty="0"/>
           </a:p>
         </p:txBody>
       </p:sp>
     </p:spTree>
     <p:extLst>
       <p:ext uri="{BB962C8B-B14F-4D97-AF65-F5344CB8AC3E}">
-        <p14:creationId xmlns:p14="http://schemas.microsoft.com/office/powerpoint/2010/main" val="1889206669"/>
+        <p14:creationId xmlns:p14="http://schemas.microsoft.com/office/powerpoint/2010/main" val="1048799469"/>
       </p:ext>
     </p:extLst>
   </p:cSld>
@@ -6200,7 +9543,7 @@
           <p:cNvPr id="2" name="Title 1">
             <a:extLst>
               <a:ext uri="{FF2B5EF4-FFF2-40B4-BE49-F238E27FC236}">
-                <a16:creationId xmlns:a16="http://schemas.microsoft.com/office/drawing/2014/main" id="{E4B974D2-5883-43A9-B4F6-67C710FAC5D3}"/>
+                <a16:creationId xmlns:a16="http://schemas.microsoft.com/office/drawing/2014/main" xmlns="" id="{3F944E5D-74C5-4D5B-82CF-2E7207B6111C}"/>
               </a:ext>
             </a:extLst>
           </p:cNvPr>
@@ -6217,9 +9560,10 @@
           <a:lstStyle/>
           <a:p>
             <a:r>
-              <a:rPr lang="en-US" dirty="0"/>
-              <a:t>Data Cleanup &amp; exploration</a:t>
-            </a:r>
+              <a:rPr lang="en-US" dirty="0" smtClean="0"/>
+              <a:t>Data</a:t>
+            </a:r>
+            <a:endParaRPr lang="en-US" dirty="0"/>
           </a:p>
         </p:txBody>
       </p:sp>
@@ -6228,7 +9572,7 @@
           <p:cNvPr id="3" name="Content Placeholder 2">
             <a:extLst>
               <a:ext uri="{FF2B5EF4-FFF2-40B4-BE49-F238E27FC236}">
-                <a16:creationId xmlns:a16="http://schemas.microsoft.com/office/drawing/2014/main" id="{C8E0085E-18F2-4752-BD2E-C6B0ACC328DF}"/>
+                <a16:creationId xmlns:a16="http://schemas.microsoft.com/office/drawing/2014/main" xmlns="" id="{30A1A713-E431-4A6E-A04B-6CC1A7747713}"/>
               </a:ext>
             </a:extLst>
           </p:cNvPr>
@@ -6241,46 +9585,76 @@
         </p:nvSpPr>
         <p:spPr/>
         <p:txBody>
-          <a:bodyPr/>
+          <a:bodyPr>
+            <a:normAutofit/>
+          </a:bodyPr>
           <a:lstStyle/>
           <a:p>
+            <a:pPr marL="0" indent="0">
+              <a:buNone/>
+            </a:pPr>
+            <a:endParaRPr lang="en-US" dirty="0"/>
+          </a:p>
+          <a:p>
+            <a:pPr fontAlgn="base"/>
+            <a:r>
+              <a:rPr lang="en-US" b="1" dirty="0"/>
+              <a:t>NYC Open Data: </a:t>
+            </a:r>
+          </a:p>
+          <a:p>
+            <a:pPr lvl="1" fontAlgn="base"/>
             <a:r>
               <a:rPr lang="en-US" dirty="0"/>
-              <a:t>Describe the exploration and cleanup process</a:t>
-            </a:r>
-          </a:p>
-          <a:p>
+              <a:t>monthly breakdown of every collision in NYC by location and injury or death. Each record represents a collision in NYC by city, borough, precinct and cross street. This data is typically used by the NYPD and general public to see dangerous/safe intersections in NYC. </a:t>
+            </a:r>
+            <a:endParaRPr lang="en-US" b="1" dirty="0"/>
+          </a:p>
+          <a:p>
+            <a:pPr fontAlgn="base"/>
+            <a:r>
+              <a:rPr lang="en-US" b="1" dirty="0" err="1"/>
+              <a:t>DarkSkyAPI</a:t>
+            </a:r>
+            <a:r>
+              <a:rPr lang="en-US" b="1" dirty="0"/>
+              <a:t>: </a:t>
+            </a:r>
+          </a:p>
+          <a:p>
+            <a:pPr lvl="1" fontAlgn="base"/>
             <a:r>
               <a:rPr lang="en-US" dirty="0"/>
-              <a:t>Discuss insights you had while exploring the data that you didn't anticipate</a:t>
-            </a:r>
-          </a:p>
-          <a:p>
+              <a:t>This </a:t>
+            </a:r>
+            <a:r>
+              <a:rPr lang="en-US" dirty="0" err="1"/>
+              <a:t>api</a:t>
+            </a:r>
             <a:r>
               <a:rPr lang="en-US" dirty="0"/>
-              <a:t>Discuss any problems that arose after exploring the data, and how you resolved them</a:t>
-            </a:r>
-          </a:p>
-          <a:p>
+              <a:t> request provides minutely, hourly, and daily current and historical data for weather conditions. For our research, we will focus on humidity, cloudiness, temperature. </a:t>
+            </a:r>
+          </a:p>
+          <a:p>
+            <a:pPr marL="0" indent="0">
+              <a:buNone/>
+            </a:pPr>
             <a:r>
               <a:rPr lang="en-US" dirty="0"/>
-              <a:t>Present and discuss interesting figures developed during exploration, ideally with the help of </a:t>
-            </a:r>
-            <a:r>
-              <a:rPr lang="en-US" dirty="0" err="1"/>
-              <a:t>Jupyter</a:t>
-            </a:r>
-            <a:r>
+              <a:t/>
+            </a:r>
+            <a:br>
               <a:rPr lang="en-US" dirty="0"/>
-              <a:t> Notebook</a:t>
-            </a:r>
+            </a:br>
+            <a:endParaRPr lang="en-US" dirty="0"/>
           </a:p>
         </p:txBody>
       </p:sp>
     </p:spTree>
     <p:extLst>
       <p:ext uri="{BB962C8B-B14F-4D97-AF65-F5344CB8AC3E}">
-        <p14:creationId xmlns:p14="http://schemas.microsoft.com/office/powerpoint/2010/main" val="464998534"/>
+        <p14:creationId xmlns:p14="http://schemas.microsoft.com/office/powerpoint/2010/main" val="1889206669"/>
       </p:ext>
     </p:extLst>
   </p:cSld>
@@ -6309,10 +9683,10 @@
       </p:grpSpPr>
       <p:sp>
         <p:nvSpPr>
-          <p:cNvPr id="2" name="Title 1">
+          <p:cNvPr id="3" name="Content Placeholder 2">
             <a:extLst>
               <a:ext uri="{FF2B5EF4-FFF2-40B4-BE49-F238E27FC236}">
-                <a16:creationId xmlns:a16="http://schemas.microsoft.com/office/drawing/2014/main" id="{D5DDA148-DFCE-4891-9EAA-B72040FAB27E}"/>
+                <a16:creationId xmlns:a16="http://schemas.microsoft.com/office/drawing/2014/main" xmlns="" id="{0A940520-3412-47B6-BC6C-2BAE173C48C8}"/>
               </a:ext>
             </a:extLst>
           </p:cNvPr>
@@ -6320,59 +9694,263 @@
             <a:spLocks noGrp="1"/>
           </p:cNvSpPr>
           <p:nvPr>
-            <p:ph type="title"/>
-          </p:nvPr>
-        </p:nvSpPr>
-        <p:spPr/>
-        <p:txBody>
-          <a:bodyPr/>
+            <p:ph sz="half" idx="1"/>
+          </p:nvPr>
+        </p:nvSpPr>
+        <p:spPr>
+          <a:xfrm>
+            <a:off x="6492800" y="810706"/>
+            <a:ext cx="4995334" cy="3195686"/>
+          </a:xfrm>
+        </p:spPr>
+        <p:txBody>
+          <a:bodyPr>
+            <a:normAutofit fontScale="92500" lnSpcReduction="10000"/>
+          </a:bodyPr>
           <a:lstStyle/>
           <a:p>
             <a:r>
               <a:rPr lang="en-US" dirty="0"/>
-              <a:t>Data Analysis</a:t>
-            </a:r>
-          </a:p>
-        </p:txBody>
-      </p:sp>
-      <p:sp>
-        <p:nvSpPr>
-          <p:cNvPr id="3" name="Content Placeholder 2">
+              <a:t>Download NYPD Motor Vehicle Collisions report from NYC Open Data</a:t>
+            </a:r>
+          </a:p>
+          <a:p>
+            <a:pPr lvl="1"/>
+            <a:r>
+              <a:rPr lang="en-US" b="1" dirty="0"/>
+              <a:t>BEFORE: </a:t>
+            </a:r>
+            <a:r>
+              <a:rPr lang="en-US" dirty="0"/>
+              <a:t>1462114 rows x 29 columns</a:t>
+            </a:r>
+          </a:p>
+          <a:p>
+            <a:pPr lvl="1"/>
+            <a:r>
+              <a:rPr lang="en-US" dirty="0" err="1"/>
+              <a:t>Concat</a:t>
+            </a:r>
+            <a:r>
+              <a:rPr lang="en-US" dirty="0"/>
+              <a:t> date and time columns for easy analysis</a:t>
+            </a:r>
+          </a:p>
+          <a:p>
+            <a:pPr lvl="1"/>
+            <a:r>
+              <a:rPr lang="en-US" dirty="0"/>
+              <a:t>Add UNIX Date to pass into Dark Sky API</a:t>
+            </a:r>
+          </a:p>
+          <a:p>
+            <a:pPr lvl="1"/>
+            <a:r>
+              <a:rPr lang="en-US" dirty="0"/>
+              <a:t>Drop dates before 2014 and after 2018</a:t>
+            </a:r>
+          </a:p>
+          <a:p>
+            <a:pPr lvl="1"/>
+            <a:r>
+              <a:rPr lang="en-US" dirty="0"/>
+              <a:t>Split dates by Year, Month and Week</a:t>
+            </a:r>
+          </a:p>
+          <a:p>
+            <a:pPr lvl="1"/>
+            <a:r>
+              <a:rPr lang="en-US" dirty="0"/>
+              <a:t>Drop Unwanted Columns </a:t>
+            </a:r>
+          </a:p>
+          <a:p>
+            <a:pPr lvl="1"/>
+            <a:r>
+              <a:rPr lang="en-US" b="1" dirty="0"/>
+              <a:t>AFTER: </a:t>
+            </a:r>
+          </a:p>
+          <a:p>
+            <a:pPr marL="457200" lvl="1" indent="0">
+              <a:buNone/>
+            </a:pPr>
+            <a:endParaRPr lang="en-US" b="1" dirty="0"/>
+          </a:p>
+          <a:p>
+            <a:pPr lvl="1"/>
+            <a:endParaRPr lang="en-US" b="1" dirty="0"/>
+          </a:p>
+        </p:txBody>
+      </p:sp>
+      <p:pic>
+        <p:nvPicPr>
+          <p:cNvPr id="6" name="Picture 5">
             <a:extLst>
               <a:ext uri="{FF2B5EF4-FFF2-40B4-BE49-F238E27FC236}">
-                <a16:creationId xmlns:a16="http://schemas.microsoft.com/office/drawing/2014/main" id="{371A938B-966C-446B-9F69-1A264008208F}"/>
+                <a16:creationId xmlns:a16="http://schemas.microsoft.com/office/drawing/2014/main" xmlns="" id="{EB2B7A8F-A1B6-4241-B4C4-3D52920CA072}"/>
               </a:ext>
             </a:extLst>
           </p:cNvPr>
-          <p:cNvSpPr>
-            <a:spLocks noGrp="1"/>
-          </p:cNvSpPr>
-          <p:nvPr>
-            <p:ph idx="1"/>
-          </p:nvPr>
-        </p:nvSpPr>
-        <p:spPr/>
-        <p:txBody>
-          <a:bodyPr/>
-          <a:lstStyle/>
+          <p:cNvPicPr>
+            <a:picLocks noChangeAspect="1"/>
+          </p:cNvPicPr>
+          <p:nvPr/>
+        </p:nvPicPr>
+        <p:blipFill>
+          <a:blip r:embed="rId2"/>
+          <a:stretch>
+            <a:fillRect/>
+          </a:stretch>
+        </p:blipFill>
+        <p:spPr>
+          <a:xfrm>
+            <a:off x="703866" y="1159496"/>
+            <a:ext cx="3539591" cy="5387419"/>
+          </a:xfrm>
+          <a:prstGeom prst="rect">
+            <a:avLst/>
+          </a:prstGeom>
+        </p:spPr>
+      </p:pic>
+      <p:pic>
+        <p:nvPicPr>
+          <p:cNvPr id="10" name="Picture 9">
+            <a:extLst>
+              <a:ext uri="{FF2B5EF4-FFF2-40B4-BE49-F238E27FC236}">
+                <a16:creationId xmlns:a16="http://schemas.microsoft.com/office/drawing/2014/main" xmlns="" id="{7FD0779B-1A54-468D-8FAF-DFB24AE247B3}"/>
+              </a:ext>
+            </a:extLst>
+          </p:cNvPr>
+          <p:cNvPicPr>
+            <a:picLocks noChangeAspect="1"/>
+          </p:cNvPicPr>
+          <p:nvPr/>
+        </p:nvPicPr>
+        <p:blipFill>
+          <a:blip r:embed="rId3"/>
+          <a:stretch>
+            <a:fillRect/>
+          </a:stretch>
+        </p:blipFill>
+        <p:spPr>
+          <a:xfrm>
+            <a:off x="5293289" y="4190976"/>
+            <a:ext cx="6194845" cy="1833238"/>
+          </a:xfrm>
+          <a:prstGeom prst="rect">
+            <a:avLst/>
+          </a:prstGeom>
+        </p:spPr>
+      </p:pic>
+      <p:sp>
+        <p:nvSpPr>
+          <p:cNvPr id="12" name="Title 1">
+            <a:extLst>
+              <a:ext uri="{FF2B5EF4-FFF2-40B4-BE49-F238E27FC236}">
+                <a16:creationId xmlns:a16="http://schemas.microsoft.com/office/drawing/2014/main" xmlns="" id="{20043D80-2817-4761-A2EB-32E5292EFD33}"/>
+              </a:ext>
+            </a:extLst>
+          </p:cNvPr>
+          <p:cNvSpPr txBox="1">
+            <a:spLocks/>
+          </p:cNvSpPr>
+          <p:nvPr/>
+        </p:nvSpPr>
+        <p:spPr>
+          <a:xfrm>
+            <a:off x="148473" y="-262206"/>
+            <a:ext cx="6535131" cy="1456267"/>
+          </a:xfrm>
+          <a:prstGeom prst="rect">
+            <a:avLst/>
+          </a:prstGeom>
+          <a:effectLst/>
+        </p:spPr>
+        <p:txBody>
+          <a:bodyPr vert="horz" lIns="91440" tIns="45720" rIns="91440" bIns="45720" rtlCol="0" anchor="ctr">
+            <a:normAutofit/>
+          </a:bodyPr>
+          <a:lstStyle>
+            <a:lvl1pPr algn="l" defTabSz="457200" rtl="0" eaLnBrk="1" latinLnBrk="0" hangingPunct="1">
+              <a:spcBef>
+                <a:spcPct val="0"/>
+              </a:spcBef>
+              <a:buNone/>
+              <a:defRPr sz="3600" kern="1200" cap="all">
+                <a:ln w="3175" cmpd="sng">
+                  <a:noFill/>
+                </a:ln>
+                <a:solidFill>
+                  <a:schemeClr val="tx1"/>
+                </a:solidFill>
+                <a:effectLst/>
+                <a:latin typeface="+mj-lt"/>
+                <a:ea typeface="+mj-ea"/>
+                <a:cs typeface="+mj-cs"/>
+              </a:defRPr>
+            </a:lvl1pPr>
+            <a:lvl2pPr eaLnBrk="1" hangingPunct="1">
+              <a:defRPr>
+                <a:solidFill>
+                  <a:schemeClr val="tx2"/>
+                </a:solidFill>
+              </a:defRPr>
+            </a:lvl2pPr>
+            <a:lvl3pPr eaLnBrk="1" hangingPunct="1">
+              <a:defRPr>
+                <a:solidFill>
+                  <a:schemeClr val="tx2"/>
+                </a:solidFill>
+              </a:defRPr>
+            </a:lvl3pPr>
+            <a:lvl4pPr eaLnBrk="1" hangingPunct="1">
+              <a:defRPr>
+                <a:solidFill>
+                  <a:schemeClr val="tx2"/>
+                </a:solidFill>
+              </a:defRPr>
+            </a:lvl4pPr>
+            <a:lvl5pPr eaLnBrk="1" hangingPunct="1">
+              <a:defRPr>
+                <a:solidFill>
+                  <a:schemeClr val="tx2"/>
+                </a:solidFill>
+              </a:defRPr>
+            </a:lvl5pPr>
+            <a:lvl6pPr eaLnBrk="1" hangingPunct="1">
+              <a:defRPr>
+                <a:solidFill>
+                  <a:schemeClr val="tx2"/>
+                </a:solidFill>
+              </a:defRPr>
+            </a:lvl6pPr>
+            <a:lvl7pPr eaLnBrk="1" hangingPunct="1">
+              <a:defRPr>
+                <a:solidFill>
+                  <a:schemeClr val="tx2"/>
+                </a:solidFill>
+              </a:defRPr>
+            </a:lvl7pPr>
+            <a:lvl8pPr eaLnBrk="1" hangingPunct="1">
+              <a:defRPr>
+                <a:solidFill>
+                  <a:schemeClr val="tx2"/>
+                </a:solidFill>
+              </a:defRPr>
+            </a:lvl8pPr>
+            <a:lvl9pPr eaLnBrk="1" hangingPunct="1">
+              <a:defRPr>
+                <a:solidFill>
+                  <a:schemeClr val="tx2"/>
+                </a:solidFill>
+              </a:defRPr>
+            </a:lvl9pPr>
+          </a:lstStyle>
           <a:p>
             <a:r>
               <a:rPr lang="en-US" dirty="0"/>
-              <a:t>Discuss the steps you took to analyze the data and answer each question you asked in your proposal</a:t>
-            </a:r>
-          </a:p>
-          <a:p>
-            <a:r>
-              <a:rPr lang="en-US" dirty="0"/>
-              <a:t>Present and discuss interesting figures developed during analysis, ideally with the help of </a:t>
-            </a:r>
-            <a:r>
-              <a:rPr lang="en-US" dirty="0" err="1"/>
-              <a:t>Jupyter</a:t>
-            </a:r>
-            <a:r>
-              <a:rPr lang="en-US" dirty="0"/>
-              <a:t> Notebook</a:t>
+              <a:t>Data Cleanup &amp; exploration</a:t>
             </a:r>
           </a:p>
         </p:txBody>
@@ -6380,7 +9958,7 @@
     </p:spTree>
     <p:extLst>
       <p:ext uri="{BB962C8B-B14F-4D97-AF65-F5344CB8AC3E}">
-        <p14:creationId xmlns:p14="http://schemas.microsoft.com/office/powerpoint/2010/main" val="65714276"/>
+        <p14:creationId xmlns:p14="http://schemas.microsoft.com/office/powerpoint/2010/main" val="2794370013"/>
       </p:ext>
     </p:extLst>
   </p:cSld>
@@ -6409,82 +9987,363 @@
       </p:grpSpPr>
       <p:sp>
         <p:nvSpPr>
-          <p:cNvPr id="2" name="Title 1">
+          <p:cNvPr id="3" name="Content Placeholder 3">
             <a:extLst>
               <a:ext uri="{FF2B5EF4-FFF2-40B4-BE49-F238E27FC236}">
-                <a16:creationId xmlns:a16="http://schemas.microsoft.com/office/drawing/2014/main" id="{DAF04FBD-68E8-4194-BAD4-0E2591D576AA}"/>
+                <a16:creationId xmlns:a16="http://schemas.microsoft.com/office/drawing/2014/main" xmlns="" id="{6778A102-F441-4415-9B3D-9617B0DFE199}"/>
               </a:ext>
             </a:extLst>
           </p:cNvPr>
-          <p:cNvSpPr>
-            <a:spLocks noGrp="1"/>
-          </p:cNvSpPr>
-          <p:nvPr>
-            <p:ph type="title"/>
-          </p:nvPr>
-        </p:nvSpPr>
-        <p:spPr/>
+          <p:cNvSpPr txBox="1">
+            <a:spLocks/>
+          </p:cNvSpPr>
+          <p:nvPr/>
+        </p:nvSpPr>
+        <p:spPr>
+          <a:xfrm>
+            <a:off x="5661640" y="831742"/>
+            <a:ext cx="4995332" cy="3649133"/>
+          </a:xfrm>
+          <a:prstGeom prst="rect">
+            <a:avLst/>
+          </a:prstGeom>
+        </p:spPr>
         <p:txBody>
           <a:bodyPr/>
-          <a:lstStyle/>
+          <a:lstStyle>
+            <a:lvl1pPr marL="285750" indent="-285750" algn="l" defTabSz="457200" rtl="0" eaLnBrk="1" latinLnBrk="0" hangingPunct="1">
+              <a:spcBef>
+                <a:spcPts val="0"/>
+              </a:spcBef>
+              <a:spcAft>
+                <a:spcPts val="1000"/>
+              </a:spcAft>
+              <a:buClr>
+                <a:schemeClr val="tx1"/>
+              </a:buClr>
+              <a:buSzPct val="100000"/>
+              <a:buFont typeface="Arial"/>
+              <a:buChar char="•"/>
+              <a:defRPr sz="1800" kern="1200" cap="none">
+                <a:solidFill>
+                  <a:schemeClr val="tx1"/>
+                </a:solidFill>
+                <a:effectLst/>
+                <a:latin typeface="+mn-lt"/>
+                <a:ea typeface="+mn-ea"/>
+                <a:cs typeface="+mn-cs"/>
+              </a:defRPr>
+            </a:lvl1pPr>
+            <a:lvl2pPr marL="742950" indent="-285750" algn="l" defTabSz="457200" rtl="0" eaLnBrk="1" latinLnBrk="0" hangingPunct="1">
+              <a:spcBef>
+                <a:spcPts val="0"/>
+              </a:spcBef>
+              <a:spcAft>
+                <a:spcPts val="1000"/>
+              </a:spcAft>
+              <a:buClr>
+                <a:schemeClr val="tx1"/>
+              </a:buClr>
+              <a:buSzPct val="100000"/>
+              <a:buFont typeface="Arial"/>
+              <a:buChar char="•"/>
+              <a:defRPr sz="1600" kern="1200" cap="none">
+                <a:solidFill>
+                  <a:schemeClr val="tx1"/>
+                </a:solidFill>
+                <a:effectLst/>
+                <a:latin typeface="+mn-lt"/>
+                <a:ea typeface="+mn-ea"/>
+                <a:cs typeface="+mn-cs"/>
+              </a:defRPr>
+            </a:lvl2pPr>
+            <a:lvl3pPr marL="1200150" indent="-285750" algn="l" defTabSz="457200" rtl="0" eaLnBrk="1" latinLnBrk="0" hangingPunct="1">
+              <a:spcBef>
+                <a:spcPts val="0"/>
+              </a:spcBef>
+              <a:spcAft>
+                <a:spcPts val="1000"/>
+              </a:spcAft>
+              <a:buClr>
+                <a:schemeClr val="tx1"/>
+              </a:buClr>
+              <a:buSzPct val="100000"/>
+              <a:buFont typeface="Arial"/>
+              <a:buChar char="•"/>
+              <a:defRPr sz="1400" kern="1200" cap="none">
+                <a:solidFill>
+                  <a:schemeClr val="tx1"/>
+                </a:solidFill>
+                <a:effectLst/>
+                <a:latin typeface="+mn-lt"/>
+                <a:ea typeface="+mn-ea"/>
+                <a:cs typeface="+mn-cs"/>
+              </a:defRPr>
+            </a:lvl3pPr>
+            <a:lvl4pPr marL="1543050" indent="-171450" algn="l" defTabSz="457200" rtl="0" eaLnBrk="1" latinLnBrk="0" hangingPunct="1">
+              <a:spcBef>
+                <a:spcPts val="0"/>
+              </a:spcBef>
+              <a:spcAft>
+                <a:spcPts val="1000"/>
+              </a:spcAft>
+              <a:buClr>
+                <a:schemeClr val="tx1"/>
+              </a:buClr>
+              <a:buSzPct val="100000"/>
+              <a:buFont typeface="Arial"/>
+              <a:buChar char="•"/>
+              <a:defRPr sz="1200" kern="1200" cap="none">
+                <a:solidFill>
+                  <a:schemeClr val="tx1"/>
+                </a:solidFill>
+                <a:effectLst/>
+                <a:latin typeface="+mn-lt"/>
+                <a:ea typeface="+mn-ea"/>
+                <a:cs typeface="+mn-cs"/>
+              </a:defRPr>
+            </a:lvl4pPr>
+            <a:lvl5pPr marL="2000250" indent="-171450" algn="l" defTabSz="457200" rtl="0" eaLnBrk="1" latinLnBrk="0" hangingPunct="1">
+              <a:spcBef>
+                <a:spcPts val="0"/>
+              </a:spcBef>
+              <a:spcAft>
+                <a:spcPts val="1000"/>
+              </a:spcAft>
+              <a:buClr>
+                <a:schemeClr val="tx1"/>
+              </a:buClr>
+              <a:buSzPct val="100000"/>
+              <a:buFont typeface="Arial"/>
+              <a:buChar char="•"/>
+              <a:defRPr sz="1200" kern="1200" cap="none">
+                <a:solidFill>
+                  <a:schemeClr val="tx1"/>
+                </a:solidFill>
+                <a:effectLst/>
+                <a:latin typeface="+mn-lt"/>
+                <a:ea typeface="+mn-ea"/>
+                <a:cs typeface="+mn-cs"/>
+              </a:defRPr>
+            </a:lvl5pPr>
+            <a:lvl6pPr marL="2514600" indent="-228600" algn="l" defTabSz="457200" rtl="0" eaLnBrk="1" latinLnBrk="0" hangingPunct="1">
+              <a:spcBef>
+                <a:spcPts val="0"/>
+              </a:spcBef>
+              <a:spcAft>
+                <a:spcPts val="1000"/>
+              </a:spcAft>
+              <a:buClr>
+                <a:schemeClr val="tx1"/>
+              </a:buClr>
+              <a:buSzPct val="100000"/>
+              <a:buFont typeface="Arial"/>
+              <a:buChar char="•"/>
+              <a:defRPr sz="1200" kern="1200" cap="none">
+                <a:solidFill>
+                  <a:schemeClr val="tx1"/>
+                </a:solidFill>
+                <a:effectLst/>
+                <a:latin typeface="+mn-lt"/>
+                <a:ea typeface="+mn-ea"/>
+                <a:cs typeface="+mn-cs"/>
+              </a:defRPr>
+            </a:lvl6pPr>
+            <a:lvl7pPr marL="2971800" indent="-228600" algn="l" defTabSz="457200" rtl="0" eaLnBrk="1" latinLnBrk="0" hangingPunct="1">
+              <a:spcBef>
+                <a:spcPts val="0"/>
+              </a:spcBef>
+              <a:spcAft>
+                <a:spcPts val="1000"/>
+              </a:spcAft>
+              <a:buClr>
+                <a:schemeClr val="tx1"/>
+              </a:buClr>
+              <a:buSzPct val="100000"/>
+              <a:buFont typeface="Arial"/>
+              <a:buChar char="•"/>
+              <a:defRPr sz="1200" kern="1200" cap="none">
+                <a:solidFill>
+                  <a:schemeClr val="tx1"/>
+                </a:solidFill>
+                <a:effectLst/>
+                <a:latin typeface="+mn-lt"/>
+                <a:ea typeface="+mn-ea"/>
+                <a:cs typeface="+mn-cs"/>
+              </a:defRPr>
+            </a:lvl7pPr>
+            <a:lvl8pPr marL="3429000" indent="-228600" algn="l" defTabSz="457200" rtl="0" eaLnBrk="1" latinLnBrk="0" hangingPunct="1">
+              <a:spcBef>
+                <a:spcPts val="0"/>
+              </a:spcBef>
+              <a:spcAft>
+                <a:spcPts val="1000"/>
+              </a:spcAft>
+              <a:buClr>
+                <a:schemeClr val="tx1"/>
+              </a:buClr>
+              <a:buSzPct val="100000"/>
+              <a:buFont typeface="Arial"/>
+              <a:buChar char="•"/>
+              <a:defRPr sz="1200" kern="1200" cap="none">
+                <a:solidFill>
+                  <a:schemeClr val="tx1"/>
+                </a:solidFill>
+                <a:effectLst/>
+                <a:latin typeface="+mn-lt"/>
+                <a:ea typeface="+mn-ea"/>
+                <a:cs typeface="+mn-cs"/>
+              </a:defRPr>
+            </a:lvl8pPr>
+            <a:lvl9pPr marL="3886200" indent="-228600" algn="l" defTabSz="457200" rtl="0" eaLnBrk="1" latinLnBrk="0" hangingPunct="1">
+              <a:spcBef>
+                <a:spcPts val="0"/>
+              </a:spcBef>
+              <a:spcAft>
+                <a:spcPts val="1000"/>
+              </a:spcAft>
+              <a:buClr>
+                <a:schemeClr val="tx1"/>
+              </a:buClr>
+              <a:buSzPct val="100000"/>
+              <a:buFont typeface="Arial"/>
+              <a:buChar char="•"/>
+              <a:defRPr sz="1200" kern="1200" cap="none">
+                <a:solidFill>
+                  <a:schemeClr val="tx1"/>
+                </a:solidFill>
+                <a:effectLst/>
+                <a:latin typeface="+mn-lt"/>
+                <a:ea typeface="+mn-ea"/>
+                <a:cs typeface="+mn-cs"/>
+              </a:defRPr>
+            </a:lvl9pPr>
+          </a:lstStyle>
           <a:p>
             <a:r>
               <a:rPr lang="en-US" dirty="0"/>
-              <a:t>discussion</a:t>
-            </a:r>
-          </a:p>
-        </p:txBody>
-      </p:sp>
-      <p:sp>
-        <p:nvSpPr>
-          <p:cNvPr id="3" name="Content Placeholder 2">
+              <a:t>Weather data via API calls from Darksky.net</a:t>
+            </a:r>
+          </a:p>
+          <a:p>
+            <a:r>
+              <a:rPr lang="en-US" b="1" dirty="0"/>
+              <a:t>BEFORE: </a:t>
+            </a:r>
+            <a:r>
+              <a:rPr lang="en-US" dirty="0"/>
+              <a:t>1912 rows x 22 columns</a:t>
+            </a:r>
+          </a:p>
+          <a:p>
+            <a:r>
+              <a:rPr lang="en-US" dirty="0"/>
+              <a:t>Merged Three separate API calls  (3 days)</a:t>
+            </a:r>
+          </a:p>
+          <a:p>
+            <a:r>
+              <a:rPr lang="en-US" dirty="0"/>
+              <a:t>Check for data accuracy and drop duplicate rows</a:t>
+            </a:r>
+          </a:p>
+          <a:p>
+            <a:r>
+              <a:rPr lang="en-US" dirty="0"/>
+              <a:t>Format Date from UNIX to standard date format</a:t>
+            </a:r>
+          </a:p>
+          <a:p>
+            <a:endParaRPr lang="en-US" dirty="0"/>
+          </a:p>
+          <a:p>
+            <a:endParaRPr lang="en-US" dirty="0"/>
+          </a:p>
+          <a:p>
+            <a:endParaRPr lang="en-US" dirty="0"/>
+          </a:p>
+          <a:p>
+            <a:endParaRPr lang="en-US" dirty="0"/>
+          </a:p>
+          <a:p>
+            <a:endParaRPr lang="en-US" dirty="0"/>
+          </a:p>
+          <a:p>
+            <a:endParaRPr lang="en-US" dirty="0"/>
+          </a:p>
+          <a:p>
+            <a:endParaRPr lang="en-US" dirty="0"/>
+          </a:p>
+          <a:p>
+            <a:pPr lvl="1"/>
+            <a:endParaRPr lang="en-US" dirty="0"/>
+          </a:p>
+        </p:txBody>
+      </p:sp>
+      <p:pic>
+        <p:nvPicPr>
+          <p:cNvPr id="5" name="Picture 4">
             <a:extLst>
               <a:ext uri="{FF2B5EF4-FFF2-40B4-BE49-F238E27FC236}">
-                <a16:creationId xmlns:a16="http://schemas.microsoft.com/office/drawing/2014/main" id="{8C5F47FE-8208-4CFF-A7C5-DA4BA3139A5A}"/>
+                <a16:creationId xmlns:a16="http://schemas.microsoft.com/office/drawing/2014/main" xmlns="" id="{5FE1963C-7056-4DED-BCEB-030643861179}"/>
               </a:ext>
             </a:extLst>
           </p:cNvPr>
-          <p:cNvSpPr>
-            <a:spLocks noGrp="1"/>
-          </p:cNvSpPr>
-          <p:nvPr>
-            <p:ph idx="1"/>
-          </p:nvPr>
-        </p:nvSpPr>
-        <p:spPr/>
-        <p:txBody>
-          <a:bodyPr/>
-          <a:lstStyle/>
-          <a:p>
-            <a:r>
-              <a:rPr lang="en-US" dirty="0"/>
-              <a:t> Discuss your findings.</a:t>
-            </a:r>
-          </a:p>
-          <a:p>
-            <a:r>
-              <a:rPr lang="en-US" dirty="0"/>
-              <a:t>Did you find what you expected to find?</a:t>
-            </a:r>
-          </a:p>
-          <a:p>
-            <a:r>
-              <a:rPr lang="en-US" dirty="0"/>
-              <a:t>If not, why not? </a:t>
-            </a:r>
-          </a:p>
-          <a:p>
-            <a:r>
-              <a:rPr lang="en-US" dirty="0"/>
-              <a:t>What inferences or general conclusions can you draw from your analysis?</a:t>
-            </a:r>
-          </a:p>
-        </p:txBody>
-      </p:sp>
+          <p:cNvPicPr>
+            <a:picLocks noChangeAspect="1"/>
+          </p:cNvPicPr>
+          <p:nvPr/>
+        </p:nvPicPr>
+        <p:blipFill>
+          <a:blip r:embed="rId2"/>
+          <a:stretch>
+            <a:fillRect/>
+          </a:stretch>
+        </p:blipFill>
+        <p:spPr>
+          <a:xfrm>
+            <a:off x="575387" y="1861872"/>
+            <a:ext cx="4442460" cy="1150620"/>
+          </a:xfrm>
+          <a:prstGeom prst="rect">
+            <a:avLst/>
+          </a:prstGeom>
+        </p:spPr>
+      </p:pic>
+      <p:pic>
+        <p:nvPicPr>
+          <p:cNvPr id="7" name="Picture 6">
+            <a:extLst>
+              <a:ext uri="{FF2B5EF4-FFF2-40B4-BE49-F238E27FC236}">
+                <a16:creationId xmlns:a16="http://schemas.microsoft.com/office/drawing/2014/main" xmlns="" id="{A0163D6A-DF97-4B35-9BD3-625F5951D28E}"/>
+              </a:ext>
+            </a:extLst>
+          </p:cNvPr>
+          <p:cNvPicPr>
+            <a:picLocks noChangeAspect="1"/>
+          </p:cNvPicPr>
+          <p:nvPr/>
+        </p:nvPicPr>
+        <p:blipFill>
+          <a:blip r:embed="rId3"/>
+          <a:stretch>
+            <a:fillRect/>
+          </a:stretch>
+        </p:blipFill>
+        <p:spPr>
+          <a:xfrm>
+            <a:off x="3815813" y="4354830"/>
+            <a:ext cx="8199120" cy="1851660"/>
+          </a:xfrm>
+          <a:prstGeom prst="rect">
+            <a:avLst/>
+          </a:prstGeom>
+        </p:spPr>
+      </p:pic>
     </p:spTree>
     <p:extLst>
       <p:ext uri="{BB962C8B-B14F-4D97-AF65-F5344CB8AC3E}">
-        <p14:creationId xmlns:p14="http://schemas.microsoft.com/office/powerpoint/2010/main" val="965116165"/>
+        <p14:creationId xmlns:p14="http://schemas.microsoft.com/office/powerpoint/2010/main" val="2782985196"/>
       </p:ext>
     </p:extLst>
   </p:cSld>
@@ -6516,7 +10375,7 @@
           <p:cNvPr id="2" name="Title 1">
             <a:extLst>
               <a:ext uri="{FF2B5EF4-FFF2-40B4-BE49-F238E27FC236}">
-                <a16:creationId xmlns:a16="http://schemas.microsoft.com/office/drawing/2014/main" id="{1949735F-C251-4344-A617-E3F1D232E9E8}"/>
+                <a16:creationId xmlns:a16="http://schemas.microsoft.com/office/drawing/2014/main" xmlns="" id="{AA2E8629-06EE-46BE-9102-963C75F88AB4}"/>
               </a:ext>
             </a:extLst>
           </p:cNvPr>
@@ -6527,56 +10386,133 @@
             <p:ph type="title"/>
           </p:nvPr>
         </p:nvSpPr>
-        <p:spPr/>
+        <p:spPr>
+          <a:xfrm>
+            <a:off x="685801" y="458771"/>
+            <a:ext cx="10131425" cy="1456267"/>
+          </a:xfrm>
+        </p:spPr>
         <p:txBody>
           <a:bodyPr/>
           <a:lstStyle/>
           <a:p>
             <a:r>
               <a:rPr lang="en-US" dirty="0"/>
-              <a:t>Further exploration &amp; difficulties</a:t>
-            </a:r>
-          </a:p>
-        </p:txBody>
-      </p:sp>
-      <p:sp>
-        <p:nvSpPr>
-          <p:cNvPr id="3" name="Content Placeholder 2">
+              <a:t>FINAL DATA FRAME</a:t>
+            </a:r>
+          </a:p>
+        </p:txBody>
+      </p:sp>
+      <p:pic>
+        <p:nvPicPr>
+          <p:cNvPr id="3" name="Content Placeholder 5">
             <a:extLst>
               <a:ext uri="{FF2B5EF4-FFF2-40B4-BE49-F238E27FC236}">
-                <a16:creationId xmlns:a16="http://schemas.microsoft.com/office/drawing/2014/main" id="{860137B6-5479-46C4-9CE5-93126F1FFC02}"/>
+                <a16:creationId xmlns:a16="http://schemas.microsoft.com/office/drawing/2014/main" xmlns="" id="{166E17B3-35B0-4092-84E7-2FBCB4D6E453}"/>
               </a:ext>
             </a:extLst>
           </p:cNvPr>
-          <p:cNvSpPr>
-            <a:spLocks noGrp="1"/>
-          </p:cNvSpPr>
-          <p:nvPr>
-            <p:ph idx="1"/>
-          </p:nvPr>
-        </p:nvSpPr>
-        <p:spPr/>
-        <p:txBody>
-          <a:bodyPr/>
+          <p:cNvPicPr>
+            <a:picLocks noChangeAspect="1"/>
+          </p:cNvPicPr>
+          <p:nvPr/>
+        </p:nvPicPr>
+        <p:blipFill>
+          <a:blip r:embed="rId2"/>
+          <a:stretch>
+            <a:fillRect/>
+          </a:stretch>
+        </p:blipFill>
+        <p:spPr>
+          <a:xfrm>
+            <a:off x="433633" y="3118341"/>
+            <a:ext cx="11384158" cy="2827274"/>
+          </a:xfrm>
+          <a:prstGeom prst="rect">
+            <a:avLst/>
+          </a:prstGeom>
+        </p:spPr>
+      </p:pic>
+      <p:sp>
+        <p:nvSpPr>
+          <p:cNvPr id="4" name="TextBox 3">
+            <a:extLst>
+              <a:ext uri="{FF2B5EF4-FFF2-40B4-BE49-F238E27FC236}">
+                <a16:creationId xmlns:a16="http://schemas.microsoft.com/office/drawing/2014/main" xmlns="" id="{9A42EB9A-35E4-4850-B607-C79DF8B9A310}"/>
+              </a:ext>
+            </a:extLst>
+          </p:cNvPr>
+          <p:cNvSpPr txBox="1"/>
+          <p:nvPr/>
+        </p:nvSpPr>
+        <p:spPr>
+          <a:xfrm>
+            <a:off x="685801" y="1715641"/>
+            <a:ext cx="8729221" cy="1477328"/>
+          </a:xfrm>
+          <a:prstGeom prst="rect">
+            <a:avLst/>
+          </a:prstGeom>
+          <a:noFill/>
+        </p:spPr>
+        <p:txBody>
+          <a:bodyPr wrap="square" rtlCol="0">
+            <a:spAutoFit/>
+          </a:bodyPr>
           <a:lstStyle/>
           <a:p>
+            <a:pPr marL="285750" indent="-285750">
+              <a:buFont typeface="Arial" panose="020B0604020202020204" pitchFamily="34" charset="0"/>
+              <a:buChar char="•"/>
+            </a:pPr>
             <a:r>
               <a:rPr lang="en-US" dirty="0"/>
-              <a:t>Discuss any difficulties that arose, and how you dealt with them</a:t>
-            </a:r>
-          </a:p>
-          <a:p>
+              <a:t>Merge NYC collisions data and Dark sky Weather data</a:t>
+            </a:r>
+          </a:p>
+          <a:p>
+            <a:pPr marL="285750" indent="-285750">
+              <a:buFont typeface="Arial" panose="020B0604020202020204" pitchFamily="34" charset="0"/>
+              <a:buChar char="•"/>
+            </a:pPr>
             <a:r>
               <a:rPr lang="en-US" dirty="0"/>
-              <a:t>Discuss any additional questions that came up, but which you didn't have time to answer: What would you research next, if you had two more weeks?</a:t>
-            </a:r>
+              <a:t>Sort on date</a:t>
+            </a:r>
+          </a:p>
+          <a:p>
+            <a:pPr marL="285750" indent="-285750">
+              <a:buFont typeface="Arial" panose="020B0604020202020204" pitchFamily="34" charset="0"/>
+              <a:buChar char="•"/>
+            </a:pPr>
+            <a:r>
+              <a:rPr lang="en-US" dirty="0"/>
+              <a:t>Create “Year” and “Week” columns</a:t>
+            </a:r>
+          </a:p>
+          <a:p>
+            <a:pPr marL="285750" indent="-285750">
+              <a:buFont typeface="Arial" charset="0"/>
+              <a:buChar char="•"/>
+            </a:pPr>
+            <a:r>
+              <a:rPr lang="en-US" dirty="0"/>
+              <a:t>Create function to correct weeks and years at year boundaries</a:t>
+            </a:r>
+          </a:p>
+          <a:p>
+            <a:pPr marL="285750" indent="-285750">
+              <a:buFont typeface="Arial" panose="020B0604020202020204" pitchFamily="34" charset="0"/>
+              <a:buChar char="•"/>
+            </a:pPr>
+            <a:endParaRPr lang="en-US" dirty="0"/>
           </a:p>
         </p:txBody>
       </p:sp>
     </p:spTree>
     <p:extLst>
       <p:ext uri="{BB962C8B-B14F-4D97-AF65-F5344CB8AC3E}">
-        <p14:creationId xmlns:p14="http://schemas.microsoft.com/office/powerpoint/2010/main" val="968980772"/>
+        <p14:creationId xmlns:p14="http://schemas.microsoft.com/office/powerpoint/2010/main" val="2760679971"/>
       </p:ext>
     </p:extLst>
   </p:cSld>
@@ -6603,12 +10539,71 @@
           <a:chExt cx="0" cy="0"/>
         </a:xfrm>
       </p:grpSpPr>
+      <p:pic>
+        <p:nvPicPr>
+          <p:cNvPr id="5" name="Content Placeholder 4">
+            <a:extLst>
+              <a:ext uri="{FF2B5EF4-FFF2-40B4-BE49-F238E27FC236}">
+                <a16:creationId xmlns:a16="http://schemas.microsoft.com/office/drawing/2014/main" xmlns="" id="{39D2510D-176A-45DE-8B7C-A525905EC0BB}"/>
+              </a:ext>
+            </a:extLst>
+          </p:cNvPr>
+          <p:cNvPicPr>
+            <a:picLocks noGrp="1" noChangeAspect="1"/>
+          </p:cNvPicPr>
+          <p:nvPr>
+            <p:ph idx="1"/>
+          </p:nvPr>
+        </p:nvPicPr>
+        <p:blipFill>
+          <a:blip r:embed="rId2"/>
+          <a:stretch>
+            <a:fillRect/>
+          </a:stretch>
+        </p:blipFill>
+        <p:spPr>
+          <a:xfrm>
+            <a:off x="395722" y="484910"/>
+            <a:ext cx="11526979" cy="5763490"/>
+          </a:xfrm>
+        </p:spPr>
+      </p:pic>
+    </p:spTree>
+    <p:extLst>
+      <p:ext uri="{BB962C8B-B14F-4D97-AF65-F5344CB8AC3E}">
+        <p14:creationId xmlns:p14="http://schemas.microsoft.com/office/powerpoint/2010/main" val="100125960"/>
+      </p:ext>
+    </p:extLst>
+  </p:cSld>
+  <p:clrMapOvr>
+    <a:masterClrMapping/>
+  </p:clrMapOvr>
+</p:sld>
+</file>
+
+<file path=ppt/slides/slide9.xml><?xml version="1.0" encoding="utf-8"?>
+<p:sld xmlns:a="http://schemas.openxmlformats.org/drawingml/2006/main" xmlns:r="http://schemas.openxmlformats.org/officeDocument/2006/relationships" xmlns:p="http://schemas.openxmlformats.org/presentationml/2006/main">
+  <p:cSld>
+    <p:spTree>
+      <p:nvGrpSpPr>
+        <p:cNvPr id="1" name=""/>
+        <p:cNvGrpSpPr/>
+        <p:nvPr/>
+      </p:nvGrpSpPr>
+      <p:grpSpPr>
+        <a:xfrm>
+          <a:off x="0" y="0"/>
+          <a:ext cx="0" cy="0"/>
+          <a:chOff x="0" y="0"/>
+          <a:chExt cx="0" cy="0"/>
+        </a:xfrm>
+      </p:grpSpPr>
       <p:sp>
         <p:nvSpPr>
           <p:cNvPr id="2" name="Title 1">
             <a:extLst>
               <a:ext uri="{FF2B5EF4-FFF2-40B4-BE49-F238E27FC236}">
-                <a16:creationId xmlns:a16="http://schemas.microsoft.com/office/drawing/2014/main" id="{E92A2105-2D73-4E24-B721-D796B790C1AC}"/>
+                <a16:creationId xmlns:a16="http://schemas.microsoft.com/office/drawing/2014/main" xmlns="" id="{D5DDA148-DFCE-4891-9EAA-B72040FAB27E}"/>
               </a:ext>
             </a:extLst>
           </p:cNvPr>
@@ -6619,42 +10614,21 @@
             <p:ph type="title"/>
           </p:nvPr>
         </p:nvSpPr>
-        <p:spPr/>
-        <p:txBody>
-          <a:bodyPr/>
+        <p:spPr>
+          <a:xfrm>
+            <a:off x="2999510" y="2369127"/>
+            <a:ext cx="5257799" cy="1456267"/>
+          </a:xfrm>
+        </p:spPr>
+        <p:txBody>
+          <a:bodyPr>
+            <a:normAutofit/>
+          </a:bodyPr>
           <a:lstStyle/>
           <a:p>
             <a:r>
-              <a:rPr lang="en-US" dirty="0"/>
-              <a:t>questions</a:t>
-            </a:r>
-          </a:p>
-        </p:txBody>
-      </p:sp>
-      <p:sp>
-        <p:nvSpPr>
-          <p:cNvPr id="3" name="Content Placeholder 2">
-            <a:extLst>
-              <a:ext uri="{FF2B5EF4-FFF2-40B4-BE49-F238E27FC236}">
-                <a16:creationId xmlns:a16="http://schemas.microsoft.com/office/drawing/2014/main" id="{C89E16CA-E7C2-43BA-B746-A817BEFC115B}"/>
-              </a:ext>
-            </a:extLst>
-          </p:cNvPr>
-          <p:cNvSpPr>
-            <a:spLocks noGrp="1"/>
-          </p:cNvSpPr>
-          <p:nvPr>
-            <p:ph idx="1"/>
-          </p:nvPr>
-        </p:nvSpPr>
-        <p:spPr/>
-        <p:txBody>
-          <a:bodyPr/>
-          <a:lstStyle/>
-          <a:p>
-            <a:r>
-              <a:rPr lang="en-US" dirty="0"/>
-              <a:t>Discuss any additional questions that came up, but which you didn't have time to answer: What would you research next, if you had two more weeks?</a:t>
+              <a:rPr lang="en-US" sz="4400" dirty="0"/>
+              <a:t>Data Analysis</a:t>
             </a:r>
           </a:p>
         </p:txBody>
@@ -6662,7 +10636,7 @@
     </p:spTree>
     <p:extLst>
       <p:ext uri="{BB962C8B-B14F-4D97-AF65-F5344CB8AC3E}">
-        <p14:creationId xmlns:p14="http://schemas.microsoft.com/office/powerpoint/2010/main" val="3798023118"/>
+        <p14:creationId xmlns:p14="http://schemas.microsoft.com/office/powerpoint/2010/main" val="65714276"/>
       </p:ext>
     </p:extLst>
   </p:cSld>
@@ -6919,4 +10893,265 @@
     </a:ext>
   </a:extLst>
 </a:theme>
+</file>
+
+<file path=ppt/theme/theme2.xml><?xml version="1.0" encoding="utf-8"?>
+<a:theme xmlns:a="http://schemas.openxmlformats.org/drawingml/2006/main" name="Office Theme">
+  <a:themeElements>
+    <a:clrScheme name="Office">
+      <a:dk1>
+        <a:sysClr val="windowText" lastClr="000000"/>
+      </a:dk1>
+      <a:lt1>
+        <a:sysClr val="window" lastClr="FFFFFF"/>
+      </a:lt1>
+      <a:dk2>
+        <a:srgbClr val="44546A"/>
+      </a:dk2>
+      <a:lt2>
+        <a:srgbClr val="E7E6E6"/>
+      </a:lt2>
+      <a:accent1>
+        <a:srgbClr val="5B9BD5"/>
+      </a:accent1>
+      <a:accent2>
+        <a:srgbClr val="ED7D31"/>
+      </a:accent2>
+      <a:accent3>
+        <a:srgbClr val="A5A5A5"/>
+      </a:accent3>
+      <a:accent4>
+        <a:srgbClr val="FFC000"/>
+      </a:accent4>
+      <a:accent5>
+        <a:srgbClr val="4472C4"/>
+      </a:accent5>
+      <a:accent6>
+        <a:srgbClr val="70AD47"/>
+      </a:accent6>
+      <a:hlink>
+        <a:srgbClr val="0563C1"/>
+      </a:hlink>
+      <a:folHlink>
+        <a:srgbClr val="954F72"/>
+      </a:folHlink>
+    </a:clrScheme>
+    <a:fontScheme name="Office">
+      <a:majorFont>
+        <a:latin typeface="Calibri Light" panose="020F0302020204030204"/>
+        <a:ea typeface=""/>
+        <a:cs typeface=""/>
+        <a:font script="Jpan" typeface="Yu Gothic Light"/>
+        <a:font script="Hang" typeface="맑은 고딕"/>
+        <a:font script="Hans" typeface="DengXian Light"/>
+        <a:font script="Hant" typeface="新細明體"/>
+        <a:font script="Arab" typeface="Times New Roman"/>
+        <a:font script="Hebr" typeface="Times New Roman"/>
+        <a:font script="Thai" typeface="Angsana New"/>
+        <a:font script="Ethi" typeface="Nyala"/>
+        <a:font script="Beng" typeface="Vrinda"/>
+        <a:font script="Gujr" typeface="Shruti"/>
+        <a:font script="Khmr" typeface="MoolBoran"/>
+        <a:font script="Knda" typeface="Tunga"/>
+        <a:font script="Guru" typeface="Raavi"/>
+        <a:font script="Cans" typeface="Euphemia"/>
+        <a:font script="Cher" typeface="Plantagenet Cherokee"/>
+        <a:font script="Yiii" typeface="Microsoft Yi Baiti"/>
+        <a:font script="Tibt" typeface="Microsoft Himalaya"/>
+        <a:font script="Thaa" typeface="MV Boli"/>
+        <a:font script="Deva" typeface="Mangal"/>
+        <a:font script="Telu" typeface="Gautami"/>
+        <a:font script="Taml" typeface="Latha"/>
+        <a:font script="Syrc" typeface="Estrangelo Edessa"/>
+        <a:font script="Orya" typeface="Kalinga"/>
+        <a:font script="Mlym" typeface="Kartika"/>
+        <a:font script="Laoo" typeface="DokChampa"/>
+        <a:font script="Sinh" typeface="Iskoola Pota"/>
+        <a:font script="Mong" typeface="Mongolian Baiti"/>
+        <a:font script="Viet" typeface="Times New Roman"/>
+        <a:font script="Uigh" typeface="Microsoft Uighur"/>
+        <a:font script="Geor" typeface="Sylfaen"/>
+      </a:majorFont>
+      <a:minorFont>
+        <a:latin typeface="Calibri" panose="020F0502020204030204"/>
+        <a:ea typeface=""/>
+        <a:cs typeface=""/>
+        <a:font script="Jpan" typeface="Yu Gothic"/>
+        <a:font script="Hang" typeface="맑은 고딕"/>
+        <a:font script="Hans" typeface="DengXian"/>
+        <a:font script="Hant" typeface="新細明體"/>
+        <a:font script="Arab" typeface="Arial"/>
+        <a:font script="Hebr" typeface="Arial"/>
+        <a:font script="Thai" typeface="Cordia New"/>
+        <a:font script="Ethi" typeface="Nyala"/>
+        <a:font script="Beng" typeface="Vrinda"/>
+        <a:font script="Gujr" typeface="Shruti"/>
+        <a:font script="Khmr" typeface="DaunPenh"/>
+        <a:font script="Knda" typeface="Tunga"/>
+        <a:font script="Guru" typeface="Raavi"/>
+        <a:font script="Cans" typeface="Euphemia"/>
+        <a:font script="Cher" typeface="Plantagenet Cherokee"/>
+        <a:font script="Yiii" typeface="Microsoft Yi Baiti"/>
+        <a:font script="Tibt" typeface="Microsoft Himalaya"/>
+        <a:font script="Thaa" typeface="MV Boli"/>
+        <a:font script="Deva" typeface="Mangal"/>
+        <a:font script="Telu" typeface="Gautami"/>
+        <a:font script="Taml" typeface="Latha"/>
+        <a:font script="Syrc" typeface="Estrangelo Edessa"/>
+        <a:font script="Orya" typeface="Kalinga"/>
+        <a:font script="Mlym" typeface="Kartika"/>
+        <a:font script="Laoo" typeface="DokChampa"/>
+        <a:font script="Sinh" typeface="Iskoola Pota"/>
+        <a:font script="Mong" typeface="Mongolian Baiti"/>
+        <a:font script="Viet" typeface="Arial"/>
+        <a:font script="Uigh" typeface="Microsoft Uighur"/>
+        <a:font script="Geor" typeface="Sylfaen"/>
+      </a:minorFont>
+    </a:fontScheme>
+    <a:fmtScheme name="Office">
+      <a:fillStyleLst>
+        <a:solidFill>
+          <a:schemeClr val="phClr"/>
+        </a:solidFill>
+        <a:gradFill rotWithShape="1">
+          <a:gsLst>
+            <a:gs pos="0">
+              <a:schemeClr val="phClr">
+                <a:lumMod val="110000"/>
+                <a:satMod val="105000"/>
+                <a:tint val="67000"/>
+              </a:schemeClr>
+            </a:gs>
+            <a:gs pos="50000">
+              <a:schemeClr val="phClr">
+                <a:lumMod val="105000"/>
+                <a:satMod val="103000"/>
+                <a:tint val="73000"/>
+              </a:schemeClr>
+            </a:gs>
+            <a:gs pos="100000">
+              <a:schemeClr val="phClr">
+                <a:lumMod val="105000"/>
+                <a:satMod val="109000"/>
+                <a:tint val="81000"/>
+              </a:schemeClr>
+            </a:gs>
+          </a:gsLst>
+          <a:lin ang="5400000" scaled="0"/>
+        </a:gradFill>
+        <a:gradFill rotWithShape="1">
+          <a:gsLst>
+            <a:gs pos="0">
+              <a:schemeClr val="phClr">
+                <a:satMod val="103000"/>
+                <a:lumMod val="102000"/>
+                <a:tint val="94000"/>
+              </a:schemeClr>
+            </a:gs>
+            <a:gs pos="50000">
+              <a:schemeClr val="phClr">
+                <a:satMod val="110000"/>
+                <a:lumMod val="100000"/>
+                <a:shade val="100000"/>
+              </a:schemeClr>
+            </a:gs>
+            <a:gs pos="100000">
+              <a:schemeClr val="phClr">
+                <a:lumMod val="99000"/>
+                <a:satMod val="120000"/>
+                <a:shade val="78000"/>
+              </a:schemeClr>
+            </a:gs>
+          </a:gsLst>
+          <a:lin ang="5400000" scaled="0"/>
+        </a:gradFill>
+      </a:fillStyleLst>
+      <a:lnStyleLst>
+        <a:ln w="6350" cap="flat" cmpd="sng" algn="ctr">
+          <a:solidFill>
+            <a:schemeClr val="phClr"/>
+          </a:solidFill>
+          <a:prstDash val="solid"/>
+          <a:miter lim="800000"/>
+        </a:ln>
+        <a:ln w="12700" cap="flat" cmpd="sng" algn="ctr">
+          <a:solidFill>
+            <a:schemeClr val="phClr"/>
+          </a:solidFill>
+          <a:prstDash val="solid"/>
+          <a:miter lim="800000"/>
+        </a:ln>
+        <a:ln w="19050" cap="flat" cmpd="sng" algn="ctr">
+          <a:solidFill>
+            <a:schemeClr val="phClr"/>
+          </a:solidFill>
+          <a:prstDash val="solid"/>
+          <a:miter lim="800000"/>
+        </a:ln>
+      </a:lnStyleLst>
+      <a:effectStyleLst>
+        <a:effectStyle>
+          <a:effectLst/>
+        </a:effectStyle>
+        <a:effectStyle>
+          <a:effectLst/>
+        </a:effectStyle>
+        <a:effectStyle>
+          <a:effectLst>
+            <a:outerShdw blurRad="57150" dist="19050" dir="5400000" algn="ctr" rotWithShape="0">
+              <a:srgbClr val="000000">
+                <a:alpha val="63000"/>
+              </a:srgbClr>
+            </a:outerShdw>
+          </a:effectLst>
+        </a:effectStyle>
+      </a:effectStyleLst>
+      <a:bgFillStyleLst>
+        <a:solidFill>
+          <a:schemeClr val="phClr"/>
+        </a:solidFill>
+        <a:solidFill>
+          <a:schemeClr val="phClr">
+            <a:tint val="95000"/>
+            <a:satMod val="170000"/>
+          </a:schemeClr>
+        </a:solidFill>
+        <a:gradFill rotWithShape="1">
+          <a:gsLst>
+            <a:gs pos="0">
+              <a:schemeClr val="phClr">
+                <a:tint val="93000"/>
+                <a:satMod val="150000"/>
+                <a:shade val="98000"/>
+                <a:lumMod val="102000"/>
+              </a:schemeClr>
+            </a:gs>
+            <a:gs pos="50000">
+              <a:schemeClr val="phClr">
+                <a:tint val="98000"/>
+                <a:satMod val="130000"/>
+                <a:shade val="90000"/>
+                <a:lumMod val="103000"/>
+              </a:schemeClr>
+            </a:gs>
+            <a:gs pos="100000">
+              <a:schemeClr val="phClr">
+                <a:shade val="63000"/>
+                <a:satMod val="120000"/>
+              </a:schemeClr>
+            </a:gs>
+          </a:gsLst>
+          <a:lin ang="5400000" scaled="0"/>
+        </a:gradFill>
+      </a:bgFillStyleLst>
+    </a:fmtScheme>
+  </a:themeElements>
+  <a:objectDefaults/>
+  <a:extraClrSchemeLst/>
+  <a:extLst>
+    <a:ext uri="{05A4C25C-085E-4340-85A3-A5531E510DB2}">
+      <thm15:themeFamily xmlns:thm15="http://schemas.microsoft.com/office/thememl/2012/main" name="Office Theme" id="{62F939B6-93AF-4DB8-9C6B-D6C7DFDC589F}" vid="{4A3C46E8-61CC-4603-A589-7422A47A8E4A}"/>
+    </a:ext>
+  </a:extLst>
+</a:theme>
 </file>
--- a/reports/Presentation1.pptx
+++ b/reports/Presentation1.pptx
@@ -10017,20 +10017,12 @@
           <a:lstStyle/>
           <a:p>
             <a:r>
-              <a:rPr lang="en-US" dirty="0" err="1" smtClean="0"/>
-              <a:t>FurTher</a:t>
-            </a:r>
-            <a:r>
               <a:rPr lang="en-US" dirty="0" smtClean="0"/>
-              <a:t> </a:t>
-            </a:r>
-            <a:r>
-              <a:rPr lang="en-US" dirty="0" err="1" smtClean="0"/>
-              <a:t>RESearch</a:t>
+              <a:t>Further Research/ </a:t>
             </a:r>
             <a:r>
               <a:rPr lang="en-US" dirty="0" smtClean="0"/>
-              <a:t>/ questions</a:t>
+              <a:t>questions</a:t>
             </a:r>
             <a:endParaRPr lang="en-US" dirty="0"/>
           </a:p>

--- a/reports/Presentation1.pptx
+++ b/reports/Presentation1.pptx
@@ -15,20 +15,20 @@
     <p:sldId id="258" r:id="rId6"/>
     <p:sldId id="273" r:id="rId7"/>
     <p:sldId id="274" r:id="rId8"/>
-    <p:sldId id="272" r:id="rId9"/>
-    <p:sldId id="284" r:id="rId10"/>
+    <p:sldId id="292" r:id="rId9"/>
+    <p:sldId id="272" r:id="rId10"/>
     <p:sldId id="260" r:id="rId11"/>
-    <p:sldId id="275" r:id="rId12"/>
-    <p:sldId id="291" r:id="rId13"/>
-    <p:sldId id="268" r:id="rId14"/>
-    <p:sldId id="282" r:id="rId15"/>
-    <p:sldId id="276" r:id="rId16"/>
-    <p:sldId id="283" r:id="rId17"/>
-    <p:sldId id="289" r:id="rId18"/>
-    <p:sldId id="279" r:id="rId19"/>
-    <p:sldId id="261" r:id="rId20"/>
-    <p:sldId id="285" r:id="rId21"/>
-    <p:sldId id="286" r:id="rId22"/>
+    <p:sldId id="291" r:id="rId12"/>
+    <p:sldId id="284" r:id="rId13"/>
+    <p:sldId id="275" r:id="rId14"/>
+    <p:sldId id="268" r:id="rId15"/>
+    <p:sldId id="282" r:id="rId16"/>
+    <p:sldId id="289" r:id="rId17"/>
+    <p:sldId id="276" r:id="rId18"/>
+    <p:sldId id="283" r:id="rId19"/>
+    <p:sldId id="279" r:id="rId20"/>
+    <p:sldId id="261" r:id="rId21"/>
+    <p:sldId id="285" r:id="rId22"/>
     <p:sldId id="263" r:id="rId23"/>
   </p:sldIdLst>
   <p:sldSz cx="12192000" cy="6858000"/>
@@ -140,20 +140,20 @@
             <p14:sldId id="258"/>
             <p14:sldId id="273"/>
             <p14:sldId id="274"/>
+            <p14:sldId id="292"/>
             <p14:sldId id="272"/>
+            <p14:sldId id="260"/>
+            <p14:sldId id="291"/>
             <p14:sldId id="284"/>
-            <p14:sldId id="260"/>
             <p14:sldId id="275"/>
-            <p14:sldId id="291"/>
             <p14:sldId id="268"/>
             <p14:sldId id="282"/>
+            <p14:sldId id="289"/>
             <p14:sldId id="276"/>
             <p14:sldId id="283"/>
-            <p14:sldId id="289"/>
             <p14:sldId id="279"/>
             <p14:sldId id="261"/>
             <p14:sldId id="285"/>
-            <p14:sldId id="286"/>
             <p14:sldId id="263"/>
           </p14:sldIdLst>
         </p14:section>
@@ -259,7 +259,7 @@
           <a:p>
             <a:fld id="{D12F0E26-5067-F642-94A3-740695EB8FF5}" type="datetimeFigureOut">
               <a:rPr lang="en-US" smtClean="0"/>
-              <a:t>3/29/19</a:t>
+              <a:t>3/30/19</a:t>
             </a:fld>
             <a:endParaRPr lang="en-US"/>
           </a:p>
@@ -680,7 +680,7 @@
           <a:p>
             <a:fld id="{393312CB-3BCA-9047-8DE9-79636BB0534A}" type="slidenum">
               <a:rPr lang="en-US" smtClean="0"/>
-              <a:t>13</a:t>
+              <a:t>14</a:t>
             </a:fld>
             <a:endParaRPr lang="en-US"/>
           </a:p>
@@ -869,7 +869,7 @@
           <a:p>
             <a:fld id="{65391DDC-B041-0642-912B-52C778FA5BB0}" type="datetimeFigureOut">
               <a:rPr lang="en-US" smtClean="0"/>
-              <a:t>3/29/19</a:t>
+              <a:t>3/30/19</a:t>
             </a:fld>
             <a:endParaRPr lang="en-US"/>
           </a:p>
@@ -1141,7 +1141,7 @@
           <a:p>
             <a:fld id="{65391DDC-B041-0642-912B-52C778FA5BB0}" type="datetimeFigureOut">
               <a:rPr lang="en-US" smtClean="0"/>
-              <a:t>3/29/19</a:t>
+              <a:t>3/30/19</a:t>
             </a:fld>
             <a:endParaRPr lang="en-US"/>
           </a:p>
@@ -1372,7 +1372,7 @@
           <a:p>
             <a:fld id="{65391DDC-B041-0642-912B-52C778FA5BB0}" type="datetimeFigureOut">
               <a:rPr lang="en-US" smtClean="0"/>
-              <a:t>3/29/19</a:t>
+              <a:t>3/30/19</a:t>
             </a:fld>
             <a:endParaRPr lang="en-US"/>
           </a:p>
@@ -1682,7 +1682,7 @@
           <a:p>
             <a:fld id="{65391DDC-B041-0642-912B-52C778FA5BB0}" type="datetimeFigureOut">
               <a:rPr lang="en-US" smtClean="0"/>
-              <a:t>3/29/19</a:t>
+              <a:t>3/30/19</a:t>
             </a:fld>
             <a:endParaRPr lang="en-US"/>
           </a:p>
@@ -2155,7 +2155,7 @@
           <a:p>
             <a:fld id="{65391DDC-B041-0642-912B-52C778FA5BB0}" type="datetimeFigureOut">
               <a:rPr lang="en-US" smtClean="0"/>
-              <a:t>3/29/19</a:t>
+              <a:t>3/30/19</a:t>
             </a:fld>
             <a:endParaRPr lang="en-US"/>
           </a:p>
@@ -2702,7 +2702,7 @@
           <a:p>
             <a:fld id="{65391DDC-B041-0642-912B-52C778FA5BB0}" type="datetimeFigureOut">
               <a:rPr lang="en-US" smtClean="0"/>
-              <a:t>3/29/19</a:t>
+              <a:t>3/30/19</a:t>
             </a:fld>
             <a:endParaRPr lang="en-US"/>
           </a:p>
@@ -3476,7 +3476,7 @@
           <a:p>
             <a:fld id="{65391DDC-B041-0642-912B-52C778FA5BB0}" type="datetimeFigureOut">
               <a:rPr lang="en-US" smtClean="0"/>
-              <a:t>3/29/19</a:t>
+              <a:t>3/30/19</a:t>
             </a:fld>
             <a:endParaRPr lang="en-US"/>
           </a:p>
@@ -3651,7 +3651,7 @@
           <a:p>
             <a:fld id="{65391DDC-B041-0642-912B-52C778FA5BB0}" type="datetimeFigureOut">
               <a:rPr lang="en-US" smtClean="0"/>
-              <a:t>3/29/19</a:t>
+              <a:t>3/30/19</a:t>
             </a:fld>
             <a:endParaRPr lang="en-US"/>
           </a:p>
@@ -3874,7 +3874,7 @@
           <a:p>
             <a:fld id="{65391DDC-B041-0642-912B-52C778FA5BB0}" type="datetimeFigureOut">
               <a:rPr lang="en-US" smtClean="0"/>
-              <a:t>3/29/19</a:t>
+              <a:t>3/30/19</a:t>
             </a:fld>
             <a:endParaRPr lang="en-US"/>
           </a:p>
@@ -4059,7 +4059,7 @@
           <a:p>
             <a:fld id="{65391DDC-B041-0642-912B-52C778FA5BB0}" type="datetimeFigureOut">
               <a:rPr lang="en-US" smtClean="0"/>
-              <a:t>3/29/19</a:t>
+              <a:t>3/30/19</a:t>
             </a:fld>
             <a:endParaRPr lang="en-US"/>
           </a:p>
@@ -4348,7 +4348,7 @@
           <a:p>
             <a:fld id="{65391DDC-B041-0642-912B-52C778FA5BB0}" type="datetimeFigureOut">
               <a:rPr lang="en-US" smtClean="0"/>
-              <a:t>3/29/19</a:t>
+              <a:t>3/30/19</a:t>
             </a:fld>
             <a:endParaRPr lang="en-US"/>
           </a:p>
@@ -4595,7 +4595,7 @@
           <a:p>
             <a:fld id="{65391DDC-B041-0642-912B-52C778FA5BB0}" type="datetimeFigureOut">
               <a:rPr lang="en-US" smtClean="0"/>
-              <a:t>3/29/19</a:t>
+              <a:t>3/30/19</a:t>
             </a:fld>
             <a:endParaRPr lang="en-US"/>
           </a:p>
@@ -4974,7 +4974,7 @@
           <a:p>
             <a:fld id="{65391DDC-B041-0642-912B-52C778FA5BB0}" type="datetimeFigureOut">
               <a:rPr lang="en-US" smtClean="0"/>
-              <a:t>3/29/19</a:t>
+              <a:t>3/30/19</a:t>
             </a:fld>
             <a:endParaRPr lang="en-US"/>
           </a:p>
@@ -5092,7 +5092,7 @@
           <a:p>
             <a:fld id="{65391DDC-B041-0642-912B-52C778FA5BB0}" type="datetimeFigureOut">
               <a:rPr lang="en-US" smtClean="0"/>
-              <a:t>3/29/19</a:t>
+              <a:t>3/30/19</a:t>
             </a:fld>
             <a:endParaRPr lang="en-US"/>
           </a:p>
@@ -5187,7 +5187,7 @@
           <a:p>
             <a:fld id="{65391DDC-B041-0642-912B-52C778FA5BB0}" type="datetimeFigureOut">
               <a:rPr lang="en-US" smtClean="0"/>
-              <a:t>3/29/19</a:t>
+              <a:t>3/30/19</a:t>
             </a:fld>
             <a:endParaRPr lang="en-US"/>
           </a:p>
@@ -5436,7 +5436,7 @@
           <a:p>
             <a:fld id="{65391DDC-B041-0642-912B-52C778FA5BB0}" type="datetimeFigureOut">
               <a:rPr lang="en-US" smtClean="0"/>
-              <a:t>3/29/19</a:t>
+              <a:t>3/30/19</a:t>
             </a:fld>
             <a:endParaRPr lang="en-US"/>
           </a:p>
@@ -5693,7 +5693,7 @@
           <a:p>
             <a:fld id="{65391DDC-B041-0642-912B-52C778FA5BB0}" type="datetimeFigureOut">
               <a:rPr lang="en-US" smtClean="0"/>
-              <a:t>3/29/19</a:t>
+              <a:t>3/30/19</a:t>
             </a:fld>
             <a:endParaRPr lang="en-US"/>
           </a:p>
@@ -5936,7 +5936,7 @@
           <a:p>
             <a:fld id="{65391DDC-B041-0642-912B-52C778FA5BB0}" type="datetimeFigureOut">
               <a:rPr lang="en-US" smtClean="0"/>
-              <a:t>3/29/19</a:t>
+              <a:t>3/30/19</a:t>
             </a:fld>
             <a:endParaRPr lang="en-US"/>
           </a:p>
@@ -6025,7 +6025,7 @@
           <p:cNvPr id="8" name="MSIPCMContentMarking" descr="{&quot;HashCode&quot;:1831732991,&quot;Placement&quot;:&quot;Footer&quot;}">
             <a:extLst>
               <a:ext uri="{FF2B5EF4-FFF2-40B4-BE49-F238E27FC236}">
-                <a16:creationId xmlns:a16="http://schemas.microsoft.com/office/drawing/2014/main" xmlns="" id="{14452350-0B14-4700-8C7F-6552A2CACA03}"/>
+                <a16:creationId xmlns="" xmlns:a16="http://schemas.microsoft.com/office/drawing/2014/main" id="{14452350-0B14-4700-8C7F-6552A2CACA03}"/>
               </a:ext>
             </a:extLst>
           </p:cNvPr>
@@ -6405,7 +6405,7 @@
           <p:cNvPr id="2" name="Title 1">
             <a:extLst>
               <a:ext uri="{FF2B5EF4-FFF2-40B4-BE49-F238E27FC236}">
-                <a16:creationId xmlns:a16="http://schemas.microsoft.com/office/drawing/2014/main" xmlns="" id="{099CA25A-E5BA-A54C-A788-9C6A8959DC58}"/>
+                <a16:creationId xmlns="" xmlns:a16="http://schemas.microsoft.com/office/drawing/2014/main" id="{099CA25A-E5BA-A54C-A788-9C6A8959DC58}"/>
               </a:ext>
             </a:extLst>
           </p:cNvPr>
@@ -6440,7 +6440,7 @@
           <p:cNvPr id="3" name="Subtitle 2">
             <a:extLst>
               <a:ext uri="{FF2B5EF4-FFF2-40B4-BE49-F238E27FC236}">
-                <a16:creationId xmlns:a16="http://schemas.microsoft.com/office/drawing/2014/main" xmlns="" id="{55DB8E11-A9B5-A447-996D-062EAB71E2F0}"/>
+                <a16:creationId xmlns="" xmlns:a16="http://schemas.microsoft.com/office/drawing/2014/main" id="{55DB8E11-A9B5-A447-996D-062EAB71E2F0}"/>
               </a:ext>
             </a:extLst>
           </p:cNvPr>
@@ -6554,7 +6554,7 @@
           <p:cNvPr id="2" name="Title 1">
             <a:extLst>
               <a:ext uri="{FF2B5EF4-FFF2-40B4-BE49-F238E27FC236}">
-                <a16:creationId xmlns:a16="http://schemas.microsoft.com/office/drawing/2014/main" xmlns="" id="{D5DDA148-DFCE-4891-9EAA-B72040FAB27E}"/>
+                <a16:creationId xmlns="" xmlns:a16="http://schemas.microsoft.com/office/drawing/2014/main" id="{D5DDA148-DFCE-4891-9EAA-B72040FAB27E}"/>
               </a:ext>
             </a:extLst>
           </p:cNvPr>
@@ -6623,13 +6623,7 @@
       </p:grpSpPr>
       <p:sp>
         <p:nvSpPr>
-          <p:cNvPr id="2" name="Title 1">
-            <a:extLst>
-              <a:ext uri="{FF2B5EF4-FFF2-40B4-BE49-F238E27FC236}">
-                <a16:creationId xmlns:a16="http://schemas.microsoft.com/office/drawing/2014/main" xmlns="" id="{6110E4C8-860A-40AA-95EF-F9A2C1DD71F9}"/>
-              </a:ext>
-            </a:extLst>
-          </p:cNvPr>
+          <p:cNvPr id="2" name="Title 1"/>
           <p:cNvSpPr>
             <a:spLocks noGrp="1"/>
           </p:cNvSpPr>
@@ -6639,8 +6633,8 @@
         </p:nvSpPr>
         <p:spPr>
           <a:xfrm>
-            <a:off x="685801" y="609601"/>
-            <a:ext cx="10131425" cy="1266334"/>
+            <a:off x="2618510" y="140919"/>
+            <a:ext cx="8610600" cy="1293028"/>
           </a:xfrm>
         </p:spPr>
         <p:txBody>
@@ -6650,23 +6644,15 @@
           <a:lstStyle/>
           <a:p>
             <a:r>
-              <a:rPr lang="en-US" sz="2400" dirty="0"/>
-              <a:t>Highest injuries by weather type</a:t>
-            </a:r>
-            <a:r>
-              <a:rPr lang="en-US" dirty="0"/>
-              <a:t/>
-            </a:r>
-            <a:br>
-              <a:rPr lang="en-US" dirty="0"/>
-            </a:br>
-            <a:endParaRPr lang="en-US" dirty="0"/>
+              <a:rPr lang="en-US" sz="2800" dirty="0"/>
+              <a:t>Example: Data by day</a:t>
+            </a:r>
           </a:p>
         </p:txBody>
       </p:sp>
       <p:pic>
         <p:nvPicPr>
-          <p:cNvPr id="3" name="Content Placeholder 2"/>
+          <p:cNvPr id="4" name="Content Placeholder 3"/>
           <p:cNvPicPr>
             <a:picLocks noGrp="1" noChangeAspect="1"/>
           </p:cNvPicPr>
@@ -6688,15 +6674,15 @@
         </p:blipFill>
         <p:spPr>
           <a:xfrm>
-            <a:off x="1633837" y="1656627"/>
-            <a:ext cx="8723301" cy="4328537"/>
+            <a:off x="342323" y="1066799"/>
+            <a:ext cx="11111346" cy="5555673"/>
           </a:xfrm>
         </p:spPr>
       </p:pic>
     </p:spTree>
     <p:extLst>
       <p:ext uri="{BB962C8B-B14F-4D97-AF65-F5344CB8AC3E}">
-        <p14:creationId xmlns:p14="http://schemas.microsoft.com/office/powerpoint/2010/main" val="2527205018"/>
+        <p14:creationId xmlns:p14="http://schemas.microsoft.com/office/powerpoint/2010/main" val="936695303"/>
       </p:ext>
     </p:extLst>
   </p:cSld>
@@ -6730,39 +6716,15 @@
           <a:chExt cx="0" cy="0"/>
         </a:xfrm>
       </p:grpSpPr>
-      <p:sp>
-        <p:nvSpPr>
-          <p:cNvPr id="2" name="Title 1"/>
-          <p:cNvSpPr>
-            <a:spLocks noGrp="1"/>
-          </p:cNvSpPr>
-          <p:nvPr>
-            <p:ph type="title"/>
-          </p:nvPr>
-        </p:nvSpPr>
-        <p:spPr>
-          <a:xfrm>
-            <a:off x="2618510" y="140919"/>
-            <a:ext cx="8610600" cy="1293028"/>
-          </a:xfrm>
-        </p:spPr>
-        <p:txBody>
-          <a:bodyPr>
-            <a:normAutofit/>
-          </a:bodyPr>
-          <a:lstStyle/>
-          <a:p>
-            <a:r>
-              <a:rPr lang="en-US" sz="2800" dirty="0"/>
-              <a:t>Example: Data by day</a:t>
-            </a:r>
-            <a:endParaRPr lang="en-US" sz="2800" dirty="0"/>
-          </a:p>
-        </p:txBody>
-      </p:sp>
       <p:pic>
         <p:nvPicPr>
-          <p:cNvPr id="4" name="Content Placeholder 3"/>
+          <p:cNvPr id="5" name="Content Placeholder 4">
+            <a:extLst>
+              <a:ext uri="{FF2B5EF4-FFF2-40B4-BE49-F238E27FC236}">
+                <a16:creationId xmlns="" xmlns:a16="http://schemas.microsoft.com/office/drawing/2014/main" id="{39D2510D-176A-45DE-8B7C-A525905EC0BB}"/>
+              </a:ext>
+            </a:extLst>
+          </p:cNvPr>
           <p:cNvPicPr>
             <a:picLocks noGrp="1" noChangeAspect="1"/>
           </p:cNvPicPr>
@@ -6771,28 +6733,22 @@
           </p:nvPr>
         </p:nvPicPr>
         <p:blipFill>
-          <a:blip r:embed="rId2">
-            <a:extLst>
-              <a:ext uri="{28A0092B-C50C-407E-A947-70E740481C1C}">
-                <a14:useLocalDpi xmlns:a14="http://schemas.microsoft.com/office/drawing/2010/main" val="0"/>
-              </a:ext>
-            </a:extLst>
-          </a:blip>
+          <a:blip r:embed="rId2"/>
           <a:stretch>
             <a:fillRect/>
           </a:stretch>
         </p:blipFill>
         <p:spPr>
           <a:xfrm>
-            <a:off x="342323" y="1066799"/>
-            <a:ext cx="11111346" cy="5555673"/>
+            <a:off x="395722" y="484910"/>
+            <a:ext cx="11526979" cy="5763490"/>
           </a:xfrm>
         </p:spPr>
       </p:pic>
     </p:spTree>
     <p:extLst>
       <p:ext uri="{BB962C8B-B14F-4D97-AF65-F5344CB8AC3E}">
-        <p14:creationId xmlns:p14="http://schemas.microsoft.com/office/powerpoint/2010/main" val="936695303"/>
+        <p14:creationId xmlns:p14="http://schemas.microsoft.com/office/powerpoint/2010/main" val="100125960"/>
       </p:ext>
     </p:extLst>
   </p:cSld>
@@ -6831,7 +6787,116 @@
           <p:cNvPr id="2" name="Title 1">
             <a:extLst>
               <a:ext uri="{FF2B5EF4-FFF2-40B4-BE49-F238E27FC236}">
-                <a16:creationId xmlns:a16="http://schemas.microsoft.com/office/drawing/2014/main" xmlns="" id="{BF90F1CA-9661-4FB5-8CA1-1996FE646CDC}"/>
+                <a16:creationId xmlns="" xmlns:a16="http://schemas.microsoft.com/office/drawing/2014/main" id="{6110E4C8-860A-40AA-95EF-F9A2C1DD71F9}"/>
+              </a:ext>
+            </a:extLst>
+          </p:cNvPr>
+          <p:cNvSpPr>
+            <a:spLocks noGrp="1"/>
+          </p:cNvSpPr>
+          <p:nvPr>
+            <p:ph type="title"/>
+          </p:nvPr>
+        </p:nvSpPr>
+        <p:spPr>
+          <a:xfrm>
+            <a:off x="685801" y="609601"/>
+            <a:ext cx="10131425" cy="1266334"/>
+          </a:xfrm>
+        </p:spPr>
+        <p:txBody>
+          <a:bodyPr>
+            <a:normAutofit/>
+          </a:bodyPr>
+          <a:lstStyle/>
+          <a:p>
+            <a:r>
+              <a:rPr lang="en-US" sz="2400" dirty="0"/>
+              <a:t>Highest injuries by weather type</a:t>
+            </a:r>
+            <a:r>
+              <a:rPr lang="en-US" dirty="0"/>
+              <a:t/>
+            </a:r>
+            <a:br>
+              <a:rPr lang="en-US" dirty="0"/>
+            </a:br>
+            <a:endParaRPr lang="en-US" dirty="0"/>
+          </a:p>
+        </p:txBody>
+      </p:sp>
+      <p:pic>
+        <p:nvPicPr>
+          <p:cNvPr id="7" name="Content Placeholder 6"/>
+          <p:cNvPicPr>
+            <a:picLocks noGrp="1" noChangeAspect="1"/>
+          </p:cNvPicPr>
+          <p:nvPr>
+            <p:ph idx="1"/>
+          </p:nvPr>
+        </p:nvPicPr>
+        <p:blipFill>
+          <a:blip r:embed="rId2">
+            <a:extLst>
+              <a:ext uri="{28A0092B-C50C-407E-A947-70E740481C1C}">
+                <a14:useLocalDpi xmlns:a14="http://schemas.microsoft.com/office/drawing/2010/main" val="0"/>
+              </a:ext>
+            </a:extLst>
+          </a:blip>
+          <a:stretch>
+            <a:fillRect/>
+          </a:stretch>
+        </p:blipFill>
+        <p:spPr>
+          <a:xfrm>
+            <a:off x="2056660" y="1387600"/>
+            <a:ext cx="7389705" cy="4540357"/>
+          </a:xfrm>
+        </p:spPr>
+      </p:pic>
+    </p:spTree>
+    <p:extLst>
+      <p:ext uri="{BB962C8B-B14F-4D97-AF65-F5344CB8AC3E}">
+        <p14:creationId xmlns:p14="http://schemas.microsoft.com/office/powerpoint/2010/main" val="2527205018"/>
+      </p:ext>
+    </p:extLst>
+  </p:cSld>
+  <p:clrMapOvr>
+    <a:masterClrMapping/>
+  </p:clrMapOvr>
+  <p:timing>
+    <p:tnLst>
+      <p:par>
+        <p:cTn id="1" dur="indefinite" restart="never" nodeType="tmRoot"/>
+      </p:par>
+    </p:tnLst>
+  </p:timing>
+</p:sld>
+</file>
+
+<file path=ppt/slides/slide14.xml><?xml version="1.0" encoding="utf-8"?>
+<p:sld xmlns:a="http://schemas.openxmlformats.org/drawingml/2006/main" xmlns:r="http://schemas.openxmlformats.org/officeDocument/2006/relationships" xmlns:p="http://schemas.openxmlformats.org/presentationml/2006/main">
+  <p:cSld>
+    <p:spTree>
+      <p:nvGrpSpPr>
+        <p:cNvPr id="1" name=""/>
+        <p:cNvGrpSpPr/>
+        <p:nvPr/>
+      </p:nvGrpSpPr>
+      <p:grpSpPr>
+        <a:xfrm>
+          <a:off x="0" y="0"/>
+          <a:ext cx="0" cy="0"/>
+          <a:chOff x="0" y="0"/>
+          <a:chExt cx="0" cy="0"/>
+        </a:xfrm>
+      </p:grpSpPr>
+      <p:sp>
+        <p:nvSpPr>
+          <p:cNvPr id="2" name="Title 1">
+            <a:extLst>
+              <a:ext uri="{FF2B5EF4-FFF2-40B4-BE49-F238E27FC236}">
+                <a16:creationId xmlns="" xmlns:a16="http://schemas.microsoft.com/office/drawing/2014/main" id="{BF90F1CA-9661-4FB5-8CA1-1996FE646CDC}"/>
               </a:ext>
             </a:extLst>
           </p:cNvPr>
@@ -6874,7 +6939,7 @@
           <p:cNvPr id="16" name="Content Placeholder 15">
             <a:extLst>
               <a:ext uri="{FF2B5EF4-FFF2-40B4-BE49-F238E27FC236}">
-                <a16:creationId xmlns:a16="http://schemas.microsoft.com/office/drawing/2014/main" xmlns="" id="{E35E92D4-D576-45D9-8378-35D2C97B5C8F}"/>
+                <a16:creationId xmlns="" xmlns:a16="http://schemas.microsoft.com/office/drawing/2014/main" id="{E35E92D4-D576-45D9-8378-35D2C97B5C8F}"/>
               </a:ext>
             </a:extLst>
           </p:cNvPr>
@@ -6903,7 +6968,7 @@
           <p:cNvPr id="8" name="Table 7">
             <a:extLst>
               <a:ext uri="{FF2B5EF4-FFF2-40B4-BE49-F238E27FC236}">
-                <a16:creationId xmlns:a16="http://schemas.microsoft.com/office/drawing/2014/main" xmlns="" id="{B8A5C032-3C69-4843-A0C3-DD5DECE64026}"/>
+                <a16:creationId xmlns="" xmlns:a16="http://schemas.microsoft.com/office/drawing/2014/main" id="{B8A5C032-3C69-4843-A0C3-DD5DECE64026}"/>
               </a:ext>
             </a:extLst>
           </p:cNvPr>
@@ -6932,28 +6997,28 @@
                 <a:gridCol w="2529620">
                   <a:extLst>
                     <a:ext uri="{9D8B030D-6E8A-4147-A177-3AD203B41FA5}">
-                      <a16:colId xmlns:a16="http://schemas.microsoft.com/office/drawing/2014/main" xmlns="" val="2670550747"/>
+                      <a16:colId xmlns="" xmlns:a16="http://schemas.microsoft.com/office/drawing/2014/main" val="2670550747"/>
                     </a:ext>
                   </a:extLst>
                 </a:gridCol>
                 <a:gridCol w="2529620">
                   <a:extLst>
                     <a:ext uri="{9D8B030D-6E8A-4147-A177-3AD203B41FA5}">
-                      <a16:colId xmlns:a16="http://schemas.microsoft.com/office/drawing/2014/main" xmlns="" val="1946152109"/>
+                      <a16:colId xmlns="" xmlns:a16="http://schemas.microsoft.com/office/drawing/2014/main" val="1946152109"/>
                     </a:ext>
                   </a:extLst>
                 </a:gridCol>
                 <a:gridCol w="2529620">
                   <a:extLst>
                     <a:ext uri="{9D8B030D-6E8A-4147-A177-3AD203B41FA5}">
-                      <a16:colId xmlns:a16="http://schemas.microsoft.com/office/drawing/2014/main" xmlns="" val="1126911897"/>
+                      <a16:colId xmlns="" xmlns:a16="http://schemas.microsoft.com/office/drawing/2014/main" val="1126911897"/>
                     </a:ext>
                   </a:extLst>
                 </a:gridCol>
                 <a:gridCol w="2529620">
                   <a:extLst>
                     <a:ext uri="{9D8B030D-6E8A-4147-A177-3AD203B41FA5}">
-                      <a16:colId xmlns:a16="http://schemas.microsoft.com/office/drawing/2014/main" xmlns="" val="4138073322"/>
+                      <a16:colId xmlns="" xmlns:a16="http://schemas.microsoft.com/office/drawing/2014/main" val="4138073322"/>
                     </a:ext>
                   </a:extLst>
                 </a:gridCol>
@@ -7014,7 +7079,7 @@
                 </a:tc>
                 <a:extLst>
                   <a:ext uri="{0D108BD9-81ED-4DB2-BD59-A6C34878D82A}">
-                    <a16:rowId xmlns:a16="http://schemas.microsoft.com/office/drawing/2014/main" xmlns="" val="791889607"/>
+                    <a16:rowId xmlns="" xmlns:a16="http://schemas.microsoft.com/office/drawing/2014/main" val="791889607"/>
                   </a:ext>
                 </a:extLst>
               </a:tr>
@@ -7074,7 +7139,7 @@
                 </a:tc>
                 <a:extLst>
                   <a:ext uri="{0D108BD9-81ED-4DB2-BD59-A6C34878D82A}">
-                    <a16:rowId xmlns:a16="http://schemas.microsoft.com/office/drawing/2014/main" xmlns="" val="2004164706"/>
+                    <a16:rowId xmlns="" xmlns:a16="http://schemas.microsoft.com/office/drawing/2014/main" val="2004164706"/>
                   </a:ext>
                 </a:extLst>
               </a:tr>
@@ -7102,7 +7167,7 @@
 </p:sld>
 </file>
 
-<file path=ppt/slides/slide14.xml><?xml version="1.0" encoding="utf-8"?>
+<file path=ppt/slides/slide15.xml><?xml version="1.0" encoding="utf-8"?>
 <p:sld xmlns:a="http://schemas.openxmlformats.org/drawingml/2006/main" xmlns:r="http://schemas.openxmlformats.org/officeDocument/2006/relationships" xmlns:p="http://schemas.openxmlformats.org/presentationml/2006/main">
   <p:cSld>
     <p:spTree>
@@ -7124,7 +7189,7 @@
           <p:cNvPr id="2" name="Title 1">
             <a:extLst>
               <a:ext uri="{FF2B5EF4-FFF2-40B4-BE49-F238E27FC236}">
-                <a16:creationId xmlns:a16="http://schemas.microsoft.com/office/drawing/2014/main" xmlns="" id="{BF90F1CA-9661-4FB5-8CA1-1996FE646CDC}"/>
+                <a16:creationId xmlns="" xmlns:a16="http://schemas.microsoft.com/office/drawing/2014/main" id="{BF90F1CA-9661-4FB5-8CA1-1996FE646CDC}"/>
               </a:ext>
             </a:extLst>
           </p:cNvPr>
@@ -7167,7 +7232,7 @@
           <p:cNvPr id="11" name="Content Placeholder 10">
             <a:extLst>
               <a:ext uri="{FF2B5EF4-FFF2-40B4-BE49-F238E27FC236}">
-                <a16:creationId xmlns:a16="http://schemas.microsoft.com/office/drawing/2014/main" xmlns="" id="{BCB305E1-BBEB-4530-91CA-E0669AE1A1A9}"/>
+                <a16:creationId xmlns="" xmlns:a16="http://schemas.microsoft.com/office/drawing/2014/main" id="{BCB305E1-BBEB-4530-91CA-E0669AE1A1A9}"/>
               </a:ext>
             </a:extLst>
           </p:cNvPr>
@@ -7196,7 +7261,7 @@
           <p:cNvPr id="8" name="Table 7">
             <a:extLst>
               <a:ext uri="{FF2B5EF4-FFF2-40B4-BE49-F238E27FC236}">
-                <a16:creationId xmlns:a16="http://schemas.microsoft.com/office/drawing/2014/main" xmlns="" id="{B8A5C032-3C69-4843-A0C3-DD5DECE64026}"/>
+                <a16:creationId xmlns="" xmlns:a16="http://schemas.microsoft.com/office/drawing/2014/main" id="{B8A5C032-3C69-4843-A0C3-DD5DECE64026}"/>
               </a:ext>
             </a:extLst>
           </p:cNvPr>
@@ -7225,28 +7290,28 @@
                 <a:gridCol w="2529620">
                   <a:extLst>
                     <a:ext uri="{9D8B030D-6E8A-4147-A177-3AD203B41FA5}">
-                      <a16:colId xmlns:a16="http://schemas.microsoft.com/office/drawing/2014/main" xmlns="" val="2670550747"/>
+                      <a16:colId xmlns="" xmlns:a16="http://schemas.microsoft.com/office/drawing/2014/main" val="2670550747"/>
                     </a:ext>
                   </a:extLst>
                 </a:gridCol>
                 <a:gridCol w="2529620">
                   <a:extLst>
                     <a:ext uri="{9D8B030D-6E8A-4147-A177-3AD203B41FA5}">
-                      <a16:colId xmlns:a16="http://schemas.microsoft.com/office/drawing/2014/main" xmlns="" val="1946152109"/>
+                      <a16:colId xmlns="" xmlns:a16="http://schemas.microsoft.com/office/drawing/2014/main" val="1946152109"/>
                     </a:ext>
                   </a:extLst>
                 </a:gridCol>
                 <a:gridCol w="2529620">
                   <a:extLst>
                     <a:ext uri="{9D8B030D-6E8A-4147-A177-3AD203B41FA5}">
-                      <a16:colId xmlns:a16="http://schemas.microsoft.com/office/drawing/2014/main" xmlns="" val="1126911897"/>
+                      <a16:colId xmlns="" xmlns:a16="http://schemas.microsoft.com/office/drawing/2014/main" val="1126911897"/>
                     </a:ext>
                   </a:extLst>
                 </a:gridCol>
                 <a:gridCol w="2529620">
                   <a:extLst>
                     <a:ext uri="{9D8B030D-6E8A-4147-A177-3AD203B41FA5}">
-                      <a16:colId xmlns:a16="http://schemas.microsoft.com/office/drawing/2014/main" xmlns="" val="4138073322"/>
+                      <a16:colId xmlns="" xmlns:a16="http://schemas.microsoft.com/office/drawing/2014/main" val="4138073322"/>
                     </a:ext>
                   </a:extLst>
                 </a:gridCol>
@@ -7307,7 +7372,7 @@
                 </a:tc>
                 <a:extLst>
                   <a:ext uri="{0D108BD9-81ED-4DB2-BD59-A6C34878D82A}">
-                    <a16:rowId xmlns:a16="http://schemas.microsoft.com/office/drawing/2014/main" xmlns="" val="791889607"/>
+                    <a16:rowId xmlns="" xmlns:a16="http://schemas.microsoft.com/office/drawing/2014/main" val="791889607"/>
                   </a:ext>
                 </a:extLst>
               </a:tr>
@@ -7368,7 +7433,7 @@
                 </a:tc>
                 <a:extLst>
                   <a:ext uri="{0D108BD9-81ED-4DB2-BD59-A6C34878D82A}">
-                    <a16:rowId xmlns:a16="http://schemas.microsoft.com/office/drawing/2014/main" xmlns="" val="2004164706"/>
+                    <a16:rowId xmlns="" xmlns:a16="http://schemas.microsoft.com/office/drawing/2014/main" val="2004164706"/>
                   </a:ext>
                 </a:extLst>
               </a:tr>
@@ -7396,619 +7461,7 @@
 </p:sld>
 </file>
 
-<file path=ppt/slides/slide15.xml><?xml version="1.0" encoding="utf-8"?>
-<p:sld xmlns:a="http://schemas.openxmlformats.org/drawingml/2006/main" xmlns:r="http://schemas.openxmlformats.org/officeDocument/2006/relationships" xmlns:p="http://schemas.openxmlformats.org/presentationml/2006/main">
-  <p:cSld>
-    <p:spTree>
-      <p:nvGrpSpPr>
-        <p:cNvPr id="1" name=""/>
-        <p:cNvGrpSpPr/>
-        <p:nvPr/>
-      </p:nvGrpSpPr>
-      <p:grpSpPr>
-        <a:xfrm>
-          <a:off x="0" y="0"/>
-          <a:ext cx="0" cy="0"/>
-          <a:chOff x="0" y="0"/>
-          <a:chExt cx="0" cy="0"/>
-        </a:xfrm>
-      </p:grpSpPr>
-      <p:sp>
-        <p:nvSpPr>
-          <p:cNvPr id="2" name="Title 1">
-            <a:extLst>
-              <a:ext uri="{FF2B5EF4-FFF2-40B4-BE49-F238E27FC236}">
-                <a16:creationId xmlns:a16="http://schemas.microsoft.com/office/drawing/2014/main" xmlns="" id="{8BD559CB-3793-4533-8A7E-67DC3F83F020}"/>
-              </a:ext>
-            </a:extLst>
-          </p:cNvPr>
-          <p:cNvSpPr>
-            <a:spLocks noGrp="1"/>
-          </p:cNvSpPr>
-          <p:nvPr>
-            <p:ph type="title"/>
-          </p:nvPr>
-        </p:nvSpPr>
-        <p:spPr>
-          <a:xfrm>
-            <a:off x="1030287" y="377074"/>
-            <a:ext cx="10131425" cy="1649690"/>
-          </a:xfrm>
-        </p:spPr>
-        <p:txBody>
-          <a:bodyPr>
-            <a:normAutofit/>
-          </a:bodyPr>
-          <a:lstStyle/>
-          <a:p>
-            <a:r>
-              <a:rPr lang="en-US" sz="2400" dirty="0"/>
-              <a:t>Does the </a:t>
-            </a:r>
-            <a:r>
-              <a:rPr lang="en-US" sz="2400" b="1" dirty="0"/>
-              <a:t>minimum temperature </a:t>
-            </a:r>
-            <a:r>
-              <a:rPr lang="en-US" sz="2400" dirty="0"/>
-              <a:t>have a significant effect on the number of Collisions or injuries?</a:t>
-            </a:r>
-            <a:br>
-              <a:rPr lang="en-US" sz="2400" dirty="0"/>
-            </a:br>
-            <a:r>
-              <a:rPr lang="en-US" sz="2400" dirty="0"/>
-              <a:t/>
-            </a:r>
-            <a:br>
-              <a:rPr lang="en-US" sz="2400" dirty="0"/>
-            </a:br>
-            <a:endParaRPr lang="en-US" sz="2400" dirty="0"/>
-          </a:p>
-        </p:txBody>
-      </p:sp>
-      <p:pic>
-        <p:nvPicPr>
-          <p:cNvPr id="4" name="Picture 3">
-            <a:extLst>
-              <a:ext uri="{FF2B5EF4-FFF2-40B4-BE49-F238E27FC236}">
-                <a16:creationId xmlns:a16="http://schemas.microsoft.com/office/drawing/2014/main" xmlns="" id="{86CE72FC-88A5-483D-88D8-ABBF23618905}"/>
-              </a:ext>
-            </a:extLst>
-          </p:cNvPr>
-          <p:cNvPicPr>
-            <a:picLocks noChangeAspect="1"/>
-          </p:cNvPicPr>
-          <p:nvPr/>
-        </p:nvPicPr>
-        <p:blipFill>
-          <a:blip r:embed="rId2"/>
-          <a:stretch>
-            <a:fillRect/>
-          </a:stretch>
-        </p:blipFill>
-        <p:spPr>
-          <a:xfrm>
-            <a:off x="1941920" y="1396738"/>
-            <a:ext cx="8129047" cy="4064524"/>
-          </a:xfrm>
-          <a:prstGeom prst="rect">
-            <a:avLst/>
-          </a:prstGeom>
-        </p:spPr>
-      </p:pic>
-      <p:graphicFrame>
-        <p:nvGraphicFramePr>
-          <p:cNvPr id="5" name="Table 4">
-            <a:extLst>
-              <a:ext uri="{FF2B5EF4-FFF2-40B4-BE49-F238E27FC236}">
-                <a16:creationId xmlns:a16="http://schemas.microsoft.com/office/drawing/2014/main" xmlns="" id="{F990865B-24C7-4CCE-8FB2-D719C4627037}"/>
-              </a:ext>
-            </a:extLst>
-          </p:cNvPr>
-          <p:cNvGraphicFramePr>
-            <a:graphicFrameLocks noGrp="1"/>
-          </p:cNvGraphicFramePr>
-          <p:nvPr>
-            <p:extLst>
-              <p:ext uri="{D42A27DB-BD31-4B8C-83A1-F6EECF244321}">
-                <p14:modId xmlns:p14="http://schemas.microsoft.com/office/powerpoint/2010/main" val="1028107920"/>
-              </p:ext>
-            </p:extLst>
-          </p:nvPr>
-        </p:nvGraphicFramePr>
-        <p:xfrm>
-          <a:off x="1180738" y="5739246"/>
-          <a:ext cx="10131424" cy="741680"/>
-        </p:xfrm>
-        <a:graphic>
-          <a:graphicData uri="http://schemas.openxmlformats.org/drawingml/2006/table">
-            <a:tbl>
-              <a:tblPr firstRow="1" bandRow="1">
-                <a:tableStyleId>{5C22544A-7EE6-4342-B048-85BDC9FD1C3A}</a:tableStyleId>
-              </a:tblPr>
-              <a:tblGrid>
-                <a:gridCol w="2532856">
-                  <a:extLst>
-                    <a:ext uri="{9D8B030D-6E8A-4147-A177-3AD203B41FA5}">
-                      <a16:colId xmlns:a16="http://schemas.microsoft.com/office/drawing/2014/main" xmlns="" val="2670550747"/>
-                    </a:ext>
-                  </a:extLst>
-                </a:gridCol>
-                <a:gridCol w="2532856">
-                  <a:extLst>
-                    <a:ext uri="{9D8B030D-6E8A-4147-A177-3AD203B41FA5}">
-                      <a16:colId xmlns:a16="http://schemas.microsoft.com/office/drawing/2014/main" xmlns="" val="1946152109"/>
-                    </a:ext>
-                  </a:extLst>
-                </a:gridCol>
-                <a:gridCol w="2532856">
-                  <a:extLst>
-                    <a:ext uri="{9D8B030D-6E8A-4147-A177-3AD203B41FA5}">
-                      <a16:colId xmlns:a16="http://schemas.microsoft.com/office/drawing/2014/main" xmlns="" val="1126911897"/>
-                    </a:ext>
-                  </a:extLst>
-                </a:gridCol>
-                <a:gridCol w="2532856">
-                  <a:extLst>
-                    <a:ext uri="{9D8B030D-6E8A-4147-A177-3AD203B41FA5}">
-                      <a16:colId xmlns:a16="http://schemas.microsoft.com/office/drawing/2014/main" xmlns="" val="4138073322"/>
-                    </a:ext>
-                  </a:extLst>
-                </a:gridCol>
-              </a:tblGrid>
-              <a:tr h="370840">
-                <a:tc>
-                  <a:txBody>
-                    <a:bodyPr/>
-                    <a:lstStyle/>
-                    <a:p>
-                      <a:r>
-                        <a:rPr lang="en-US" sz="1400" dirty="0"/>
-                        <a:t>WEATHER FACTOR</a:t>
-                      </a:r>
-                    </a:p>
-                  </a:txBody>
-                  <a:tcPr/>
-                </a:tc>
-                <a:tc>
-                  <a:txBody>
-                    <a:bodyPr/>
-                    <a:lstStyle/>
-                    <a:p>
-                      <a:r>
-                        <a:rPr lang="en-US" sz="1400" dirty="0" smtClean="0"/>
-                        <a:t>R-SQUARED</a:t>
-                      </a:r>
-                      <a:endParaRPr lang="en-US" sz="1400" dirty="0"/>
-                    </a:p>
-                  </a:txBody>
-                  <a:tcPr/>
-                </a:tc>
-                <a:tc>
-                  <a:txBody>
-                    <a:bodyPr/>
-                    <a:lstStyle/>
-                    <a:p>
-                      <a:r>
-                        <a:rPr lang="en-US" sz="1400" dirty="0"/>
-                        <a:t>P-VALUE</a:t>
-                      </a:r>
-                    </a:p>
-                  </a:txBody>
-                  <a:tcPr/>
-                </a:tc>
-                <a:tc>
-                  <a:txBody>
-                    <a:bodyPr/>
-                    <a:lstStyle/>
-                    <a:p>
-                      <a:r>
-                        <a:rPr lang="en-US" sz="1400" dirty="0"/>
-                        <a:t>STANDARD ERROR</a:t>
-                      </a:r>
-                    </a:p>
-                  </a:txBody>
-                  <a:tcPr/>
-                </a:tc>
-                <a:extLst>
-                  <a:ext uri="{0D108BD9-81ED-4DB2-BD59-A6C34878D82A}">
-                    <a16:rowId xmlns:a16="http://schemas.microsoft.com/office/drawing/2014/main" xmlns="" val="791889607"/>
-                  </a:ext>
-                </a:extLst>
-              </a:tr>
-              <a:tr h="370840">
-                <a:tc>
-                  <a:txBody>
-                    <a:bodyPr/>
-                    <a:lstStyle/>
-                    <a:p>
-                      <a:r>
-                        <a:rPr lang="en-US" sz="1400" dirty="0"/>
-                        <a:t>Avg. Min Temperature</a:t>
-                      </a:r>
-                    </a:p>
-                  </a:txBody>
-                  <a:tcPr/>
-                </a:tc>
-                <a:tc>
-                  <a:txBody>
-                    <a:bodyPr/>
-                    <a:lstStyle/>
-                    <a:p>
-                      <a:r>
-                        <a:rPr lang="en-US" sz="1400" dirty="0"/>
-                        <a:t>0.35</a:t>
-                      </a:r>
-                    </a:p>
-                  </a:txBody>
-                  <a:tcPr/>
-                </a:tc>
-                <a:tc>
-                  <a:txBody>
-                    <a:bodyPr/>
-                    <a:lstStyle/>
-                    <a:p>
-                      <a:r>
-                        <a:rPr lang="en-US" sz="1400" dirty="0" smtClean="0"/>
-                        <a:t>8.07e-26</a:t>
-                      </a:r>
-                      <a:endParaRPr lang="en-US" sz="1400" dirty="0"/>
-                    </a:p>
-                  </a:txBody>
-                  <a:tcPr/>
-                </a:tc>
-                <a:tc>
-                  <a:txBody>
-                    <a:bodyPr/>
-                    <a:lstStyle/>
-                    <a:p>
-                      <a:r>
-                        <a:rPr lang="en-US" sz="1400" dirty="0"/>
-                        <a:t>0.56</a:t>
-                      </a:r>
-                    </a:p>
-                  </a:txBody>
-                  <a:tcPr/>
-                </a:tc>
-                <a:extLst>
-                  <a:ext uri="{0D108BD9-81ED-4DB2-BD59-A6C34878D82A}">
-                    <a16:rowId xmlns:a16="http://schemas.microsoft.com/office/drawing/2014/main" xmlns="" val="3687011868"/>
-                  </a:ext>
-                </a:extLst>
-              </a:tr>
-            </a:tbl>
-          </a:graphicData>
-        </a:graphic>
-      </p:graphicFrame>
-    </p:spTree>
-    <p:extLst>
-      <p:ext uri="{BB962C8B-B14F-4D97-AF65-F5344CB8AC3E}">
-        <p14:creationId xmlns:p14="http://schemas.microsoft.com/office/powerpoint/2010/main" val="3764069096"/>
-      </p:ext>
-    </p:extLst>
-  </p:cSld>
-  <p:clrMapOvr>
-    <a:masterClrMapping/>
-  </p:clrMapOvr>
-  <p:timing>
-    <p:tnLst>
-      <p:par>
-        <p:cTn id="1" dur="indefinite" restart="never" nodeType="tmRoot"/>
-      </p:par>
-    </p:tnLst>
-  </p:timing>
-</p:sld>
-</file>
-
 <file path=ppt/slides/slide16.xml><?xml version="1.0" encoding="utf-8"?>
-<p:sld xmlns:a="http://schemas.openxmlformats.org/drawingml/2006/main" xmlns:r="http://schemas.openxmlformats.org/officeDocument/2006/relationships" xmlns:p="http://schemas.openxmlformats.org/presentationml/2006/main">
-  <p:cSld>
-    <p:spTree>
-      <p:nvGrpSpPr>
-        <p:cNvPr id="1" name=""/>
-        <p:cNvGrpSpPr/>
-        <p:nvPr/>
-      </p:nvGrpSpPr>
-      <p:grpSpPr>
-        <a:xfrm>
-          <a:off x="0" y="0"/>
-          <a:ext cx="0" cy="0"/>
-          <a:chOff x="0" y="0"/>
-          <a:chExt cx="0" cy="0"/>
-        </a:xfrm>
-      </p:grpSpPr>
-      <p:sp>
-        <p:nvSpPr>
-          <p:cNvPr id="2" name="Title 1">
-            <a:extLst>
-              <a:ext uri="{FF2B5EF4-FFF2-40B4-BE49-F238E27FC236}">
-                <a16:creationId xmlns:a16="http://schemas.microsoft.com/office/drawing/2014/main" xmlns="" id="{8BD559CB-3793-4533-8A7E-67DC3F83F020}"/>
-              </a:ext>
-            </a:extLst>
-          </p:cNvPr>
-          <p:cNvSpPr>
-            <a:spLocks noGrp="1"/>
-          </p:cNvSpPr>
-          <p:nvPr>
-            <p:ph type="title"/>
-          </p:nvPr>
-        </p:nvSpPr>
-        <p:spPr>
-          <a:xfrm>
-            <a:off x="1030287" y="293909"/>
-            <a:ext cx="10131425" cy="1649690"/>
-          </a:xfrm>
-        </p:spPr>
-        <p:txBody>
-          <a:bodyPr>
-            <a:normAutofit/>
-          </a:bodyPr>
-          <a:lstStyle/>
-          <a:p>
-            <a:r>
-              <a:rPr lang="en-US" sz="2400" dirty="0"/>
-              <a:t>Does the </a:t>
-            </a:r>
-            <a:r>
-              <a:rPr lang="en-US" sz="2400" b="1" dirty="0"/>
-              <a:t>minimum temperature </a:t>
-            </a:r>
-            <a:r>
-              <a:rPr lang="en-US" sz="2400" dirty="0"/>
-              <a:t>have a significant effect on the number of collisions or injuries?</a:t>
-            </a:r>
-            <a:br>
-              <a:rPr lang="en-US" sz="2400" dirty="0"/>
-            </a:br>
-            <a:r>
-              <a:rPr lang="en-US" sz="2400" dirty="0"/>
-              <a:t/>
-            </a:r>
-            <a:br>
-              <a:rPr lang="en-US" sz="2400" dirty="0"/>
-            </a:br>
-            <a:endParaRPr lang="en-US" sz="2400" dirty="0"/>
-          </a:p>
-        </p:txBody>
-      </p:sp>
-      <p:graphicFrame>
-        <p:nvGraphicFramePr>
-          <p:cNvPr id="5" name="Table 4">
-            <a:extLst>
-              <a:ext uri="{FF2B5EF4-FFF2-40B4-BE49-F238E27FC236}">
-                <a16:creationId xmlns:a16="http://schemas.microsoft.com/office/drawing/2014/main" xmlns="" id="{F990865B-24C7-4CCE-8FB2-D719C4627037}"/>
-              </a:ext>
-            </a:extLst>
-          </p:cNvPr>
-          <p:cNvGraphicFramePr>
-            <a:graphicFrameLocks noGrp="1"/>
-          </p:cNvGraphicFramePr>
-          <p:nvPr>
-            <p:extLst>
-              <p:ext uri="{D42A27DB-BD31-4B8C-83A1-F6EECF244321}">
-                <p14:modId xmlns:p14="http://schemas.microsoft.com/office/powerpoint/2010/main" val="1280889232"/>
-              </p:ext>
-            </p:extLst>
-          </p:nvPr>
-        </p:nvGraphicFramePr>
-        <p:xfrm>
-          <a:off x="1180738" y="5739246"/>
-          <a:ext cx="10131424" cy="741680"/>
-        </p:xfrm>
-        <a:graphic>
-          <a:graphicData uri="http://schemas.openxmlformats.org/drawingml/2006/table">
-            <a:tbl>
-              <a:tblPr firstRow="1" bandRow="1">
-                <a:tableStyleId>{5C22544A-7EE6-4342-B048-85BDC9FD1C3A}</a:tableStyleId>
-              </a:tblPr>
-              <a:tblGrid>
-                <a:gridCol w="2532856">
-                  <a:extLst>
-                    <a:ext uri="{9D8B030D-6E8A-4147-A177-3AD203B41FA5}">
-                      <a16:colId xmlns:a16="http://schemas.microsoft.com/office/drawing/2014/main" xmlns="" val="2670550747"/>
-                    </a:ext>
-                  </a:extLst>
-                </a:gridCol>
-                <a:gridCol w="2532856">
-                  <a:extLst>
-                    <a:ext uri="{9D8B030D-6E8A-4147-A177-3AD203B41FA5}">
-                      <a16:colId xmlns:a16="http://schemas.microsoft.com/office/drawing/2014/main" xmlns="" val="1946152109"/>
-                    </a:ext>
-                  </a:extLst>
-                </a:gridCol>
-                <a:gridCol w="2532856">
-                  <a:extLst>
-                    <a:ext uri="{9D8B030D-6E8A-4147-A177-3AD203B41FA5}">
-                      <a16:colId xmlns:a16="http://schemas.microsoft.com/office/drawing/2014/main" xmlns="" val="1126911897"/>
-                    </a:ext>
-                  </a:extLst>
-                </a:gridCol>
-                <a:gridCol w="2532856">
-                  <a:extLst>
-                    <a:ext uri="{9D8B030D-6E8A-4147-A177-3AD203B41FA5}">
-                      <a16:colId xmlns:a16="http://schemas.microsoft.com/office/drawing/2014/main" xmlns="" val="4138073322"/>
-                    </a:ext>
-                  </a:extLst>
-                </a:gridCol>
-              </a:tblGrid>
-              <a:tr h="370840">
-                <a:tc>
-                  <a:txBody>
-                    <a:bodyPr/>
-                    <a:lstStyle/>
-                    <a:p>
-                      <a:r>
-                        <a:rPr lang="en-US" sz="1400" dirty="0"/>
-                        <a:t>WEATHER FACTOR</a:t>
-                      </a:r>
-                    </a:p>
-                  </a:txBody>
-                  <a:tcPr/>
-                </a:tc>
-                <a:tc>
-                  <a:txBody>
-                    <a:bodyPr/>
-                    <a:lstStyle/>
-                    <a:p>
-                      <a:r>
-                        <a:rPr lang="en-US" sz="1400" dirty="0" smtClean="0"/>
-                        <a:t>R-SQUARED</a:t>
-                      </a:r>
-                      <a:endParaRPr lang="en-US" sz="1400" dirty="0"/>
-                    </a:p>
-                  </a:txBody>
-                  <a:tcPr marL="97190" marR="97190"/>
-                </a:tc>
-                <a:tc>
-                  <a:txBody>
-                    <a:bodyPr/>
-                    <a:lstStyle/>
-                    <a:p>
-                      <a:r>
-                        <a:rPr lang="en-US" sz="1400" dirty="0"/>
-                        <a:t>P-VALUE</a:t>
-                      </a:r>
-                    </a:p>
-                  </a:txBody>
-                  <a:tcPr marL="97190" marR="97190"/>
-                </a:tc>
-                <a:tc>
-                  <a:txBody>
-                    <a:bodyPr/>
-                    <a:lstStyle/>
-                    <a:p>
-                      <a:r>
-                        <a:rPr lang="en-US" sz="1400" dirty="0"/>
-                        <a:t>STANDARD ERROR</a:t>
-                      </a:r>
-                    </a:p>
-                  </a:txBody>
-                  <a:tcPr marL="97190" marR="97190"/>
-                </a:tc>
-                <a:extLst>
-                  <a:ext uri="{0D108BD9-81ED-4DB2-BD59-A6C34878D82A}">
-                    <a16:rowId xmlns:a16="http://schemas.microsoft.com/office/drawing/2014/main" xmlns="" val="791889607"/>
-                  </a:ext>
-                </a:extLst>
-              </a:tr>
-              <a:tr h="370840">
-                <a:tc>
-                  <a:txBody>
-                    <a:bodyPr/>
-                    <a:lstStyle/>
-                    <a:p>
-                      <a:r>
-                        <a:rPr lang="en-US" sz="1400" dirty="0"/>
-                        <a:t>Avg. Min Temperature</a:t>
-                      </a:r>
-                    </a:p>
-                  </a:txBody>
-                  <a:tcPr/>
-                </a:tc>
-                <a:tc>
-                  <a:txBody>
-                    <a:bodyPr/>
-                    <a:lstStyle/>
-                    <a:p>
-                      <a:r>
-                        <a:rPr lang="en-US" sz="1400" dirty="0" smtClean="0"/>
-                        <a:t>0.10</a:t>
-                      </a:r>
-                      <a:endParaRPr lang="en-US" sz="1400" dirty="0"/>
-                    </a:p>
-                  </a:txBody>
-                  <a:tcPr marL="97190" marR="97190"/>
-                </a:tc>
-                <a:tc>
-                  <a:txBody>
-                    <a:bodyPr/>
-                    <a:lstStyle/>
-                    <a:p>
-                      <a:r>
-                        <a:rPr lang="en-US" sz="1400" dirty="0" smtClean="0"/>
-                        <a:t>2.09e-7</a:t>
-                      </a:r>
-                      <a:endParaRPr lang="en-US" sz="1400" dirty="0"/>
-                    </a:p>
-                  </a:txBody>
-                  <a:tcPr marL="97190" marR="97190"/>
-                </a:tc>
-                <a:tc>
-                  <a:txBody>
-                    <a:bodyPr/>
-                    <a:lstStyle/>
-                    <a:p>
-                      <a:r>
-                        <a:rPr lang="en-US" sz="1400" dirty="0" smtClean="0"/>
-                        <a:t>1.82</a:t>
-                      </a:r>
-                      <a:endParaRPr lang="en-US" sz="1400" dirty="0"/>
-                    </a:p>
-                  </a:txBody>
-                  <a:tcPr marL="97190" marR="97190"/>
-                </a:tc>
-                <a:extLst>
-                  <a:ext uri="{0D108BD9-81ED-4DB2-BD59-A6C34878D82A}">
-                    <a16:rowId xmlns:a16="http://schemas.microsoft.com/office/drawing/2014/main" xmlns="" val="3687011868"/>
-                  </a:ext>
-                </a:extLst>
-              </a:tr>
-            </a:tbl>
-          </a:graphicData>
-        </a:graphic>
-      </p:graphicFrame>
-      <p:pic>
-        <p:nvPicPr>
-          <p:cNvPr id="9" name="Picture 8"/>
-          <p:cNvPicPr>
-            <a:picLocks noChangeAspect="1"/>
-          </p:cNvPicPr>
-          <p:nvPr/>
-        </p:nvPicPr>
-        <p:blipFill>
-          <a:blip r:embed="rId2">
-            <a:extLst>
-              <a:ext uri="{28A0092B-C50C-407E-A947-70E740481C1C}">
-                <a14:useLocalDpi xmlns:a14="http://schemas.microsoft.com/office/drawing/2010/main" val="0"/>
-              </a:ext>
-            </a:extLst>
-          </a:blip>
-          <a:stretch>
-            <a:fillRect/>
-          </a:stretch>
-        </p:blipFill>
-        <p:spPr>
-          <a:xfrm>
-            <a:off x="2140526" y="1496290"/>
-            <a:ext cx="7910946" cy="3955473"/>
-          </a:xfrm>
-          <a:prstGeom prst="rect">
-            <a:avLst/>
-          </a:prstGeom>
-        </p:spPr>
-      </p:pic>
-    </p:spTree>
-    <p:extLst>
-      <p:ext uri="{BB962C8B-B14F-4D97-AF65-F5344CB8AC3E}">
-        <p14:creationId xmlns:p14="http://schemas.microsoft.com/office/powerpoint/2010/main" val="995087776"/>
-      </p:ext>
-    </p:extLst>
-  </p:cSld>
-  <p:clrMapOvr>
-    <a:masterClrMapping/>
-  </p:clrMapOvr>
-  <p:timing>
-    <p:tnLst>
-      <p:par>
-        <p:cTn id="1" dur="indefinite" restart="never" nodeType="tmRoot"/>
-      </p:par>
-    </p:tnLst>
-  </p:timing>
-</p:sld>
-</file>
-
-<file path=ppt/slides/slide17.xml><?xml version="1.0" encoding="utf-8"?>
 <p:sld xmlns:a="http://schemas.openxmlformats.org/drawingml/2006/main" xmlns:r="http://schemas.openxmlformats.org/officeDocument/2006/relationships" xmlns:p="http://schemas.openxmlformats.org/presentationml/2006/main">
   <p:cSld>
     <p:spTree>
@@ -9241,6 +8694,311 @@
 </p:sld>
 </file>
 
+<file path=ppt/slides/slide17.xml><?xml version="1.0" encoding="utf-8"?>
+<p:sld xmlns:a="http://schemas.openxmlformats.org/drawingml/2006/main" xmlns:r="http://schemas.openxmlformats.org/officeDocument/2006/relationships" xmlns:p="http://schemas.openxmlformats.org/presentationml/2006/main">
+  <p:cSld>
+    <p:spTree>
+      <p:nvGrpSpPr>
+        <p:cNvPr id="1" name=""/>
+        <p:cNvGrpSpPr/>
+        <p:nvPr/>
+      </p:nvGrpSpPr>
+      <p:grpSpPr>
+        <a:xfrm>
+          <a:off x="0" y="0"/>
+          <a:ext cx="0" cy="0"/>
+          <a:chOff x="0" y="0"/>
+          <a:chExt cx="0" cy="0"/>
+        </a:xfrm>
+      </p:grpSpPr>
+      <p:sp>
+        <p:nvSpPr>
+          <p:cNvPr id="2" name="Title 1">
+            <a:extLst>
+              <a:ext uri="{FF2B5EF4-FFF2-40B4-BE49-F238E27FC236}">
+                <a16:creationId xmlns="" xmlns:a16="http://schemas.microsoft.com/office/drawing/2014/main" id="{8BD559CB-3793-4533-8A7E-67DC3F83F020}"/>
+              </a:ext>
+            </a:extLst>
+          </p:cNvPr>
+          <p:cNvSpPr>
+            <a:spLocks noGrp="1"/>
+          </p:cNvSpPr>
+          <p:nvPr>
+            <p:ph type="title"/>
+          </p:nvPr>
+        </p:nvSpPr>
+        <p:spPr>
+          <a:xfrm>
+            <a:off x="1030287" y="377074"/>
+            <a:ext cx="10131425" cy="1649690"/>
+          </a:xfrm>
+        </p:spPr>
+        <p:txBody>
+          <a:bodyPr>
+            <a:normAutofit/>
+          </a:bodyPr>
+          <a:lstStyle/>
+          <a:p>
+            <a:r>
+              <a:rPr lang="en-US" sz="2400" dirty="0"/>
+              <a:t>Does the </a:t>
+            </a:r>
+            <a:r>
+              <a:rPr lang="en-US" sz="2400" b="1" dirty="0"/>
+              <a:t>minimum temperature </a:t>
+            </a:r>
+            <a:r>
+              <a:rPr lang="en-US" sz="2400" dirty="0"/>
+              <a:t>have a significant effect on the number of Collisions or injuries?</a:t>
+            </a:r>
+            <a:br>
+              <a:rPr lang="en-US" sz="2400" dirty="0"/>
+            </a:br>
+            <a:r>
+              <a:rPr lang="en-US" sz="2400" dirty="0"/>
+              <a:t/>
+            </a:r>
+            <a:br>
+              <a:rPr lang="en-US" sz="2400" dirty="0"/>
+            </a:br>
+            <a:endParaRPr lang="en-US" sz="2400" dirty="0"/>
+          </a:p>
+        </p:txBody>
+      </p:sp>
+      <p:pic>
+        <p:nvPicPr>
+          <p:cNvPr id="4" name="Picture 3">
+            <a:extLst>
+              <a:ext uri="{FF2B5EF4-FFF2-40B4-BE49-F238E27FC236}">
+                <a16:creationId xmlns="" xmlns:a16="http://schemas.microsoft.com/office/drawing/2014/main" id="{86CE72FC-88A5-483D-88D8-ABBF23618905}"/>
+              </a:ext>
+            </a:extLst>
+          </p:cNvPr>
+          <p:cNvPicPr>
+            <a:picLocks noChangeAspect="1"/>
+          </p:cNvPicPr>
+          <p:nvPr/>
+        </p:nvPicPr>
+        <p:blipFill>
+          <a:blip r:embed="rId2"/>
+          <a:stretch>
+            <a:fillRect/>
+          </a:stretch>
+        </p:blipFill>
+        <p:spPr>
+          <a:xfrm>
+            <a:off x="1941920" y="1396738"/>
+            <a:ext cx="8129047" cy="4064524"/>
+          </a:xfrm>
+          <a:prstGeom prst="rect">
+            <a:avLst/>
+          </a:prstGeom>
+        </p:spPr>
+      </p:pic>
+      <p:graphicFrame>
+        <p:nvGraphicFramePr>
+          <p:cNvPr id="5" name="Table 4">
+            <a:extLst>
+              <a:ext uri="{FF2B5EF4-FFF2-40B4-BE49-F238E27FC236}">
+                <a16:creationId xmlns="" xmlns:a16="http://schemas.microsoft.com/office/drawing/2014/main" id="{F990865B-24C7-4CCE-8FB2-D719C4627037}"/>
+              </a:ext>
+            </a:extLst>
+          </p:cNvPr>
+          <p:cNvGraphicFramePr>
+            <a:graphicFrameLocks noGrp="1"/>
+          </p:cNvGraphicFramePr>
+          <p:nvPr>
+            <p:extLst>
+              <p:ext uri="{D42A27DB-BD31-4B8C-83A1-F6EECF244321}">
+                <p14:modId xmlns:p14="http://schemas.microsoft.com/office/powerpoint/2010/main" val="1028107920"/>
+              </p:ext>
+            </p:extLst>
+          </p:nvPr>
+        </p:nvGraphicFramePr>
+        <p:xfrm>
+          <a:off x="1180738" y="5739246"/>
+          <a:ext cx="10131424" cy="741680"/>
+        </p:xfrm>
+        <a:graphic>
+          <a:graphicData uri="http://schemas.openxmlformats.org/drawingml/2006/table">
+            <a:tbl>
+              <a:tblPr firstRow="1" bandRow="1">
+                <a:tableStyleId>{5C22544A-7EE6-4342-B048-85BDC9FD1C3A}</a:tableStyleId>
+              </a:tblPr>
+              <a:tblGrid>
+                <a:gridCol w="2532856">
+                  <a:extLst>
+                    <a:ext uri="{9D8B030D-6E8A-4147-A177-3AD203B41FA5}">
+                      <a16:colId xmlns="" xmlns:a16="http://schemas.microsoft.com/office/drawing/2014/main" val="2670550747"/>
+                    </a:ext>
+                  </a:extLst>
+                </a:gridCol>
+                <a:gridCol w="2532856">
+                  <a:extLst>
+                    <a:ext uri="{9D8B030D-6E8A-4147-A177-3AD203B41FA5}">
+                      <a16:colId xmlns="" xmlns:a16="http://schemas.microsoft.com/office/drawing/2014/main" val="1946152109"/>
+                    </a:ext>
+                  </a:extLst>
+                </a:gridCol>
+                <a:gridCol w="2532856">
+                  <a:extLst>
+                    <a:ext uri="{9D8B030D-6E8A-4147-A177-3AD203B41FA5}">
+                      <a16:colId xmlns="" xmlns:a16="http://schemas.microsoft.com/office/drawing/2014/main" val="1126911897"/>
+                    </a:ext>
+                  </a:extLst>
+                </a:gridCol>
+                <a:gridCol w="2532856">
+                  <a:extLst>
+                    <a:ext uri="{9D8B030D-6E8A-4147-A177-3AD203B41FA5}">
+                      <a16:colId xmlns="" xmlns:a16="http://schemas.microsoft.com/office/drawing/2014/main" val="4138073322"/>
+                    </a:ext>
+                  </a:extLst>
+                </a:gridCol>
+              </a:tblGrid>
+              <a:tr h="370840">
+                <a:tc>
+                  <a:txBody>
+                    <a:bodyPr/>
+                    <a:lstStyle/>
+                    <a:p>
+                      <a:r>
+                        <a:rPr lang="en-US" sz="1400" dirty="0"/>
+                        <a:t>WEATHER FACTOR</a:t>
+                      </a:r>
+                    </a:p>
+                  </a:txBody>
+                  <a:tcPr/>
+                </a:tc>
+                <a:tc>
+                  <a:txBody>
+                    <a:bodyPr/>
+                    <a:lstStyle/>
+                    <a:p>
+                      <a:r>
+                        <a:rPr lang="en-US" sz="1400" dirty="0" smtClean="0"/>
+                        <a:t>R-SQUARED</a:t>
+                      </a:r>
+                      <a:endParaRPr lang="en-US" sz="1400" dirty="0"/>
+                    </a:p>
+                  </a:txBody>
+                  <a:tcPr/>
+                </a:tc>
+                <a:tc>
+                  <a:txBody>
+                    <a:bodyPr/>
+                    <a:lstStyle/>
+                    <a:p>
+                      <a:r>
+                        <a:rPr lang="en-US" sz="1400" dirty="0"/>
+                        <a:t>P-VALUE</a:t>
+                      </a:r>
+                    </a:p>
+                  </a:txBody>
+                  <a:tcPr/>
+                </a:tc>
+                <a:tc>
+                  <a:txBody>
+                    <a:bodyPr/>
+                    <a:lstStyle/>
+                    <a:p>
+                      <a:r>
+                        <a:rPr lang="en-US" sz="1400" dirty="0"/>
+                        <a:t>STANDARD ERROR</a:t>
+                      </a:r>
+                    </a:p>
+                  </a:txBody>
+                  <a:tcPr/>
+                </a:tc>
+                <a:extLst>
+                  <a:ext uri="{0D108BD9-81ED-4DB2-BD59-A6C34878D82A}">
+                    <a16:rowId xmlns="" xmlns:a16="http://schemas.microsoft.com/office/drawing/2014/main" val="791889607"/>
+                  </a:ext>
+                </a:extLst>
+              </a:tr>
+              <a:tr h="370840">
+                <a:tc>
+                  <a:txBody>
+                    <a:bodyPr/>
+                    <a:lstStyle/>
+                    <a:p>
+                      <a:r>
+                        <a:rPr lang="en-US" sz="1400" dirty="0"/>
+                        <a:t>Avg. Min Temperature</a:t>
+                      </a:r>
+                    </a:p>
+                  </a:txBody>
+                  <a:tcPr/>
+                </a:tc>
+                <a:tc>
+                  <a:txBody>
+                    <a:bodyPr/>
+                    <a:lstStyle/>
+                    <a:p>
+                      <a:r>
+                        <a:rPr lang="en-US" sz="1400" dirty="0"/>
+                        <a:t>0.35</a:t>
+                      </a:r>
+                    </a:p>
+                  </a:txBody>
+                  <a:tcPr/>
+                </a:tc>
+                <a:tc>
+                  <a:txBody>
+                    <a:bodyPr/>
+                    <a:lstStyle/>
+                    <a:p>
+                      <a:r>
+                        <a:rPr lang="en-US" sz="1400" dirty="0" smtClean="0"/>
+                        <a:t>8.07e-26</a:t>
+                      </a:r>
+                      <a:endParaRPr lang="en-US" sz="1400" dirty="0"/>
+                    </a:p>
+                  </a:txBody>
+                  <a:tcPr/>
+                </a:tc>
+                <a:tc>
+                  <a:txBody>
+                    <a:bodyPr/>
+                    <a:lstStyle/>
+                    <a:p>
+                      <a:r>
+                        <a:rPr lang="en-US" sz="1400" dirty="0"/>
+                        <a:t>0.56</a:t>
+                      </a:r>
+                    </a:p>
+                  </a:txBody>
+                  <a:tcPr/>
+                </a:tc>
+                <a:extLst>
+                  <a:ext uri="{0D108BD9-81ED-4DB2-BD59-A6C34878D82A}">
+                    <a16:rowId xmlns="" xmlns:a16="http://schemas.microsoft.com/office/drawing/2014/main" val="3687011868"/>
+                  </a:ext>
+                </a:extLst>
+              </a:tr>
+            </a:tbl>
+          </a:graphicData>
+        </a:graphic>
+      </p:graphicFrame>
+    </p:spTree>
+    <p:extLst>
+      <p:ext uri="{BB962C8B-B14F-4D97-AF65-F5344CB8AC3E}">
+        <p14:creationId xmlns:p14="http://schemas.microsoft.com/office/powerpoint/2010/main" val="3764069096"/>
+      </p:ext>
+    </p:extLst>
+  </p:cSld>
+  <p:clrMapOvr>
+    <a:masterClrMapping/>
+  </p:clrMapOvr>
+  <p:timing>
+    <p:tnLst>
+      <p:par>
+        <p:cTn id="1" dur="indefinite" restart="never" nodeType="tmRoot"/>
+      </p:par>
+    </p:tnLst>
+  </p:timing>
+</p:sld>
+</file>
+
 <file path=ppt/slides/slide18.xml><?xml version="1.0" encoding="utf-8"?>
 <p:sld xmlns:a="http://schemas.openxmlformats.org/drawingml/2006/main" xmlns:r="http://schemas.openxmlformats.org/officeDocument/2006/relationships" xmlns:p="http://schemas.openxmlformats.org/presentationml/2006/main">
   <p:cSld>
@@ -9263,7 +9021,7 @@
           <p:cNvPr id="2" name="Title 1">
             <a:extLst>
               <a:ext uri="{FF2B5EF4-FFF2-40B4-BE49-F238E27FC236}">
-                <a16:creationId xmlns:a16="http://schemas.microsoft.com/office/drawing/2014/main" xmlns="" id="{BEAC9E21-9D52-409D-A249-CC61323D5992}"/>
+                <a16:creationId xmlns="" xmlns:a16="http://schemas.microsoft.com/office/drawing/2014/main" id="{8BD559CB-3793-4533-8A7E-67DC3F83F020}"/>
               </a:ext>
             </a:extLst>
           </p:cNvPr>
@@ -9276,8 +9034,8 @@
         </p:nvSpPr>
         <p:spPr>
           <a:xfrm>
-            <a:off x="685801" y="609601"/>
-            <a:ext cx="10131425" cy="700726"/>
+            <a:off x="1030287" y="293909"/>
+            <a:ext cx="10131425" cy="1649690"/>
           </a:xfrm>
         </p:spPr>
         <p:txBody>
@@ -9287,45 +9045,251 @@
           <a:lstStyle/>
           <a:p>
             <a:r>
-              <a:rPr lang="en-US" sz="2800" dirty="0"/>
-              <a:t>Total INJURIES vs. Avg Min Temperature</a:t>
-            </a:r>
-          </a:p>
-        </p:txBody>
-      </p:sp>
-      <p:pic>
-        <p:nvPicPr>
-          <p:cNvPr id="6" name="Content Placeholder 5">
+              <a:rPr lang="en-US" sz="2400" dirty="0"/>
+              <a:t>Does the </a:t>
+            </a:r>
+            <a:r>
+              <a:rPr lang="en-US" sz="2400" b="1" dirty="0"/>
+              <a:t>minimum temperature </a:t>
+            </a:r>
+            <a:r>
+              <a:rPr lang="en-US" sz="2400" dirty="0"/>
+              <a:t>have a significant effect on the number of collisions or injuries?</a:t>
+            </a:r>
+            <a:br>
+              <a:rPr lang="en-US" sz="2400" dirty="0"/>
+            </a:br>
+            <a:r>
+              <a:rPr lang="en-US" sz="2400" dirty="0"/>
+              <a:t/>
+            </a:r>
+            <a:br>
+              <a:rPr lang="en-US" sz="2400" dirty="0"/>
+            </a:br>
+            <a:endParaRPr lang="en-US" sz="2400" dirty="0"/>
+          </a:p>
+        </p:txBody>
+      </p:sp>
+      <p:graphicFrame>
+        <p:nvGraphicFramePr>
+          <p:cNvPr id="5" name="Table 4">
             <a:extLst>
               <a:ext uri="{FF2B5EF4-FFF2-40B4-BE49-F238E27FC236}">
-                <a16:creationId xmlns:a16="http://schemas.microsoft.com/office/drawing/2014/main" xmlns="" id="{90B29DA3-DBAD-466D-A2D6-059486FAC0B7}"/>
+                <a16:creationId xmlns="" xmlns:a16="http://schemas.microsoft.com/office/drawing/2014/main" id="{F990865B-24C7-4CCE-8FB2-D719C4627037}"/>
               </a:ext>
             </a:extLst>
           </p:cNvPr>
+          <p:cNvGraphicFramePr>
+            <a:graphicFrameLocks noGrp="1"/>
+          </p:cNvGraphicFramePr>
+          <p:nvPr>
+            <p:extLst>
+              <p:ext uri="{D42A27DB-BD31-4B8C-83A1-F6EECF244321}">
+                <p14:modId xmlns:p14="http://schemas.microsoft.com/office/powerpoint/2010/main" val="1280889232"/>
+              </p:ext>
+            </p:extLst>
+          </p:nvPr>
+        </p:nvGraphicFramePr>
+        <p:xfrm>
+          <a:off x="1180738" y="5739246"/>
+          <a:ext cx="10131424" cy="741680"/>
+        </p:xfrm>
+        <a:graphic>
+          <a:graphicData uri="http://schemas.openxmlformats.org/drawingml/2006/table">
+            <a:tbl>
+              <a:tblPr firstRow="1" bandRow="1">
+                <a:tableStyleId>{5C22544A-7EE6-4342-B048-85BDC9FD1C3A}</a:tableStyleId>
+              </a:tblPr>
+              <a:tblGrid>
+                <a:gridCol w="2532856">
+                  <a:extLst>
+                    <a:ext uri="{9D8B030D-6E8A-4147-A177-3AD203B41FA5}">
+                      <a16:colId xmlns="" xmlns:a16="http://schemas.microsoft.com/office/drawing/2014/main" val="2670550747"/>
+                    </a:ext>
+                  </a:extLst>
+                </a:gridCol>
+                <a:gridCol w="2532856">
+                  <a:extLst>
+                    <a:ext uri="{9D8B030D-6E8A-4147-A177-3AD203B41FA5}">
+                      <a16:colId xmlns="" xmlns:a16="http://schemas.microsoft.com/office/drawing/2014/main" val="1946152109"/>
+                    </a:ext>
+                  </a:extLst>
+                </a:gridCol>
+                <a:gridCol w="2532856">
+                  <a:extLst>
+                    <a:ext uri="{9D8B030D-6E8A-4147-A177-3AD203B41FA5}">
+                      <a16:colId xmlns="" xmlns:a16="http://schemas.microsoft.com/office/drawing/2014/main" val="1126911897"/>
+                    </a:ext>
+                  </a:extLst>
+                </a:gridCol>
+                <a:gridCol w="2532856">
+                  <a:extLst>
+                    <a:ext uri="{9D8B030D-6E8A-4147-A177-3AD203B41FA5}">
+                      <a16:colId xmlns="" xmlns:a16="http://schemas.microsoft.com/office/drawing/2014/main" val="4138073322"/>
+                    </a:ext>
+                  </a:extLst>
+                </a:gridCol>
+              </a:tblGrid>
+              <a:tr h="370840">
+                <a:tc>
+                  <a:txBody>
+                    <a:bodyPr/>
+                    <a:lstStyle/>
+                    <a:p>
+                      <a:r>
+                        <a:rPr lang="en-US" sz="1400" dirty="0"/>
+                        <a:t>WEATHER FACTOR</a:t>
+                      </a:r>
+                    </a:p>
+                  </a:txBody>
+                  <a:tcPr/>
+                </a:tc>
+                <a:tc>
+                  <a:txBody>
+                    <a:bodyPr/>
+                    <a:lstStyle/>
+                    <a:p>
+                      <a:r>
+                        <a:rPr lang="en-US" sz="1400" dirty="0" smtClean="0"/>
+                        <a:t>R-SQUARED</a:t>
+                      </a:r>
+                      <a:endParaRPr lang="en-US" sz="1400" dirty="0"/>
+                    </a:p>
+                  </a:txBody>
+                  <a:tcPr marL="97190" marR="97190"/>
+                </a:tc>
+                <a:tc>
+                  <a:txBody>
+                    <a:bodyPr/>
+                    <a:lstStyle/>
+                    <a:p>
+                      <a:r>
+                        <a:rPr lang="en-US" sz="1400" dirty="0"/>
+                        <a:t>P-VALUE</a:t>
+                      </a:r>
+                    </a:p>
+                  </a:txBody>
+                  <a:tcPr marL="97190" marR="97190"/>
+                </a:tc>
+                <a:tc>
+                  <a:txBody>
+                    <a:bodyPr/>
+                    <a:lstStyle/>
+                    <a:p>
+                      <a:r>
+                        <a:rPr lang="en-US" sz="1400" dirty="0"/>
+                        <a:t>STANDARD ERROR</a:t>
+                      </a:r>
+                    </a:p>
+                  </a:txBody>
+                  <a:tcPr marL="97190" marR="97190"/>
+                </a:tc>
+                <a:extLst>
+                  <a:ext uri="{0D108BD9-81ED-4DB2-BD59-A6C34878D82A}">
+                    <a16:rowId xmlns="" xmlns:a16="http://schemas.microsoft.com/office/drawing/2014/main" val="791889607"/>
+                  </a:ext>
+                </a:extLst>
+              </a:tr>
+              <a:tr h="370840">
+                <a:tc>
+                  <a:txBody>
+                    <a:bodyPr/>
+                    <a:lstStyle/>
+                    <a:p>
+                      <a:r>
+                        <a:rPr lang="en-US" sz="1400" dirty="0"/>
+                        <a:t>Avg. Min Temperature</a:t>
+                      </a:r>
+                    </a:p>
+                  </a:txBody>
+                  <a:tcPr/>
+                </a:tc>
+                <a:tc>
+                  <a:txBody>
+                    <a:bodyPr/>
+                    <a:lstStyle/>
+                    <a:p>
+                      <a:r>
+                        <a:rPr lang="en-US" sz="1400" dirty="0" smtClean="0"/>
+                        <a:t>0.10</a:t>
+                      </a:r>
+                      <a:endParaRPr lang="en-US" sz="1400" dirty="0"/>
+                    </a:p>
+                  </a:txBody>
+                  <a:tcPr marL="97190" marR="97190"/>
+                </a:tc>
+                <a:tc>
+                  <a:txBody>
+                    <a:bodyPr/>
+                    <a:lstStyle/>
+                    <a:p>
+                      <a:r>
+                        <a:rPr lang="en-US" sz="1400" dirty="0" smtClean="0"/>
+                        <a:t>2.09e-7</a:t>
+                      </a:r>
+                      <a:endParaRPr lang="en-US" sz="1400" dirty="0"/>
+                    </a:p>
+                  </a:txBody>
+                  <a:tcPr marL="97190" marR="97190"/>
+                </a:tc>
+                <a:tc>
+                  <a:txBody>
+                    <a:bodyPr/>
+                    <a:lstStyle/>
+                    <a:p>
+                      <a:r>
+                        <a:rPr lang="en-US" sz="1400" dirty="0" smtClean="0"/>
+                        <a:t>1.82</a:t>
+                      </a:r>
+                      <a:endParaRPr lang="en-US" sz="1400" dirty="0"/>
+                    </a:p>
+                  </a:txBody>
+                  <a:tcPr marL="97190" marR="97190"/>
+                </a:tc>
+                <a:extLst>
+                  <a:ext uri="{0D108BD9-81ED-4DB2-BD59-A6C34878D82A}">
+                    <a16:rowId xmlns="" xmlns:a16="http://schemas.microsoft.com/office/drawing/2014/main" val="3687011868"/>
+                  </a:ext>
+                </a:extLst>
+              </a:tr>
+            </a:tbl>
+          </a:graphicData>
+        </a:graphic>
+      </p:graphicFrame>
+      <p:pic>
+        <p:nvPicPr>
+          <p:cNvPr id="9" name="Picture 8"/>
           <p:cNvPicPr>
-            <a:picLocks noGrp="1" noChangeAspect="1"/>
+            <a:picLocks noChangeAspect="1"/>
           </p:cNvPicPr>
-          <p:nvPr>
-            <p:ph sz="half" idx="1"/>
-          </p:nvPr>
+          <p:nvPr/>
         </p:nvPicPr>
         <p:blipFill>
-          <a:blip r:embed="rId2"/>
+          <a:blip r:embed="rId2">
+            <a:extLst>
+              <a:ext uri="{28A0092B-C50C-407E-A947-70E740481C1C}">
+                <a14:useLocalDpi xmlns:a14="http://schemas.microsoft.com/office/drawing/2010/main" val="0"/>
+              </a:ext>
+            </a:extLst>
+          </a:blip>
           <a:stretch>
             <a:fillRect/>
           </a:stretch>
         </p:blipFill>
         <p:spPr>
           <a:xfrm>
-            <a:off x="1046017" y="1570254"/>
-            <a:ext cx="9996055" cy="4998028"/>
-          </a:xfrm>
+            <a:off x="2140526" y="1496290"/>
+            <a:ext cx="7910946" cy="3955473"/>
+          </a:xfrm>
+          <a:prstGeom prst="rect">
+            <a:avLst/>
+          </a:prstGeom>
         </p:spPr>
       </p:pic>
     </p:spTree>
     <p:extLst>
       <p:ext uri="{BB962C8B-B14F-4D97-AF65-F5344CB8AC3E}">
-        <p14:creationId xmlns:p14="http://schemas.microsoft.com/office/powerpoint/2010/main" val="981097307"/>
+        <p14:creationId xmlns:p14="http://schemas.microsoft.com/office/powerpoint/2010/main" val="995087776"/>
       </p:ext>
     </p:extLst>
   </p:cSld>
@@ -9364,7 +9328,7 @@
           <p:cNvPr id="2" name="Title 1">
             <a:extLst>
               <a:ext uri="{FF2B5EF4-FFF2-40B4-BE49-F238E27FC236}">
-                <a16:creationId xmlns:a16="http://schemas.microsoft.com/office/drawing/2014/main" xmlns="" id="{DAF04FBD-68E8-4194-BAD4-0E2591D576AA}"/>
+                <a16:creationId xmlns="" xmlns:a16="http://schemas.microsoft.com/office/drawing/2014/main" id="{BEAC9E21-9D52-409D-A249-CC61323D5992}"/>
               </a:ext>
             </a:extLst>
           </p:cNvPr>
@@ -9377,112 +9341,56 @@
         </p:nvSpPr>
         <p:spPr>
           <a:xfrm>
-            <a:off x="685800" y="221673"/>
-            <a:ext cx="10131425" cy="1456267"/>
-          </a:xfrm>
-        </p:spPr>
-        <p:txBody>
-          <a:bodyPr/>
-          <a:lstStyle/>
-          <a:p>
-            <a:r>
-              <a:rPr lang="en-US" dirty="0" smtClean="0"/>
-              <a:t>Conclusion</a:t>
-            </a:r>
-            <a:endParaRPr lang="en-US" dirty="0"/>
-          </a:p>
-        </p:txBody>
-      </p:sp>
-      <p:sp>
-        <p:nvSpPr>
-          <p:cNvPr id="3" name="Content Placeholder 2">
-            <a:extLst>
-              <a:ext uri="{FF2B5EF4-FFF2-40B4-BE49-F238E27FC236}">
-                <a16:creationId xmlns:a16="http://schemas.microsoft.com/office/drawing/2014/main" xmlns="" id="{8C5F47FE-8208-4CFF-A7C5-DA4BA3139A5A}"/>
-              </a:ext>
-            </a:extLst>
-          </p:cNvPr>
-          <p:cNvSpPr>
-            <a:spLocks noGrp="1"/>
-          </p:cNvSpPr>
-          <p:nvPr>
-            <p:ph idx="1"/>
-          </p:nvPr>
-        </p:nvSpPr>
-        <p:spPr/>
+            <a:off x="685801" y="609601"/>
+            <a:ext cx="10131425" cy="700726"/>
+          </a:xfrm>
+        </p:spPr>
         <p:txBody>
           <a:bodyPr>
             <a:normAutofit/>
           </a:bodyPr>
           <a:lstStyle/>
           <a:p>
-            <a:pPr marL="0" indent="0">
-              <a:buNone/>
-            </a:pPr>
-            <a:r>
-              <a:rPr lang="en-US" sz="3200" dirty="0"/>
-              <a:t> </a:t>
-            </a:r>
             <a:r>
               <a:rPr lang="en-US" sz="2800" dirty="0"/>
-              <a:t>O</a:t>
-            </a:r>
-            <a:r>
-              <a:rPr lang="en-US" sz="2800" dirty="0" smtClean="0"/>
-              <a:t>ur null hypothesis is there is </a:t>
-            </a:r>
-            <a:r>
-              <a:rPr lang="en-US" sz="2800" dirty="0"/>
-              <a:t>no statistical significance between the weather and the amount of collisions, and collision related </a:t>
-            </a:r>
-            <a:r>
-              <a:rPr lang="en-US" sz="2800" dirty="0" smtClean="0"/>
-              <a:t>injuries</a:t>
-            </a:r>
-            <a:r>
-              <a:rPr lang="en-US" sz="2800" dirty="0" smtClean="0"/>
-              <a:t>.</a:t>
-            </a:r>
-          </a:p>
-          <a:p>
-            <a:pPr marL="0" indent="0">
-              <a:buNone/>
-            </a:pPr>
-            <a:endParaRPr lang="en-US" sz="2800" dirty="0" smtClean="0"/>
-          </a:p>
-          <a:p>
-            <a:pPr lvl="1"/>
-            <a:r>
-              <a:rPr lang="en-US" sz="2400" dirty="0" smtClean="0"/>
-              <a:t>We refute the null hypothesis based on temperature </a:t>
-            </a:r>
-          </a:p>
-          <a:p>
-            <a:pPr lvl="1"/>
-            <a:r>
-              <a:rPr lang="en-US" sz="2400" dirty="0" smtClean="0"/>
-              <a:t>We accept the null hypothesis on all other weather conditions</a:t>
-            </a:r>
-            <a:endParaRPr lang="en-US" sz="2400" dirty="0"/>
-          </a:p>
-          <a:p>
-            <a:endParaRPr lang="en-US" sz="3200" dirty="0" smtClean="0"/>
-          </a:p>
-          <a:p>
-            <a:endParaRPr lang="en-US" sz="3200" dirty="0"/>
-          </a:p>
-          <a:p>
-            <a:pPr marL="0" indent="0">
-              <a:buNone/>
-            </a:pPr>
-            <a:endParaRPr lang="en-US" sz="3200" dirty="0"/>
-          </a:p>
-        </p:txBody>
-      </p:sp>
+              <a:t>Total INJURIES vs. Avg Min Temperature</a:t>
+            </a:r>
+          </a:p>
+        </p:txBody>
+      </p:sp>
+      <p:pic>
+        <p:nvPicPr>
+          <p:cNvPr id="6" name="Content Placeholder 5">
+            <a:extLst>
+              <a:ext uri="{FF2B5EF4-FFF2-40B4-BE49-F238E27FC236}">
+                <a16:creationId xmlns="" xmlns:a16="http://schemas.microsoft.com/office/drawing/2014/main" id="{90B29DA3-DBAD-466D-A2D6-059486FAC0B7}"/>
+              </a:ext>
+            </a:extLst>
+          </p:cNvPr>
+          <p:cNvPicPr>
+            <a:picLocks noGrp="1" noChangeAspect="1"/>
+          </p:cNvPicPr>
+          <p:nvPr>
+            <p:ph sz="half" idx="1"/>
+          </p:nvPr>
+        </p:nvPicPr>
+        <p:blipFill>
+          <a:blip r:embed="rId2"/>
+          <a:stretch>
+            <a:fillRect/>
+          </a:stretch>
+        </p:blipFill>
+        <p:spPr>
+          <a:xfrm>
+            <a:off x="1046017" y="1570254"/>
+            <a:ext cx="9996055" cy="4998028"/>
+          </a:xfrm>
+        </p:spPr>
+      </p:pic>
     </p:spTree>
     <p:extLst>
       <p:ext uri="{BB962C8B-B14F-4D97-AF65-F5344CB8AC3E}">
-        <p14:creationId xmlns:p14="http://schemas.microsoft.com/office/powerpoint/2010/main" val="965116165"/>
+        <p14:creationId xmlns:p14="http://schemas.microsoft.com/office/powerpoint/2010/main" val="981097307"/>
       </p:ext>
     </p:extLst>
   </p:cSld>
@@ -9521,7 +9429,7 @@
           <p:cNvPr id="2" name="Title 1">
             <a:extLst>
               <a:ext uri="{FF2B5EF4-FFF2-40B4-BE49-F238E27FC236}">
-                <a16:creationId xmlns:a16="http://schemas.microsoft.com/office/drawing/2014/main" xmlns="" id="{D342906F-996B-4A66-BEB4-13C4A5D51C9A}"/>
+                <a16:creationId xmlns="" xmlns:a16="http://schemas.microsoft.com/office/drawing/2014/main" id="{D342906F-996B-4A66-BEB4-13C4A5D51C9A}"/>
               </a:ext>
             </a:extLst>
           </p:cNvPr>
@@ -9555,7 +9463,7 @@
           <p:cNvPr id="3" name="Content Placeholder 2">
             <a:extLst>
               <a:ext uri="{FF2B5EF4-FFF2-40B4-BE49-F238E27FC236}">
-                <a16:creationId xmlns:a16="http://schemas.microsoft.com/office/drawing/2014/main" xmlns="" id="{B2BD0169-7FD4-44CC-9DCF-20BEC492881F}"/>
+                <a16:creationId xmlns="" xmlns:a16="http://schemas.microsoft.com/office/drawing/2014/main" id="{B2BD0169-7FD4-44CC-9DCF-20BEC492881F}"/>
               </a:ext>
             </a:extLst>
           </p:cNvPr>
@@ -9588,23 +9496,7 @@
             </a:r>
             <a:r>
               <a:rPr lang="en-US" sz="2800" dirty="0" smtClean="0"/>
-              <a:t>eople </a:t>
-            </a:r>
-            <a:r>
-              <a:rPr lang="en-US" sz="2800" dirty="0" smtClean="0"/>
-              <a:t>killed</a:t>
-            </a:r>
-            <a:r>
-              <a:rPr lang="en-US" sz="2800" dirty="0" smtClean="0"/>
-              <a:t>, </a:t>
-            </a:r>
-            <a:r>
-              <a:rPr lang="en-US" sz="2800" dirty="0" smtClean="0"/>
-              <a:t>millions of injuries every </a:t>
-            </a:r>
-            <a:r>
-              <a:rPr lang="en-US" sz="2800" dirty="0" smtClean="0"/>
-              <a:t>year</a:t>
+              <a:t>eople killed, millions of injuries every year</a:t>
             </a:r>
           </a:p>
           <a:p>
@@ -9616,15 +9508,7 @@
           <a:p>
             <a:r>
               <a:rPr lang="en-US" sz="2800" dirty="0" smtClean="0"/>
-              <a:t>Vision </a:t>
-            </a:r>
-            <a:r>
-              <a:rPr lang="en-US" sz="2800" dirty="0" smtClean="0"/>
-              <a:t>Zero </a:t>
-            </a:r>
-            <a:r>
-              <a:rPr lang="en-US" sz="2800" dirty="0" smtClean="0"/>
-              <a:t>Pioneered</a:t>
+              <a:t>Vision Zero Pioneered</a:t>
             </a:r>
           </a:p>
           <a:p>
@@ -9644,11 +9528,7 @@
             </a:r>
             <a:r>
               <a:rPr lang="en-US" sz="2800" dirty="0" smtClean="0"/>
-              <a:t>ublic in </a:t>
-            </a:r>
-            <a:r>
-              <a:rPr lang="en-US" sz="2800" dirty="0" smtClean="0"/>
-              <a:t>2014</a:t>
+              <a:t>ublic in 2014</a:t>
             </a:r>
           </a:p>
           <a:p>
@@ -9660,11 +9540,7 @@
           <a:p>
             <a:r>
               <a:rPr lang="en-US" sz="2800" dirty="0" smtClean="0"/>
-              <a:t>GOAL: Eliminate traffic related accident and </a:t>
-            </a:r>
-            <a:r>
-              <a:rPr lang="en-US" sz="2800" dirty="0" smtClean="0"/>
-              <a:t>deaths</a:t>
+              <a:t>GOAL: Eliminate traffic related accident and deaths</a:t>
             </a:r>
           </a:p>
           <a:p>
@@ -9726,7 +9602,13 @@
       </p:grpSpPr>
       <p:sp>
         <p:nvSpPr>
-          <p:cNvPr id="2" name="Title 1"/>
+          <p:cNvPr id="2" name="Title 1">
+            <a:extLst>
+              <a:ext uri="{FF2B5EF4-FFF2-40B4-BE49-F238E27FC236}">
+                <a16:creationId xmlns="" xmlns:a16="http://schemas.microsoft.com/office/drawing/2014/main" id="{DAF04FBD-68E8-4194-BAD4-0E2591D576AA}"/>
+              </a:ext>
+            </a:extLst>
+          </p:cNvPr>
           <p:cNvSpPr>
             <a:spLocks noGrp="1"/>
           </p:cNvSpPr>
@@ -9734,14 +9616,19 @@
             <p:ph type="title"/>
           </p:nvPr>
         </p:nvSpPr>
-        <p:spPr/>
+        <p:spPr>
+          <a:xfrm>
+            <a:off x="685800" y="221673"/>
+            <a:ext cx="10131425" cy="1456267"/>
+          </a:xfrm>
+        </p:spPr>
         <p:txBody>
           <a:bodyPr/>
           <a:lstStyle/>
           <a:p>
             <a:r>
               <a:rPr lang="en-US" dirty="0" smtClean="0"/>
-              <a:t>Conclusions </a:t>
+              <a:t>Conclusion</a:t>
             </a:r>
             <a:endParaRPr lang="en-US" dirty="0"/>
           </a:p>
@@ -9749,7 +9636,13 @@
       </p:sp>
       <p:sp>
         <p:nvSpPr>
-          <p:cNvPr id="3" name="Content Placeholder 2"/>
+          <p:cNvPr id="3" name="Content Placeholder 2">
+            <a:extLst>
+              <a:ext uri="{FF2B5EF4-FFF2-40B4-BE49-F238E27FC236}">
+                <a16:creationId xmlns="" xmlns:a16="http://schemas.microsoft.com/office/drawing/2014/main" id="{8C5F47FE-8208-4CFF-A7C5-DA4BA3139A5A}"/>
+              </a:ext>
+            </a:extLst>
+          </p:cNvPr>
           <p:cNvSpPr>
             <a:spLocks noGrp="1"/>
           </p:cNvSpPr>
@@ -9757,15 +9650,10 @@
             <p:ph idx="1"/>
           </p:nvPr>
         </p:nvSpPr>
-        <p:spPr>
-          <a:xfrm>
-            <a:off x="606669" y="2280140"/>
-            <a:ext cx="10289688" cy="3909646"/>
-          </a:xfrm>
-        </p:spPr>
+        <p:spPr/>
         <p:txBody>
           <a:bodyPr>
-            <a:normAutofit lnSpcReduction="10000"/>
+            <a:normAutofit/>
           </a:bodyPr>
           <a:lstStyle/>
           <a:p>
@@ -9773,78 +9661,65 @@
               <a:buNone/>
             </a:pPr>
             <a:r>
-              <a:rPr lang="en-US" sz="2800" b="1" dirty="0" smtClean="0"/>
-              <a:t>Expected Results</a:t>
-            </a:r>
-            <a:endParaRPr lang="en-US" sz="2800" b="1" dirty="0"/>
+              <a:rPr lang="en-US" sz="3200" dirty="0"/>
+              <a:t> </a:t>
+            </a:r>
+            <a:r>
+              <a:rPr lang="en-US" sz="2800" dirty="0"/>
+              <a:t>O</a:t>
+            </a:r>
+            <a:r>
+              <a:rPr lang="en-US" sz="2800" dirty="0" smtClean="0"/>
+              <a:t>ur null hypothesis is there is </a:t>
+            </a:r>
+            <a:r>
+              <a:rPr lang="en-US" sz="2800" dirty="0"/>
+              <a:t>no statistical significance between the weather and the amount of collisions, and collision related </a:t>
+            </a:r>
+            <a:r>
+              <a:rPr lang="en-US" sz="2800" dirty="0" smtClean="0"/>
+              <a:t>injuries.</a:t>
+            </a:r>
+          </a:p>
+          <a:p>
+            <a:pPr marL="0" indent="0">
+              <a:buNone/>
+            </a:pPr>
+            <a:endParaRPr lang="en-US" sz="2800" dirty="0" smtClean="0"/>
           </a:p>
           <a:p>
             <a:pPr lvl="1"/>
             <a:r>
               <a:rPr lang="en-US" sz="2400" dirty="0" smtClean="0"/>
-              <a:t>We expected higher traffic collisions in the winter because of adverse weather conditions, but the opposite was proven</a:t>
-            </a:r>
-          </a:p>
-          <a:p>
-            <a:pPr marL="457200" lvl="1" indent="0">
+              <a:t>We refute the null hypothesis based on temperature </a:t>
+            </a:r>
+          </a:p>
+          <a:p>
+            <a:pPr lvl="1"/>
+            <a:r>
+              <a:rPr lang="en-US" sz="2400" dirty="0" smtClean="0"/>
+              <a:t>We accept the null hypothesis on all other weather conditions</a:t>
+            </a:r>
+            <a:endParaRPr lang="en-US" sz="2400" dirty="0"/>
+          </a:p>
+          <a:p>
+            <a:endParaRPr lang="en-US" sz="3200" dirty="0" smtClean="0"/>
+          </a:p>
+          <a:p>
+            <a:endParaRPr lang="en-US" sz="3200" dirty="0"/>
+          </a:p>
+          <a:p>
+            <a:pPr marL="0" indent="0">
               <a:buNone/>
             </a:pPr>
-            <a:endParaRPr lang="en-US" sz="2800" dirty="0"/>
-          </a:p>
-          <a:p>
-            <a:pPr marL="0" indent="0">
-              <a:buNone/>
-            </a:pPr>
-            <a:r>
-              <a:rPr lang="en-US" sz="2800" b="1" dirty="0" smtClean="0"/>
-              <a:t>Inferences</a:t>
-            </a:r>
-          </a:p>
-          <a:p>
-            <a:pPr lvl="1"/>
-            <a:r>
-              <a:rPr lang="en-US" sz="2400" dirty="0" smtClean="0"/>
-              <a:t>The higher amounts of traffic collisions in the summer may be due to other factors such as: </a:t>
-            </a:r>
-          </a:p>
-          <a:p>
-            <a:pPr lvl="2"/>
-            <a:r>
-              <a:rPr lang="en-US" sz="2400" dirty="0" smtClean="0"/>
-              <a:t>Increase in total miles driven per person </a:t>
-            </a:r>
-          </a:p>
-          <a:p>
-            <a:pPr lvl="2"/>
-            <a:r>
-              <a:rPr lang="en-US" sz="2400" dirty="0" smtClean="0"/>
-              <a:t>Increased tourism  </a:t>
-            </a:r>
-          </a:p>
-          <a:p>
-            <a:pPr lvl="2"/>
-            <a:r>
-              <a:rPr lang="en-US" sz="2400" dirty="0" smtClean="0"/>
-              <a:t>Increase in night time activities </a:t>
-            </a:r>
-          </a:p>
-          <a:p>
-            <a:pPr lvl="2"/>
-            <a:endParaRPr lang="en-US" dirty="0" smtClean="0"/>
-          </a:p>
-          <a:p>
-            <a:pPr lvl="1"/>
-            <a:endParaRPr lang="en-US" dirty="0"/>
-          </a:p>
-          <a:p>
-            <a:endParaRPr lang="en-US" dirty="0"/>
+            <a:endParaRPr lang="en-US" sz="3200" dirty="0"/>
           </a:p>
         </p:txBody>
       </p:sp>
     </p:spTree>
     <p:extLst>
       <p:ext uri="{BB962C8B-B14F-4D97-AF65-F5344CB8AC3E}">
-        <p14:creationId xmlns:p14="http://schemas.microsoft.com/office/powerpoint/2010/main" val="173081127"/>
+        <p14:creationId xmlns:p14="http://schemas.microsoft.com/office/powerpoint/2010/main" val="965116165"/>
       </p:ext>
     </p:extLst>
   </p:cSld>
@@ -9888,19 +9763,14 @@
             <p:ph type="title"/>
           </p:nvPr>
         </p:nvSpPr>
-        <p:spPr>
-          <a:xfrm>
-            <a:off x="3061854" y="570409"/>
-            <a:ext cx="8610600" cy="1293028"/>
-          </a:xfrm>
-        </p:spPr>
+        <p:spPr/>
         <p:txBody>
           <a:bodyPr/>
           <a:lstStyle/>
           <a:p>
             <a:r>
               <a:rPr lang="en-US" dirty="0" smtClean="0"/>
-              <a:t>Challenges/difficulties</a:t>
+              <a:t>Conclusions </a:t>
             </a:r>
             <a:endParaRPr lang="en-US" dirty="0"/>
           </a:p>
@@ -9913,55 +9783,97 @@
             <a:spLocks noGrp="1"/>
           </p:cNvSpPr>
           <p:nvPr>
-            <p:ph sz="half" idx="1"/>
-          </p:nvPr>
-        </p:nvSpPr>
-        <p:spPr>
-          <a:xfrm>
-            <a:off x="838201" y="2587010"/>
-            <a:ext cx="10023763" cy="2774699"/>
+            <p:ph idx="1"/>
+          </p:nvPr>
+        </p:nvSpPr>
+        <p:spPr>
+          <a:xfrm>
+            <a:off x="606669" y="2280140"/>
+            <a:ext cx="10289688" cy="3909646"/>
           </a:xfrm>
         </p:spPr>
         <p:txBody>
           <a:bodyPr>
-            <a:normAutofit/>
+            <a:normAutofit lnSpcReduction="10000"/>
           </a:bodyPr>
           <a:lstStyle/>
           <a:p>
+            <a:pPr marL="0" indent="0">
+              <a:buNone/>
+            </a:pPr>
+            <a:r>
+              <a:rPr lang="en-US" sz="2800" b="1" dirty="0" smtClean="0"/>
+              <a:t>Expected Results</a:t>
+            </a:r>
+            <a:endParaRPr lang="en-US" sz="2800" b="1" dirty="0"/>
+          </a:p>
+          <a:p>
             <a:pPr lvl="1"/>
             <a:r>
-              <a:rPr lang="en-US" sz="2600" dirty="0" smtClean="0"/>
-              <a:t>API limits</a:t>
-            </a:r>
-            <a:endParaRPr lang="en-US" sz="2600" dirty="0"/>
+              <a:rPr lang="en-US" sz="2400" dirty="0" smtClean="0"/>
+              <a:t>We expected higher traffic collisions in the winter because of adverse weather conditions, but the opposite was proven</a:t>
+            </a:r>
+          </a:p>
+          <a:p>
+            <a:pPr marL="457200" lvl="1" indent="0">
+              <a:buNone/>
+            </a:pPr>
+            <a:endParaRPr lang="en-US" sz="2800" dirty="0"/>
+          </a:p>
+          <a:p>
+            <a:pPr marL="0" indent="0">
+              <a:buNone/>
+            </a:pPr>
+            <a:r>
+              <a:rPr lang="en-US" sz="2800" b="1" dirty="0" smtClean="0"/>
+              <a:t>Inferences</a:t>
+            </a:r>
           </a:p>
           <a:p>
             <a:pPr lvl="1"/>
             <a:r>
-              <a:rPr lang="en-US" sz="2600" dirty="0" err="1"/>
-              <a:t>Git</a:t>
-            </a:r>
-            <a:r>
-              <a:rPr lang="en-US" sz="2600" dirty="0"/>
-              <a:t> LFS</a:t>
-            </a:r>
+              <a:rPr lang="en-US" sz="2400" dirty="0" smtClean="0"/>
+              <a:t>The higher amounts of traffic collisions in the summer may be due to other factors such as: </a:t>
+            </a:r>
+          </a:p>
+          <a:p>
+            <a:pPr lvl="2"/>
+            <a:r>
+              <a:rPr lang="en-US" sz="2400" dirty="0" smtClean="0"/>
+              <a:t>Increase in total miles driven per person </a:t>
+            </a:r>
+          </a:p>
+          <a:p>
+            <a:pPr lvl="2"/>
+            <a:r>
+              <a:rPr lang="en-US" sz="2400" dirty="0" smtClean="0"/>
+              <a:t>Increased tourism  </a:t>
+            </a:r>
+          </a:p>
+          <a:p>
+            <a:pPr lvl="2"/>
+            <a:r>
+              <a:rPr lang="en-US" sz="2400" dirty="0" smtClean="0"/>
+              <a:t>Increase in night time activities </a:t>
+            </a:r>
+          </a:p>
+          <a:p>
+            <a:pPr lvl="2"/>
+            <a:endParaRPr lang="en-US" dirty="0" smtClean="0"/>
           </a:p>
           <a:p>
             <a:pPr lvl="1"/>
-            <a:r>
-              <a:rPr lang="en-US" sz="2600" dirty="0"/>
-              <a:t>Correcting weeks and years at year boundaries</a:t>
-            </a:r>
-          </a:p>
-          <a:p>
-            <a:endParaRPr lang="en-US" sz="2800" dirty="0"/>
+            <a:endParaRPr lang="en-US" dirty="0"/>
+          </a:p>
+          <a:p>
+            <a:endParaRPr lang="en-US" dirty="0"/>
           </a:p>
         </p:txBody>
       </p:sp>
     </p:spTree>
     <p:extLst>
       <p:ext uri="{BB962C8B-B14F-4D97-AF65-F5344CB8AC3E}">
-        <p14:creationId xmlns:p14="http://schemas.microsoft.com/office/powerpoint/2010/main" val="1254543814"/>
+        <p14:creationId xmlns:p14="http://schemas.microsoft.com/office/powerpoint/2010/main" val="173081127"/>
       </p:ext>
     </p:extLst>
   </p:cSld>
@@ -10000,7 +9912,7 @@
           <p:cNvPr id="2" name="Title 1">
             <a:extLst>
               <a:ext uri="{FF2B5EF4-FFF2-40B4-BE49-F238E27FC236}">
-                <a16:creationId xmlns:a16="http://schemas.microsoft.com/office/drawing/2014/main" xmlns="" id="{E92A2105-2D73-4E24-B721-D796B790C1AC}"/>
+                <a16:creationId xmlns="" xmlns:a16="http://schemas.microsoft.com/office/drawing/2014/main" id="{E92A2105-2D73-4E24-B721-D796B790C1AC}"/>
               </a:ext>
             </a:extLst>
           </p:cNvPr>
@@ -10018,11 +9930,7 @@
           <a:p>
             <a:r>
               <a:rPr lang="en-US" dirty="0" smtClean="0"/>
-              <a:t>Further Research/ </a:t>
-            </a:r>
-            <a:r>
-              <a:rPr lang="en-US" dirty="0" smtClean="0"/>
-              <a:t>questions</a:t>
+              <a:t>Further Research/ questions</a:t>
             </a:r>
             <a:endParaRPr lang="en-US" dirty="0"/>
           </a:p>
@@ -10033,7 +9941,7 @@
           <p:cNvPr id="3" name="Content Placeholder 2">
             <a:extLst>
               <a:ext uri="{FF2B5EF4-FFF2-40B4-BE49-F238E27FC236}">
-                <a16:creationId xmlns:a16="http://schemas.microsoft.com/office/drawing/2014/main" xmlns="" id="{C89E16CA-E7C2-43BA-B746-A817BEFC115B}"/>
+                <a16:creationId xmlns="" xmlns:a16="http://schemas.microsoft.com/office/drawing/2014/main" id="{C89E16CA-E7C2-43BA-B746-A817BEFC115B}"/>
               </a:ext>
             </a:extLst>
           </p:cNvPr>
@@ -10054,11 +9962,7 @@
             <a:pPr lvl="1"/>
             <a:r>
               <a:rPr lang="en-US" dirty="0" smtClean="0"/>
-              <a:t>Does the temperature affect the number of Pedestrians killed or injured</a:t>
-            </a:r>
-            <a:r>
-              <a:rPr lang="en-US" dirty="0" smtClean="0"/>
-              <a:t>?</a:t>
+              <a:t>Does the temperature affect the number of Pedestrians killed or injured?</a:t>
             </a:r>
           </a:p>
           <a:p>
@@ -10413,7 +10317,7 @@
           <p:cNvPr id="2" name="Title 1">
             <a:extLst>
               <a:ext uri="{FF2B5EF4-FFF2-40B4-BE49-F238E27FC236}">
-                <a16:creationId xmlns:a16="http://schemas.microsoft.com/office/drawing/2014/main" xmlns="" id="{3F944E5D-74C5-4D5B-82CF-2E7207B6111C}"/>
+                <a16:creationId xmlns="" xmlns:a16="http://schemas.microsoft.com/office/drawing/2014/main" id="{3F944E5D-74C5-4D5B-82CF-2E7207B6111C}"/>
               </a:ext>
             </a:extLst>
           </p:cNvPr>
@@ -10442,7 +10346,7 @@
           <p:cNvPr id="3" name="Content Placeholder 2">
             <a:extLst>
               <a:ext uri="{FF2B5EF4-FFF2-40B4-BE49-F238E27FC236}">
-                <a16:creationId xmlns:a16="http://schemas.microsoft.com/office/drawing/2014/main" xmlns="" id="{30A1A713-E431-4A6E-A04B-6CC1A7747713}"/>
+                <a16:creationId xmlns="" xmlns:a16="http://schemas.microsoft.com/office/drawing/2014/main" id="{30A1A713-E431-4A6E-A04B-6CC1A7747713}"/>
               </a:ext>
             </a:extLst>
           </p:cNvPr>
@@ -10565,7 +10469,7 @@
           <p:cNvPr id="3" name="Content Placeholder 2">
             <a:extLst>
               <a:ext uri="{FF2B5EF4-FFF2-40B4-BE49-F238E27FC236}">
-                <a16:creationId xmlns:a16="http://schemas.microsoft.com/office/drawing/2014/main" xmlns="" id="{0A940520-3412-47B6-BC6C-2BAE173C48C8}"/>
+                <a16:creationId xmlns="" xmlns:a16="http://schemas.microsoft.com/office/drawing/2014/main" id="{0A940520-3412-47B6-BC6C-2BAE173C48C8}"/>
               </a:ext>
             </a:extLst>
           </p:cNvPr>
@@ -10693,7 +10597,7 @@
           <p:cNvPr id="6" name="Picture 5">
             <a:extLst>
               <a:ext uri="{FF2B5EF4-FFF2-40B4-BE49-F238E27FC236}">
-                <a16:creationId xmlns:a16="http://schemas.microsoft.com/office/drawing/2014/main" xmlns="" id="{EB2B7A8F-A1B6-4241-B4C4-3D52920CA072}"/>
+                <a16:creationId xmlns="" xmlns:a16="http://schemas.microsoft.com/office/drawing/2014/main" id="{EB2B7A8F-A1B6-4241-B4C4-3D52920CA072}"/>
               </a:ext>
             </a:extLst>
           </p:cNvPr>
@@ -10723,7 +10627,7 @@
           <p:cNvPr id="10" name="Picture 9">
             <a:extLst>
               <a:ext uri="{FF2B5EF4-FFF2-40B4-BE49-F238E27FC236}">
-                <a16:creationId xmlns:a16="http://schemas.microsoft.com/office/drawing/2014/main" xmlns="" id="{7FD0779B-1A54-468D-8FAF-DFB24AE247B3}"/>
+                <a16:creationId xmlns="" xmlns:a16="http://schemas.microsoft.com/office/drawing/2014/main" id="{7FD0779B-1A54-468D-8FAF-DFB24AE247B3}"/>
               </a:ext>
             </a:extLst>
           </p:cNvPr>
@@ -10753,7 +10657,7 @@
           <p:cNvPr id="12" name="Title 1">
             <a:extLst>
               <a:ext uri="{FF2B5EF4-FFF2-40B4-BE49-F238E27FC236}">
-                <a16:creationId xmlns:a16="http://schemas.microsoft.com/office/drawing/2014/main" xmlns="" id="{20043D80-2817-4761-A2EB-32E5292EFD33}"/>
+                <a16:creationId xmlns="" xmlns:a16="http://schemas.microsoft.com/office/drawing/2014/main" id="{20043D80-2817-4761-A2EB-32E5292EFD33}"/>
               </a:ext>
             </a:extLst>
           </p:cNvPr>
@@ -10902,7 +10806,7 @@
           <p:cNvPr id="3" name="Content Placeholder 3">
             <a:extLst>
               <a:ext uri="{FF2B5EF4-FFF2-40B4-BE49-F238E27FC236}">
-                <a16:creationId xmlns:a16="http://schemas.microsoft.com/office/drawing/2014/main" xmlns="" id="{6778A102-F441-4415-9B3D-9617B0DFE199}"/>
+                <a16:creationId xmlns="" xmlns:a16="http://schemas.microsoft.com/office/drawing/2014/main" id="{6778A102-F441-4415-9B3D-9617B0DFE199}"/>
               </a:ext>
             </a:extLst>
           </p:cNvPr>
@@ -11239,7 +11143,7 @@
           <p:cNvPr id="5" name="Picture 4">
             <a:extLst>
               <a:ext uri="{FF2B5EF4-FFF2-40B4-BE49-F238E27FC236}">
-                <a16:creationId xmlns:a16="http://schemas.microsoft.com/office/drawing/2014/main" xmlns="" id="{5FE1963C-7056-4DED-BCEB-030643861179}"/>
+                <a16:creationId xmlns="" xmlns:a16="http://schemas.microsoft.com/office/drawing/2014/main" id="{5FE1963C-7056-4DED-BCEB-030643861179}"/>
               </a:ext>
             </a:extLst>
           </p:cNvPr>
@@ -11269,7 +11173,7 @@
           <p:cNvPr id="7" name="Picture 6">
             <a:extLst>
               <a:ext uri="{FF2B5EF4-FFF2-40B4-BE49-F238E27FC236}">
-                <a16:creationId xmlns:a16="http://schemas.microsoft.com/office/drawing/2014/main" xmlns="" id="{A0163D6A-DF97-4B35-9BD3-625F5951D28E}"/>
+                <a16:creationId xmlns="" xmlns:a16="http://schemas.microsoft.com/office/drawing/2014/main" id="{A0163D6A-DF97-4B35-9BD3-625F5951D28E}"/>
               </a:ext>
             </a:extLst>
           </p:cNvPr>
@@ -11363,13 +11267,7 @@
       </p:grpSpPr>
       <p:sp>
         <p:nvSpPr>
-          <p:cNvPr id="2" name="Title 1">
-            <a:extLst>
-              <a:ext uri="{FF2B5EF4-FFF2-40B4-BE49-F238E27FC236}">
-                <a16:creationId xmlns:a16="http://schemas.microsoft.com/office/drawing/2014/main" xmlns="" id="{AA2E8629-06EE-46BE-9102-963C75F88AB4}"/>
-              </a:ext>
-            </a:extLst>
-          </p:cNvPr>
+          <p:cNvPr id="2" name="Title 1"/>
           <p:cNvSpPr>
             <a:spLocks noGrp="1"/>
           </p:cNvSpPr>
@@ -11379,8 +11277,8 @@
         </p:nvSpPr>
         <p:spPr>
           <a:xfrm>
-            <a:off x="685801" y="458771"/>
-            <a:ext cx="10131425" cy="1456267"/>
+            <a:off x="3061854" y="570409"/>
+            <a:ext cx="8610600" cy="1293028"/>
           </a:xfrm>
         </p:spPr>
         <p:txBody>
@@ -11388,136 +11286,69 @@
           <a:lstStyle/>
           <a:p>
             <a:r>
-              <a:rPr lang="en-US" dirty="0"/>
-              <a:t>FINAL DATA FRAME</a:t>
-            </a:r>
-          </a:p>
-        </p:txBody>
-      </p:sp>
-      <p:pic>
-        <p:nvPicPr>
-          <p:cNvPr id="3" name="Content Placeholder 5">
-            <a:extLst>
-              <a:ext uri="{FF2B5EF4-FFF2-40B4-BE49-F238E27FC236}">
-                <a16:creationId xmlns:a16="http://schemas.microsoft.com/office/drawing/2014/main" xmlns="" id="{166E17B3-35B0-4092-84E7-2FBCB4D6E453}"/>
-              </a:ext>
-            </a:extLst>
-          </p:cNvPr>
-          <p:cNvPicPr>
-            <a:picLocks noChangeAspect="1"/>
-          </p:cNvPicPr>
-          <p:nvPr/>
-        </p:nvPicPr>
-        <p:blipFill>
-          <a:blip r:embed="rId2"/>
-          <a:stretch>
-            <a:fillRect/>
-          </a:stretch>
-        </p:blipFill>
-        <p:spPr>
-          <a:xfrm>
-            <a:off x="433633" y="3118341"/>
-            <a:ext cx="11384158" cy="2827274"/>
-          </a:xfrm>
-          <a:prstGeom prst="rect">
-            <a:avLst/>
-          </a:prstGeom>
-        </p:spPr>
-      </p:pic>
-      <p:sp>
-        <p:nvSpPr>
-          <p:cNvPr id="4" name="TextBox 3">
-            <a:extLst>
-              <a:ext uri="{FF2B5EF4-FFF2-40B4-BE49-F238E27FC236}">
-                <a16:creationId xmlns:a16="http://schemas.microsoft.com/office/drawing/2014/main" xmlns="" id="{9A42EB9A-35E4-4850-B607-C79DF8B9A310}"/>
-              </a:ext>
-            </a:extLst>
-          </p:cNvPr>
-          <p:cNvSpPr txBox="1"/>
-          <p:nvPr/>
-        </p:nvSpPr>
-        <p:spPr>
-          <a:xfrm>
-            <a:off x="685801" y="1715641"/>
-            <a:ext cx="8729221" cy="1477328"/>
-          </a:xfrm>
-          <a:prstGeom prst="rect">
-            <a:avLst/>
-          </a:prstGeom>
-          <a:noFill/>
-        </p:spPr>
-        <p:txBody>
-          <a:bodyPr wrap="square" rtlCol="0">
-            <a:spAutoFit/>
+              <a:rPr lang="en-US" dirty="0" smtClean="0"/>
+              <a:t>Challenges/difficulties</a:t>
+            </a:r>
+            <a:endParaRPr lang="en-US" dirty="0"/>
+          </a:p>
+        </p:txBody>
+      </p:sp>
+      <p:sp>
+        <p:nvSpPr>
+          <p:cNvPr id="3" name="Content Placeholder 2"/>
+          <p:cNvSpPr>
+            <a:spLocks noGrp="1"/>
+          </p:cNvSpPr>
+          <p:nvPr>
+            <p:ph sz="half" idx="1"/>
+          </p:nvPr>
+        </p:nvSpPr>
+        <p:spPr>
+          <a:xfrm>
+            <a:off x="838201" y="2587010"/>
+            <a:ext cx="10023763" cy="2774699"/>
+          </a:xfrm>
+        </p:spPr>
+        <p:txBody>
+          <a:bodyPr>
+            <a:normAutofit/>
           </a:bodyPr>
           <a:lstStyle/>
           <a:p>
-            <a:pPr marL="285750" indent="-285750">
-              <a:buFont typeface="Arial" panose="020B0604020202020204" pitchFamily="34" charset="0"/>
-              <a:buChar char="•"/>
-            </a:pPr>
-            <a:r>
-              <a:rPr lang="en-US" dirty="0"/>
-              <a:t>Merge NYC collisions data and Dark sky Weather </a:t>
-            </a:r>
-            <a:r>
-              <a:rPr lang="en-US" dirty="0" smtClean="0"/>
-              <a:t>data Left Join</a:t>
-            </a:r>
-            <a:endParaRPr lang="en-US" dirty="0"/>
-          </a:p>
-          <a:p>
-            <a:pPr marL="285750" indent="-285750">
-              <a:buFont typeface="Arial" panose="020B0604020202020204" pitchFamily="34" charset="0"/>
-              <a:buChar char="•"/>
-            </a:pPr>
-            <a:r>
-              <a:rPr lang="en-US" dirty="0" smtClean="0"/>
-              <a:t>Dropped most categorical information</a:t>
-            </a:r>
-          </a:p>
-          <a:p>
-            <a:pPr marL="285750" indent="-285750">
-              <a:buFont typeface="Arial" panose="020B0604020202020204" pitchFamily="34" charset="0"/>
-              <a:buChar char="•"/>
-            </a:pPr>
-            <a:r>
-              <a:rPr lang="en-US" dirty="0" smtClean="0"/>
-              <a:t>Create </a:t>
-            </a:r>
-            <a:r>
-              <a:rPr lang="en-US" dirty="0"/>
-              <a:t>“Year” and “Week” </a:t>
-            </a:r>
-            <a:r>
-              <a:rPr lang="en-US" dirty="0" smtClean="0"/>
-              <a:t>columns using an IF statement in a Loop</a:t>
-            </a:r>
-            <a:endParaRPr lang="en-US" dirty="0"/>
-          </a:p>
-          <a:p>
-            <a:pPr marL="285750" indent="-285750">
-              <a:buFont typeface="Arial" charset="0"/>
-              <a:buChar char="•"/>
-            </a:pPr>
-            <a:r>
-              <a:rPr lang="en-US" dirty="0"/>
-              <a:t>Create function to correct weeks and years at year boundaries</a:t>
-            </a:r>
-          </a:p>
-          <a:p>
-            <a:pPr marL="285750" indent="-285750">
-              <a:buFont typeface="Arial" panose="020B0604020202020204" pitchFamily="34" charset="0"/>
-              <a:buChar char="•"/>
-            </a:pPr>
-            <a:endParaRPr lang="en-US" dirty="0"/>
+            <a:pPr lvl="1"/>
+            <a:r>
+              <a:rPr lang="en-US" sz="2600" dirty="0" smtClean="0"/>
+              <a:t>API limits</a:t>
+            </a:r>
+            <a:endParaRPr lang="en-US" sz="2600" dirty="0"/>
+          </a:p>
+          <a:p>
+            <a:pPr lvl="1"/>
+            <a:r>
+              <a:rPr lang="en-US" sz="2600" dirty="0" err="1"/>
+              <a:t>Git</a:t>
+            </a:r>
+            <a:r>
+              <a:rPr lang="en-US" sz="2600" dirty="0"/>
+              <a:t> LFS</a:t>
+            </a:r>
+          </a:p>
+          <a:p>
+            <a:pPr lvl="1"/>
+            <a:r>
+              <a:rPr lang="en-US" sz="2600" dirty="0"/>
+              <a:t>Correcting weeks and years at year boundaries</a:t>
+            </a:r>
+          </a:p>
+          <a:p>
+            <a:endParaRPr lang="en-US" sz="2800" dirty="0"/>
           </a:p>
         </p:txBody>
       </p:sp>
     </p:spTree>
     <p:extLst>
       <p:ext uri="{BB962C8B-B14F-4D97-AF65-F5344CB8AC3E}">
-        <p14:creationId xmlns:p14="http://schemas.microsoft.com/office/powerpoint/2010/main" val="2760679971"/>
+        <p14:creationId xmlns:p14="http://schemas.microsoft.com/office/powerpoint/2010/main" val="934200125"/>
       </p:ext>
     </p:extLst>
   </p:cSld>
@@ -11551,21 +11382,52 @@
           <a:chExt cx="0" cy="0"/>
         </a:xfrm>
       </p:grpSpPr>
+      <p:sp>
+        <p:nvSpPr>
+          <p:cNvPr id="2" name="Title 1">
+            <a:extLst>
+              <a:ext uri="{FF2B5EF4-FFF2-40B4-BE49-F238E27FC236}">
+                <a16:creationId xmlns="" xmlns:a16="http://schemas.microsoft.com/office/drawing/2014/main" id="{AA2E8629-06EE-46BE-9102-963C75F88AB4}"/>
+              </a:ext>
+            </a:extLst>
+          </p:cNvPr>
+          <p:cNvSpPr>
+            <a:spLocks noGrp="1"/>
+          </p:cNvSpPr>
+          <p:nvPr>
+            <p:ph type="title"/>
+          </p:nvPr>
+        </p:nvSpPr>
+        <p:spPr>
+          <a:xfrm>
+            <a:off x="685801" y="458771"/>
+            <a:ext cx="10131425" cy="1456267"/>
+          </a:xfrm>
+        </p:spPr>
+        <p:txBody>
+          <a:bodyPr/>
+          <a:lstStyle/>
+          <a:p>
+            <a:r>
+              <a:rPr lang="en-US" dirty="0"/>
+              <a:t>FINAL DATA FRAME</a:t>
+            </a:r>
+          </a:p>
+        </p:txBody>
+      </p:sp>
       <p:pic>
         <p:nvPicPr>
-          <p:cNvPr id="5" name="Content Placeholder 4">
+          <p:cNvPr id="3" name="Content Placeholder 5">
             <a:extLst>
               <a:ext uri="{FF2B5EF4-FFF2-40B4-BE49-F238E27FC236}">
-                <a16:creationId xmlns:a16="http://schemas.microsoft.com/office/drawing/2014/main" xmlns="" id="{39D2510D-176A-45DE-8B7C-A525905EC0BB}"/>
+                <a16:creationId xmlns="" xmlns:a16="http://schemas.microsoft.com/office/drawing/2014/main" id="{166E17B3-35B0-4092-84E7-2FBCB4D6E453}"/>
               </a:ext>
             </a:extLst>
           </p:cNvPr>
           <p:cNvPicPr>
-            <a:picLocks noGrp="1" noChangeAspect="1"/>
+            <a:picLocks noChangeAspect="1"/>
           </p:cNvPicPr>
-          <p:nvPr>
-            <p:ph idx="1"/>
-          </p:nvPr>
+          <p:nvPr/>
         </p:nvPicPr>
         <p:blipFill>
           <a:blip r:embed="rId2"/>
@@ -11575,15 +11437,108 @@
         </p:blipFill>
         <p:spPr>
           <a:xfrm>
-            <a:off x="395722" y="484910"/>
-            <a:ext cx="11526979" cy="5763490"/>
-          </a:xfrm>
+            <a:off x="433633" y="3118341"/>
+            <a:ext cx="11384158" cy="2827274"/>
+          </a:xfrm>
+          <a:prstGeom prst="rect">
+            <a:avLst/>
+          </a:prstGeom>
         </p:spPr>
       </p:pic>
+      <p:sp>
+        <p:nvSpPr>
+          <p:cNvPr id="4" name="TextBox 3">
+            <a:extLst>
+              <a:ext uri="{FF2B5EF4-FFF2-40B4-BE49-F238E27FC236}">
+                <a16:creationId xmlns="" xmlns:a16="http://schemas.microsoft.com/office/drawing/2014/main" id="{9A42EB9A-35E4-4850-B607-C79DF8B9A310}"/>
+              </a:ext>
+            </a:extLst>
+          </p:cNvPr>
+          <p:cNvSpPr txBox="1"/>
+          <p:nvPr/>
+        </p:nvSpPr>
+        <p:spPr>
+          <a:xfrm>
+            <a:off x="685801" y="1715641"/>
+            <a:ext cx="8729221" cy="1477328"/>
+          </a:xfrm>
+          <a:prstGeom prst="rect">
+            <a:avLst/>
+          </a:prstGeom>
+          <a:noFill/>
+        </p:spPr>
+        <p:txBody>
+          <a:bodyPr wrap="square" rtlCol="0">
+            <a:spAutoFit/>
+          </a:bodyPr>
+          <a:lstStyle/>
+          <a:p>
+            <a:pPr marL="285750" indent="-285750">
+              <a:buFont typeface="Arial" panose="020B0604020202020204" pitchFamily="34" charset="0"/>
+              <a:buChar char="•"/>
+            </a:pPr>
+            <a:r>
+              <a:rPr lang="en-US" dirty="0"/>
+              <a:t>Merge NYC collisions data and Dark sky Weather </a:t>
+            </a:r>
+            <a:r>
+              <a:rPr lang="en-US" dirty="0" smtClean="0"/>
+              <a:t>data Left Join</a:t>
+            </a:r>
+            <a:endParaRPr lang="en-US" dirty="0"/>
+          </a:p>
+          <a:p>
+            <a:pPr marL="285750" indent="-285750">
+              <a:buFont typeface="Arial" panose="020B0604020202020204" pitchFamily="34" charset="0"/>
+              <a:buChar char="•"/>
+            </a:pPr>
+            <a:r>
+              <a:rPr lang="en-US" dirty="0" smtClean="0"/>
+              <a:t>Dropped most categorical information</a:t>
+            </a:r>
+          </a:p>
+          <a:p>
+            <a:pPr marL="285750" indent="-285750">
+              <a:buFont typeface="Arial" panose="020B0604020202020204" pitchFamily="34" charset="0"/>
+              <a:buChar char="•"/>
+            </a:pPr>
+            <a:r>
+              <a:rPr lang="en-US" dirty="0" smtClean="0"/>
+              <a:t>Create </a:t>
+            </a:r>
+            <a:r>
+              <a:rPr lang="en-US" dirty="0"/>
+              <a:t>“Year” and “Week” </a:t>
+            </a:r>
+            <a:r>
+              <a:rPr lang="en-US" dirty="0" smtClean="0"/>
+              <a:t>columns using an IF statement in a Loop</a:t>
+            </a:r>
+            <a:endParaRPr lang="en-US" dirty="0"/>
+          </a:p>
+          <a:p>
+            <a:pPr marL="285750" indent="-285750">
+              <a:buFont typeface="Arial" charset="0"/>
+              <a:buChar char="•"/>
+            </a:pPr>
+            <a:r>
+              <a:rPr lang="en-US" dirty="0"/>
+              <a:t>Create function to correct weeks and years at year boundaries</a:t>
+            </a:r>
+          </a:p>
+          <a:p>
+            <a:pPr marL="285750" indent="-285750">
+              <a:buFont typeface="Arial" panose="020B0604020202020204" pitchFamily="34" charset="0"/>
+              <a:buChar char="•"/>
+            </a:pPr>
+            <a:endParaRPr lang="en-US" dirty="0"/>
+          </a:p>
+        </p:txBody>
+      </p:sp>
     </p:spTree>
     <p:extLst>
       <p:ext uri="{BB962C8B-B14F-4D97-AF65-F5344CB8AC3E}">
-        <p14:creationId xmlns:p14="http://schemas.microsoft.com/office/powerpoint/2010/main" val="100125960"/>
+        <p14:creationId xmlns:p14="http://schemas.microsoft.com/office/powerpoint/2010/main" val="2760679971"/>
       </p:ext>
     </p:extLst>
   </p:cSld>
